--- a/anexo/diagramas.pptx
+++ b/anexo/diagramas.pptx
@@ -1060,7 +1060,7 @@
           <a:p>
             <a:fld id="{E3F29CD9-4246-4F4F-BB3B-942F42C480CC}" type="datetimeFigureOut">
               <a:rPr lang="pt-BR" smtClean="0"/>
-              <a:t>14/02/2024</a:t>
+              <a:t>01/03/2024</a:t>
             </a:fld>
             <a:endParaRPr lang="pt-BR"/>
           </a:p>
@@ -2143,7 +2143,7 @@
           <a:p>
             <a:fld id="{C8B65674-A10E-4998-BFDD-52648E7BF404}" type="datetimeFigureOut">
               <a:rPr lang="pt-BR" smtClean="0"/>
-              <a:t>14/02/2024</a:t>
+              <a:t>01/03/2024</a:t>
             </a:fld>
             <a:endParaRPr lang="pt-BR"/>
           </a:p>
@@ -2313,7 +2313,7 @@
           <a:p>
             <a:fld id="{C8B65674-A10E-4998-BFDD-52648E7BF404}" type="datetimeFigureOut">
               <a:rPr lang="pt-BR" smtClean="0"/>
-              <a:t>14/02/2024</a:t>
+              <a:t>01/03/2024</a:t>
             </a:fld>
             <a:endParaRPr lang="pt-BR"/>
           </a:p>
@@ -2493,7 +2493,7 @@
           <a:p>
             <a:fld id="{C8B65674-A10E-4998-BFDD-52648E7BF404}" type="datetimeFigureOut">
               <a:rPr lang="pt-BR" smtClean="0"/>
-              <a:t>14/02/2024</a:t>
+              <a:t>01/03/2024</a:t>
             </a:fld>
             <a:endParaRPr lang="pt-BR"/>
           </a:p>
@@ -2663,7 +2663,7 @@
           <a:p>
             <a:fld id="{C8B65674-A10E-4998-BFDD-52648E7BF404}" type="datetimeFigureOut">
               <a:rPr lang="pt-BR" smtClean="0"/>
-              <a:t>14/02/2024</a:t>
+              <a:t>01/03/2024</a:t>
             </a:fld>
             <a:endParaRPr lang="pt-BR"/>
           </a:p>
@@ -2907,7 +2907,7 @@
           <a:p>
             <a:fld id="{C8B65674-A10E-4998-BFDD-52648E7BF404}" type="datetimeFigureOut">
               <a:rPr lang="pt-BR" smtClean="0"/>
-              <a:t>14/02/2024</a:t>
+              <a:t>01/03/2024</a:t>
             </a:fld>
             <a:endParaRPr lang="pt-BR"/>
           </a:p>
@@ -3139,7 +3139,7 @@
           <a:p>
             <a:fld id="{C8B65674-A10E-4998-BFDD-52648E7BF404}" type="datetimeFigureOut">
               <a:rPr lang="pt-BR" smtClean="0"/>
-              <a:t>14/02/2024</a:t>
+              <a:t>01/03/2024</a:t>
             </a:fld>
             <a:endParaRPr lang="pt-BR"/>
           </a:p>
@@ -3506,7 +3506,7 @@
           <a:p>
             <a:fld id="{C8B65674-A10E-4998-BFDD-52648E7BF404}" type="datetimeFigureOut">
               <a:rPr lang="pt-BR" smtClean="0"/>
-              <a:t>14/02/2024</a:t>
+              <a:t>01/03/2024</a:t>
             </a:fld>
             <a:endParaRPr lang="pt-BR"/>
           </a:p>
@@ -3624,7 +3624,7 @@
           <a:p>
             <a:fld id="{C8B65674-A10E-4998-BFDD-52648E7BF404}" type="datetimeFigureOut">
               <a:rPr lang="pt-BR" smtClean="0"/>
-              <a:t>14/02/2024</a:t>
+              <a:t>01/03/2024</a:t>
             </a:fld>
             <a:endParaRPr lang="pt-BR"/>
           </a:p>
@@ -3719,7 +3719,7 @@
           <a:p>
             <a:fld id="{C8B65674-A10E-4998-BFDD-52648E7BF404}" type="datetimeFigureOut">
               <a:rPr lang="pt-BR" smtClean="0"/>
-              <a:t>14/02/2024</a:t>
+              <a:t>01/03/2024</a:t>
             </a:fld>
             <a:endParaRPr lang="pt-BR"/>
           </a:p>
@@ -3996,7 +3996,7 @@
           <a:p>
             <a:fld id="{C8B65674-A10E-4998-BFDD-52648E7BF404}" type="datetimeFigureOut">
               <a:rPr lang="pt-BR" smtClean="0"/>
-              <a:t>14/02/2024</a:t>
+              <a:t>01/03/2024</a:t>
             </a:fld>
             <a:endParaRPr lang="pt-BR"/>
           </a:p>
@@ -4253,7 +4253,7 @@
           <a:p>
             <a:fld id="{C8B65674-A10E-4998-BFDD-52648E7BF404}" type="datetimeFigureOut">
               <a:rPr lang="pt-BR" smtClean="0"/>
-              <a:t>14/02/2024</a:t>
+              <a:t>01/03/2024</a:t>
             </a:fld>
             <a:endParaRPr lang="pt-BR"/>
           </a:p>
@@ -4466,7 +4466,7 @@
           <a:p>
             <a:fld id="{C8B65674-A10E-4998-BFDD-52648E7BF404}" type="datetimeFigureOut">
               <a:rPr lang="pt-BR" smtClean="0"/>
-              <a:t>14/02/2024</a:t>
+              <a:t>01/03/2024</a:t>
             </a:fld>
             <a:endParaRPr lang="pt-BR"/>
           </a:p>
@@ -36763,6 +36763,3507 @@
           </a:fontRef>
         </p:style>
       </p:cxnSp>
+      <p:sp>
+        <p:nvSpPr>
+          <p:cNvPr id="4" name="CaixaDeTexto 1">
+            <a:extLst>
+              <a:ext uri="{FF2B5EF4-FFF2-40B4-BE49-F238E27FC236}">
+                <a16:creationId xmlns:a16="http://schemas.microsoft.com/office/drawing/2014/main" id="{AF792F0F-FAAC-4E39-D716-288A8509057B}"/>
+              </a:ext>
+            </a:extLst>
+          </p:cNvPr>
+          <p:cNvSpPr txBox="1"/>
+          <p:nvPr/>
+        </p:nvSpPr>
+        <p:spPr>
+          <a:xfrm>
+            <a:off x="14919682" y="2188606"/>
+            <a:ext cx="1440149" cy="1046440"/>
+          </a:xfrm>
+          <a:prstGeom prst="rect">
+            <a:avLst/>
+          </a:prstGeom>
+          <a:noFill/>
+        </p:spPr>
+        <p:txBody>
+          <a:bodyPr wrap="square">
+            <a:spAutoFit/>
+          </a:bodyPr>
+          <a:lstStyle>
+            <a:defPPr>
+              <a:defRPr lang="en-US"/>
+            </a:defPPr>
+            <a:lvl1pPr marL="0" algn="l" defTabSz="457200" rtl="0" eaLnBrk="1" latinLnBrk="0" hangingPunct="1">
+              <a:defRPr sz="1800" kern="1200">
+                <a:solidFill>
+                  <a:schemeClr val="tx1"/>
+                </a:solidFill>
+                <a:latin typeface="+mn-lt"/>
+                <a:ea typeface="+mn-ea"/>
+                <a:cs typeface="+mn-cs"/>
+              </a:defRPr>
+            </a:lvl1pPr>
+            <a:lvl2pPr marL="457200" algn="l" defTabSz="457200" rtl="0" eaLnBrk="1" latinLnBrk="0" hangingPunct="1">
+              <a:defRPr sz="1800" kern="1200">
+                <a:solidFill>
+                  <a:schemeClr val="tx1"/>
+                </a:solidFill>
+                <a:latin typeface="+mn-lt"/>
+                <a:ea typeface="+mn-ea"/>
+                <a:cs typeface="+mn-cs"/>
+              </a:defRPr>
+            </a:lvl2pPr>
+            <a:lvl3pPr marL="914400" algn="l" defTabSz="457200" rtl="0" eaLnBrk="1" latinLnBrk="0" hangingPunct="1">
+              <a:defRPr sz="1800" kern="1200">
+                <a:solidFill>
+                  <a:schemeClr val="tx1"/>
+                </a:solidFill>
+                <a:latin typeface="+mn-lt"/>
+                <a:ea typeface="+mn-ea"/>
+                <a:cs typeface="+mn-cs"/>
+              </a:defRPr>
+            </a:lvl3pPr>
+            <a:lvl4pPr marL="1371600" algn="l" defTabSz="457200" rtl="0" eaLnBrk="1" latinLnBrk="0" hangingPunct="1">
+              <a:defRPr sz="1800" kern="1200">
+                <a:solidFill>
+                  <a:schemeClr val="tx1"/>
+                </a:solidFill>
+                <a:latin typeface="+mn-lt"/>
+                <a:ea typeface="+mn-ea"/>
+                <a:cs typeface="+mn-cs"/>
+              </a:defRPr>
+            </a:lvl4pPr>
+            <a:lvl5pPr marL="1828800" algn="l" defTabSz="457200" rtl="0" eaLnBrk="1" latinLnBrk="0" hangingPunct="1">
+              <a:defRPr sz="1800" kern="1200">
+                <a:solidFill>
+                  <a:schemeClr val="tx1"/>
+                </a:solidFill>
+                <a:latin typeface="+mn-lt"/>
+                <a:ea typeface="+mn-ea"/>
+                <a:cs typeface="+mn-cs"/>
+              </a:defRPr>
+            </a:lvl5pPr>
+            <a:lvl6pPr marL="2286000" algn="l" defTabSz="457200" rtl="0" eaLnBrk="1" latinLnBrk="0" hangingPunct="1">
+              <a:defRPr sz="1800" kern="1200">
+                <a:solidFill>
+                  <a:schemeClr val="tx1"/>
+                </a:solidFill>
+                <a:latin typeface="+mn-lt"/>
+                <a:ea typeface="+mn-ea"/>
+                <a:cs typeface="+mn-cs"/>
+              </a:defRPr>
+            </a:lvl6pPr>
+            <a:lvl7pPr marL="2743200" algn="l" defTabSz="457200" rtl="0" eaLnBrk="1" latinLnBrk="0" hangingPunct="1">
+              <a:defRPr sz="1800" kern="1200">
+                <a:solidFill>
+                  <a:schemeClr val="tx1"/>
+                </a:solidFill>
+                <a:latin typeface="+mn-lt"/>
+                <a:ea typeface="+mn-ea"/>
+                <a:cs typeface="+mn-cs"/>
+              </a:defRPr>
+            </a:lvl7pPr>
+            <a:lvl8pPr marL="3200400" algn="l" defTabSz="457200" rtl="0" eaLnBrk="1" latinLnBrk="0" hangingPunct="1">
+              <a:defRPr sz="1800" kern="1200">
+                <a:solidFill>
+                  <a:schemeClr val="tx1"/>
+                </a:solidFill>
+                <a:latin typeface="+mn-lt"/>
+                <a:ea typeface="+mn-ea"/>
+                <a:cs typeface="+mn-cs"/>
+              </a:defRPr>
+            </a:lvl8pPr>
+            <a:lvl9pPr marL="3657600" algn="l" defTabSz="457200" rtl="0" eaLnBrk="1" latinLnBrk="0" hangingPunct="1">
+              <a:defRPr sz="1800" kern="1200">
+                <a:solidFill>
+                  <a:schemeClr val="tx1"/>
+                </a:solidFill>
+                <a:latin typeface="+mn-lt"/>
+                <a:ea typeface="+mn-ea"/>
+                <a:cs typeface="+mn-cs"/>
+              </a:defRPr>
+            </a:lvl9pPr>
+          </a:lstStyle>
+          <a:p>
+            <a:pPr fontAlgn="ctr"/>
+            <a:r>
+              <a:rPr lang="pt-BR" sz="1400" b="1" dirty="0"/>
+              <a:t>Painéis</a:t>
+            </a:r>
+            <a:endParaRPr lang="pt-BR" sz="589" dirty="0">
+              <a:latin typeface="Calibri" panose="020F0502020204030204" pitchFamily="34" charset="0"/>
+            </a:endParaRPr>
+          </a:p>
+          <a:p>
+            <a:pPr fontAlgn="ctr"/>
+            <a:r>
+              <a:rPr lang="pt-BR" sz="800" dirty="0">
+                <a:latin typeface="Calibri" panose="020F0502020204030204" pitchFamily="34" charset="0"/>
+              </a:rPr>
+              <a:t>Ferramenta iterativa para exploração de dados. Combinação de medidas e filtros</a:t>
+            </a:r>
+          </a:p>
+          <a:p>
+            <a:pPr fontAlgn="ctr"/>
+            <a:endParaRPr lang="pt-BR" sz="800" dirty="0">
+              <a:latin typeface="Calibri" panose="020F0502020204030204" pitchFamily="34" charset="0"/>
+            </a:endParaRPr>
+          </a:p>
+          <a:p>
+            <a:pPr fontAlgn="ctr"/>
+            <a:r>
+              <a:rPr lang="pt-BR" sz="800" b="1" dirty="0">
+                <a:latin typeface="Calibri" panose="020F0502020204030204" pitchFamily="34" charset="0"/>
+              </a:rPr>
+              <a:t>Público</a:t>
+            </a:r>
+            <a:r>
+              <a:rPr lang="pt-BR" sz="800" dirty="0">
+                <a:latin typeface="Calibri" panose="020F0502020204030204" pitchFamily="34" charset="0"/>
+              </a:rPr>
+              <a:t>: analistas de negócio</a:t>
+            </a:r>
+          </a:p>
+        </p:txBody>
+      </p:sp>
+      <p:sp>
+        <p:nvSpPr>
+          <p:cNvPr id="5" name="Elipse 4">
+            <a:extLst>
+              <a:ext uri="{FF2B5EF4-FFF2-40B4-BE49-F238E27FC236}">
+                <a16:creationId xmlns:a16="http://schemas.microsoft.com/office/drawing/2014/main" id="{5ED242C6-4171-074F-314F-C51C27664B22}"/>
+              </a:ext>
+            </a:extLst>
+          </p:cNvPr>
+          <p:cNvSpPr/>
+          <p:nvPr/>
+        </p:nvSpPr>
+        <p:spPr>
+          <a:xfrm>
+            <a:off x="15226228" y="1968294"/>
+            <a:ext cx="234753" cy="220312"/>
+          </a:xfrm>
+          <a:prstGeom prst="ellipse">
+            <a:avLst/>
+          </a:prstGeom>
+          <a:solidFill>
+            <a:schemeClr val="dk1"/>
+          </a:solidFill>
+          <a:ln>
+            <a:noFill/>
+          </a:ln>
+        </p:spPr>
+        <p:style>
+          <a:lnRef idx="0">
+            <a:scrgbClr r="0" g="0" b="0"/>
+          </a:lnRef>
+          <a:fillRef idx="0">
+            <a:scrgbClr r="0" g="0" b="0"/>
+          </a:fillRef>
+          <a:effectRef idx="0">
+            <a:scrgbClr r="0" g="0" b="0"/>
+          </a:effectRef>
+          <a:fontRef idx="minor">
+            <a:schemeClr val="lt1"/>
+          </a:fontRef>
+        </p:style>
+        <p:txBody>
+          <a:bodyPr rtlCol="0" anchor="ctr"/>
+          <a:lstStyle/>
+          <a:p>
+            <a:pPr algn="ctr"/>
+            <a:r>
+              <a:rPr lang="pt-BR" sz="1718" dirty="0"/>
+              <a:t>1</a:t>
+            </a:r>
+          </a:p>
+        </p:txBody>
+      </p:sp>
+      <p:sp>
+        <p:nvSpPr>
+          <p:cNvPr id="6" name="CaixaDeTexto 1">
+            <a:extLst>
+              <a:ext uri="{FF2B5EF4-FFF2-40B4-BE49-F238E27FC236}">
+                <a16:creationId xmlns:a16="http://schemas.microsoft.com/office/drawing/2014/main" id="{E11628E5-3103-2464-34E1-9A0B2DCB703D}"/>
+              </a:ext>
+            </a:extLst>
+          </p:cNvPr>
+          <p:cNvSpPr txBox="1"/>
+          <p:nvPr/>
+        </p:nvSpPr>
+        <p:spPr>
+          <a:xfrm>
+            <a:off x="17427094" y="992046"/>
+            <a:ext cx="1515437" cy="1137106"/>
+          </a:xfrm>
+          <a:prstGeom prst="rect">
+            <a:avLst/>
+          </a:prstGeom>
+          <a:noFill/>
+        </p:spPr>
+        <p:txBody>
+          <a:bodyPr wrap="square">
+            <a:spAutoFit/>
+          </a:bodyPr>
+          <a:lstStyle>
+            <a:defPPr>
+              <a:defRPr lang="en-US"/>
+            </a:defPPr>
+            <a:lvl1pPr marL="0" algn="l" defTabSz="457200" rtl="0" eaLnBrk="1" latinLnBrk="0" hangingPunct="1">
+              <a:defRPr sz="1800" kern="1200">
+                <a:solidFill>
+                  <a:schemeClr val="tx1"/>
+                </a:solidFill>
+                <a:latin typeface="+mn-lt"/>
+                <a:ea typeface="+mn-ea"/>
+                <a:cs typeface="+mn-cs"/>
+              </a:defRPr>
+            </a:lvl1pPr>
+            <a:lvl2pPr marL="457200" algn="l" defTabSz="457200" rtl="0" eaLnBrk="1" latinLnBrk="0" hangingPunct="1">
+              <a:defRPr sz="1800" kern="1200">
+                <a:solidFill>
+                  <a:schemeClr val="tx1"/>
+                </a:solidFill>
+                <a:latin typeface="+mn-lt"/>
+                <a:ea typeface="+mn-ea"/>
+                <a:cs typeface="+mn-cs"/>
+              </a:defRPr>
+            </a:lvl2pPr>
+            <a:lvl3pPr marL="914400" algn="l" defTabSz="457200" rtl="0" eaLnBrk="1" latinLnBrk="0" hangingPunct="1">
+              <a:defRPr sz="1800" kern="1200">
+                <a:solidFill>
+                  <a:schemeClr val="tx1"/>
+                </a:solidFill>
+                <a:latin typeface="+mn-lt"/>
+                <a:ea typeface="+mn-ea"/>
+                <a:cs typeface="+mn-cs"/>
+              </a:defRPr>
+            </a:lvl3pPr>
+            <a:lvl4pPr marL="1371600" algn="l" defTabSz="457200" rtl="0" eaLnBrk="1" latinLnBrk="0" hangingPunct="1">
+              <a:defRPr sz="1800" kern="1200">
+                <a:solidFill>
+                  <a:schemeClr val="tx1"/>
+                </a:solidFill>
+                <a:latin typeface="+mn-lt"/>
+                <a:ea typeface="+mn-ea"/>
+                <a:cs typeface="+mn-cs"/>
+              </a:defRPr>
+            </a:lvl4pPr>
+            <a:lvl5pPr marL="1828800" algn="l" defTabSz="457200" rtl="0" eaLnBrk="1" latinLnBrk="0" hangingPunct="1">
+              <a:defRPr sz="1800" kern="1200">
+                <a:solidFill>
+                  <a:schemeClr val="tx1"/>
+                </a:solidFill>
+                <a:latin typeface="+mn-lt"/>
+                <a:ea typeface="+mn-ea"/>
+                <a:cs typeface="+mn-cs"/>
+              </a:defRPr>
+            </a:lvl5pPr>
+            <a:lvl6pPr marL="2286000" algn="l" defTabSz="457200" rtl="0" eaLnBrk="1" latinLnBrk="0" hangingPunct="1">
+              <a:defRPr sz="1800" kern="1200">
+                <a:solidFill>
+                  <a:schemeClr val="tx1"/>
+                </a:solidFill>
+                <a:latin typeface="+mn-lt"/>
+                <a:ea typeface="+mn-ea"/>
+                <a:cs typeface="+mn-cs"/>
+              </a:defRPr>
+            </a:lvl6pPr>
+            <a:lvl7pPr marL="2743200" algn="l" defTabSz="457200" rtl="0" eaLnBrk="1" latinLnBrk="0" hangingPunct="1">
+              <a:defRPr sz="1800" kern="1200">
+                <a:solidFill>
+                  <a:schemeClr val="tx1"/>
+                </a:solidFill>
+                <a:latin typeface="+mn-lt"/>
+                <a:ea typeface="+mn-ea"/>
+                <a:cs typeface="+mn-cs"/>
+              </a:defRPr>
+            </a:lvl7pPr>
+            <a:lvl8pPr marL="3200400" algn="l" defTabSz="457200" rtl="0" eaLnBrk="1" latinLnBrk="0" hangingPunct="1">
+              <a:defRPr sz="1800" kern="1200">
+                <a:solidFill>
+                  <a:schemeClr val="tx1"/>
+                </a:solidFill>
+                <a:latin typeface="+mn-lt"/>
+                <a:ea typeface="+mn-ea"/>
+                <a:cs typeface="+mn-cs"/>
+              </a:defRPr>
+            </a:lvl8pPr>
+            <a:lvl9pPr marL="3657600" algn="l" defTabSz="457200" rtl="0" eaLnBrk="1" latinLnBrk="0" hangingPunct="1">
+              <a:defRPr sz="1800" kern="1200">
+                <a:solidFill>
+                  <a:schemeClr val="tx1"/>
+                </a:solidFill>
+                <a:latin typeface="+mn-lt"/>
+                <a:ea typeface="+mn-ea"/>
+                <a:cs typeface="+mn-cs"/>
+              </a:defRPr>
+            </a:lvl9pPr>
+          </a:lstStyle>
+          <a:p>
+            <a:pPr fontAlgn="ctr"/>
+            <a:r>
+              <a:rPr lang="pt-BR" sz="1400" b="1" dirty="0"/>
+              <a:t>Infográficos</a:t>
+            </a:r>
+          </a:p>
+          <a:p>
+            <a:pPr fontAlgn="ctr"/>
+            <a:endParaRPr lang="pt-BR" sz="589" dirty="0">
+              <a:latin typeface="Calibri" panose="020F0502020204030204" pitchFamily="34" charset="0"/>
+            </a:endParaRPr>
+          </a:p>
+          <a:p>
+            <a:pPr fontAlgn="ctr"/>
+            <a:r>
+              <a:rPr lang="pt-BR" sz="800" b="1" i="1" dirty="0">
+                <a:latin typeface="Calibri" panose="020F0502020204030204" pitchFamily="34" charset="0"/>
+              </a:rPr>
+              <a:t>Exemplo</a:t>
+            </a:r>
+          </a:p>
+          <a:p>
+            <a:pPr fontAlgn="ctr"/>
+            <a:r>
+              <a:rPr lang="pt-BR" sz="800" dirty="0">
+                <a:latin typeface="Calibri" panose="020F0502020204030204" pitchFamily="34" charset="0"/>
+              </a:rPr>
+              <a:t>Visões estáticas com análises de pontos relevantes observados nos dados</a:t>
+            </a:r>
+          </a:p>
+          <a:p>
+            <a:pPr fontAlgn="ctr"/>
+            <a:endParaRPr lang="pt-BR" sz="800" dirty="0">
+              <a:latin typeface="Calibri" panose="020F0502020204030204" pitchFamily="34" charset="0"/>
+            </a:endParaRPr>
+          </a:p>
+          <a:p>
+            <a:pPr fontAlgn="ctr"/>
+            <a:r>
+              <a:rPr lang="pt-BR" sz="800" b="1" dirty="0">
+                <a:latin typeface="Calibri" panose="020F0502020204030204" pitchFamily="34" charset="0"/>
+              </a:rPr>
+              <a:t>Público</a:t>
+            </a:r>
+            <a:r>
+              <a:rPr lang="pt-BR" sz="800" dirty="0">
+                <a:latin typeface="Calibri" panose="020F0502020204030204" pitchFamily="34" charset="0"/>
+              </a:rPr>
+              <a:t>: analistas de negócio</a:t>
+            </a:r>
+          </a:p>
+        </p:txBody>
+      </p:sp>
+      <p:sp>
+        <p:nvSpPr>
+          <p:cNvPr id="8" name="Elipse 7">
+            <a:extLst>
+              <a:ext uri="{FF2B5EF4-FFF2-40B4-BE49-F238E27FC236}">
+                <a16:creationId xmlns:a16="http://schemas.microsoft.com/office/drawing/2014/main" id="{75BB4F52-92B5-B716-91D6-8ADEC76CD40D}"/>
+              </a:ext>
+            </a:extLst>
+          </p:cNvPr>
+          <p:cNvSpPr/>
+          <p:nvPr/>
+        </p:nvSpPr>
+        <p:spPr>
+          <a:xfrm>
+            <a:off x="17883120" y="712280"/>
+            <a:ext cx="234753" cy="220312"/>
+          </a:xfrm>
+          <a:prstGeom prst="ellipse">
+            <a:avLst/>
+          </a:prstGeom>
+          <a:solidFill>
+            <a:schemeClr val="dk1"/>
+          </a:solidFill>
+          <a:ln>
+            <a:noFill/>
+          </a:ln>
+        </p:spPr>
+        <p:style>
+          <a:lnRef idx="0">
+            <a:scrgbClr r="0" g="0" b="0"/>
+          </a:lnRef>
+          <a:fillRef idx="0">
+            <a:scrgbClr r="0" g="0" b="0"/>
+          </a:fillRef>
+          <a:effectRef idx="0">
+            <a:scrgbClr r="0" g="0" b="0"/>
+          </a:effectRef>
+          <a:fontRef idx="minor">
+            <a:schemeClr val="lt1"/>
+          </a:fontRef>
+        </p:style>
+        <p:txBody>
+          <a:bodyPr rtlCol="0" anchor="ctr"/>
+          <a:lstStyle/>
+          <a:p>
+            <a:pPr algn="ctr"/>
+            <a:r>
+              <a:rPr lang="pt-BR" sz="1718" dirty="0"/>
+              <a:t>2</a:t>
+            </a:r>
+          </a:p>
+        </p:txBody>
+      </p:sp>
+      <p:sp>
+        <p:nvSpPr>
+          <p:cNvPr id="9" name="CaixaDeTexto 1">
+            <a:extLst>
+              <a:ext uri="{FF2B5EF4-FFF2-40B4-BE49-F238E27FC236}">
+                <a16:creationId xmlns:a16="http://schemas.microsoft.com/office/drawing/2014/main" id="{CD0253EC-5F7E-478B-26E4-CA1A540D3D05}"/>
+              </a:ext>
+            </a:extLst>
+          </p:cNvPr>
+          <p:cNvSpPr txBox="1"/>
+          <p:nvPr/>
+        </p:nvSpPr>
+        <p:spPr>
+          <a:xfrm>
+            <a:off x="19679421" y="3094929"/>
+            <a:ext cx="1597958" cy="1444883"/>
+          </a:xfrm>
+          <a:prstGeom prst="rect">
+            <a:avLst/>
+          </a:prstGeom>
+          <a:noFill/>
+        </p:spPr>
+        <p:txBody>
+          <a:bodyPr wrap="square">
+            <a:spAutoFit/>
+          </a:bodyPr>
+          <a:lstStyle>
+            <a:defPPr>
+              <a:defRPr lang="en-US"/>
+            </a:defPPr>
+            <a:lvl1pPr marL="0" algn="l" defTabSz="457200" rtl="0" eaLnBrk="1" latinLnBrk="0" hangingPunct="1">
+              <a:defRPr sz="1800" kern="1200">
+                <a:solidFill>
+                  <a:schemeClr val="tx1"/>
+                </a:solidFill>
+                <a:latin typeface="+mn-lt"/>
+                <a:ea typeface="+mn-ea"/>
+                <a:cs typeface="+mn-cs"/>
+              </a:defRPr>
+            </a:lvl1pPr>
+            <a:lvl2pPr marL="457200" algn="l" defTabSz="457200" rtl="0" eaLnBrk="1" latinLnBrk="0" hangingPunct="1">
+              <a:defRPr sz="1800" kern="1200">
+                <a:solidFill>
+                  <a:schemeClr val="tx1"/>
+                </a:solidFill>
+                <a:latin typeface="+mn-lt"/>
+                <a:ea typeface="+mn-ea"/>
+                <a:cs typeface="+mn-cs"/>
+              </a:defRPr>
+            </a:lvl2pPr>
+            <a:lvl3pPr marL="914400" algn="l" defTabSz="457200" rtl="0" eaLnBrk="1" latinLnBrk="0" hangingPunct="1">
+              <a:defRPr sz="1800" kern="1200">
+                <a:solidFill>
+                  <a:schemeClr val="tx1"/>
+                </a:solidFill>
+                <a:latin typeface="+mn-lt"/>
+                <a:ea typeface="+mn-ea"/>
+                <a:cs typeface="+mn-cs"/>
+              </a:defRPr>
+            </a:lvl3pPr>
+            <a:lvl4pPr marL="1371600" algn="l" defTabSz="457200" rtl="0" eaLnBrk="1" latinLnBrk="0" hangingPunct="1">
+              <a:defRPr sz="1800" kern="1200">
+                <a:solidFill>
+                  <a:schemeClr val="tx1"/>
+                </a:solidFill>
+                <a:latin typeface="+mn-lt"/>
+                <a:ea typeface="+mn-ea"/>
+                <a:cs typeface="+mn-cs"/>
+              </a:defRPr>
+            </a:lvl4pPr>
+            <a:lvl5pPr marL="1828800" algn="l" defTabSz="457200" rtl="0" eaLnBrk="1" latinLnBrk="0" hangingPunct="1">
+              <a:defRPr sz="1800" kern="1200">
+                <a:solidFill>
+                  <a:schemeClr val="tx1"/>
+                </a:solidFill>
+                <a:latin typeface="+mn-lt"/>
+                <a:ea typeface="+mn-ea"/>
+                <a:cs typeface="+mn-cs"/>
+              </a:defRPr>
+            </a:lvl5pPr>
+            <a:lvl6pPr marL="2286000" algn="l" defTabSz="457200" rtl="0" eaLnBrk="1" latinLnBrk="0" hangingPunct="1">
+              <a:defRPr sz="1800" kern="1200">
+                <a:solidFill>
+                  <a:schemeClr val="tx1"/>
+                </a:solidFill>
+                <a:latin typeface="+mn-lt"/>
+                <a:ea typeface="+mn-ea"/>
+                <a:cs typeface="+mn-cs"/>
+              </a:defRPr>
+            </a:lvl6pPr>
+            <a:lvl7pPr marL="2743200" algn="l" defTabSz="457200" rtl="0" eaLnBrk="1" latinLnBrk="0" hangingPunct="1">
+              <a:defRPr sz="1800" kern="1200">
+                <a:solidFill>
+                  <a:schemeClr val="tx1"/>
+                </a:solidFill>
+                <a:latin typeface="+mn-lt"/>
+                <a:ea typeface="+mn-ea"/>
+                <a:cs typeface="+mn-cs"/>
+              </a:defRPr>
+            </a:lvl7pPr>
+            <a:lvl8pPr marL="3200400" algn="l" defTabSz="457200" rtl="0" eaLnBrk="1" latinLnBrk="0" hangingPunct="1">
+              <a:defRPr sz="1800" kern="1200">
+                <a:solidFill>
+                  <a:schemeClr val="tx1"/>
+                </a:solidFill>
+                <a:latin typeface="+mn-lt"/>
+                <a:ea typeface="+mn-ea"/>
+                <a:cs typeface="+mn-cs"/>
+              </a:defRPr>
+            </a:lvl8pPr>
+            <a:lvl9pPr marL="3657600" algn="l" defTabSz="457200" rtl="0" eaLnBrk="1" latinLnBrk="0" hangingPunct="1">
+              <a:defRPr sz="1800" kern="1200">
+                <a:solidFill>
+                  <a:schemeClr val="tx1"/>
+                </a:solidFill>
+                <a:latin typeface="+mn-lt"/>
+                <a:ea typeface="+mn-ea"/>
+                <a:cs typeface="+mn-cs"/>
+              </a:defRPr>
+            </a:lvl9pPr>
+          </a:lstStyle>
+          <a:p>
+            <a:pPr fontAlgn="ctr"/>
+            <a:r>
+              <a:rPr lang="pt-BR" sz="1400" b="1" dirty="0"/>
+              <a:t>Modelos de dados (Cubos)</a:t>
+            </a:r>
+          </a:p>
+          <a:p>
+            <a:pPr fontAlgn="ctr"/>
+            <a:endParaRPr lang="pt-BR" sz="589" dirty="0">
+              <a:latin typeface="Calibri" panose="020F0502020204030204" pitchFamily="34" charset="0"/>
+            </a:endParaRPr>
+          </a:p>
+          <a:p>
+            <a:pPr fontAlgn="ctr"/>
+            <a:r>
+              <a:rPr lang="pt-BR" sz="900" b="1" i="1" dirty="0">
+                <a:latin typeface="Calibri" panose="020F0502020204030204" pitchFamily="34" charset="0"/>
+              </a:rPr>
+              <a:t>Exemplo</a:t>
+            </a:r>
+          </a:p>
+          <a:p>
+            <a:pPr fontAlgn="ctr"/>
+            <a:r>
+              <a:rPr lang="pt-BR" sz="900" dirty="0">
+                <a:latin typeface="Calibri" panose="020F0502020204030204" pitchFamily="34" charset="0"/>
+              </a:rPr>
+              <a:t>Visões estáticas com análises de pontos relevantes observados nos dados</a:t>
+            </a:r>
+          </a:p>
+          <a:p>
+            <a:pPr fontAlgn="ctr"/>
+            <a:endParaRPr lang="pt-BR" sz="900" dirty="0">
+              <a:latin typeface="Calibri" panose="020F0502020204030204" pitchFamily="34" charset="0"/>
+            </a:endParaRPr>
+          </a:p>
+          <a:p>
+            <a:pPr fontAlgn="ctr"/>
+            <a:r>
+              <a:rPr lang="pt-BR" sz="900" b="1" dirty="0">
+                <a:latin typeface="Calibri" panose="020F0502020204030204" pitchFamily="34" charset="0"/>
+              </a:rPr>
+              <a:t>Público</a:t>
+            </a:r>
+            <a:r>
+              <a:rPr lang="pt-BR" sz="900" dirty="0">
+                <a:latin typeface="Calibri" panose="020F0502020204030204" pitchFamily="34" charset="0"/>
+              </a:rPr>
+              <a:t>: analistas de dados</a:t>
+            </a:r>
+          </a:p>
+        </p:txBody>
+      </p:sp>
+      <p:sp>
+        <p:nvSpPr>
+          <p:cNvPr id="10" name="Elipse 9">
+            <a:extLst>
+              <a:ext uri="{FF2B5EF4-FFF2-40B4-BE49-F238E27FC236}">
+                <a16:creationId xmlns:a16="http://schemas.microsoft.com/office/drawing/2014/main" id="{26B9E5E3-E7F5-77F9-4476-0A71C7C09235}"/>
+              </a:ext>
+            </a:extLst>
+          </p:cNvPr>
+          <p:cNvSpPr/>
+          <p:nvPr/>
+        </p:nvSpPr>
+        <p:spPr>
+          <a:xfrm>
+            <a:off x="20177994" y="2819155"/>
+            <a:ext cx="234753" cy="220312"/>
+          </a:xfrm>
+          <a:prstGeom prst="ellipse">
+            <a:avLst/>
+          </a:prstGeom>
+          <a:solidFill>
+            <a:schemeClr val="dk1"/>
+          </a:solidFill>
+          <a:ln>
+            <a:noFill/>
+          </a:ln>
+        </p:spPr>
+        <p:style>
+          <a:lnRef idx="0">
+            <a:scrgbClr r="0" g="0" b="0"/>
+          </a:lnRef>
+          <a:fillRef idx="0">
+            <a:scrgbClr r="0" g="0" b="0"/>
+          </a:fillRef>
+          <a:effectRef idx="0">
+            <a:scrgbClr r="0" g="0" b="0"/>
+          </a:effectRef>
+          <a:fontRef idx="minor">
+            <a:schemeClr val="lt1"/>
+          </a:fontRef>
+        </p:style>
+        <p:txBody>
+          <a:bodyPr rtlCol="0" anchor="ctr"/>
+          <a:lstStyle/>
+          <a:p>
+            <a:pPr algn="ctr"/>
+            <a:r>
+              <a:rPr lang="pt-BR" sz="1718" dirty="0"/>
+              <a:t>3</a:t>
+            </a:r>
+          </a:p>
+        </p:txBody>
+      </p:sp>
+      <p:sp>
+        <p:nvSpPr>
+          <p:cNvPr id="11" name="CaixaDeTexto 1">
+            <a:extLst>
+              <a:ext uri="{FF2B5EF4-FFF2-40B4-BE49-F238E27FC236}">
+                <a16:creationId xmlns:a16="http://schemas.microsoft.com/office/drawing/2014/main" id="{6C78AFBC-3C87-24DD-6FE9-92A451A91427}"/>
+              </a:ext>
+            </a:extLst>
+          </p:cNvPr>
+          <p:cNvSpPr txBox="1"/>
+          <p:nvPr/>
+        </p:nvSpPr>
+        <p:spPr>
+          <a:xfrm>
+            <a:off x="22260155" y="3838092"/>
+            <a:ext cx="1528055" cy="1721882"/>
+          </a:xfrm>
+          <a:prstGeom prst="rect">
+            <a:avLst/>
+          </a:prstGeom>
+          <a:noFill/>
+        </p:spPr>
+        <p:txBody>
+          <a:bodyPr wrap="square">
+            <a:spAutoFit/>
+          </a:bodyPr>
+          <a:lstStyle>
+            <a:defPPr>
+              <a:defRPr lang="en-US"/>
+            </a:defPPr>
+            <a:lvl1pPr marL="0" algn="l" defTabSz="457200" rtl="0" eaLnBrk="1" latinLnBrk="0" hangingPunct="1">
+              <a:defRPr sz="1800" kern="1200">
+                <a:solidFill>
+                  <a:schemeClr val="tx1"/>
+                </a:solidFill>
+                <a:latin typeface="+mn-lt"/>
+                <a:ea typeface="+mn-ea"/>
+                <a:cs typeface="+mn-cs"/>
+              </a:defRPr>
+            </a:lvl1pPr>
+            <a:lvl2pPr marL="457200" algn="l" defTabSz="457200" rtl="0" eaLnBrk="1" latinLnBrk="0" hangingPunct="1">
+              <a:defRPr sz="1800" kern="1200">
+                <a:solidFill>
+                  <a:schemeClr val="tx1"/>
+                </a:solidFill>
+                <a:latin typeface="+mn-lt"/>
+                <a:ea typeface="+mn-ea"/>
+                <a:cs typeface="+mn-cs"/>
+              </a:defRPr>
+            </a:lvl2pPr>
+            <a:lvl3pPr marL="914400" algn="l" defTabSz="457200" rtl="0" eaLnBrk="1" latinLnBrk="0" hangingPunct="1">
+              <a:defRPr sz="1800" kern="1200">
+                <a:solidFill>
+                  <a:schemeClr val="tx1"/>
+                </a:solidFill>
+                <a:latin typeface="+mn-lt"/>
+                <a:ea typeface="+mn-ea"/>
+                <a:cs typeface="+mn-cs"/>
+              </a:defRPr>
+            </a:lvl3pPr>
+            <a:lvl4pPr marL="1371600" algn="l" defTabSz="457200" rtl="0" eaLnBrk="1" latinLnBrk="0" hangingPunct="1">
+              <a:defRPr sz="1800" kern="1200">
+                <a:solidFill>
+                  <a:schemeClr val="tx1"/>
+                </a:solidFill>
+                <a:latin typeface="+mn-lt"/>
+                <a:ea typeface="+mn-ea"/>
+                <a:cs typeface="+mn-cs"/>
+              </a:defRPr>
+            </a:lvl4pPr>
+            <a:lvl5pPr marL="1828800" algn="l" defTabSz="457200" rtl="0" eaLnBrk="1" latinLnBrk="0" hangingPunct="1">
+              <a:defRPr sz="1800" kern="1200">
+                <a:solidFill>
+                  <a:schemeClr val="tx1"/>
+                </a:solidFill>
+                <a:latin typeface="+mn-lt"/>
+                <a:ea typeface="+mn-ea"/>
+                <a:cs typeface="+mn-cs"/>
+              </a:defRPr>
+            </a:lvl5pPr>
+            <a:lvl6pPr marL="2286000" algn="l" defTabSz="457200" rtl="0" eaLnBrk="1" latinLnBrk="0" hangingPunct="1">
+              <a:defRPr sz="1800" kern="1200">
+                <a:solidFill>
+                  <a:schemeClr val="tx1"/>
+                </a:solidFill>
+                <a:latin typeface="+mn-lt"/>
+                <a:ea typeface="+mn-ea"/>
+                <a:cs typeface="+mn-cs"/>
+              </a:defRPr>
+            </a:lvl6pPr>
+            <a:lvl7pPr marL="2743200" algn="l" defTabSz="457200" rtl="0" eaLnBrk="1" latinLnBrk="0" hangingPunct="1">
+              <a:defRPr sz="1800" kern="1200">
+                <a:solidFill>
+                  <a:schemeClr val="tx1"/>
+                </a:solidFill>
+                <a:latin typeface="+mn-lt"/>
+                <a:ea typeface="+mn-ea"/>
+                <a:cs typeface="+mn-cs"/>
+              </a:defRPr>
+            </a:lvl7pPr>
+            <a:lvl8pPr marL="3200400" algn="l" defTabSz="457200" rtl="0" eaLnBrk="1" latinLnBrk="0" hangingPunct="1">
+              <a:defRPr sz="1800" kern="1200">
+                <a:solidFill>
+                  <a:schemeClr val="tx1"/>
+                </a:solidFill>
+                <a:latin typeface="+mn-lt"/>
+                <a:ea typeface="+mn-ea"/>
+                <a:cs typeface="+mn-cs"/>
+              </a:defRPr>
+            </a:lvl8pPr>
+            <a:lvl9pPr marL="3657600" algn="l" defTabSz="457200" rtl="0" eaLnBrk="1" latinLnBrk="0" hangingPunct="1">
+              <a:defRPr sz="1800" kern="1200">
+                <a:solidFill>
+                  <a:schemeClr val="tx1"/>
+                </a:solidFill>
+                <a:latin typeface="+mn-lt"/>
+                <a:ea typeface="+mn-ea"/>
+                <a:cs typeface="+mn-cs"/>
+              </a:defRPr>
+            </a:lvl9pPr>
+          </a:lstStyle>
+          <a:p>
+            <a:pPr fontAlgn="ctr"/>
+            <a:r>
+              <a:rPr lang="pt-BR" sz="1400" b="1" dirty="0"/>
+              <a:t>OBTs </a:t>
+            </a:r>
+          </a:p>
+          <a:p>
+            <a:pPr fontAlgn="ctr"/>
+            <a:r>
+              <a:rPr lang="pt-BR" sz="1400" b="1" i="1" dirty="0"/>
+              <a:t>(One Big Table)</a:t>
+            </a:r>
+          </a:p>
+          <a:p>
+            <a:pPr fontAlgn="ctr"/>
+            <a:endParaRPr lang="pt-BR" sz="589" dirty="0">
+              <a:latin typeface="Calibri" panose="020F0502020204030204" pitchFamily="34" charset="0"/>
+            </a:endParaRPr>
+          </a:p>
+          <a:p>
+            <a:pPr fontAlgn="ctr"/>
+            <a:r>
+              <a:rPr lang="pt-BR" sz="900" b="1" i="1" dirty="0">
+                <a:latin typeface="Calibri" panose="020F0502020204030204" pitchFamily="34" charset="0"/>
+              </a:rPr>
+              <a:t>Exemplo</a:t>
+            </a:r>
+          </a:p>
+          <a:p>
+            <a:pPr fontAlgn="ctr"/>
+            <a:r>
+              <a:rPr lang="pt-BR" sz="900" dirty="0">
+                <a:latin typeface="Calibri" panose="020F0502020204030204" pitchFamily="34" charset="0"/>
+              </a:rPr>
+              <a:t>Tabelas completas, com todos os campos de um assunto no nível mais detalhado (microdados)</a:t>
+            </a:r>
+          </a:p>
+          <a:p>
+            <a:pPr fontAlgn="ctr"/>
+            <a:endParaRPr lang="pt-BR" sz="900" dirty="0">
+              <a:latin typeface="Calibri" panose="020F0502020204030204" pitchFamily="34" charset="0"/>
+            </a:endParaRPr>
+          </a:p>
+          <a:p>
+            <a:pPr fontAlgn="ctr"/>
+            <a:r>
+              <a:rPr lang="pt-BR" sz="900" b="1" dirty="0">
+                <a:latin typeface="Calibri" panose="020F0502020204030204" pitchFamily="34" charset="0"/>
+              </a:rPr>
+              <a:t>Público</a:t>
+            </a:r>
+            <a:r>
+              <a:rPr lang="pt-BR" sz="900" dirty="0">
+                <a:latin typeface="Calibri" panose="020F0502020204030204" pitchFamily="34" charset="0"/>
+              </a:rPr>
+              <a:t>: analistas de dados, cientistas de dados</a:t>
+            </a:r>
+          </a:p>
+        </p:txBody>
+      </p:sp>
+      <p:sp>
+        <p:nvSpPr>
+          <p:cNvPr id="16" name="Elipse 15">
+            <a:extLst>
+              <a:ext uri="{FF2B5EF4-FFF2-40B4-BE49-F238E27FC236}">
+                <a16:creationId xmlns:a16="http://schemas.microsoft.com/office/drawing/2014/main" id="{239AAEE6-779F-43E0-0FDC-0203ECBE740D}"/>
+              </a:ext>
+            </a:extLst>
+          </p:cNvPr>
+          <p:cNvSpPr/>
+          <p:nvPr/>
+        </p:nvSpPr>
+        <p:spPr>
+          <a:xfrm>
+            <a:off x="22794417" y="3554990"/>
+            <a:ext cx="184267" cy="220312"/>
+          </a:xfrm>
+          <a:prstGeom prst="ellipse">
+            <a:avLst/>
+          </a:prstGeom>
+          <a:solidFill>
+            <a:schemeClr val="dk1"/>
+          </a:solidFill>
+          <a:ln>
+            <a:noFill/>
+          </a:ln>
+        </p:spPr>
+        <p:style>
+          <a:lnRef idx="0">
+            <a:scrgbClr r="0" g="0" b="0"/>
+          </a:lnRef>
+          <a:fillRef idx="0">
+            <a:scrgbClr r="0" g="0" b="0"/>
+          </a:fillRef>
+          <a:effectRef idx="0">
+            <a:scrgbClr r="0" g="0" b="0"/>
+          </a:effectRef>
+          <a:fontRef idx="minor">
+            <a:schemeClr val="lt1"/>
+          </a:fontRef>
+        </p:style>
+        <p:txBody>
+          <a:bodyPr rtlCol="0" anchor="ctr"/>
+          <a:lstStyle/>
+          <a:p>
+            <a:pPr algn="ctr"/>
+            <a:r>
+              <a:rPr lang="pt-BR" sz="1718" dirty="0"/>
+              <a:t>4</a:t>
+            </a:r>
+          </a:p>
+        </p:txBody>
+      </p:sp>
+      <p:sp>
+        <p:nvSpPr>
+          <p:cNvPr id="36" name="CaixaDeTexto 1">
+            <a:extLst>
+              <a:ext uri="{FF2B5EF4-FFF2-40B4-BE49-F238E27FC236}">
+                <a16:creationId xmlns:a16="http://schemas.microsoft.com/office/drawing/2014/main" id="{A3077E52-13E2-915A-70DE-E8D1B03E9414}"/>
+              </a:ext>
+            </a:extLst>
+          </p:cNvPr>
+          <p:cNvSpPr txBox="1"/>
+          <p:nvPr/>
+        </p:nvSpPr>
+        <p:spPr>
+          <a:xfrm>
+            <a:off x="24894185" y="4932508"/>
+            <a:ext cx="1202376" cy="1367939"/>
+          </a:xfrm>
+          <a:prstGeom prst="rect">
+            <a:avLst/>
+          </a:prstGeom>
+          <a:noFill/>
+        </p:spPr>
+        <p:txBody>
+          <a:bodyPr wrap="square">
+            <a:spAutoFit/>
+          </a:bodyPr>
+          <a:lstStyle>
+            <a:defPPr>
+              <a:defRPr lang="en-US"/>
+            </a:defPPr>
+            <a:lvl1pPr marL="0" algn="l" defTabSz="457200" rtl="0" eaLnBrk="1" latinLnBrk="0" hangingPunct="1">
+              <a:defRPr sz="1800" kern="1200">
+                <a:solidFill>
+                  <a:schemeClr val="tx1"/>
+                </a:solidFill>
+                <a:latin typeface="+mn-lt"/>
+                <a:ea typeface="+mn-ea"/>
+                <a:cs typeface="+mn-cs"/>
+              </a:defRPr>
+            </a:lvl1pPr>
+            <a:lvl2pPr marL="457200" algn="l" defTabSz="457200" rtl="0" eaLnBrk="1" latinLnBrk="0" hangingPunct="1">
+              <a:defRPr sz="1800" kern="1200">
+                <a:solidFill>
+                  <a:schemeClr val="tx1"/>
+                </a:solidFill>
+                <a:latin typeface="+mn-lt"/>
+                <a:ea typeface="+mn-ea"/>
+                <a:cs typeface="+mn-cs"/>
+              </a:defRPr>
+            </a:lvl2pPr>
+            <a:lvl3pPr marL="914400" algn="l" defTabSz="457200" rtl="0" eaLnBrk="1" latinLnBrk="0" hangingPunct="1">
+              <a:defRPr sz="1800" kern="1200">
+                <a:solidFill>
+                  <a:schemeClr val="tx1"/>
+                </a:solidFill>
+                <a:latin typeface="+mn-lt"/>
+                <a:ea typeface="+mn-ea"/>
+                <a:cs typeface="+mn-cs"/>
+              </a:defRPr>
+            </a:lvl3pPr>
+            <a:lvl4pPr marL="1371600" algn="l" defTabSz="457200" rtl="0" eaLnBrk="1" latinLnBrk="0" hangingPunct="1">
+              <a:defRPr sz="1800" kern="1200">
+                <a:solidFill>
+                  <a:schemeClr val="tx1"/>
+                </a:solidFill>
+                <a:latin typeface="+mn-lt"/>
+                <a:ea typeface="+mn-ea"/>
+                <a:cs typeface="+mn-cs"/>
+              </a:defRPr>
+            </a:lvl4pPr>
+            <a:lvl5pPr marL="1828800" algn="l" defTabSz="457200" rtl="0" eaLnBrk="1" latinLnBrk="0" hangingPunct="1">
+              <a:defRPr sz="1800" kern="1200">
+                <a:solidFill>
+                  <a:schemeClr val="tx1"/>
+                </a:solidFill>
+                <a:latin typeface="+mn-lt"/>
+                <a:ea typeface="+mn-ea"/>
+                <a:cs typeface="+mn-cs"/>
+              </a:defRPr>
+            </a:lvl5pPr>
+            <a:lvl6pPr marL="2286000" algn="l" defTabSz="457200" rtl="0" eaLnBrk="1" latinLnBrk="0" hangingPunct="1">
+              <a:defRPr sz="1800" kern="1200">
+                <a:solidFill>
+                  <a:schemeClr val="tx1"/>
+                </a:solidFill>
+                <a:latin typeface="+mn-lt"/>
+                <a:ea typeface="+mn-ea"/>
+                <a:cs typeface="+mn-cs"/>
+              </a:defRPr>
+            </a:lvl6pPr>
+            <a:lvl7pPr marL="2743200" algn="l" defTabSz="457200" rtl="0" eaLnBrk="1" latinLnBrk="0" hangingPunct="1">
+              <a:defRPr sz="1800" kern="1200">
+                <a:solidFill>
+                  <a:schemeClr val="tx1"/>
+                </a:solidFill>
+                <a:latin typeface="+mn-lt"/>
+                <a:ea typeface="+mn-ea"/>
+                <a:cs typeface="+mn-cs"/>
+              </a:defRPr>
+            </a:lvl7pPr>
+            <a:lvl8pPr marL="3200400" algn="l" defTabSz="457200" rtl="0" eaLnBrk="1" latinLnBrk="0" hangingPunct="1">
+              <a:defRPr sz="1800" kern="1200">
+                <a:solidFill>
+                  <a:schemeClr val="tx1"/>
+                </a:solidFill>
+                <a:latin typeface="+mn-lt"/>
+                <a:ea typeface="+mn-ea"/>
+                <a:cs typeface="+mn-cs"/>
+              </a:defRPr>
+            </a:lvl8pPr>
+            <a:lvl9pPr marL="3657600" algn="l" defTabSz="457200" rtl="0" eaLnBrk="1" latinLnBrk="0" hangingPunct="1">
+              <a:defRPr sz="1800" kern="1200">
+                <a:solidFill>
+                  <a:schemeClr val="tx1"/>
+                </a:solidFill>
+                <a:latin typeface="+mn-lt"/>
+                <a:ea typeface="+mn-ea"/>
+                <a:cs typeface="+mn-cs"/>
+              </a:defRPr>
+            </a:lvl9pPr>
+          </a:lstStyle>
+          <a:p>
+            <a:pPr fontAlgn="ctr"/>
+            <a:r>
+              <a:rPr lang="pt-BR" sz="1400" b="1" dirty="0"/>
+              <a:t>Querys</a:t>
+            </a:r>
+            <a:endParaRPr lang="pt-BR" sz="1400" b="1" i="1" dirty="0"/>
+          </a:p>
+          <a:p>
+            <a:pPr fontAlgn="ctr"/>
+            <a:endParaRPr lang="pt-BR" sz="589" dirty="0">
+              <a:latin typeface="Calibri" panose="020F0502020204030204" pitchFamily="34" charset="0"/>
+            </a:endParaRPr>
+          </a:p>
+          <a:p>
+            <a:pPr fontAlgn="ctr"/>
+            <a:r>
+              <a:rPr lang="pt-BR" sz="900" b="1" i="1" dirty="0">
+                <a:latin typeface="Calibri" panose="020F0502020204030204" pitchFamily="34" charset="0"/>
+              </a:rPr>
+              <a:t>Exemplo</a:t>
+            </a:r>
+          </a:p>
+          <a:p>
+            <a:pPr fontAlgn="ctr"/>
+            <a:r>
+              <a:rPr lang="pt-BR" sz="900" dirty="0">
+                <a:latin typeface="Calibri" panose="020F0502020204030204" pitchFamily="34" charset="0"/>
+              </a:rPr>
+              <a:t>Querys escritas em SQL ou Python</a:t>
+            </a:r>
+          </a:p>
+          <a:p>
+            <a:pPr fontAlgn="ctr"/>
+            <a:endParaRPr lang="pt-BR" sz="900" dirty="0">
+              <a:latin typeface="Calibri" panose="020F0502020204030204" pitchFamily="34" charset="0"/>
+            </a:endParaRPr>
+          </a:p>
+          <a:p>
+            <a:pPr fontAlgn="ctr"/>
+            <a:r>
+              <a:rPr lang="pt-BR" sz="900" b="1" dirty="0">
+                <a:latin typeface="Calibri" panose="020F0502020204030204" pitchFamily="34" charset="0"/>
+              </a:rPr>
+              <a:t>Público</a:t>
+            </a:r>
+            <a:r>
+              <a:rPr lang="pt-BR" sz="900" dirty="0">
+                <a:latin typeface="Calibri" panose="020F0502020204030204" pitchFamily="34" charset="0"/>
+              </a:rPr>
+              <a:t>: analistas de dados, cientistas de dados</a:t>
+            </a:r>
+          </a:p>
+        </p:txBody>
+      </p:sp>
+      <p:sp>
+        <p:nvSpPr>
+          <p:cNvPr id="37" name="Elipse 36">
+            <a:extLst>
+              <a:ext uri="{FF2B5EF4-FFF2-40B4-BE49-F238E27FC236}">
+                <a16:creationId xmlns:a16="http://schemas.microsoft.com/office/drawing/2014/main" id="{B7DEFAF1-0164-C16B-14AD-4A0D292B0C89}"/>
+              </a:ext>
+            </a:extLst>
+          </p:cNvPr>
+          <p:cNvSpPr/>
+          <p:nvPr/>
+        </p:nvSpPr>
+        <p:spPr>
+          <a:xfrm>
+            <a:off x="25138280" y="4704561"/>
+            <a:ext cx="234753" cy="220312"/>
+          </a:xfrm>
+          <a:prstGeom prst="ellipse">
+            <a:avLst/>
+          </a:prstGeom>
+          <a:solidFill>
+            <a:schemeClr val="dk1"/>
+          </a:solidFill>
+          <a:ln>
+            <a:noFill/>
+          </a:ln>
+        </p:spPr>
+        <p:style>
+          <a:lnRef idx="0">
+            <a:scrgbClr r="0" g="0" b="0"/>
+          </a:lnRef>
+          <a:fillRef idx="0">
+            <a:scrgbClr r="0" g="0" b="0"/>
+          </a:fillRef>
+          <a:effectRef idx="0">
+            <a:scrgbClr r="0" g="0" b="0"/>
+          </a:effectRef>
+          <a:fontRef idx="minor">
+            <a:schemeClr val="lt1"/>
+          </a:fontRef>
+        </p:style>
+        <p:txBody>
+          <a:bodyPr rtlCol="0" anchor="ctr"/>
+          <a:lstStyle/>
+          <a:p>
+            <a:pPr algn="ctr"/>
+            <a:r>
+              <a:rPr lang="pt-BR" sz="1718" dirty="0"/>
+              <a:t>5</a:t>
+            </a:r>
+          </a:p>
+        </p:txBody>
+      </p:sp>
+      <p:cxnSp>
+        <p:nvCxnSpPr>
+          <p:cNvPr id="38" name="Conector: Curvo 37">
+            <a:extLst>
+              <a:ext uri="{FF2B5EF4-FFF2-40B4-BE49-F238E27FC236}">
+                <a16:creationId xmlns:a16="http://schemas.microsoft.com/office/drawing/2014/main" id="{FD897D0B-6778-62E5-2C86-CD47BC1E6A2C}"/>
+              </a:ext>
+            </a:extLst>
+          </p:cNvPr>
+          <p:cNvCxnSpPr>
+            <a:cxnSpLocks/>
+            <a:stCxn id="5" idx="0"/>
+            <a:endCxn id="8" idx="2"/>
+          </p:cNvCxnSpPr>
+          <p:nvPr/>
+        </p:nvCxnSpPr>
+        <p:spPr>
+          <a:xfrm rot="5400000" flipH="1" flipV="1">
+            <a:off x="16040433" y="125608"/>
+            <a:ext cx="1145858" cy="2539515"/>
+          </a:xfrm>
+          <a:prstGeom prst="curvedConnector2">
+            <a:avLst/>
+          </a:prstGeom>
+          <a:ln w="19050" cap="flat" cmpd="sng" algn="ctr">
+            <a:solidFill>
+              <a:schemeClr val="accent3"/>
+            </a:solidFill>
+            <a:prstDash val="dash"/>
+            <a:round/>
+            <a:headEnd type="none" w="med" len="med"/>
+            <a:tailEnd type="none" w="med" len="med"/>
+          </a:ln>
+        </p:spPr>
+        <p:style>
+          <a:lnRef idx="0">
+            <a:scrgbClr r="0" g="0" b="0"/>
+          </a:lnRef>
+          <a:fillRef idx="0">
+            <a:scrgbClr r="0" g="0" b="0"/>
+          </a:fillRef>
+          <a:effectRef idx="0">
+            <a:scrgbClr r="0" g="0" b="0"/>
+          </a:effectRef>
+          <a:fontRef idx="minor">
+            <a:schemeClr val="tx1"/>
+          </a:fontRef>
+        </p:style>
+      </p:cxnSp>
+      <p:cxnSp>
+        <p:nvCxnSpPr>
+          <p:cNvPr id="39" name="Conector: Curvo 38">
+            <a:extLst>
+              <a:ext uri="{FF2B5EF4-FFF2-40B4-BE49-F238E27FC236}">
+                <a16:creationId xmlns:a16="http://schemas.microsoft.com/office/drawing/2014/main" id="{6C32DA76-FFB7-C3EF-C458-D6DE95F067FF}"/>
+              </a:ext>
+            </a:extLst>
+          </p:cNvPr>
+          <p:cNvCxnSpPr>
+            <a:cxnSpLocks/>
+            <a:stCxn id="8" idx="6"/>
+            <a:endCxn id="10" idx="0"/>
+          </p:cNvCxnSpPr>
+          <p:nvPr/>
+        </p:nvCxnSpPr>
+        <p:spPr>
+          <a:xfrm>
+            <a:off x="18117873" y="822436"/>
+            <a:ext cx="2177498" cy="1996719"/>
+          </a:xfrm>
+          <a:prstGeom prst="curvedConnector2">
+            <a:avLst/>
+          </a:prstGeom>
+          <a:ln w="19050" cap="flat" cmpd="sng" algn="ctr">
+            <a:solidFill>
+              <a:schemeClr val="accent2"/>
+            </a:solidFill>
+            <a:prstDash val="dash"/>
+            <a:round/>
+            <a:headEnd type="none" w="med" len="med"/>
+            <a:tailEnd type="none" w="med" len="med"/>
+          </a:ln>
+        </p:spPr>
+        <p:style>
+          <a:lnRef idx="0">
+            <a:scrgbClr r="0" g="0" b="0"/>
+          </a:lnRef>
+          <a:fillRef idx="0">
+            <a:scrgbClr r="0" g="0" b="0"/>
+          </a:fillRef>
+          <a:effectRef idx="0">
+            <a:scrgbClr r="0" g="0" b="0"/>
+          </a:effectRef>
+          <a:fontRef idx="minor">
+            <a:schemeClr val="tx1"/>
+          </a:fontRef>
+        </p:style>
+      </p:cxnSp>
+      <p:cxnSp>
+        <p:nvCxnSpPr>
+          <p:cNvPr id="40" name="Conector: Curvo 39">
+            <a:extLst>
+              <a:ext uri="{FF2B5EF4-FFF2-40B4-BE49-F238E27FC236}">
+                <a16:creationId xmlns:a16="http://schemas.microsoft.com/office/drawing/2014/main" id="{31E57478-F8A7-A1E3-62BC-79F5DACDEA00}"/>
+              </a:ext>
+            </a:extLst>
+          </p:cNvPr>
+          <p:cNvCxnSpPr>
+            <a:cxnSpLocks/>
+            <a:stCxn id="10" idx="6"/>
+            <a:endCxn id="16" idx="1"/>
+          </p:cNvCxnSpPr>
+          <p:nvPr/>
+        </p:nvCxnSpPr>
+        <p:spPr>
+          <a:xfrm>
+            <a:off x="20412747" y="2929311"/>
+            <a:ext cx="2408655" cy="657943"/>
+          </a:xfrm>
+          <a:prstGeom prst="curvedConnector2">
+            <a:avLst/>
+          </a:prstGeom>
+          <a:ln w="19050" cap="flat" cmpd="sng" algn="ctr">
+            <a:solidFill>
+              <a:schemeClr val="accent2"/>
+            </a:solidFill>
+            <a:prstDash val="dash"/>
+            <a:round/>
+            <a:headEnd type="none" w="med" len="med"/>
+            <a:tailEnd type="none" w="med" len="med"/>
+          </a:ln>
+        </p:spPr>
+        <p:style>
+          <a:lnRef idx="0">
+            <a:scrgbClr r="0" g="0" b="0"/>
+          </a:lnRef>
+          <a:fillRef idx="0">
+            <a:scrgbClr r="0" g="0" b="0"/>
+          </a:fillRef>
+          <a:effectRef idx="0">
+            <a:scrgbClr r="0" g="0" b="0"/>
+          </a:effectRef>
+          <a:fontRef idx="minor">
+            <a:schemeClr val="tx1"/>
+          </a:fontRef>
+        </p:style>
+      </p:cxnSp>
+      <p:cxnSp>
+        <p:nvCxnSpPr>
+          <p:cNvPr id="41" name="Conector: Curvo 40">
+            <a:extLst>
+              <a:ext uri="{FF2B5EF4-FFF2-40B4-BE49-F238E27FC236}">
+                <a16:creationId xmlns:a16="http://schemas.microsoft.com/office/drawing/2014/main" id="{1F069B0A-2967-4C3A-0284-C7A2EE0E026A}"/>
+              </a:ext>
+            </a:extLst>
+          </p:cNvPr>
+          <p:cNvCxnSpPr>
+            <a:cxnSpLocks/>
+            <a:stCxn id="16" idx="6"/>
+            <a:endCxn id="37" idx="1"/>
+          </p:cNvCxnSpPr>
+          <p:nvPr/>
+        </p:nvCxnSpPr>
+        <p:spPr>
+          <a:xfrm>
+            <a:off x="22978684" y="3665146"/>
+            <a:ext cx="2193975" cy="1071679"/>
+          </a:xfrm>
+          <a:prstGeom prst="curvedConnector2">
+            <a:avLst/>
+          </a:prstGeom>
+          <a:ln w="19050" cap="flat" cmpd="sng" algn="ctr">
+            <a:solidFill>
+              <a:schemeClr val="accent2"/>
+            </a:solidFill>
+            <a:prstDash val="dash"/>
+            <a:round/>
+            <a:headEnd type="none" w="med" len="med"/>
+            <a:tailEnd type="none" w="med" len="med"/>
+          </a:ln>
+        </p:spPr>
+        <p:style>
+          <a:lnRef idx="0">
+            <a:scrgbClr r="0" g="0" b="0"/>
+          </a:lnRef>
+          <a:fillRef idx="0">
+            <a:scrgbClr r="0" g="0" b="0"/>
+          </a:fillRef>
+          <a:effectRef idx="0">
+            <a:scrgbClr r="0" g="0" b="0"/>
+          </a:effectRef>
+          <a:fontRef idx="minor">
+            <a:schemeClr val="tx1"/>
+          </a:fontRef>
+        </p:style>
+      </p:cxnSp>
+      <p:pic>
+        <p:nvPicPr>
+          <p:cNvPr id="68" name="Imagem 67">
+            <a:extLst>
+              <a:ext uri="{FF2B5EF4-FFF2-40B4-BE49-F238E27FC236}">
+                <a16:creationId xmlns:a16="http://schemas.microsoft.com/office/drawing/2014/main" id="{0963238C-5133-FA42-63C0-51B0FAEC56C5}"/>
+              </a:ext>
+            </a:extLst>
+          </p:cNvPr>
+          <p:cNvPicPr>
+            <a:picLocks noChangeAspect="1"/>
+          </p:cNvPicPr>
+          <p:nvPr/>
+        </p:nvPicPr>
+        <p:blipFill>
+          <a:blip r:embed="rId23"/>
+          <a:stretch>
+            <a:fillRect/>
+          </a:stretch>
+        </p:blipFill>
+        <p:spPr>
+          <a:xfrm>
+            <a:off x="14966585" y="3410446"/>
+            <a:ext cx="1575732" cy="1085757"/>
+          </a:xfrm>
+          <a:prstGeom prst="rect">
+            <a:avLst/>
+          </a:prstGeom>
+          <a:ln>
+            <a:noFill/>
+          </a:ln>
+          <a:effectLst>
+            <a:outerShdw blurRad="292100" dist="139700" dir="2700000" algn="tl" rotWithShape="0">
+              <a:srgbClr val="333333">
+                <a:alpha val="65000"/>
+              </a:srgbClr>
+            </a:outerShdw>
+          </a:effectLst>
+        </p:spPr>
+      </p:pic>
+      <p:pic>
+        <p:nvPicPr>
+          <p:cNvPr id="70" name="Imagem 69">
+            <a:extLst>
+              <a:ext uri="{FF2B5EF4-FFF2-40B4-BE49-F238E27FC236}">
+                <a16:creationId xmlns:a16="http://schemas.microsoft.com/office/drawing/2014/main" id="{9547A41D-8953-8832-9DB6-8D382EC63108}"/>
+              </a:ext>
+            </a:extLst>
+          </p:cNvPr>
+          <p:cNvPicPr>
+            <a:picLocks noChangeAspect="1"/>
+          </p:cNvPicPr>
+          <p:nvPr/>
+        </p:nvPicPr>
+        <p:blipFill>
+          <a:blip r:embed="rId24"/>
+          <a:stretch>
+            <a:fillRect/>
+          </a:stretch>
+        </p:blipFill>
+        <p:spPr>
+          <a:xfrm>
+            <a:off x="14963618" y="4671603"/>
+            <a:ext cx="1538898" cy="1160639"/>
+          </a:xfrm>
+          <a:prstGeom prst="rect">
+            <a:avLst/>
+          </a:prstGeom>
+          <a:ln>
+            <a:noFill/>
+          </a:ln>
+          <a:effectLst>
+            <a:outerShdw blurRad="292100" dist="139700" dir="2700000" algn="tl" rotWithShape="0">
+              <a:srgbClr val="333333">
+                <a:alpha val="65000"/>
+              </a:srgbClr>
+            </a:outerShdw>
+          </a:effectLst>
+        </p:spPr>
+      </p:pic>
+      <p:pic>
+        <p:nvPicPr>
+          <p:cNvPr id="71" name="Imagem 70">
+            <a:extLst>
+              <a:ext uri="{FF2B5EF4-FFF2-40B4-BE49-F238E27FC236}">
+                <a16:creationId xmlns:a16="http://schemas.microsoft.com/office/drawing/2014/main" id="{44B57FF1-CC8E-B1F0-143D-7B92D1D4D2ED}"/>
+              </a:ext>
+            </a:extLst>
+          </p:cNvPr>
+          <p:cNvPicPr>
+            <a:picLocks noChangeAspect="1"/>
+          </p:cNvPicPr>
+          <p:nvPr/>
+        </p:nvPicPr>
+        <p:blipFill>
+          <a:blip r:embed="rId25"/>
+          <a:stretch>
+            <a:fillRect/>
+          </a:stretch>
+        </p:blipFill>
+        <p:spPr>
+          <a:xfrm>
+            <a:off x="17486723" y="2188606"/>
+            <a:ext cx="1344599" cy="2730744"/>
+          </a:xfrm>
+          <a:prstGeom prst="rect">
+            <a:avLst/>
+          </a:prstGeom>
+          <a:ln>
+            <a:noFill/>
+          </a:ln>
+          <a:effectLst>
+            <a:outerShdw blurRad="292100" dist="139700" dir="2700000" algn="tl" rotWithShape="0">
+              <a:srgbClr val="333333">
+                <a:alpha val="65000"/>
+              </a:srgbClr>
+            </a:outerShdw>
+          </a:effectLst>
+        </p:spPr>
+      </p:pic>
+      <p:pic>
+        <p:nvPicPr>
+          <p:cNvPr id="72" name="Imagem 71">
+            <a:extLst>
+              <a:ext uri="{FF2B5EF4-FFF2-40B4-BE49-F238E27FC236}">
+                <a16:creationId xmlns:a16="http://schemas.microsoft.com/office/drawing/2014/main" id="{2B4BA934-6FC5-A845-5B03-5C0D5917622B}"/>
+              </a:ext>
+            </a:extLst>
+          </p:cNvPr>
+          <p:cNvPicPr>
+            <a:picLocks noChangeAspect="1"/>
+          </p:cNvPicPr>
+          <p:nvPr/>
+        </p:nvPicPr>
+        <p:blipFill>
+          <a:blip r:embed="rId26"/>
+          <a:stretch>
+            <a:fillRect/>
+          </a:stretch>
+        </p:blipFill>
+        <p:spPr>
+          <a:xfrm>
+            <a:off x="19749996" y="4612899"/>
+            <a:ext cx="1682269" cy="1313624"/>
+          </a:xfrm>
+          <a:prstGeom prst="rect">
+            <a:avLst/>
+          </a:prstGeom>
+          <a:ln>
+            <a:noFill/>
+          </a:ln>
+          <a:effectLst>
+            <a:outerShdw blurRad="292100" dist="139700" dir="2700000" algn="tl" rotWithShape="0">
+              <a:srgbClr val="333333">
+                <a:alpha val="65000"/>
+              </a:srgbClr>
+            </a:outerShdw>
+          </a:effectLst>
+        </p:spPr>
+      </p:pic>
+      <p:pic>
+        <p:nvPicPr>
+          <p:cNvPr id="73" name="Imagem 72">
+            <a:extLst>
+              <a:ext uri="{FF2B5EF4-FFF2-40B4-BE49-F238E27FC236}">
+                <a16:creationId xmlns:a16="http://schemas.microsoft.com/office/drawing/2014/main" id="{114FDC5B-BCA6-685F-FFA6-26320C3E5435}"/>
+              </a:ext>
+            </a:extLst>
+          </p:cNvPr>
+          <p:cNvPicPr>
+            <a:picLocks noChangeAspect="1"/>
+          </p:cNvPicPr>
+          <p:nvPr/>
+        </p:nvPicPr>
+        <p:blipFill>
+          <a:blip r:embed="rId27"/>
+          <a:stretch>
+            <a:fillRect/>
+          </a:stretch>
+        </p:blipFill>
+        <p:spPr>
+          <a:xfrm>
+            <a:off x="22034976" y="1702605"/>
+            <a:ext cx="1703148" cy="1287431"/>
+          </a:xfrm>
+          <a:prstGeom prst="rect">
+            <a:avLst/>
+          </a:prstGeom>
+          <a:ln>
+            <a:noFill/>
+          </a:ln>
+          <a:effectLst>
+            <a:outerShdw blurRad="292100" dist="139700" dir="2700000" algn="tl" rotWithShape="0">
+              <a:srgbClr val="333333">
+                <a:alpha val="65000"/>
+              </a:srgbClr>
+            </a:outerShdw>
+          </a:effectLst>
+        </p:spPr>
+      </p:pic>
+      <p:pic>
+        <p:nvPicPr>
+          <p:cNvPr id="75" name="Imagem 74">
+            <a:extLst>
+              <a:ext uri="{FF2B5EF4-FFF2-40B4-BE49-F238E27FC236}">
+                <a16:creationId xmlns:a16="http://schemas.microsoft.com/office/drawing/2014/main" id="{428F9F45-AB9D-0411-DA76-A2C832EDA6CE}"/>
+              </a:ext>
+            </a:extLst>
+          </p:cNvPr>
+          <p:cNvPicPr>
+            <a:picLocks noChangeAspect="1"/>
+          </p:cNvPicPr>
+          <p:nvPr/>
+        </p:nvPicPr>
+        <p:blipFill>
+          <a:blip r:embed="rId28"/>
+          <a:stretch>
+            <a:fillRect/>
+          </a:stretch>
+        </p:blipFill>
+        <p:spPr>
+          <a:xfrm>
+            <a:off x="24485330" y="2760376"/>
+            <a:ext cx="1539663" cy="1229289"/>
+          </a:xfrm>
+          <a:prstGeom prst="rect">
+            <a:avLst/>
+          </a:prstGeom>
+          <a:ln>
+            <a:noFill/>
+          </a:ln>
+          <a:effectLst>
+            <a:outerShdw blurRad="292100" dist="139700" dir="2700000" algn="tl" rotWithShape="0">
+              <a:srgbClr val="333333">
+                <a:alpha val="65000"/>
+              </a:srgbClr>
+            </a:outerShdw>
+          </a:effectLst>
+        </p:spPr>
+      </p:pic>
+      <p:cxnSp>
+        <p:nvCxnSpPr>
+          <p:cNvPr id="76" name="Conector reto 75">
+            <a:extLst>
+              <a:ext uri="{FF2B5EF4-FFF2-40B4-BE49-F238E27FC236}">
+                <a16:creationId xmlns:a16="http://schemas.microsoft.com/office/drawing/2014/main" id="{FB8689A5-C888-E98F-AC26-076102A813E7}"/>
+              </a:ext>
+            </a:extLst>
+          </p:cNvPr>
+          <p:cNvCxnSpPr>
+            <a:stCxn id="16" idx="0"/>
+            <a:endCxn id="73" idx="2"/>
+          </p:cNvCxnSpPr>
+          <p:nvPr/>
+        </p:nvCxnSpPr>
+        <p:spPr>
+          <a:xfrm flipH="1" flipV="1">
+            <a:off x="22886550" y="2990036"/>
+            <a:ext cx="1" cy="564954"/>
+          </a:xfrm>
+          <a:prstGeom prst="line">
+            <a:avLst/>
+          </a:prstGeom>
+          <a:ln>
+            <a:solidFill>
+              <a:schemeClr val="tx1">
+                <a:lumMod val="85000"/>
+                <a:lumOff val="15000"/>
+              </a:schemeClr>
+            </a:solidFill>
+          </a:ln>
+        </p:spPr>
+        <p:style>
+          <a:lnRef idx="2">
+            <a:schemeClr val="accent1"/>
+          </a:lnRef>
+          <a:fillRef idx="0">
+            <a:schemeClr val="accent1"/>
+          </a:fillRef>
+          <a:effectRef idx="1">
+            <a:schemeClr val="accent1"/>
+          </a:effectRef>
+          <a:fontRef idx="minor">
+            <a:schemeClr val="tx1"/>
+          </a:fontRef>
+        </p:style>
+      </p:cxnSp>
+      <p:cxnSp>
+        <p:nvCxnSpPr>
+          <p:cNvPr id="77" name="Conector reto 76">
+            <a:extLst>
+              <a:ext uri="{FF2B5EF4-FFF2-40B4-BE49-F238E27FC236}">
+                <a16:creationId xmlns:a16="http://schemas.microsoft.com/office/drawing/2014/main" id="{607B9756-F505-EE28-8E6F-38EB2E3BCB3A}"/>
+              </a:ext>
+            </a:extLst>
+          </p:cNvPr>
+          <p:cNvCxnSpPr>
+            <a:cxnSpLocks/>
+            <a:stCxn id="37" idx="0"/>
+            <a:endCxn id="75" idx="2"/>
+          </p:cNvCxnSpPr>
+          <p:nvPr/>
+        </p:nvCxnSpPr>
+        <p:spPr>
+          <a:xfrm flipH="1" flipV="1">
+            <a:off x="25255162" y="3989665"/>
+            <a:ext cx="495" cy="714896"/>
+          </a:xfrm>
+          <a:prstGeom prst="line">
+            <a:avLst/>
+          </a:prstGeom>
+          <a:ln>
+            <a:solidFill>
+              <a:schemeClr val="tx1">
+                <a:lumMod val="85000"/>
+                <a:lumOff val="15000"/>
+              </a:schemeClr>
+            </a:solidFill>
+          </a:ln>
+        </p:spPr>
+        <p:style>
+          <a:lnRef idx="2">
+            <a:schemeClr val="accent1"/>
+          </a:lnRef>
+          <a:fillRef idx="0">
+            <a:schemeClr val="accent1"/>
+          </a:fillRef>
+          <a:effectRef idx="1">
+            <a:schemeClr val="accent1"/>
+          </a:effectRef>
+          <a:fontRef idx="minor">
+            <a:schemeClr val="tx1"/>
+          </a:fontRef>
+        </p:style>
+      </p:cxnSp>
+      <p:sp>
+        <p:nvSpPr>
+          <p:cNvPr id="78" name="Retângulo: Cantos Arredondados 77">
+            <a:extLst>
+              <a:ext uri="{FF2B5EF4-FFF2-40B4-BE49-F238E27FC236}">
+                <a16:creationId xmlns:a16="http://schemas.microsoft.com/office/drawing/2014/main" id="{85BE1CE5-4CB2-AE6F-78A2-090FDB8362EF}"/>
+              </a:ext>
+            </a:extLst>
+          </p:cNvPr>
+          <p:cNvSpPr/>
+          <p:nvPr/>
+        </p:nvSpPr>
+        <p:spPr>
+          <a:xfrm>
+            <a:off x="3083296" y="1868098"/>
+            <a:ext cx="114300" cy="2905555"/>
+          </a:xfrm>
+          <a:prstGeom prst="roundRect">
+            <a:avLst>
+              <a:gd name="adj" fmla="val 50000"/>
+            </a:avLst>
+          </a:prstGeom>
+          <a:gradFill>
+            <a:gsLst>
+              <a:gs pos="0">
+                <a:schemeClr val="accent5">
+                  <a:lumMod val="60000"/>
+                  <a:lumOff val="40000"/>
+                </a:schemeClr>
+              </a:gs>
+              <a:gs pos="74000">
+                <a:schemeClr val="tx2">
+                  <a:lumMod val="75000"/>
+                  <a:lumOff val="25000"/>
+                </a:schemeClr>
+              </a:gs>
+              <a:gs pos="83000">
+                <a:schemeClr val="tx2">
+                  <a:lumMod val="90000"/>
+                  <a:lumOff val="10000"/>
+                </a:schemeClr>
+              </a:gs>
+              <a:gs pos="100000">
+                <a:schemeClr val="tx2">
+                  <a:lumMod val="50000"/>
+                  <a:lumOff val="50000"/>
+                </a:schemeClr>
+              </a:gs>
+            </a:gsLst>
+            <a:lin ang="5400000" scaled="1"/>
+          </a:gradFill>
+          <a:ln>
+            <a:noFill/>
+          </a:ln>
+          <a:effectLst>
+            <a:softEdge rad="12700"/>
+          </a:effectLst>
+        </p:spPr>
+        <p:style>
+          <a:lnRef idx="2">
+            <a:schemeClr val="accent1">
+              <a:shade val="15000"/>
+            </a:schemeClr>
+          </a:lnRef>
+          <a:fillRef idx="1">
+            <a:schemeClr val="accent1"/>
+          </a:fillRef>
+          <a:effectRef idx="0">
+            <a:schemeClr val="accent1"/>
+          </a:effectRef>
+          <a:fontRef idx="minor">
+            <a:schemeClr val="lt1"/>
+          </a:fontRef>
+        </p:style>
+        <p:txBody>
+          <a:bodyPr rtlCol="0" anchor="ctr"/>
+          <a:lstStyle/>
+          <a:p>
+            <a:pPr algn="ctr"/>
+            <a:endParaRPr lang="pt-BR">
+              <a:latin typeface="Barlow" panose="00000500000000000000" pitchFamily="2" charset="0"/>
+            </a:endParaRPr>
+          </a:p>
+        </p:txBody>
+      </p:sp>
+      <p:sp>
+        <p:nvSpPr>
+          <p:cNvPr id="79" name="CaixaDeTexto 1">
+            <a:extLst>
+              <a:ext uri="{FF2B5EF4-FFF2-40B4-BE49-F238E27FC236}">
+                <a16:creationId xmlns:a16="http://schemas.microsoft.com/office/drawing/2014/main" id="{EA33F0F3-5891-00A6-E610-7B7B7D1929DE}"/>
+              </a:ext>
+            </a:extLst>
+          </p:cNvPr>
+          <p:cNvSpPr txBox="1"/>
+          <p:nvPr/>
+        </p:nvSpPr>
+        <p:spPr>
+          <a:xfrm>
+            <a:off x="2719638" y="4814717"/>
+            <a:ext cx="824214" cy="461665"/>
+          </a:xfrm>
+          <a:prstGeom prst="rect">
+            <a:avLst/>
+          </a:prstGeom>
+          <a:noFill/>
+        </p:spPr>
+        <p:txBody>
+          <a:bodyPr wrap="square">
+            <a:spAutoFit/>
+          </a:bodyPr>
+          <a:lstStyle>
+            <a:defPPr>
+              <a:defRPr lang="pt-BR"/>
+            </a:defPPr>
+            <a:lvl1pPr defTabSz="457200" fontAlgn="ctr">
+              <a:defRPr b="1">
+                <a:solidFill>
+                  <a:srgbClr val="1D66C4"/>
+                </a:solidFill>
+                <a:latin typeface="Barlow" panose="00000500000000000000" pitchFamily="2" charset="0"/>
+              </a:defRPr>
+            </a:lvl1pPr>
+            <a:lvl2pPr defTabSz="457200"/>
+            <a:lvl3pPr defTabSz="457200"/>
+            <a:lvl4pPr defTabSz="457200"/>
+            <a:lvl5pPr defTabSz="457200"/>
+            <a:lvl6pPr defTabSz="457200"/>
+            <a:lvl7pPr defTabSz="457200"/>
+            <a:lvl8pPr defTabSz="457200"/>
+            <a:lvl9pPr defTabSz="457200"/>
+          </a:lstStyle>
+          <a:p>
+            <a:pPr algn="ctr"/>
+            <a:r>
+              <a:rPr lang="pt-BR" sz="1200" dirty="0"/>
+              <a:t>DADOS </a:t>
+            </a:r>
+          </a:p>
+          <a:p>
+            <a:pPr algn="ctr"/>
+            <a:r>
+              <a:rPr lang="pt-BR" sz="1200" dirty="0"/>
+              <a:t>BRUTOS</a:t>
+            </a:r>
+            <a:endParaRPr lang="pt-BR" dirty="0"/>
+          </a:p>
+        </p:txBody>
+      </p:sp>
+      <p:sp>
+        <p:nvSpPr>
+          <p:cNvPr id="101" name="CaixaDeTexto 1">
+            <a:extLst>
+              <a:ext uri="{FF2B5EF4-FFF2-40B4-BE49-F238E27FC236}">
+                <a16:creationId xmlns:a16="http://schemas.microsoft.com/office/drawing/2014/main" id="{604B9EC3-D3C8-ED57-9314-FC7093D2FB7E}"/>
+              </a:ext>
+            </a:extLst>
+          </p:cNvPr>
+          <p:cNvSpPr txBox="1"/>
+          <p:nvPr/>
+        </p:nvSpPr>
+        <p:spPr>
+          <a:xfrm>
+            <a:off x="2719638" y="1406433"/>
+            <a:ext cx="873645" cy="461665"/>
+          </a:xfrm>
+          <a:prstGeom prst="rect">
+            <a:avLst/>
+          </a:prstGeom>
+          <a:noFill/>
+        </p:spPr>
+        <p:txBody>
+          <a:bodyPr wrap="square">
+            <a:spAutoFit/>
+          </a:bodyPr>
+          <a:lstStyle>
+            <a:defPPr>
+              <a:defRPr lang="pt-BR"/>
+            </a:defPPr>
+            <a:lvl1pPr defTabSz="457200" fontAlgn="ctr">
+              <a:defRPr b="1">
+                <a:solidFill>
+                  <a:srgbClr val="1D66C4"/>
+                </a:solidFill>
+                <a:latin typeface="Barlow" panose="00000500000000000000" pitchFamily="2" charset="0"/>
+              </a:defRPr>
+            </a:lvl1pPr>
+            <a:lvl2pPr defTabSz="457200"/>
+            <a:lvl3pPr defTabSz="457200"/>
+            <a:lvl4pPr defTabSz="457200"/>
+            <a:lvl5pPr defTabSz="457200"/>
+            <a:lvl6pPr defTabSz="457200"/>
+            <a:lvl7pPr defTabSz="457200"/>
+            <a:lvl8pPr defTabSz="457200"/>
+            <a:lvl9pPr defTabSz="457200"/>
+          </a:lstStyle>
+          <a:p>
+            <a:pPr algn="ctr"/>
+            <a:r>
+              <a:rPr lang="pt-BR" sz="1200" dirty="0">
+                <a:solidFill>
+                  <a:schemeClr val="accent5">
+                    <a:lumMod val="75000"/>
+                  </a:schemeClr>
+                </a:solidFill>
+              </a:rPr>
+              <a:t>DADOS </a:t>
+            </a:r>
+          </a:p>
+          <a:p>
+            <a:pPr algn="ctr"/>
+            <a:r>
+              <a:rPr lang="pt-BR" sz="1200" dirty="0">
+                <a:solidFill>
+                  <a:schemeClr val="accent5">
+                    <a:lumMod val="75000"/>
+                  </a:schemeClr>
+                </a:solidFill>
+              </a:rPr>
+              <a:t>PRONTOS</a:t>
+            </a:r>
+            <a:endParaRPr lang="pt-BR" dirty="0">
+              <a:solidFill>
+                <a:schemeClr val="accent5">
+                  <a:lumMod val="75000"/>
+                </a:schemeClr>
+              </a:solidFill>
+            </a:endParaRPr>
+          </a:p>
+        </p:txBody>
+      </p:sp>
+      <p:sp>
+        <p:nvSpPr>
+          <p:cNvPr id="102" name="Retângulo: Cantos Arredondados 101">
+            <a:extLst>
+              <a:ext uri="{FF2B5EF4-FFF2-40B4-BE49-F238E27FC236}">
+                <a16:creationId xmlns:a16="http://schemas.microsoft.com/office/drawing/2014/main" id="{EB0E8C30-01AB-DF0E-F458-EB6632985B74}"/>
+              </a:ext>
+            </a:extLst>
+          </p:cNvPr>
+          <p:cNvSpPr/>
+          <p:nvPr/>
+        </p:nvSpPr>
+        <p:spPr>
+          <a:xfrm>
+            <a:off x="11150490" y="1868098"/>
+            <a:ext cx="114300" cy="2905555"/>
+          </a:xfrm>
+          <a:prstGeom prst="roundRect">
+            <a:avLst>
+              <a:gd name="adj" fmla="val 50000"/>
+            </a:avLst>
+          </a:prstGeom>
+          <a:gradFill>
+            <a:gsLst>
+              <a:gs pos="0">
+                <a:schemeClr val="accent5">
+                  <a:lumMod val="60000"/>
+                  <a:lumOff val="40000"/>
+                </a:schemeClr>
+              </a:gs>
+              <a:gs pos="74000">
+                <a:schemeClr val="tx2">
+                  <a:lumMod val="75000"/>
+                  <a:lumOff val="25000"/>
+                </a:schemeClr>
+              </a:gs>
+              <a:gs pos="83000">
+                <a:schemeClr val="tx2">
+                  <a:lumMod val="90000"/>
+                  <a:lumOff val="10000"/>
+                </a:schemeClr>
+              </a:gs>
+              <a:gs pos="100000">
+                <a:schemeClr val="tx2">
+                  <a:lumMod val="50000"/>
+                  <a:lumOff val="50000"/>
+                </a:schemeClr>
+              </a:gs>
+            </a:gsLst>
+            <a:lin ang="5400000" scaled="1"/>
+          </a:gradFill>
+          <a:ln>
+            <a:noFill/>
+          </a:ln>
+          <a:effectLst>
+            <a:softEdge rad="12700"/>
+          </a:effectLst>
+        </p:spPr>
+        <p:style>
+          <a:lnRef idx="2">
+            <a:schemeClr val="accent1">
+              <a:shade val="15000"/>
+            </a:schemeClr>
+          </a:lnRef>
+          <a:fillRef idx="1">
+            <a:schemeClr val="accent1"/>
+          </a:fillRef>
+          <a:effectRef idx="0">
+            <a:schemeClr val="accent1"/>
+          </a:effectRef>
+          <a:fontRef idx="minor">
+            <a:schemeClr val="lt1"/>
+          </a:fontRef>
+        </p:style>
+        <p:txBody>
+          <a:bodyPr rtlCol="0" anchor="ctr"/>
+          <a:lstStyle/>
+          <a:p>
+            <a:pPr algn="ctr"/>
+            <a:endParaRPr lang="pt-BR">
+              <a:latin typeface="Barlow" panose="00000500000000000000" pitchFamily="2" charset="0"/>
+            </a:endParaRPr>
+          </a:p>
+        </p:txBody>
+      </p:sp>
+      <p:sp>
+        <p:nvSpPr>
+          <p:cNvPr id="103" name="CaixaDeTexto 1">
+            <a:extLst>
+              <a:ext uri="{FF2B5EF4-FFF2-40B4-BE49-F238E27FC236}">
+                <a16:creationId xmlns:a16="http://schemas.microsoft.com/office/drawing/2014/main" id="{47094884-C272-EB26-C9CF-09BEDAACC037}"/>
+              </a:ext>
+            </a:extLst>
+          </p:cNvPr>
+          <p:cNvSpPr txBox="1"/>
+          <p:nvPr/>
+        </p:nvSpPr>
+        <p:spPr>
+          <a:xfrm>
+            <a:off x="10305605" y="4814717"/>
+            <a:ext cx="1804070" cy="507831"/>
+          </a:xfrm>
+          <a:prstGeom prst="rect">
+            <a:avLst/>
+          </a:prstGeom>
+          <a:noFill/>
+        </p:spPr>
+        <p:txBody>
+          <a:bodyPr wrap="square">
+            <a:spAutoFit/>
+          </a:bodyPr>
+          <a:lstStyle>
+            <a:defPPr>
+              <a:defRPr lang="pt-BR"/>
+            </a:defPPr>
+            <a:lvl1pPr defTabSz="457200" fontAlgn="ctr">
+              <a:defRPr b="1">
+                <a:solidFill>
+                  <a:srgbClr val="1D66C4"/>
+                </a:solidFill>
+                <a:latin typeface="Barlow" panose="00000500000000000000" pitchFamily="2" charset="0"/>
+              </a:defRPr>
+            </a:lvl1pPr>
+            <a:lvl2pPr defTabSz="457200"/>
+            <a:lvl3pPr defTabSz="457200"/>
+            <a:lvl4pPr defTabSz="457200"/>
+            <a:lvl5pPr defTabSz="457200"/>
+            <a:lvl6pPr defTabSz="457200"/>
+            <a:lvl7pPr defTabSz="457200"/>
+            <a:lvl8pPr defTabSz="457200"/>
+            <a:lvl9pPr defTabSz="457200"/>
+          </a:lstStyle>
+          <a:p>
+            <a:pPr algn="ctr"/>
+            <a:r>
+              <a:rPr lang="pt-BR" sz="1000" dirty="0"/>
+              <a:t>MAIS </a:t>
+            </a:r>
+          </a:p>
+          <a:p>
+            <a:pPr algn="ctr"/>
+            <a:r>
+              <a:rPr lang="pt-BR" sz="1000" dirty="0"/>
+              <a:t>FLEXIBILIDADE</a:t>
+            </a:r>
+          </a:p>
+          <a:p>
+            <a:pPr algn="ctr"/>
+            <a:r>
+              <a:rPr lang="pt-BR" sz="700" i="1" dirty="0"/>
+              <a:t>(restaurante)</a:t>
+            </a:r>
+            <a:endParaRPr lang="pt-BR" sz="1000" i="1" dirty="0"/>
+          </a:p>
+        </p:txBody>
+      </p:sp>
+      <p:sp>
+        <p:nvSpPr>
+          <p:cNvPr id="104" name="CaixaDeTexto 1">
+            <a:extLst>
+              <a:ext uri="{FF2B5EF4-FFF2-40B4-BE49-F238E27FC236}">
+                <a16:creationId xmlns:a16="http://schemas.microsoft.com/office/drawing/2014/main" id="{BA2A0AD3-968C-B1E9-96AF-A8FF3337D8D7}"/>
+              </a:ext>
+            </a:extLst>
+          </p:cNvPr>
+          <p:cNvSpPr txBox="1"/>
+          <p:nvPr/>
+        </p:nvSpPr>
+        <p:spPr>
+          <a:xfrm>
+            <a:off x="10305605" y="1313483"/>
+            <a:ext cx="1804070" cy="523220"/>
+          </a:xfrm>
+          <a:prstGeom prst="rect">
+            <a:avLst/>
+          </a:prstGeom>
+          <a:noFill/>
+        </p:spPr>
+        <p:txBody>
+          <a:bodyPr wrap="square">
+            <a:spAutoFit/>
+          </a:bodyPr>
+          <a:lstStyle>
+            <a:defPPr>
+              <a:defRPr lang="pt-BR"/>
+            </a:defPPr>
+            <a:lvl1pPr defTabSz="457200" fontAlgn="ctr">
+              <a:defRPr b="1">
+                <a:solidFill>
+                  <a:srgbClr val="1D66C4"/>
+                </a:solidFill>
+                <a:latin typeface="Barlow" panose="00000500000000000000" pitchFamily="2" charset="0"/>
+              </a:defRPr>
+            </a:lvl1pPr>
+            <a:lvl2pPr defTabSz="457200"/>
+            <a:lvl3pPr defTabSz="457200"/>
+            <a:lvl4pPr defTabSz="457200"/>
+            <a:lvl5pPr defTabSz="457200"/>
+            <a:lvl6pPr defTabSz="457200"/>
+            <a:lvl7pPr defTabSz="457200"/>
+            <a:lvl8pPr defTabSz="457200"/>
+            <a:lvl9pPr defTabSz="457200"/>
+          </a:lstStyle>
+          <a:p>
+            <a:pPr algn="ctr"/>
+            <a:r>
+              <a:rPr lang="pt-BR" sz="1000" dirty="0">
+                <a:solidFill>
+                  <a:schemeClr val="accent5">
+                    <a:lumMod val="75000"/>
+                  </a:schemeClr>
+                </a:solidFill>
+              </a:rPr>
+              <a:t>MENOS </a:t>
+            </a:r>
+          </a:p>
+          <a:p>
+            <a:pPr algn="ctr"/>
+            <a:r>
+              <a:rPr lang="pt-BR" sz="1000" dirty="0">
+                <a:solidFill>
+                  <a:schemeClr val="accent5">
+                    <a:lumMod val="75000"/>
+                  </a:schemeClr>
+                </a:solidFill>
+              </a:rPr>
+              <a:t>FLEXIBILIDADE</a:t>
+            </a:r>
+          </a:p>
+          <a:p>
+            <a:pPr algn="ctr"/>
+            <a:r>
+              <a:rPr lang="pt-BR" sz="800" i="1" dirty="0">
+                <a:solidFill>
+                  <a:schemeClr val="accent5">
+                    <a:lumMod val="75000"/>
+                  </a:schemeClr>
+                </a:solidFill>
+              </a:rPr>
+              <a:t>(foodtruck)</a:t>
+            </a:r>
+            <a:endParaRPr lang="pt-BR" sz="2400" i="1" dirty="0">
+              <a:solidFill>
+                <a:schemeClr val="accent5">
+                  <a:lumMod val="75000"/>
+                </a:schemeClr>
+              </a:solidFill>
+            </a:endParaRPr>
+          </a:p>
+        </p:txBody>
+      </p:sp>
+      <p:sp>
+        <p:nvSpPr>
+          <p:cNvPr id="105" name="CaixaDeTexto 1">
+            <a:extLst>
+              <a:ext uri="{FF2B5EF4-FFF2-40B4-BE49-F238E27FC236}">
+                <a16:creationId xmlns:a16="http://schemas.microsoft.com/office/drawing/2014/main" id="{C6AC8067-3891-833C-40D9-53EA5D027D1D}"/>
+              </a:ext>
+            </a:extLst>
+          </p:cNvPr>
+          <p:cNvSpPr txBox="1"/>
+          <p:nvPr/>
+        </p:nvSpPr>
+        <p:spPr>
+          <a:xfrm>
+            <a:off x="3423742" y="2514405"/>
+            <a:ext cx="1051822" cy="1169551"/>
+          </a:xfrm>
+          <a:prstGeom prst="rect">
+            <a:avLst/>
+          </a:prstGeom>
+          <a:noFill/>
+        </p:spPr>
+        <p:txBody>
+          <a:bodyPr wrap="square">
+            <a:spAutoFit/>
+          </a:bodyPr>
+          <a:lstStyle>
+            <a:defPPr>
+              <a:defRPr lang="en-US"/>
+            </a:defPPr>
+            <a:lvl1pPr marL="0" algn="l" defTabSz="457200" rtl="0" eaLnBrk="1" latinLnBrk="0" hangingPunct="1">
+              <a:defRPr sz="1800" kern="1200">
+                <a:solidFill>
+                  <a:schemeClr val="tx1"/>
+                </a:solidFill>
+                <a:latin typeface="+mn-lt"/>
+                <a:ea typeface="+mn-ea"/>
+                <a:cs typeface="+mn-cs"/>
+              </a:defRPr>
+            </a:lvl1pPr>
+            <a:lvl2pPr marL="457200" algn="l" defTabSz="457200" rtl="0" eaLnBrk="1" latinLnBrk="0" hangingPunct="1">
+              <a:defRPr sz="1800" kern="1200">
+                <a:solidFill>
+                  <a:schemeClr val="tx1"/>
+                </a:solidFill>
+                <a:latin typeface="+mn-lt"/>
+                <a:ea typeface="+mn-ea"/>
+                <a:cs typeface="+mn-cs"/>
+              </a:defRPr>
+            </a:lvl2pPr>
+            <a:lvl3pPr marL="914400" algn="l" defTabSz="457200" rtl="0" eaLnBrk="1" latinLnBrk="0" hangingPunct="1">
+              <a:defRPr sz="1800" kern="1200">
+                <a:solidFill>
+                  <a:schemeClr val="tx1"/>
+                </a:solidFill>
+                <a:latin typeface="+mn-lt"/>
+                <a:ea typeface="+mn-ea"/>
+                <a:cs typeface="+mn-cs"/>
+              </a:defRPr>
+            </a:lvl3pPr>
+            <a:lvl4pPr marL="1371600" algn="l" defTabSz="457200" rtl="0" eaLnBrk="1" latinLnBrk="0" hangingPunct="1">
+              <a:defRPr sz="1800" kern="1200">
+                <a:solidFill>
+                  <a:schemeClr val="tx1"/>
+                </a:solidFill>
+                <a:latin typeface="+mn-lt"/>
+                <a:ea typeface="+mn-ea"/>
+                <a:cs typeface="+mn-cs"/>
+              </a:defRPr>
+            </a:lvl4pPr>
+            <a:lvl5pPr marL="1828800" algn="l" defTabSz="457200" rtl="0" eaLnBrk="1" latinLnBrk="0" hangingPunct="1">
+              <a:defRPr sz="1800" kern="1200">
+                <a:solidFill>
+                  <a:schemeClr val="tx1"/>
+                </a:solidFill>
+                <a:latin typeface="+mn-lt"/>
+                <a:ea typeface="+mn-ea"/>
+                <a:cs typeface="+mn-cs"/>
+              </a:defRPr>
+            </a:lvl5pPr>
+            <a:lvl6pPr marL="2286000" algn="l" defTabSz="457200" rtl="0" eaLnBrk="1" latinLnBrk="0" hangingPunct="1">
+              <a:defRPr sz="1800" kern="1200">
+                <a:solidFill>
+                  <a:schemeClr val="tx1"/>
+                </a:solidFill>
+                <a:latin typeface="+mn-lt"/>
+                <a:ea typeface="+mn-ea"/>
+                <a:cs typeface="+mn-cs"/>
+              </a:defRPr>
+            </a:lvl6pPr>
+            <a:lvl7pPr marL="2743200" algn="l" defTabSz="457200" rtl="0" eaLnBrk="1" latinLnBrk="0" hangingPunct="1">
+              <a:defRPr sz="1800" kern="1200">
+                <a:solidFill>
+                  <a:schemeClr val="tx1"/>
+                </a:solidFill>
+                <a:latin typeface="+mn-lt"/>
+                <a:ea typeface="+mn-ea"/>
+                <a:cs typeface="+mn-cs"/>
+              </a:defRPr>
+            </a:lvl7pPr>
+            <a:lvl8pPr marL="3200400" algn="l" defTabSz="457200" rtl="0" eaLnBrk="1" latinLnBrk="0" hangingPunct="1">
+              <a:defRPr sz="1800" kern="1200">
+                <a:solidFill>
+                  <a:schemeClr val="tx1"/>
+                </a:solidFill>
+                <a:latin typeface="+mn-lt"/>
+                <a:ea typeface="+mn-ea"/>
+                <a:cs typeface="+mn-cs"/>
+              </a:defRPr>
+            </a:lvl8pPr>
+            <a:lvl9pPr marL="3657600" algn="l" defTabSz="457200" rtl="0" eaLnBrk="1" latinLnBrk="0" hangingPunct="1">
+              <a:defRPr sz="1800" kern="1200">
+                <a:solidFill>
+                  <a:schemeClr val="tx1"/>
+                </a:solidFill>
+                <a:latin typeface="+mn-lt"/>
+                <a:ea typeface="+mn-ea"/>
+                <a:cs typeface="+mn-cs"/>
+              </a:defRPr>
+            </a:lvl9pPr>
+          </a:lstStyle>
+          <a:p>
+            <a:pPr fontAlgn="ctr"/>
+            <a:r>
+              <a:rPr lang="pt-BR" sz="1400" b="1" dirty="0"/>
+              <a:t>Painéis</a:t>
+            </a:r>
+            <a:endParaRPr lang="pt-BR" sz="589" dirty="0">
+              <a:latin typeface="Calibri" panose="020F0502020204030204" pitchFamily="34" charset="0"/>
+            </a:endParaRPr>
+          </a:p>
+          <a:p>
+            <a:pPr fontAlgn="ctr"/>
+            <a:r>
+              <a:rPr lang="pt-BR" sz="800" dirty="0">
+                <a:latin typeface="Calibri" panose="020F0502020204030204" pitchFamily="34" charset="0"/>
+              </a:rPr>
+              <a:t>Ferramenta iterativa para exploração de dados. Combinação de medidas e filtros</a:t>
+            </a:r>
+          </a:p>
+          <a:p>
+            <a:pPr fontAlgn="ctr"/>
+            <a:endParaRPr lang="pt-BR" sz="800" dirty="0">
+              <a:latin typeface="Calibri" panose="020F0502020204030204" pitchFamily="34" charset="0"/>
+            </a:endParaRPr>
+          </a:p>
+          <a:p>
+            <a:pPr fontAlgn="ctr"/>
+            <a:r>
+              <a:rPr lang="pt-BR" sz="800" b="1" dirty="0">
+                <a:latin typeface="Calibri" panose="020F0502020204030204" pitchFamily="34" charset="0"/>
+              </a:rPr>
+              <a:t>Público</a:t>
+            </a:r>
+            <a:r>
+              <a:rPr lang="pt-BR" sz="800" dirty="0">
+                <a:latin typeface="Calibri" panose="020F0502020204030204" pitchFamily="34" charset="0"/>
+              </a:rPr>
+              <a:t>: analistas de negócio</a:t>
+            </a:r>
+          </a:p>
+        </p:txBody>
+      </p:sp>
+      <p:sp>
+        <p:nvSpPr>
+          <p:cNvPr id="106" name="Elipse 105">
+            <a:extLst>
+              <a:ext uri="{FF2B5EF4-FFF2-40B4-BE49-F238E27FC236}">
+                <a16:creationId xmlns:a16="http://schemas.microsoft.com/office/drawing/2014/main" id="{AE707ED4-4BA6-7B7F-02E0-C6071B076F5F}"/>
+              </a:ext>
+            </a:extLst>
+          </p:cNvPr>
+          <p:cNvSpPr/>
+          <p:nvPr/>
+        </p:nvSpPr>
+        <p:spPr>
+          <a:xfrm>
+            <a:off x="3730287" y="2294093"/>
+            <a:ext cx="234753" cy="220312"/>
+          </a:xfrm>
+          <a:prstGeom prst="ellipse">
+            <a:avLst/>
+          </a:prstGeom>
+          <a:solidFill>
+            <a:schemeClr val="dk1"/>
+          </a:solidFill>
+          <a:ln>
+            <a:noFill/>
+          </a:ln>
+        </p:spPr>
+        <p:style>
+          <a:lnRef idx="0">
+            <a:scrgbClr r="0" g="0" b="0"/>
+          </a:lnRef>
+          <a:fillRef idx="0">
+            <a:scrgbClr r="0" g="0" b="0"/>
+          </a:fillRef>
+          <a:effectRef idx="0">
+            <a:scrgbClr r="0" g="0" b="0"/>
+          </a:effectRef>
+          <a:fontRef idx="minor">
+            <a:schemeClr val="lt1"/>
+          </a:fontRef>
+        </p:style>
+        <p:txBody>
+          <a:bodyPr rtlCol="0" anchor="ctr"/>
+          <a:lstStyle/>
+          <a:p>
+            <a:pPr algn="ctr"/>
+            <a:r>
+              <a:rPr lang="pt-BR" sz="1718" dirty="0"/>
+              <a:t>1</a:t>
+            </a:r>
+          </a:p>
+        </p:txBody>
+      </p:sp>
+      <p:sp>
+        <p:nvSpPr>
+          <p:cNvPr id="107" name="CaixaDeTexto 1">
+            <a:extLst>
+              <a:ext uri="{FF2B5EF4-FFF2-40B4-BE49-F238E27FC236}">
+                <a16:creationId xmlns:a16="http://schemas.microsoft.com/office/drawing/2014/main" id="{B4238594-1797-5399-8424-9137E55C7FA6}"/>
+              </a:ext>
+            </a:extLst>
+          </p:cNvPr>
+          <p:cNvSpPr txBox="1"/>
+          <p:nvPr/>
+        </p:nvSpPr>
+        <p:spPr>
+          <a:xfrm>
+            <a:off x="4660217" y="1436088"/>
+            <a:ext cx="1319753" cy="1383327"/>
+          </a:xfrm>
+          <a:prstGeom prst="rect">
+            <a:avLst/>
+          </a:prstGeom>
+          <a:noFill/>
+        </p:spPr>
+        <p:txBody>
+          <a:bodyPr wrap="square">
+            <a:spAutoFit/>
+          </a:bodyPr>
+          <a:lstStyle>
+            <a:defPPr>
+              <a:defRPr lang="en-US"/>
+            </a:defPPr>
+            <a:lvl1pPr marL="0" algn="l" defTabSz="457200" rtl="0" eaLnBrk="1" latinLnBrk="0" hangingPunct="1">
+              <a:defRPr sz="1800" kern="1200">
+                <a:solidFill>
+                  <a:schemeClr val="tx1"/>
+                </a:solidFill>
+                <a:latin typeface="+mn-lt"/>
+                <a:ea typeface="+mn-ea"/>
+                <a:cs typeface="+mn-cs"/>
+              </a:defRPr>
+            </a:lvl1pPr>
+            <a:lvl2pPr marL="457200" algn="l" defTabSz="457200" rtl="0" eaLnBrk="1" latinLnBrk="0" hangingPunct="1">
+              <a:defRPr sz="1800" kern="1200">
+                <a:solidFill>
+                  <a:schemeClr val="tx1"/>
+                </a:solidFill>
+                <a:latin typeface="+mn-lt"/>
+                <a:ea typeface="+mn-ea"/>
+                <a:cs typeface="+mn-cs"/>
+              </a:defRPr>
+            </a:lvl2pPr>
+            <a:lvl3pPr marL="914400" algn="l" defTabSz="457200" rtl="0" eaLnBrk="1" latinLnBrk="0" hangingPunct="1">
+              <a:defRPr sz="1800" kern="1200">
+                <a:solidFill>
+                  <a:schemeClr val="tx1"/>
+                </a:solidFill>
+                <a:latin typeface="+mn-lt"/>
+                <a:ea typeface="+mn-ea"/>
+                <a:cs typeface="+mn-cs"/>
+              </a:defRPr>
+            </a:lvl3pPr>
+            <a:lvl4pPr marL="1371600" algn="l" defTabSz="457200" rtl="0" eaLnBrk="1" latinLnBrk="0" hangingPunct="1">
+              <a:defRPr sz="1800" kern="1200">
+                <a:solidFill>
+                  <a:schemeClr val="tx1"/>
+                </a:solidFill>
+                <a:latin typeface="+mn-lt"/>
+                <a:ea typeface="+mn-ea"/>
+                <a:cs typeface="+mn-cs"/>
+              </a:defRPr>
+            </a:lvl4pPr>
+            <a:lvl5pPr marL="1828800" algn="l" defTabSz="457200" rtl="0" eaLnBrk="1" latinLnBrk="0" hangingPunct="1">
+              <a:defRPr sz="1800" kern="1200">
+                <a:solidFill>
+                  <a:schemeClr val="tx1"/>
+                </a:solidFill>
+                <a:latin typeface="+mn-lt"/>
+                <a:ea typeface="+mn-ea"/>
+                <a:cs typeface="+mn-cs"/>
+              </a:defRPr>
+            </a:lvl5pPr>
+            <a:lvl6pPr marL="2286000" algn="l" defTabSz="457200" rtl="0" eaLnBrk="1" latinLnBrk="0" hangingPunct="1">
+              <a:defRPr sz="1800" kern="1200">
+                <a:solidFill>
+                  <a:schemeClr val="tx1"/>
+                </a:solidFill>
+                <a:latin typeface="+mn-lt"/>
+                <a:ea typeface="+mn-ea"/>
+                <a:cs typeface="+mn-cs"/>
+              </a:defRPr>
+            </a:lvl6pPr>
+            <a:lvl7pPr marL="2743200" algn="l" defTabSz="457200" rtl="0" eaLnBrk="1" latinLnBrk="0" hangingPunct="1">
+              <a:defRPr sz="1800" kern="1200">
+                <a:solidFill>
+                  <a:schemeClr val="tx1"/>
+                </a:solidFill>
+                <a:latin typeface="+mn-lt"/>
+                <a:ea typeface="+mn-ea"/>
+                <a:cs typeface="+mn-cs"/>
+              </a:defRPr>
+            </a:lvl7pPr>
+            <a:lvl8pPr marL="3200400" algn="l" defTabSz="457200" rtl="0" eaLnBrk="1" latinLnBrk="0" hangingPunct="1">
+              <a:defRPr sz="1800" kern="1200">
+                <a:solidFill>
+                  <a:schemeClr val="tx1"/>
+                </a:solidFill>
+                <a:latin typeface="+mn-lt"/>
+                <a:ea typeface="+mn-ea"/>
+                <a:cs typeface="+mn-cs"/>
+              </a:defRPr>
+            </a:lvl8pPr>
+            <a:lvl9pPr marL="3657600" algn="l" defTabSz="457200" rtl="0" eaLnBrk="1" latinLnBrk="0" hangingPunct="1">
+              <a:defRPr sz="1800" kern="1200">
+                <a:solidFill>
+                  <a:schemeClr val="tx1"/>
+                </a:solidFill>
+                <a:latin typeface="+mn-lt"/>
+                <a:ea typeface="+mn-ea"/>
+                <a:cs typeface="+mn-cs"/>
+              </a:defRPr>
+            </a:lvl9pPr>
+          </a:lstStyle>
+          <a:p>
+            <a:pPr fontAlgn="ctr"/>
+            <a:r>
+              <a:rPr lang="pt-BR" sz="1400" b="1" dirty="0"/>
+              <a:t>Infográficos</a:t>
+            </a:r>
+          </a:p>
+          <a:p>
+            <a:pPr fontAlgn="ctr"/>
+            <a:endParaRPr lang="pt-BR" sz="589" dirty="0">
+              <a:latin typeface="Calibri" panose="020F0502020204030204" pitchFamily="34" charset="0"/>
+            </a:endParaRPr>
+          </a:p>
+          <a:p>
+            <a:pPr fontAlgn="ctr"/>
+            <a:r>
+              <a:rPr lang="pt-BR" sz="800" b="1" i="1" dirty="0">
+                <a:latin typeface="Calibri" panose="020F0502020204030204" pitchFamily="34" charset="0"/>
+              </a:rPr>
+              <a:t>Exemplo</a:t>
+            </a:r>
+          </a:p>
+          <a:p>
+            <a:pPr fontAlgn="ctr"/>
+            <a:r>
+              <a:rPr lang="pt-BR" sz="800" dirty="0">
+                <a:latin typeface="Calibri" panose="020F0502020204030204" pitchFamily="34" charset="0"/>
+              </a:rPr>
+              <a:t>Visões estáticas com análises de pontos relevantes observados nos dados</a:t>
+            </a:r>
+          </a:p>
+          <a:p>
+            <a:pPr fontAlgn="ctr"/>
+            <a:endParaRPr lang="pt-BR" sz="800" dirty="0">
+              <a:latin typeface="Calibri" panose="020F0502020204030204" pitchFamily="34" charset="0"/>
+            </a:endParaRPr>
+          </a:p>
+          <a:p>
+            <a:pPr fontAlgn="ctr"/>
+            <a:r>
+              <a:rPr lang="pt-BR" sz="800" b="1" dirty="0">
+                <a:latin typeface="Calibri" panose="020F0502020204030204" pitchFamily="34" charset="0"/>
+              </a:rPr>
+              <a:t>Público</a:t>
+            </a:r>
+            <a:r>
+              <a:rPr lang="pt-BR" sz="800" dirty="0">
+                <a:latin typeface="Calibri" panose="020F0502020204030204" pitchFamily="34" charset="0"/>
+              </a:rPr>
+              <a:t>: analistas de negócio</a:t>
+            </a:r>
+          </a:p>
+        </p:txBody>
+      </p:sp>
+      <p:sp>
+        <p:nvSpPr>
+          <p:cNvPr id="108" name="Elipse 107">
+            <a:extLst>
+              <a:ext uri="{FF2B5EF4-FFF2-40B4-BE49-F238E27FC236}">
+                <a16:creationId xmlns:a16="http://schemas.microsoft.com/office/drawing/2014/main" id="{8EA28DD4-217D-B6D3-27E5-8C2CE2D645AB}"/>
+              </a:ext>
+            </a:extLst>
+          </p:cNvPr>
+          <p:cNvSpPr/>
+          <p:nvPr/>
+        </p:nvSpPr>
+        <p:spPr>
+          <a:xfrm>
+            <a:off x="5116243" y="1156322"/>
+            <a:ext cx="234753" cy="220312"/>
+          </a:xfrm>
+          <a:prstGeom prst="ellipse">
+            <a:avLst/>
+          </a:prstGeom>
+          <a:solidFill>
+            <a:schemeClr val="dk1"/>
+          </a:solidFill>
+          <a:ln>
+            <a:noFill/>
+          </a:ln>
+        </p:spPr>
+        <p:style>
+          <a:lnRef idx="0">
+            <a:scrgbClr r="0" g="0" b="0"/>
+          </a:lnRef>
+          <a:fillRef idx="0">
+            <a:scrgbClr r="0" g="0" b="0"/>
+          </a:fillRef>
+          <a:effectRef idx="0">
+            <a:scrgbClr r="0" g="0" b="0"/>
+          </a:effectRef>
+          <a:fontRef idx="minor">
+            <a:schemeClr val="lt1"/>
+          </a:fontRef>
+        </p:style>
+        <p:txBody>
+          <a:bodyPr rtlCol="0" anchor="ctr"/>
+          <a:lstStyle/>
+          <a:p>
+            <a:pPr algn="ctr"/>
+            <a:r>
+              <a:rPr lang="pt-BR" sz="1718" dirty="0"/>
+              <a:t>2</a:t>
+            </a:r>
+          </a:p>
+        </p:txBody>
+      </p:sp>
+      <p:sp>
+        <p:nvSpPr>
+          <p:cNvPr id="109" name="CaixaDeTexto 1">
+            <a:extLst>
+              <a:ext uri="{FF2B5EF4-FFF2-40B4-BE49-F238E27FC236}">
+                <a16:creationId xmlns:a16="http://schemas.microsoft.com/office/drawing/2014/main" id="{5F92B9B9-F0C6-1FDA-E118-EC90A8058D23}"/>
+              </a:ext>
+            </a:extLst>
+          </p:cNvPr>
+          <p:cNvSpPr txBox="1"/>
+          <p:nvPr/>
+        </p:nvSpPr>
+        <p:spPr>
+          <a:xfrm>
+            <a:off x="5566569" y="3264799"/>
+            <a:ext cx="1344599" cy="1937325"/>
+          </a:xfrm>
+          <a:prstGeom prst="rect">
+            <a:avLst/>
+          </a:prstGeom>
+          <a:noFill/>
+        </p:spPr>
+        <p:txBody>
+          <a:bodyPr wrap="square">
+            <a:spAutoFit/>
+          </a:bodyPr>
+          <a:lstStyle>
+            <a:defPPr>
+              <a:defRPr lang="en-US"/>
+            </a:defPPr>
+            <a:lvl1pPr marL="0" algn="l" defTabSz="457200" rtl="0" eaLnBrk="1" latinLnBrk="0" hangingPunct="1">
+              <a:defRPr sz="1800" kern="1200">
+                <a:solidFill>
+                  <a:schemeClr val="tx1"/>
+                </a:solidFill>
+                <a:latin typeface="+mn-lt"/>
+                <a:ea typeface="+mn-ea"/>
+                <a:cs typeface="+mn-cs"/>
+              </a:defRPr>
+            </a:lvl1pPr>
+            <a:lvl2pPr marL="457200" algn="l" defTabSz="457200" rtl="0" eaLnBrk="1" latinLnBrk="0" hangingPunct="1">
+              <a:defRPr sz="1800" kern="1200">
+                <a:solidFill>
+                  <a:schemeClr val="tx1"/>
+                </a:solidFill>
+                <a:latin typeface="+mn-lt"/>
+                <a:ea typeface="+mn-ea"/>
+                <a:cs typeface="+mn-cs"/>
+              </a:defRPr>
+            </a:lvl2pPr>
+            <a:lvl3pPr marL="914400" algn="l" defTabSz="457200" rtl="0" eaLnBrk="1" latinLnBrk="0" hangingPunct="1">
+              <a:defRPr sz="1800" kern="1200">
+                <a:solidFill>
+                  <a:schemeClr val="tx1"/>
+                </a:solidFill>
+                <a:latin typeface="+mn-lt"/>
+                <a:ea typeface="+mn-ea"/>
+                <a:cs typeface="+mn-cs"/>
+              </a:defRPr>
+            </a:lvl3pPr>
+            <a:lvl4pPr marL="1371600" algn="l" defTabSz="457200" rtl="0" eaLnBrk="1" latinLnBrk="0" hangingPunct="1">
+              <a:defRPr sz="1800" kern="1200">
+                <a:solidFill>
+                  <a:schemeClr val="tx1"/>
+                </a:solidFill>
+                <a:latin typeface="+mn-lt"/>
+                <a:ea typeface="+mn-ea"/>
+                <a:cs typeface="+mn-cs"/>
+              </a:defRPr>
+            </a:lvl4pPr>
+            <a:lvl5pPr marL="1828800" algn="l" defTabSz="457200" rtl="0" eaLnBrk="1" latinLnBrk="0" hangingPunct="1">
+              <a:defRPr sz="1800" kern="1200">
+                <a:solidFill>
+                  <a:schemeClr val="tx1"/>
+                </a:solidFill>
+                <a:latin typeface="+mn-lt"/>
+                <a:ea typeface="+mn-ea"/>
+                <a:cs typeface="+mn-cs"/>
+              </a:defRPr>
+            </a:lvl5pPr>
+            <a:lvl6pPr marL="2286000" algn="l" defTabSz="457200" rtl="0" eaLnBrk="1" latinLnBrk="0" hangingPunct="1">
+              <a:defRPr sz="1800" kern="1200">
+                <a:solidFill>
+                  <a:schemeClr val="tx1"/>
+                </a:solidFill>
+                <a:latin typeface="+mn-lt"/>
+                <a:ea typeface="+mn-ea"/>
+                <a:cs typeface="+mn-cs"/>
+              </a:defRPr>
+            </a:lvl6pPr>
+            <a:lvl7pPr marL="2743200" algn="l" defTabSz="457200" rtl="0" eaLnBrk="1" latinLnBrk="0" hangingPunct="1">
+              <a:defRPr sz="1800" kern="1200">
+                <a:solidFill>
+                  <a:schemeClr val="tx1"/>
+                </a:solidFill>
+                <a:latin typeface="+mn-lt"/>
+                <a:ea typeface="+mn-ea"/>
+                <a:cs typeface="+mn-cs"/>
+              </a:defRPr>
+            </a:lvl7pPr>
+            <a:lvl8pPr marL="3200400" algn="l" defTabSz="457200" rtl="0" eaLnBrk="1" latinLnBrk="0" hangingPunct="1">
+              <a:defRPr sz="1800" kern="1200">
+                <a:solidFill>
+                  <a:schemeClr val="tx1"/>
+                </a:solidFill>
+                <a:latin typeface="+mn-lt"/>
+                <a:ea typeface="+mn-ea"/>
+                <a:cs typeface="+mn-cs"/>
+              </a:defRPr>
+            </a:lvl8pPr>
+            <a:lvl9pPr marL="3657600" algn="l" defTabSz="457200" rtl="0" eaLnBrk="1" latinLnBrk="0" hangingPunct="1">
+              <a:defRPr sz="1800" kern="1200">
+                <a:solidFill>
+                  <a:schemeClr val="tx1"/>
+                </a:solidFill>
+                <a:latin typeface="+mn-lt"/>
+                <a:ea typeface="+mn-ea"/>
+                <a:cs typeface="+mn-cs"/>
+              </a:defRPr>
+            </a:lvl9pPr>
+          </a:lstStyle>
+          <a:p>
+            <a:pPr fontAlgn="ctr"/>
+            <a:r>
+              <a:rPr lang="pt-BR" sz="1400" b="1" dirty="0"/>
+              <a:t>Modelos de dados (Cubos)</a:t>
+            </a:r>
+          </a:p>
+          <a:p>
+            <a:pPr fontAlgn="ctr"/>
+            <a:endParaRPr lang="pt-BR" sz="589" dirty="0">
+              <a:latin typeface="Calibri" panose="020F0502020204030204" pitchFamily="34" charset="0"/>
+            </a:endParaRPr>
+          </a:p>
+          <a:p>
+            <a:pPr fontAlgn="ctr"/>
+            <a:r>
+              <a:rPr lang="pt-BR" sz="900" b="1" i="1" dirty="0">
+                <a:latin typeface="Calibri" panose="020F0502020204030204" pitchFamily="34" charset="0"/>
+              </a:rPr>
+              <a:t>Exemplo</a:t>
+            </a:r>
+          </a:p>
+          <a:p>
+            <a:pPr fontAlgn="ctr"/>
+            <a:r>
+              <a:rPr lang="pt-BR" sz="900" dirty="0">
+                <a:latin typeface="Calibri" panose="020F0502020204030204" pitchFamily="34" charset="0"/>
+              </a:rPr>
+              <a:t>Visões estáticas com análises de pontos relevantes observados nos dados</a:t>
+            </a:r>
+          </a:p>
+          <a:p>
+            <a:pPr fontAlgn="ctr"/>
+            <a:endParaRPr lang="pt-BR" sz="900" dirty="0">
+              <a:latin typeface="Calibri" panose="020F0502020204030204" pitchFamily="34" charset="0"/>
+            </a:endParaRPr>
+          </a:p>
+          <a:p>
+            <a:pPr fontAlgn="ctr"/>
+            <a:r>
+              <a:rPr lang="pt-BR" sz="900" b="1" dirty="0">
+                <a:latin typeface="Calibri" panose="020F0502020204030204" pitchFamily="34" charset="0"/>
+              </a:rPr>
+              <a:t>Público</a:t>
+            </a:r>
+            <a:r>
+              <a:rPr lang="pt-BR" sz="900" dirty="0">
+                <a:latin typeface="Calibri" panose="020F0502020204030204" pitchFamily="34" charset="0"/>
+              </a:rPr>
+              <a:t>: analistas de dados</a:t>
+            </a:r>
+          </a:p>
+        </p:txBody>
+      </p:sp>
+      <p:sp>
+        <p:nvSpPr>
+          <p:cNvPr id="110" name="Elipse 109">
+            <a:extLst>
+              <a:ext uri="{FF2B5EF4-FFF2-40B4-BE49-F238E27FC236}">
+                <a16:creationId xmlns:a16="http://schemas.microsoft.com/office/drawing/2014/main" id="{DE937D3B-17FE-F5EB-BC00-16E5072DC422}"/>
+              </a:ext>
+            </a:extLst>
+          </p:cNvPr>
+          <p:cNvSpPr/>
+          <p:nvPr/>
+        </p:nvSpPr>
+        <p:spPr>
+          <a:xfrm>
+            <a:off x="6065142" y="2989025"/>
+            <a:ext cx="234753" cy="220312"/>
+          </a:xfrm>
+          <a:prstGeom prst="ellipse">
+            <a:avLst/>
+          </a:prstGeom>
+          <a:solidFill>
+            <a:schemeClr val="dk1"/>
+          </a:solidFill>
+          <a:ln>
+            <a:noFill/>
+          </a:ln>
+        </p:spPr>
+        <p:style>
+          <a:lnRef idx="0">
+            <a:scrgbClr r="0" g="0" b="0"/>
+          </a:lnRef>
+          <a:fillRef idx="0">
+            <a:scrgbClr r="0" g="0" b="0"/>
+          </a:fillRef>
+          <a:effectRef idx="0">
+            <a:scrgbClr r="0" g="0" b="0"/>
+          </a:effectRef>
+          <a:fontRef idx="minor">
+            <a:schemeClr val="lt1"/>
+          </a:fontRef>
+        </p:style>
+        <p:txBody>
+          <a:bodyPr rtlCol="0" anchor="ctr"/>
+          <a:lstStyle/>
+          <a:p>
+            <a:pPr algn="ctr"/>
+            <a:r>
+              <a:rPr lang="pt-BR" sz="1718" dirty="0"/>
+              <a:t>3</a:t>
+            </a:r>
+          </a:p>
+        </p:txBody>
+      </p:sp>
+      <p:sp>
+        <p:nvSpPr>
+          <p:cNvPr id="111" name="CaixaDeTexto 1">
+            <a:extLst>
+              <a:ext uri="{FF2B5EF4-FFF2-40B4-BE49-F238E27FC236}">
+                <a16:creationId xmlns:a16="http://schemas.microsoft.com/office/drawing/2014/main" id="{C3AECB5D-9120-8FDD-8957-C6E4FBECA8ED}"/>
+              </a:ext>
+            </a:extLst>
+          </p:cNvPr>
+          <p:cNvSpPr txBox="1"/>
+          <p:nvPr/>
+        </p:nvSpPr>
+        <p:spPr>
+          <a:xfrm>
+            <a:off x="7217555" y="4093158"/>
+            <a:ext cx="1528055" cy="1721882"/>
+          </a:xfrm>
+          <a:prstGeom prst="rect">
+            <a:avLst/>
+          </a:prstGeom>
+          <a:noFill/>
+        </p:spPr>
+        <p:txBody>
+          <a:bodyPr wrap="square">
+            <a:spAutoFit/>
+          </a:bodyPr>
+          <a:lstStyle>
+            <a:defPPr>
+              <a:defRPr lang="en-US"/>
+            </a:defPPr>
+            <a:lvl1pPr marL="0" algn="l" defTabSz="457200" rtl="0" eaLnBrk="1" latinLnBrk="0" hangingPunct="1">
+              <a:defRPr sz="1800" kern="1200">
+                <a:solidFill>
+                  <a:schemeClr val="tx1"/>
+                </a:solidFill>
+                <a:latin typeface="+mn-lt"/>
+                <a:ea typeface="+mn-ea"/>
+                <a:cs typeface="+mn-cs"/>
+              </a:defRPr>
+            </a:lvl1pPr>
+            <a:lvl2pPr marL="457200" algn="l" defTabSz="457200" rtl="0" eaLnBrk="1" latinLnBrk="0" hangingPunct="1">
+              <a:defRPr sz="1800" kern="1200">
+                <a:solidFill>
+                  <a:schemeClr val="tx1"/>
+                </a:solidFill>
+                <a:latin typeface="+mn-lt"/>
+                <a:ea typeface="+mn-ea"/>
+                <a:cs typeface="+mn-cs"/>
+              </a:defRPr>
+            </a:lvl2pPr>
+            <a:lvl3pPr marL="914400" algn="l" defTabSz="457200" rtl="0" eaLnBrk="1" latinLnBrk="0" hangingPunct="1">
+              <a:defRPr sz="1800" kern="1200">
+                <a:solidFill>
+                  <a:schemeClr val="tx1"/>
+                </a:solidFill>
+                <a:latin typeface="+mn-lt"/>
+                <a:ea typeface="+mn-ea"/>
+                <a:cs typeface="+mn-cs"/>
+              </a:defRPr>
+            </a:lvl3pPr>
+            <a:lvl4pPr marL="1371600" algn="l" defTabSz="457200" rtl="0" eaLnBrk="1" latinLnBrk="0" hangingPunct="1">
+              <a:defRPr sz="1800" kern="1200">
+                <a:solidFill>
+                  <a:schemeClr val="tx1"/>
+                </a:solidFill>
+                <a:latin typeface="+mn-lt"/>
+                <a:ea typeface="+mn-ea"/>
+                <a:cs typeface="+mn-cs"/>
+              </a:defRPr>
+            </a:lvl4pPr>
+            <a:lvl5pPr marL="1828800" algn="l" defTabSz="457200" rtl="0" eaLnBrk="1" latinLnBrk="0" hangingPunct="1">
+              <a:defRPr sz="1800" kern="1200">
+                <a:solidFill>
+                  <a:schemeClr val="tx1"/>
+                </a:solidFill>
+                <a:latin typeface="+mn-lt"/>
+                <a:ea typeface="+mn-ea"/>
+                <a:cs typeface="+mn-cs"/>
+              </a:defRPr>
+            </a:lvl5pPr>
+            <a:lvl6pPr marL="2286000" algn="l" defTabSz="457200" rtl="0" eaLnBrk="1" latinLnBrk="0" hangingPunct="1">
+              <a:defRPr sz="1800" kern="1200">
+                <a:solidFill>
+                  <a:schemeClr val="tx1"/>
+                </a:solidFill>
+                <a:latin typeface="+mn-lt"/>
+                <a:ea typeface="+mn-ea"/>
+                <a:cs typeface="+mn-cs"/>
+              </a:defRPr>
+            </a:lvl6pPr>
+            <a:lvl7pPr marL="2743200" algn="l" defTabSz="457200" rtl="0" eaLnBrk="1" latinLnBrk="0" hangingPunct="1">
+              <a:defRPr sz="1800" kern="1200">
+                <a:solidFill>
+                  <a:schemeClr val="tx1"/>
+                </a:solidFill>
+                <a:latin typeface="+mn-lt"/>
+                <a:ea typeface="+mn-ea"/>
+                <a:cs typeface="+mn-cs"/>
+              </a:defRPr>
+            </a:lvl7pPr>
+            <a:lvl8pPr marL="3200400" algn="l" defTabSz="457200" rtl="0" eaLnBrk="1" latinLnBrk="0" hangingPunct="1">
+              <a:defRPr sz="1800" kern="1200">
+                <a:solidFill>
+                  <a:schemeClr val="tx1"/>
+                </a:solidFill>
+                <a:latin typeface="+mn-lt"/>
+                <a:ea typeface="+mn-ea"/>
+                <a:cs typeface="+mn-cs"/>
+              </a:defRPr>
+            </a:lvl8pPr>
+            <a:lvl9pPr marL="3657600" algn="l" defTabSz="457200" rtl="0" eaLnBrk="1" latinLnBrk="0" hangingPunct="1">
+              <a:defRPr sz="1800" kern="1200">
+                <a:solidFill>
+                  <a:schemeClr val="tx1"/>
+                </a:solidFill>
+                <a:latin typeface="+mn-lt"/>
+                <a:ea typeface="+mn-ea"/>
+                <a:cs typeface="+mn-cs"/>
+              </a:defRPr>
+            </a:lvl9pPr>
+          </a:lstStyle>
+          <a:p>
+            <a:pPr fontAlgn="ctr"/>
+            <a:r>
+              <a:rPr lang="pt-BR" sz="1400" b="1" dirty="0" err="1"/>
+              <a:t>OBTs</a:t>
+            </a:r>
+            <a:r>
+              <a:rPr lang="pt-BR" sz="1400" b="1" dirty="0"/>
+              <a:t> </a:t>
+            </a:r>
+          </a:p>
+          <a:p>
+            <a:pPr fontAlgn="ctr"/>
+            <a:r>
+              <a:rPr lang="pt-BR" sz="1400" b="1" i="1" dirty="0"/>
+              <a:t>(</a:t>
+            </a:r>
+            <a:r>
+              <a:rPr lang="pt-BR" sz="1400" b="1" i="1" dirty="0" err="1"/>
+              <a:t>One</a:t>
+            </a:r>
+            <a:r>
+              <a:rPr lang="pt-BR" sz="1400" b="1" i="1" dirty="0"/>
+              <a:t> Big </a:t>
+            </a:r>
+            <a:r>
+              <a:rPr lang="pt-BR" sz="1400" b="1" i="1" dirty="0" err="1"/>
+              <a:t>Table</a:t>
+            </a:r>
+            <a:r>
+              <a:rPr lang="pt-BR" sz="1400" b="1" i="1" dirty="0"/>
+              <a:t>)</a:t>
+            </a:r>
+          </a:p>
+          <a:p>
+            <a:pPr fontAlgn="ctr"/>
+            <a:endParaRPr lang="pt-BR" sz="589" dirty="0">
+              <a:latin typeface="Calibri" panose="020F0502020204030204" pitchFamily="34" charset="0"/>
+            </a:endParaRPr>
+          </a:p>
+          <a:p>
+            <a:pPr fontAlgn="ctr"/>
+            <a:r>
+              <a:rPr lang="pt-BR" sz="900" b="1" i="1" dirty="0">
+                <a:latin typeface="Calibri" panose="020F0502020204030204" pitchFamily="34" charset="0"/>
+              </a:rPr>
+              <a:t>Exemplo</a:t>
+            </a:r>
+          </a:p>
+          <a:p>
+            <a:pPr fontAlgn="ctr"/>
+            <a:r>
+              <a:rPr lang="pt-BR" sz="900" dirty="0">
+                <a:latin typeface="Calibri" panose="020F0502020204030204" pitchFamily="34" charset="0"/>
+              </a:rPr>
+              <a:t>Tabelas completas, com todos os campos de um assunto no nível mais detalhado (microdados)</a:t>
+            </a:r>
+          </a:p>
+          <a:p>
+            <a:pPr fontAlgn="ctr"/>
+            <a:endParaRPr lang="pt-BR" sz="900" dirty="0">
+              <a:latin typeface="Calibri" panose="020F0502020204030204" pitchFamily="34" charset="0"/>
+            </a:endParaRPr>
+          </a:p>
+          <a:p>
+            <a:pPr fontAlgn="ctr"/>
+            <a:r>
+              <a:rPr lang="pt-BR" sz="900" b="1" dirty="0">
+                <a:latin typeface="Calibri" panose="020F0502020204030204" pitchFamily="34" charset="0"/>
+              </a:rPr>
+              <a:t>Público</a:t>
+            </a:r>
+            <a:r>
+              <a:rPr lang="pt-BR" sz="900" dirty="0">
+                <a:latin typeface="Calibri" panose="020F0502020204030204" pitchFamily="34" charset="0"/>
+              </a:rPr>
+              <a:t>: analistas de dados, cientistas de dados</a:t>
+            </a:r>
+          </a:p>
+        </p:txBody>
+      </p:sp>
+      <p:sp>
+        <p:nvSpPr>
+          <p:cNvPr id="112" name="Elipse 111">
+            <a:extLst>
+              <a:ext uri="{FF2B5EF4-FFF2-40B4-BE49-F238E27FC236}">
+                <a16:creationId xmlns:a16="http://schemas.microsoft.com/office/drawing/2014/main" id="{6B31CA8E-3897-430A-D604-386525CA3A51}"/>
+              </a:ext>
+            </a:extLst>
+          </p:cNvPr>
+          <p:cNvSpPr/>
+          <p:nvPr/>
+        </p:nvSpPr>
+        <p:spPr>
+          <a:xfrm>
+            <a:off x="7833336" y="3790560"/>
+            <a:ext cx="184267" cy="220312"/>
+          </a:xfrm>
+          <a:prstGeom prst="ellipse">
+            <a:avLst/>
+          </a:prstGeom>
+          <a:solidFill>
+            <a:schemeClr val="dk1"/>
+          </a:solidFill>
+          <a:ln>
+            <a:noFill/>
+          </a:ln>
+        </p:spPr>
+        <p:style>
+          <a:lnRef idx="0">
+            <a:scrgbClr r="0" g="0" b="0"/>
+          </a:lnRef>
+          <a:fillRef idx="0">
+            <a:scrgbClr r="0" g="0" b="0"/>
+          </a:fillRef>
+          <a:effectRef idx="0">
+            <a:scrgbClr r="0" g="0" b="0"/>
+          </a:effectRef>
+          <a:fontRef idx="minor">
+            <a:schemeClr val="lt1"/>
+          </a:fontRef>
+        </p:style>
+        <p:txBody>
+          <a:bodyPr rtlCol="0" anchor="ctr"/>
+          <a:lstStyle/>
+          <a:p>
+            <a:pPr algn="ctr"/>
+            <a:r>
+              <a:rPr lang="pt-BR" sz="1718" dirty="0"/>
+              <a:t>4</a:t>
+            </a:r>
+          </a:p>
+        </p:txBody>
+      </p:sp>
+      <p:sp>
+        <p:nvSpPr>
+          <p:cNvPr id="113" name="CaixaDeTexto 1">
+            <a:extLst>
+              <a:ext uri="{FF2B5EF4-FFF2-40B4-BE49-F238E27FC236}">
+                <a16:creationId xmlns:a16="http://schemas.microsoft.com/office/drawing/2014/main" id="{D763C504-BCE6-A4BF-61D1-30D2C06E568C}"/>
+              </a:ext>
+            </a:extLst>
+          </p:cNvPr>
+          <p:cNvSpPr txBox="1"/>
+          <p:nvPr/>
+        </p:nvSpPr>
+        <p:spPr>
+          <a:xfrm>
+            <a:off x="9387621" y="4518154"/>
+            <a:ext cx="1202376" cy="1367939"/>
+          </a:xfrm>
+          <a:prstGeom prst="rect">
+            <a:avLst/>
+          </a:prstGeom>
+          <a:noFill/>
+        </p:spPr>
+        <p:txBody>
+          <a:bodyPr wrap="square">
+            <a:spAutoFit/>
+          </a:bodyPr>
+          <a:lstStyle>
+            <a:defPPr>
+              <a:defRPr lang="en-US"/>
+            </a:defPPr>
+            <a:lvl1pPr marL="0" algn="l" defTabSz="457200" rtl="0" eaLnBrk="1" latinLnBrk="0" hangingPunct="1">
+              <a:defRPr sz="1800" kern="1200">
+                <a:solidFill>
+                  <a:schemeClr val="tx1"/>
+                </a:solidFill>
+                <a:latin typeface="+mn-lt"/>
+                <a:ea typeface="+mn-ea"/>
+                <a:cs typeface="+mn-cs"/>
+              </a:defRPr>
+            </a:lvl1pPr>
+            <a:lvl2pPr marL="457200" algn="l" defTabSz="457200" rtl="0" eaLnBrk="1" latinLnBrk="0" hangingPunct="1">
+              <a:defRPr sz="1800" kern="1200">
+                <a:solidFill>
+                  <a:schemeClr val="tx1"/>
+                </a:solidFill>
+                <a:latin typeface="+mn-lt"/>
+                <a:ea typeface="+mn-ea"/>
+                <a:cs typeface="+mn-cs"/>
+              </a:defRPr>
+            </a:lvl2pPr>
+            <a:lvl3pPr marL="914400" algn="l" defTabSz="457200" rtl="0" eaLnBrk="1" latinLnBrk="0" hangingPunct="1">
+              <a:defRPr sz="1800" kern="1200">
+                <a:solidFill>
+                  <a:schemeClr val="tx1"/>
+                </a:solidFill>
+                <a:latin typeface="+mn-lt"/>
+                <a:ea typeface="+mn-ea"/>
+                <a:cs typeface="+mn-cs"/>
+              </a:defRPr>
+            </a:lvl3pPr>
+            <a:lvl4pPr marL="1371600" algn="l" defTabSz="457200" rtl="0" eaLnBrk="1" latinLnBrk="0" hangingPunct="1">
+              <a:defRPr sz="1800" kern="1200">
+                <a:solidFill>
+                  <a:schemeClr val="tx1"/>
+                </a:solidFill>
+                <a:latin typeface="+mn-lt"/>
+                <a:ea typeface="+mn-ea"/>
+                <a:cs typeface="+mn-cs"/>
+              </a:defRPr>
+            </a:lvl4pPr>
+            <a:lvl5pPr marL="1828800" algn="l" defTabSz="457200" rtl="0" eaLnBrk="1" latinLnBrk="0" hangingPunct="1">
+              <a:defRPr sz="1800" kern="1200">
+                <a:solidFill>
+                  <a:schemeClr val="tx1"/>
+                </a:solidFill>
+                <a:latin typeface="+mn-lt"/>
+                <a:ea typeface="+mn-ea"/>
+                <a:cs typeface="+mn-cs"/>
+              </a:defRPr>
+            </a:lvl5pPr>
+            <a:lvl6pPr marL="2286000" algn="l" defTabSz="457200" rtl="0" eaLnBrk="1" latinLnBrk="0" hangingPunct="1">
+              <a:defRPr sz="1800" kern="1200">
+                <a:solidFill>
+                  <a:schemeClr val="tx1"/>
+                </a:solidFill>
+                <a:latin typeface="+mn-lt"/>
+                <a:ea typeface="+mn-ea"/>
+                <a:cs typeface="+mn-cs"/>
+              </a:defRPr>
+            </a:lvl6pPr>
+            <a:lvl7pPr marL="2743200" algn="l" defTabSz="457200" rtl="0" eaLnBrk="1" latinLnBrk="0" hangingPunct="1">
+              <a:defRPr sz="1800" kern="1200">
+                <a:solidFill>
+                  <a:schemeClr val="tx1"/>
+                </a:solidFill>
+                <a:latin typeface="+mn-lt"/>
+                <a:ea typeface="+mn-ea"/>
+                <a:cs typeface="+mn-cs"/>
+              </a:defRPr>
+            </a:lvl7pPr>
+            <a:lvl8pPr marL="3200400" algn="l" defTabSz="457200" rtl="0" eaLnBrk="1" latinLnBrk="0" hangingPunct="1">
+              <a:defRPr sz="1800" kern="1200">
+                <a:solidFill>
+                  <a:schemeClr val="tx1"/>
+                </a:solidFill>
+                <a:latin typeface="+mn-lt"/>
+                <a:ea typeface="+mn-ea"/>
+                <a:cs typeface="+mn-cs"/>
+              </a:defRPr>
+            </a:lvl8pPr>
+            <a:lvl9pPr marL="3657600" algn="l" defTabSz="457200" rtl="0" eaLnBrk="1" latinLnBrk="0" hangingPunct="1">
+              <a:defRPr sz="1800" kern="1200">
+                <a:solidFill>
+                  <a:schemeClr val="tx1"/>
+                </a:solidFill>
+                <a:latin typeface="+mn-lt"/>
+                <a:ea typeface="+mn-ea"/>
+                <a:cs typeface="+mn-cs"/>
+              </a:defRPr>
+            </a:lvl9pPr>
+          </a:lstStyle>
+          <a:p>
+            <a:pPr fontAlgn="ctr"/>
+            <a:r>
+              <a:rPr lang="pt-BR" sz="1400" b="1" dirty="0"/>
+              <a:t>Querys</a:t>
+            </a:r>
+            <a:endParaRPr lang="pt-BR" sz="1400" b="1" i="1" dirty="0"/>
+          </a:p>
+          <a:p>
+            <a:pPr fontAlgn="ctr"/>
+            <a:endParaRPr lang="pt-BR" sz="589" dirty="0">
+              <a:latin typeface="Calibri" panose="020F0502020204030204" pitchFamily="34" charset="0"/>
+            </a:endParaRPr>
+          </a:p>
+          <a:p>
+            <a:pPr fontAlgn="ctr"/>
+            <a:r>
+              <a:rPr lang="pt-BR" sz="900" b="1" i="1" dirty="0">
+                <a:latin typeface="Calibri" panose="020F0502020204030204" pitchFamily="34" charset="0"/>
+              </a:rPr>
+              <a:t>Exemplo</a:t>
+            </a:r>
+          </a:p>
+          <a:p>
+            <a:pPr fontAlgn="ctr"/>
+            <a:r>
+              <a:rPr lang="pt-BR" sz="900" dirty="0">
+                <a:latin typeface="Calibri" panose="020F0502020204030204" pitchFamily="34" charset="0"/>
+              </a:rPr>
+              <a:t>Querys escritas em SQL ou Python</a:t>
+            </a:r>
+          </a:p>
+          <a:p>
+            <a:pPr fontAlgn="ctr"/>
+            <a:endParaRPr lang="pt-BR" sz="900" dirty="0">
+              <a:latin typeface="Calibri" panose="020F0502020204030204" pitchFamily="34" charset="0"/>
+            </a:endParaRPr>
+          </a:p>
+          <a:p>
+            <a:pPr fontAlgn="ctr"/>
+            <a:r>
+              <a:rPr lang="pt-BR" sz="900" b="1" dirty="0">
+                <a:latin typeface="Calibri" panose="020F0502020204030204" pitchFamily="34" charset="0"/>
+              </a:rPr>
+              <a:t>Público</a:t>
+            </a:r>
+            <a:r>
+              <a:rPr lang="pt-BR" sz="900" dirty="0">
+                <a:latin typeface="Calibri" panose="020F0502020204030204" pitchFamily="34" charset="0"/>
+              </a:rPr>
+              <a:t>: analistas de dados, cientistas de dados</a:t>
+            </a:r>
+          </a:p>
+        </p:txBody>
+      </p:sp>
+      <p:sp>
+        <p:nvSpPr>
+          <p:cNvPr id="116" name="Elipse 115">
+            <a:extLst>
+              <a:ext uri="{FF2B5EF4-FFF2-40B4-BE49-F238E27FC236}">
+                <a16:creationId xmlns:a16="http://schemas.microsoft.com/office/drawing/2014/main" id="{3354B172-1CBB-1FEE-BA74-B767F0E141EF}"/>
+              </a:ext>
+            </a:extLst>
+          </p:cNvPr>
+          <p:cNvSpPr/>
+          <p:nvPr/>
+        </p:nvSpPr>
+        <p:spPr>
+          <a:xfrm>
+            <a:off x="9631716" y="4290207"/>
+            <a:ext cx="234753" cy="220312"/>
+          </a:xfrm>
+          <a:prstGeom prst="ellipse">
+            <a:avLst/>
+          </a:prstGeom>
+          <a:solidFill>
+            <a:schemeClr val="dk1"/>
+          </a:solidFill>
+          <a:ln>
+            <a:noFill/>
+          </a:ln>
+        </p:spPr>
+        <p:style>
+          <a:lnRef idx="0">
+            <a:scrgbClr r="0" g="0" b="0"/>
+          </a:lnRef>
+          <a:fillRef idx="0">
+            <a:scrgbClr r="0" g="0" b="0"/>
+          </a:fillRef>
+          <a:effectRef idx="0">
+            <a:scrgbClr r="0" g="0" b="0"/>
+          </a:effectRef>
+          <a:fontRef idx="minor">
+            <a:schemeClr val="lt1"/>
+          </a:fontRef>
+        </p:style>
+        <p:txBody>
+          <a:bodyPr rtlCol="0" anchor="ctr"/>
+          <a:lstStyle/>
+          <a:p>
+            <a:pPr algn="ctr"/>
+            <a:r>
+              <a:rPr lang="pt-BR" sz="1718" dirty="0"/>
+              <a:t>5</a:t>
+            </a:r>
+          </a:p>
+        </p:txBody>
+      </p:sp>
+      <p:cxnSp>
+        <p:nvCxnSpPr>
+          <p:cNvPr id="117" name="Conector: Curvo 116">
+            <a:extLst>
+              <a:ext uri="{FF2B5EF4-FFF2-40B4-BE49-F238E27FC236}">
+                <a16:creationId xmlns:a16="http://schemas.microsoft.com/office/drawing/2014/main" id="{4CC0EC68-3321-648B-34CC-26585ED0A5D8}"/>
+              </a:ext>
+            </a:extLst>
+          </p:cNvPr>
+          <p:cNvCxnSpPr>
+            <a:cxnSpLocks/>
+            <a:stCxn id="106" idx="0"/>
+            <a:endCxn id="108" idx="2"/>
+          </p:cNvCxnSpPr>
+          <p:nvPr/>
+        </p:nvCxnSpPr>
+        <p:spPr>
+          <a:xfrm rot="5400000" flipH="1" flipV="1">
+            <a:off x="3968146" y="1145997"/>
+            <a:ext cx="1027615" cy="1268579"/>
+          </a:xfrm>
+          <a:prstGeom prst="curvedConnector2">
+            <a:avLst/>
+          </a:prstGeom>
+          <a:ln w="19050" cap="flat" cmpd="sng" algn="ctr">
+            <a:solidFill>
+              <a:schemeClr val="accent3"/>
+            </a:solidFill>
+            <a:prstDash val="dash"/>
+            <a:round/>
+            <a:headEnd type="none" w="med" len="med"/>
+            <a:tailEnd type="none" w="med" len="med"/>
+          </a:ln>
+        </p:spPr>
+        <p:style>
+          <a:lnRef idx="0">
+            <a:scrgbClr r="0" g="0" b="0"/>
+          </a:lnRef>
+          <a:fillRef idx="0">
+            <a:scrgbClr r="0" g="0" b="0"/>
+          </a:fillRef>
+          <a:effectRef idx="0">
+            <a:scrgbClr r="0" g="0" b="0"/>
+          </a:effectRef>
+          <a:fontRef idx="minor">
+            <a:schemeClr val="tx1"/>
+          </a:fontRef>
+        </p:style>
+      </p:cxnSp>
+      <p:cxnSp>
+        <p:nvCxnSpPr>
+          <p:cNvPr id="118" name="Conector: Curvo 117">
+            <a:extLst>
+              <a:ext uri="{FF2B5EF4-FFF2-40B4-BE49-F238E27FC236}">
+                <a16:creationId xmlns:a16="http://schemas.microsoft.com/office/drawing/2014/main" id="{4C42A602-7029-E17D-D2E5-DD840F52982E}"/>
+              </a:ext>
+            </a:extLst>
+          </p:cNvPr>
+          <p:cNvCxnSpPr>
+            <a:cxnSpLocks/>
+            <a:stCxn id="108" idx="6"/>
+            <a:endCxn id="110" idx="0"/>
+          </p:cNvCxnSpPr>
+          <p:nvPr/>
+        </p:nvCxnSpPr>
+        <p:spPr>
+          <a:xfrm>
+            <a:off x="5350996" y="1266478"/>
+            <a:ext cx="831523" cy="1722547"/>
+          </a:xfrm>
+          <a:prstGeom prst="curvedConnector2">
+            <a:avLst/>
+          </a:prstGeom>
+          <a:ln w="19050" cap="flat" cmpd="sng" algn="ctr">
+            <a:solidFill>
+              <a:schemeClr val="accent2"/>
+            </a:solidFill>
+            <a:prstDash val="dash"/>
+            <a:round/>
+            <a:headEnd type="none" w="med" len="med"/>
+            <a:tailEnd type="none" w="med" len="med"/>
+          </a:ln>
+        </p:spPr>
+        <p:style>
+          <a:lnRef idx="0">
+            <a:scrgbClr r="0" g="0" b="0"/>
+          </a:lnRef>
+          <a:fillRef idx="0">
+            <a:scrgbClr r="0" g="0" b="0"/>
+          </a:fillRef>
+          <a:effectRef idx="0">
+            <a:scrgbClr r="0" g="0" b="0"/>
+          </a:effectRef>
+          <a:fontRef idx="minor">
+            <a:schemeClr val="tx1"/>
+          </a:fontRef>
+        </p:style>
+      </p:cxnSp>
+      <p:cxnSp>
+        <p:nvCxnSpPr>
+          <p:cNvPr id="119" name="Conector: Curvo 118">
+            <a:extLst>
+              <a:ext uri="{FF2B5EF4-FFF2-40B4-BE49-F238E27FC236}">
+                <a16:creationId xmlns:a16="http://schemas.microsoft.com/office/drawing/2014/main" id="{44263950-1AD3-45E8-ACE5-E70D00592C93}"/>
+              </a:ext>
+            </a:extLst>
+          </p:cNvPr>
+          <p:cNvCxnSpPr>
+            <a:cxnSpLocks/>
+            <a:stCxn id="110" idx="6"/>
+            <a:endCxn id="112" idx="1"/>
+          </p:cNvCxnSpPr>
+          <p:nvPr/>
+        </p:nvCxnSpPr>
+        <p:spPr>
+          <a:xfrm>
+            <a:off x="6299895" y="3099181"/>
+            <a:ext cx="1560426" cy="723643"/>
+          </a:xfrm>
+          <a:prstGeom prst="curvedConnector2">
+            <a:avLst/>
+          </a:prstGeom>
+          <a:ln w="19050" cap="flat" cmpd="sng" algn="ctr">
+            <a:solidFill>
+              <a:schemeClr val="accent2"/>
+            </a:solidFill>
+            <a:prstDash val="dash"/>
+            <a:round/>
+            <a:headEnd type="none" w="med" len="med"/>
+            <a:tailEnd type="none" w="med" len="med"/>
+          </a:ln>
+        </p:spPr>
+        <p:style>
+          <a:lnRef idx="0">
+            <a:scrgbClr r="0" g="0" b="0"/>
+          </a:lnRef>
+          <a:fillRef idx="0">
+            <a:scrgbClr r="0" g="0" b="0"/>
+          </a:fillRef>
+          <a:effectRef idx="0">
+            <a:scrgbClr r="0" g="0" b="0"/>
+          </a:effectRef>
+          <a:fontRef idx="minor">
+            <a:schemeClr val="tx1"/>
+          </a:fontRef>
+        </p:style>
+      </p:cxnSp>
+      <p:cxnSp>
+        <p:nvCxnSpPr>
+          <p:cNvPr id="120" name="Conector: Curvo 119">
+            <a:extLst>
+              <a:ext uri="{FF2B5EF4-FFF2-40B4-BE49-F238E27FC236}">
+                <a16:creationId xmlns:a16="http://schemas.microsoft.com/office/drawing/2014/main" id="{434B54E5-835F-E7A2-E474-240997FC3F51}"/>
+              </a:ext>
+            </a:extLst>
+          </p:cNvPr>
+          <p:cNvCxnSpPr>
+            <a:cxnSpLocks/>
+            <a:stCxn id="112" idx="6"/>
+            <a:endCxn id="116" idx="1"/>
+          </p:cNvCxnSpPr>
+          <p:nvPr/>
+        </p:nvCxnSpPr>
+        <p:spPr>
+          <a:xfrm>
+            <a:off x="8017603" y="3900716"/>
+            <a:ext cx="1648492" cy="421755"/>
+          </a:xfrm>
+          <a:prstGeom prst="curvedConnector2">
+            <a:avLst/>
+          </a:prstGeom>
+          <a:ln w="19050" cap="flat" cmpd="sng" algn="ctr">
+            <a:solidFill>
+              <a:schemeClr val="accent2"/>
+            </a:solidFill>
+            <a:prstDash val="dash"/>
+            <a:round/>
+            <a:headEnd type="none" w="med" len="med"/>
+            <a:tailEnd type="none" w="med" len="med"/>
+          </a:ln>
+        </p:spPr>
+        <p:style>
+          <a:lnRef idx="0">
+            <a:scrgbClr r="0" g="0" b="0"/>
+          </a:lnRef>
+          <a:fillRef idx="0">
+            <a:scrgbClr r="0" g="0" b="0"/>
+          </a:fillRef>
+          <a:effectRef idx="0">
+            <a:scrgbClr r="0" g="0" b="0"/>
+          </a:effectRef>
+          <a:fontRef idx="minor">
+            <a:schemeClr val="tx1"/>
+          </a:fontRef>
+        </p:style>
+      </p:cxnSp>
     </p:spTree>
     <p:extLst>
       <p:ext uri="{BB962C8B-B14F-4D97-AF65-F5344CB8AC3E}">
@@ -36773,6 +40274,469 @@
   <p:clrMapOvr>
     <a:masterClrMapping/>
   </p:clrMapOvr>
+  <p:timing>
+    <p:tnLst>
+      <p:par>
+        <p:cTn id="1" dur="indefinite" restart="never" nodeType="tmRoot">
+          <p:childTnLst>
+            <p:seq concurrent="1" nextAc="seek">
+              <p:cTn id="2" dur="indefinite" nodeType="mainSeq">
+                <p:childTnLst>
+                  <p:par>
+                    <p:cTn id="3" fill="hold">
+                      <p:stCondLst>
+                        <p:cond delay="indefinite"/>
+                        <p:cond evt="onBegin" delay="0">
+                          <p:tn val="2"/>
+                        </p:cond>
+                      </p:stCondLst>
+                      <p:childTnLst>
+                        <p:par>
+                          <p:cTn id="4" fill="hold">
+                            <p:stCondLst>
+                              <p:cond delay="0"/>
+                            </p:stCondLst>
+                            <p:childTnLst>
+                              <p:par>
+                                <p:cTn id="5" presetID="1" presetClass="entr" presetSubtype="0" fill="hold" grpId="0" nodeType="withEffect">
+                                  <p:stCondLst>
+                                    <p:cond delay="0"/>
+                                  </p:stCondLst>
+                                  <p:childTnLst>
+                                    <p:set>
+                                      <p:cBhvr>
+                                        <p:cTn id="6" dur="1" fill="hold">
+                                          <p:stCondLst>
+                                            <p:cond delay="0"/>
+                                          </p:stCondLst>
+                                        </p:cTn>
+                                        <p:tgtEl>
+                                          <p:spTgt spid="79"/>
+                                        </p:tgtEl>
+                                        <p:attrNameLst>
+                                          <p:attrName>style.visibility</p:attrName>
+                                        </p:attrNameLst>
+                                      </p:cBhvr>
+                                      <p:to>
+                                        <p:strVal val="visible"/>
+                                      </p:to>
+                                    </p:set>
+                                  </p:childTnLst>
+                                </p:cTn>
+                              </p:par>
+                              <p:par>
+                                <p:cTn id="7" presetID="1" presetClass="entr" presetSubtype="0" fill="hold" grpId="0" nodeType="withEffect">
+                                  <p:stCondLst>
+                                    <p:cond delay="0"/>
+                                  </p:stCondLst>
+                                  <p:childTnLst>
+                                    <p:set>
+                                      <p:cBhvr>
+                                        <p:cTn id="8" dur="1" fill="hold">
+                                          <p:stCondLst>
+                                            <p:cond delay="0"/>
+                                          </p:stCondLst>
+                                        </p:cTn>
+                                        <p:tgtEl>
+                                          <p:spTgt spid="101"/>
+                                        </p:tgtEl>
+                                        <p:attrNameLst>
+                                          <p:attrName>style.visibility</p:attrName>
+                                        </p:attrNameLst>
+                                      </p:cBhvr>
+                                      <p:to>
+                                        <p:strVal val="visible"/>
+                                      </p:to>
+                                    </p:set>
+                                  </p:childTnLst>
+                                </p:cTn>
+                              </p:par>
+                              <p:par>
+                                <p:cTn id="9" presetID="1" presetClass="entr" presetSubtype="0" fill="hold" grpId="0" nodeType="withEffect">
+                                  <p:stCondLst>
+                                    <p:cond delay="0"/>
+                                  </p:stCondLst>
+                                  <p:childTnLst>
+                                    <p:set>
+                                      <p:cBhvr>
+                                        <p:cTn id="10" dur="1" fill="hold">
+                                          <p:stCondLst>
+                                            <p:cond delay="0"/>
+                                          </p:stCondLst>
+                                        </p:cTn>
+                                        <p:tgtEl>
+                                          <p:spTgt spid="103"/>
+                                        </p:tgtEl>
+                                        <p:attrNameLst>
+                                          <p:attrName>style.visibility</p:attrName>
+                                        </p:attrNameLst>
+                                      </p:cBhvr>
+                                      <p:to>
+                                        <p:strVal val="visible"/>
+                                      </p:to>
+                                    </p:set>
+                                  </p:childTnLst>
+                                </p:cTn>
+                              </p:par>
+                              <p:par>
+                                <p:cTn id="11" presetID="1" presetClass="entr" presetSubtype="0" fill="hold" grpId="0" nodeType="withEffect">
+                                  <p:stCondLst>
+                                    <p:cond delay="0"/>
+                                  </p:stCondLst>
+                                  <p:childTnLst>
+                                    <p:set>
+                                      <p:cBhvr>
+                                        <p:cTn id="12" dur="1" fill="hold">
+                                          <p:stCondLst>
+                                            <p:cond delay="0"/>
+                                          </p:stCondLst>
+                                        </p:cTn>
+                                        <p:tgtEl>
+                                          <p:spTgt spid="104"/>
+                                        </p:tgtEl>
+                                        <p:attrNameLst>
+                                          <p:attrName>style.visibility</p:attrName>
+                                        </p:attrNameLst>
+                                      </p:cBhvr>
+                                      <p:to>
+                                        <p:strVal val="visible"/>
+                                      </p:to>
+                                    </p:set>
+                                  </p:childTnLst>
+                                </p:cTn>
+                              </p:par>
+                            </p:childTnLst>
+                          </p:cTn>
+                        </p:par>
+                      </p:childTnLst>
+                    </p:cTn>
+                  </p:par>
+                  <p:par>
+                    <p:cTn id="13" fill="hold">
+                      <p:stCondLst>
+                        <p:cond delay="indefinite"/>
+                      </p:stCondLst>
+                      <p:childTnLst>
+                        <p:par>
+                          <p:cTn id="14" fill="hold">
+                            <p:stCondLst>
+                              <p:cond delay="0"/>
+                            </p:stCondLst>
+                            <p:childTnLst>
+                              <p:par>
+                                <p:cTn id="15" presetID="1" presetClass="entr" presetSubtype="0" fill="hold" grpId="0" nodeType="clickEffect">
+                                  <p:stCondLst>
+                                    <p:cond delay="0"/>
+                                  </p:stCondLst>
+                                  <p:childTnLst>
+                                    <p:set>
+                                      <p:cBhvr>
+                                        <p:cTn id="16" dur="1" fill="hold">
+                                          <p:stCondLst>
+                                            <p:cond delay="0"/>
+                                          </p:stCondLst>
+                                        </p:cTn>
+                                        <p:tgtEl>
+                                          <p:spTgt spid="106"/>
+                                        </p:tgtEl>
+                                        <p:attrNameLst>
+                                          <p:attrName>style.visibility</p:attrName>
+                                        </p:attrNameLst>
+                                      </p:cBhvr>
+                                      <p:to>
+                                        <p:strVal val="visible"/>
+                                      </p:to>
+                                    </p:set>
+                                  </p:childTnLst>
+                                </p:cTn>
+                              </p:par>
+                              <p:par>
+                                <p:cTn id="17" presetID="1" presetClass="entr" presetSubtype="0" fill="hold" grpId="0" nodeType="withEffect">
+                                  <p:stCondLst>
+                                    <p:cond delay="0"/>
+                                  </p:stCondLst>
+                                  <p:childTnLst>
+                                    <p:set>
+                                      <p:cBhvr>
+                                        <p:cTn id="18" dur="1" fill="hold">
+                                          <p:stCondLst>
+                                            <p:cond delay="0"/>
+                                          </p:stCondLst>
+                                        </p:cTn>
+                                        <p:tgtEl>
+                                          <p:spTgt spid="105"/>
+                                        </p:tgtEl>
+                                        <p:attrNameLst>
+                                          <p:attrName>style.visibility</p:attrName>
+                                        </p:attrNameLst>
+                                      </p:cBhvr>
+                                      <p:to>
+                                        <p:strVal val="visible"/>
+                                      </p:to>
+                                    </p:set>
+                                  </p:childTnLst>
+                                </p:cTn>
+                              </p:par>
+                              <p:par>
+                                <p:cTn id="19" presetID="1" presetClass="entr" presetSubtype="0" fill="hold" grpId="0" nodeType="withEffect">
+                                  <p:stCondLst>
+                                    <p:cond delay="0"/>
+                                  </p:stCondLst>
+                                  <p:childTnLst>
+                                    <p:set>
+                                      <p:cBhvr>
+                                        <p:cTn id="20" dur="1" fill="hold">
+                                          <p:stCondLst>
+                                            <p:cond delay="0"/>
+                                          </p:stCondLst>
+                                        </p:cTn>
+                                        <p:tgtEl>
+                                          <p:spTgt spid="108"/>
+                                        </p:tgtEl>
+                                        <p:attrNameLst>
+                                          <p:attrName>style.visibility</p:attrName>
+                                        </p:attrNameLst>
+                                      </p:cBhvr>
+                                      <p:to>
+                                        <p:strVal val="visible"/>
+                                      </p:to>
+                                    </p:set>
+                                  </p:childTnLst>
+                                </p:cTn>
+                              </p:par>
+                              <p:par>
+                                <p:cTn id="21" presetID="1" presetClass="entr" presetSubtype="0" fill="hold" grpId="0" nodeType="withEffect">
+                                  <p:stCondLst>
+                                    <p:cond delay="0"/>
+                                  </p:stCondLst>
+                                  <p:childTnLst>
+                                    <p:set>
+                                      <p:cBhvr>
+                                        <p:cTn id="22" dur="1" fill="hold">
+                                          <p:stCondLst>
+                                            <p:cond delay="0"/>
+                                          </p:stCondLst>
+                                        </p:cTn>
+                                        <p:tgtEl>
+                                          <p:spTgt spid="107"/>
+                                        </p:tgtEl>
+                                        <p:attrNameLst>
+                                          <p:attrName>style.visibility</p:attrName>
+                                        </p:attrNameLst>
+                                      </p:cBhvr>
+                                      <p:to>
+                                        <p:strVal val="visible"/>
+                                      </p:to>
+                                    </p:set>
+                                  </p:childTnLst>
+                                </p:cTn>
+                              </p:par>
+                              <p:par>
+                                <p:cTn id="23" presetID="1" presetClass="entr" presetSubtype="0" fill="hold" grpId="0" nodeType="withEffect">
+                                  <p:stCondLst>
+                                    <p:cond delay="0"/>
+                                  </p:stCondLst>
+                                  <p:childTnLst>
+                                    <p:set>
+                                      <p:cBhvr>
+                                        <p:cTn id="24" dur="1" fill="hold">
+                                          <p:stCondLst>
+                                            <p:cond delay="0"/>
+                                          </p:stCondLst>
+                                        </p:cTn>
+                                        <p:tgtEl>
+                                          <p:spTgt spid="109"/>
+                                        </p:tgtEl>
+                                        <p:attrNameLst>
+                                          <p:attrName>style.visibility</p:attrName>
+                                        </p:attrNameLst>
+                                      </p:cBhvr>
+                                      <p:to>
+                                        <p:strVal val="visible"/>
+                                      </p:to>
+                                    </p:set>
+                                  </p:childTnLst>
+                                </p:cTn>
+                              </p:par>
+                              <p:par>
+                                <p:cTn id="25" presetID="1" presetClass="entr" presetSubtype="0" fill="hold" grpId="0" nodeType="withEffect">
+                                  <p:stCondLst>
+                                    <p:cond delay="0"/>
+                                  </p:stCondLst>
+                                  <p:childTnLst>
+                                    <p:set>
+                                      <p:cBhvr>
+                                        <p:cTn id="26" dur="1" fill="hold">
+                                          <p:stCondLst>
+                                            <p:cond delay="0"/>
+                                          </p:stCondLst>
+                                        </p:cTn>
+                                        <p:tgtEl>
+                                          <p:spTgt spid="110"/>
+                                        </p:tgtEl>
+                                        <p:attrNameLst>
+                                          <p:attrName>style.visibility</p:attrName>
+                                        </p:attrNameLst>
+                                      </p:cBhvr>
+                                      <p:to>
+                                        <p:strVal val="visible"/>
+                                      </p:to>
+                                    </p:set>
+                                  </p:childTnLst>
+                                </p:cTn>
+                              </p:par>
+                              <p:par>
+                                <p:cTn id="27" presetID="1" presetClass="entr" presetSubtype="0" fill="hold" grpId="0" nodeType="withEffect">
+                                  <p:stCondLst>
+                                    <p:cond delay="0"/>
+                                  </p:stCondLst>
+                                  <p:childTnLst>
+                                    <p:set>
+                                      <p:cBhvr>
+                                        <p:cTn id="28" dur="1" fill="hold">
+                                          <p:stCondLst>
+                                            <p:cond delay="0"/>
+                                          </p:stCondLst>
+                                        </p:cTn>
+                                        <p:tgtEl>
+                                          <p:spTgt spid="112"/>
+                                        </p:tgtEl>
+                                        <p:attrNameLst>
+                                          <p:attrName>style.visibility</p:attrName>
+                                        </p:attrNameLst>
+                                      </p:cBhvr>
+                                      <p:to>
+                                        <p:strVal val="visible"/>
+                                      </p:to>
+                                    </p:set>
+                                  </p:childTnLst>
+                                </p:cTn>
+                              </p:par>
+                              <p:par>
+                                <p:cTn id="29" presetID="1" presetClass="entr" presetSubtype="0" fill="hold" grpId="0" nodeType="withEffect">
+                                  <p:stCondLst>
+                                    <p:cond delay="0"/>
+                                  </p:stCondLst>
+                                  <p:childTnLst>
+                                    <p:set>
+                                      <p:cBhvr>
+                                        <p:cTn id="30" dur="1" fill="hold">
+                                          <p:stCondLst>
+                                            <p:cond delay="0"/>
+                                          </p:stCondLst>
+                                        </p:cTn>
+                                        <p:tgtEl>
+                                          <p:spTgt spid="111"/>
+                                        </p:tgtEl>
+                                        <p:attrNameLst>
+                                          <p:attrName>style.visibility</p:attrName>
+                                        </p:attrNameLst>
+                                      </p:cBhvr>
+                                      <p:to>
+                                        <p:strVal val="visible"/>
+                                      </p:to>
+                                    </p:set>
+                                  </p:childTnLst>
+                                </p:cTn>
+                              </p:par>
+                              <p:par>
+                                <p:cTn id="31" presetID="1" presetClass="entr" presetSubtype="0" fill="hold" grpId="0" nodeType="withEffect">
+                                  <p:stCondLst>
+                                    <p:cond delay="0"/>
+                                  </p:stCondLst>
+                                  <p:childTnLst>
+                                    <p:set>
+                                      <p:cBhvr>
+                                        <p:cTn id="32" dur="1" fill="hold">
+                                          <p:stCondLst>
+                                            <p:cond delay="0"/>
+                                          </p:stCondLst>
+                                        </p:cTn>
+                                        <p:tgtEl>
+                                          <p:spTgt spid="116"/>
+                                        </p:tgtEl>
+                                        <p:attrNameLst>
+                                          <p:attrName>style.visibility</p:attrName>
+                                        </p:attrNameLst>
+                                      </p:cBhvr>
+                                      <p:to>
+                                        <p:strVal val="visible"/>
+                                      </p:to>
+                                    </p:set>
+                                  </p:childTnLst>
+                                </p:cTn>
+                              </p:par>
+                              <p:par>
+                                <p:cTn id="33" presetID="1" presetClass="entr" presetSubtype="0" fill="hold" grpId="0" nodeType="withEffect">
+                                  <p:stCondLst>
+                                    <p:cond delay="0"/>
+                                  </p:stCondLst>
+                                  <p:childTnLst>
+                                    <p:set>
+                                      <p:cBhvr>
+                                        <p:cTn id="34" dur="1" fill="hold">
+                                          <p:stCondLst>
+                                            <p:cond delay="0"/>
+                                          </p:stCondLst>
+                                        </p:cTn>
+                                        <p:tgtEl>
+                                          <p:spTgt spid="113"/>
+                                        </p:tgtEl>
+                                        <p:attrNameLst>
+                                          <p:attrName>style.visibility</p:attrName>
+                                        </p:attrNameLst>
+                                      </p:cBhvr>
+                                      <p:to>
+                                        <p:strVal val="visible"/>
+                                      </p:to>
+                                    </p:set>
+                                  </p:childTnLst>
+                                </p:cTn>
+                              </p:par>
+                            </p:childTnLst>
+                          </p:cTn>
+                        </p:par>
+                      </p:childTnLst>
+                    </p:cTn>
+                  </p:par>
+                </p:childTnLst>
+              </p:cTn>
+              <p:prevCondLst>
+                <p:cond evt="onPrev" delay="0">
+                  <p:tgtEl>
+                    <p:sldTgt/>
+                  </p:tgtEl>
+                </p:cond>
+              </p:prevCondLst>
+              <p:nextCondLst>
+                <p:cond evt="onNext" delay="0">
+                  <p:tgtEl>
+                    <p:sldTgt/>
+                  </p:tgtEl>
+                </p:cond>
+              </p:nextCondLst>
+            </p:seq>
+          </p:childTnLst>
+        </p:cTn>
+      </p:par>
+    </p:tnLst>
+    <p:bldLst>
+      <p:bldP spid="79" grpId="0"/>
+      <p:bldP spid="101" grpId="0"/>
+      <p:bldP spid="103" grpId="0"/>
+      <p:bldP spid="104" grpId="0"/>
+      <p:bldP spid="105" grpId="0"/>
+      <p:bldP spid="106" grpId="0" animBg="1"/>
+      <p:bldP spid="107" grpId="0"/>
+      <p:bldP spid="108" grpId="0" animBg="1"/>
+      <p:bldP spid="109" grpId="0"/>
+      <p:bldP spid="110" grpId="0" animBg="1"/>
+      <p:bldP spid="111" grpId="0"/>
+      <p:bldP spid="112" grpId="0" animBg="1"/>
+      <p:bldP spid="113" grpId="0"/>
+      <p:bldP spid="116" grpId="0" animBg="1"/>
+    </p:bldLst>
+  </p:timing>
 </p:sld>
 </file>
 

--- a/anexo/diagramas.pptx
+++ b/anexo/diagramas.pptx
@@ -1060,7 +1060,7 @@
           <a:p>
             <a:fld id="{E3F29CD9-4246-4F4F-BB3B-942F42C480CC}" type="datetimeFigureOut">
               <a:rPr lang="pt-BR" smtClean="0"/>
-              <a:t>01/03/2024</a:t>
+              <a:t>18/03/2024</a:t>
             </a:fld>
             <a:endParaRPr lang="pt-BR"/>
           </a:p>
@@ -2143,7 +2143,7 @@
           <a:p>
             <a:fld id="{C8B65674-A10E-4998-BFDD-52648E7BF404}" type="datetimeFigureOut">
               <a:rPr lang="pt-BR" smtClean="0"/>
-              <a:t>01/03/2024</a:t>
+              <a:t>18/03/2024</a:t>
             </a:fld>
             <a:endParaRPr lang="pt-BR"/>
           </a:p>
@@ -2313,7 +2313,7 @@
           <a:p>
             <a:fld id="{C8B65674-A10E-4998-BFDD-52648E7BF404}" type="datetimeFigureOut">
               <a:rPr lang="pt-BR" smtClean="0"/>
-              <a:t>01/03/2024</a:t>
+              <a:t>18/03/2024</a:t>
             </a:fld>
             <a:endParaRPr lang="pt-BR"/>
           </a:p>
@@ -2493,7 +2493,7 @@
           <a:p>
             <a:fld id="{C8B65674-A10E-4998-BFDD-52648E7BF404}" type="datetimeFigureOut">
               <a:rPr lang="pt-BR" smtClean="0"/>
-              <a:t>01/03/2024</a:t>
+              <a:t>18/03/2024</a:t>
             </a:fld>
             <a:endParaRPr lang="pt-BR"/>
           </a:p>
@@ -2663,7 +2663,7 @@
           <a:p>
             <a:fld id="{C8B65674-A10E-4998-BFDD-52648E7BF404}" type="datetimeFigureOut">
               <a:rPr lang="pt-BR" smtClean="0"/>
-              <a:t>01/03/2024</a:t>
+              <a:t>18/03/2024</a:t>
             </a:fld>
             <a:endParaRPr lang="pt-BR"/>
           </a:p>
@@ -2907,7 +2907,7 @@
           <a:p>
             <a:fld id="{C8B65674-A10E-4998-BFDD-52648E7BF404}" type="datetimeFigureOut">
               <a:rPr lang="pt-BR" smtClean="0"/>
-              <a:t>01/03/2024</a:t>
+              <a:t>18/03/2024</a:t>
             </a:fld>
             <a:endParaRPr lang="pt-BR"/>
           </a:p>
@@ -3139,7 +3139,7 @@
           <a:p>
             <a:fld id="{C8B65674-A10E-4998-BFDD-52648E7BF404}" type="datetimeFigureOut">
               <a:rPr lang="pt-BR" smtClean="0"/>
-              <a:t>01/03/2024</a:t>
+              <a:t>18/03/2024</a:t>
             </a:fld>
             <a:endParaRPr lang="pt-BR"/>
           </a:p>
@@ -3506,7 +3506,7 @@
           <a:p>
             <a:fld id="{C8B65674-A10E-4998-BFDD-52648E7BF404}" type="datetimeFigureOut">
               <a:rPr lang="pt-BR" smtClean="0"/>
-              <a:t>01/03/2024</a:t>
+              <a:t>18/03/2024</a:t>
             </a:fld>
             <a:endParaRPr lang="pt-BR"/>
           </a:p>
@@ -3624,7 +3624,7 @@
           <a:p>
             <a:fld id="{C8B65674-A10E-4998-BFDD-52648E7BF404}" type="datetimeFigureOut">
               <a:rPr lang="pt-BR" smtClean="0"/>
-              <a:t>01/03/2024</a:t>
+              <a:t>18/03/2024</a:t>
             </a:fld>
             <a:endParaRPr lang="pt-BR"/>
           </a:p>
@@ -3719,7 +3719,7 @@
           <a:p>
             <a:fld id="{C8B65674-A10E-4998-BFDD-52648E7BF404}" type="datetimeFigureOut">
               <a:rPr lang="pt-BR" smtClean="0"/>
-              <a:t>01/03/2024</a:t>
+              <a:t>18/03/2024</a:t>
             </a:fld>
             <a:endParaRPr lang="pt-BR"/>
           </a:p>
@@ -3996,7 +3996,7 @@
           <a:p>
             <a:fld id="{C8B65674-A10E-4998-BFDD-52648E7BF404}" type="datetimeFigureOut">
               <a:rPr lang="pt-BR" smtClean="0"/>
-              <a:t>01/03/2024</a:t>
+              <a:t>18/03/2024</a:t>
             </a:fld>
             <a:endParaRPr lang="pt-BR"/>
           </a:p>
@@ -4253,7 +4253,7 @@
           <a:p>
             <a:fld id="{C8B65674-A10E-4998-BFDD-52648E7BF404}" type="datetimeFigureOut">
               <a:rPr lang="pt-BR" smtClean="0"/>
-              <a:t>01/03/2024</a:t>
+              <a:t>18/03/2024</a:t>
             </a:fld>
             <a:endParaRPr lang="pt-BR"/>
           </a:p>
@@ -4466,7 +4466,7 @@
           <a:p>
             <a:fld id="{C8B65674-A10E-4998-BFDD-52648E7BF404}" type="datetimeFigureOut">
               <a:rPr lang="pt-BR" smtClean="0"/>
-              <a:t>01/03/2024</a:t>
+              <a:t>18/03/2024</a:t>
             </a:fld>
             <a:endParaRPr lang="pt-BR"/>
           </a:p>
@@ -9368,6 +9368,583 @@
           </a:fontRef>
         </p:style>
       </p:cxnSp>
+      <p:sp>
+        <p:nvSpPr>
+          <p:cNvPr id="2" name="Retângulo: Cantos Arredondados 1">
+            <a:extLst>
+              <a:ext uri="{FF2B5EF4-FFF2-40B4-BE49-F238E27FC236}">
+                <a16:creationId xmlns:a16="http://schemas.microsoft.com/office/drawing/2014/main" id="{62D353CE-E9B0-91FA-CCAF-6FD3E7792E97}"/>
+              </a:ext>
+            </a:extLst>
+          </p:cNvPr>
+          <p:cNvSpPr/>
+          <p:nvPr/>
+        </p:nvSpPr>
+        <p:spPr>
+          <a:xfrm>
+            <a:off x="8212203" y="24950830"/>
+            <a:ext cx="1768848" cy="440202"/>
+          </a:xfrm>
+          <a:prstGeom prst="roundRect">
+            <a:avLst>
+              <a:gd name="adj" fmla="val 4410"/>
+            </a:avLst>
+          </a:prstGeom>
+          <a:noFill/>
+          <a:ln w="19050">
+            <a:solidFill>
+              <a:schemeClr val="accent1"/>
+            </a:solidFill>
+            <a:prstDash val="sysDash"/>
+          </a:ln>
+        </p:spPr>
+        <p:style>
+          <a:lnRef idx="0">
+            <a:scrgbClr r="0" g="0" b="0"/>
+          </a:lnRef>
+          <a:fillRef idx="0">
+            <a:scrgbClr r="0" g="0" b="0"/>
+          </a:fillRef>
+          <a:effectRef idx="0">
+            <a:scrgbClr r="0" g="0" b="0"/>
+          </a:effectRef>
+          <a:fontRef idx="minor">
+            <a:schemeClr val="lt1"/>
+          </a:fontRef>
+        </p:style>
+        <p:txBody>
+          <a:bodyPr rtlCol="0" anchor="ctr"/>
+          <a:lstStyle/>
+          <a:p>
+            <a:pPr algn="r"/>
+            <a:r>
+              <a:rPr lang="pt-BR" sz="1400" b="1" dirty="0">
+                <a:solidFill>
+                  <a:schemeClr val="accent1">
+                    <a:lumMod val="50000"/>
+                  </a:schemeClr>
+                </a:solidFill>
+              </a:rPr>
+              <a:t>Fontes de dados</a:t>
+            </a:r>
+          </a:p>
+        </p:txBody>
+      </p:sp>
+      <p:sp>
+        <p:nvSpPr>
+          <p:cNvPr id="4" name="Retângulo: Cantos Arredondados 3">
+            <a:extLst>
+              <a:ext uri="{FF2B5EF4-FFF2-40B4-BE49-F238E27FC236}">
+                <a16:creationId xmlns:a16="http://schemas.microsoft.com/office/drawing/2014/main" id="{7BBA9DCF-12BE-DA35-422E-9F83F7BD9CBB}"/>
+              </a:ext>
+            </a:extLst>
+          </p:cNvPr>
+          <p:cNvSpPr/>
+          <p:nvPr/>
+        </p:nvSpPr>
+        <p:spPr>
+          <a:xfrm>
+            <a:off x="10861326" y="24950830"/>
+            <a:ext cx="2273397" cy="440202"/>
+          </a:xfrm>
+          <a:prstGeom prst="roundRect">
+            <a:avLst>
+              <a:gd name="adj" fmla="val 4410"/>
+            </a:avLst>
+          </a:prstGeom>
+          <a:solidFill>
+            <a:schemeClr val="accent1">
+              <a:lumMod val="60000"/>
+              <a:lumOff val="40000"/>
+            </a:schemeClr>
+          </a:solidFill>
+          <a:ln w="19050">
+            <a:solidFill>
+              <a:schemeClr val="accent1"/>
+            </a:solidFill>
+            <a:prstDash val="sysDash"/>
+          </a:ln>
+        </p:spPr>
+        <p:style>
+          <a:lnRef idx="0">
+            <a:scrgbClr r="0" g="0" b="0"/>
+          </a:lnRef>
+          <a:fillRef idx="0">
+            <a:scrgbClr r="0" g="0" b="0"/>
+          </a:fillRef>
+          <a:effectRef idx="0">
+            <a:scrgbClr r="0" g="0" b="0"/>
+          </a:effectRef>
+          <a:fontRef idx="minor">
+            <a:schemeClr val="lt1"/>
+          </a:fontRef>
+        </p:style>
+        <p:txBody>
+          <a:bodyPr rtlCol="0" anchor="ctr"/>
+          <a:lstStyle/>
+          <a:p>
+            <a:pPr algn="r"/>
+            <a:r>
+              <a:rPr lang="pt-BR" sz="1400" b="1" dirty="0">
+                <a:solidFill>
+                  <a:schemeClr val="accent1">
+                    <a:lumMod val="50000"/>
+                  </a:schemeClr>
+                </a:solidFill>
+              </a:rPr>
+              <a:t>Ferramentas de Ingestão</a:t>
+            </a:r>
+          </a:p>
+        </p:txBody>
+      </p:sp>
+      <p:pic>
+        <p:nvPicPr>
+          <p:cNvPr id="6" name="Imagem 5">
+            <a:extLst>
+              <a:ext uri="{FF2B5EF4-FFF2-40B4-BE49-F238E27FC236}">
+                <a16:creationId xmlns:a16="http://schemas.microsoft.com/office/drawing/2014/main" id="{42BF8C13-DA05-6C50-ABCE-0B8867E81AB7}"/>
+              </a:ext>
+            </a:extLst>
+          </p:cNvPr>
+          <p:cNvPicPr>
+            <a:picLocks noChangeAspect="1"/>
+          </p:cNvPicPr>
+          <p:nvPr/>
+        </p:nvPicPr>
+        <p:blipFill>
+          <a:blip r:embed="rId9">
+            <a:clrChange>
+              <a:clrFrom>
+                <a:srgbClr val="FFFFFF"/>
+              </a:clrFrom>
+              <a:clrTo>
+                <a:srgbClr val="FFFFFF">
+                  <a:alpha val="0"/>
+                </a:srgbClr>
+              </a:clrTo>
+            </a:clrChange>
+          </a:blip>
+          <a:stretch>
+            <a:fillRect/>
+          </a:stretch>
+        </p:blipFill>
+        <p:spPr>
+          <a:xfrm>
+            <a:off x="14196245" y="25023683"/>
+            <a:ext cx="299849" cy="294495"/>
+          </a:xfrm>
+          <a:prstGeom prst="rect">
+            <a:avLst/>
+          </a:prstGeom>
+        </p:spPr>
+      </p:pic>
+      <p:pic>
+        <p:nvPicPr>
+          <p:cNvPr id="43" name="Imagem 15">
+            <a:extLst>
+              <a:ext uri="{FF2B5EF4-FFF2-40B4-BE49-F238E27FC236}">
+                <a16:creationId xmlns:a16="http://schemas.microsoft.com/office/drawing/2014/main" id="{99CE4FE7-ACCE-9848-3A95-6B8FB7E75185}"/>
+              </a:ext>
+            </a:extLst>
+          </p:cNvPr>
+          <p:cNvPicPr>
+            <a:picLocks noChangeAspect="1"/>
+          </p:cNvPicPr>
+          <p:nvPr/>
+        </p:nvPicPr>
+        <p:blipFill>
+          <a:blip r:embed="rId10"/>
+          <a:stretch>
+            <a:fillRect/>
+          </a:stretch>
+        </p:blipFill>
+        <p:spPr>
+          <a:xfrm>
+            <a:off x="10908647" y="25041452"/>
+            <a:ext cx="270276" cy="258955"/>
+          </a:xfrm>
+          <a:prstGeom prst="rect">
+            <a:avLst/>
+          </a:prstGeom>
+        </p:spPr>
+      </p:pic>
+      <p:pic>
+        <p:nvPicPr>
+          <p:cNvPr id="44" name="Imagem 43">
+            <a:extLst>
+              <a:ext uri="{FF2B5EF4-FFF2-40B4-BE49-F238E27FC236}">
+                <a16:creationId xmlns:a16="http://schemas.microsoft.com/office/drawing/2014/main" id="{41B5F17E-2508-A855-3956-C28A14F01955}"/>
+              </a:ext>
+            </a:extLst>
+          </p:cNvPr>
+          <p:cNvPicPr>
+            <a:picLocks noChangeAspect="1"/>
+          </p:cNvPicPr>
+          <p:nvPr/>
+        </p:nvPicPr>
+        <p:blipFill rotWithShape="1">
+          <a:blip r:embed="rId11"/>
+          <a:srcRect r="61776" b="46571"/>
+          <a:stretch/>
+        </p:blipFill>
+        <p:spPr>
+          <a:xfrm>
+            <a:off x="8308217" y="25023683"/>
+            <a:ext cx="344656" cy="315636"/>
+          </a:xfrm>
+          <a:prstGeom prst="rect">
+            <a:avLst/>
+          </a:prstGeom>
+        </p:spPr>
+      </p:pic>
+      <p:sp>
+        <p:nvSpPr>
+          <p:cNvPr id="48" name="Retângulo: Cantos Arredondados 47">
+            <a:extLst>
+              <a:ext uri="{FF2B5EF4-FFF2-40B4-BE49-F238E27FC236}">
+                <a16:creationId xmlns:a16="http://schemas.microsoft.com/office/drawing/2014/main" id="{B6E09F37-8033-CBFE-7FCE-13AFE017E06F}"/>
+              </a:ext>
+            </a:extLst>
+          </p:cNvPr>
+          <p:cNvSpPr/>
+          <p:nvPr/>
+        </p:nvSpPr>
+        <p:spPr>
+          <a:xfrm>
+            <a:off x="14070400" y="24950830"/>
+            <a:ext cx="1768848" cy="440202"/>
+          </a:xfrm>
+          <a:prstGeom prst="roundRect">
+            <a:avLst>
+              <a:gd name="adj" fmla="val 4410"/>
+            </a:avLst>
+          </a:prstGeom>
+          <a:noFill/>
+          <a:ln w="19050">
+            <a:solidFill>
+              <a:schemeClr val="accent1"/>
+            </a:solidFill>
+            <a:prstDash val="sysDash"/>
+          </a:ln>
+        </p:spPr>
+        <p:style>
+          <a:lnRef idx="0">
+            <a:scrgbClr r="0" g="0" b="0"/>
+          </a:lnRef>
+          <a:fillRef idx="0">
+            <a:scrgbClr r="0" g="0" b="0"/>
+          </a:fillRef>
+          <a:effectRef idx="0">
+            <a:scrgbClr r="0" g="0" b="0"/>
+          </a:effectRef>
+          <a:fontRef idx="minor">
+            <a:schemeClr val="lt1"/>
+          </a:fontRef>
+        </p:style>
+        <p:txBody>
+          <a:bodyPr rtlCol="0" anchor="ctr"/>
+          <a:lstStyle/>
+          <a:p>
+            <a:pPr algn="r"/>
+            <a:r>
+              <a:rPr lang="pt-BR" sz="1400" b="1" dirty="0">
+                <a:solidFill>
+                  <a:schemeClr val="accent1">
+                    <a:lumMod val="50000"/>
+                  </a:schemeClr>
+                </a:solidFill>
+              </a:rPr>
+              <a:t>Object Storage</a:t>
+            </a:r>
+          </a:p>
+        </p:txBody>
+      </p:sp>
+      <p:cxnSp>
+        <p:nvCxnSpPr>
+          <p:cNvPr id="49" name="Conector de Seta Reta 48">
+            <a:extLst>
+              <a:ext uri="{FF2B5EF4-FFF2-40B4-BE49-F238E27FC236}">
+                <a16:creationId xmlns:a16="http://schemas.microsoft.com/office/drawing/2014/main" id="{52F3446B-F4EF-00E0-5142-03DF856D11D5}"/>
+              </a:ext>
+            </a:extLst>
+          </p:cNvPr>
+          <p:cNvCxnSpPr>
+            <a:cxnSpLocks/>
+            <a:stCxn id="4" idx="1"/>
+            <a:endCxn id="2" idx="3"/>
+          </p:cNvCxnSpPr>
+          <p:nvPr/>
+        </p:nvCxnSpPr>
+        <p:spPr>
+          <a:xfrm flipH="1">
+            <a:off x="9981051" y="25170931"/>
+            <a:ext cx="880275" cy="0"/>
+          </a:xfrm>
+          <a:prstGeom prst="straightConnector1">
+            <a:avLst/>
+          </a:prstGeom>
+          <a:ln>
+            <a:tailEnd type="triangle"/>
+          </a:ln>
+        </p:spPr>
+        <p:style>
+          <a:lnRef idx="1">
+            <a:schemeClr val="accent1"/>
+          </a:lnRef>
+          <a:fillRef idx="0">
+            <a:schemeClr val="accent1"/>
+          </a:fillRef>
+          <a:effectRef idx="0">
+            <a:schemeClr val="accent1"/>
+          </a:effectRef>
+          <a:fontRef idx="minor">
+            <a:schemeClr val="tx1"/>
+          </a:fontRef>
+        </p:style>
+      </p:cxnSp>
+      <p:sp>
+        <p:nvSpPr>
+          <p:cNvPr id="56" name="CaixaDeTexto 55">
+            <a:extLst>
+              <a:ext uri="{FF2B5EF4-FFF2-40B4-BE49-F238E27FC236}">
+                <a16:creationId xmlns:a16="http://schemas.microsoft.com/office/drawing/2014/main" id="{EA128562-3609-5C62-007A-66CE5467B92D}"/>
+              </a:ext>
+            </a:extLst>
+          </p:cNvPr>
+          <p:cNvSpPr txBox="1"/>
+          <p:nvPr/>
+        </p:nvSpPr>
+        <p:spPr>
+          <a:xfrm>
+            <a:off x="10137333" y="24981446"/>
+            <a:ext cx="564796" cy="200055"/>
+          </a:xfrm>
+          <a:prstGeom prst="rect">
+            <a:avLst/>
+          </a:prstGeom>
+          <a:noFill/>
+          <a:ln>
+            <a:solidFill>
+              <a:schemeClr val="bg1"/>
+            </a:solidFill>
+          </a:ln>
+        </p:spPr>
+        <p:style>
+          <a:lnRef idx="0">
+            <a:scrgbClr r="0" g="0" b="0"/>
+          </a:lnRef>
+          <a:fillRef idx="0">
+            <a:scrgbClr r="0" g="0" b="0"/>
+          </a:fillRef>
+          <a:effectRef idx="0">
+            <a:scrgbClr r="0" g="0" b="0"/>
+          </a:effectRef>
+          <a:fontRef idx="minor">
+            <a:schemeClr val="lt1"/>
+          </a:fontRef>
+        </p:style>
+        <p:txBody>
+          <a:bodyPr wrap="square" lIns="91440" tIns="45720" rIns="91440" bIns="45720" rtlCol="0" anchor="t">
+            <a:spAutoFit/>
+          </a:bodyPr>
+          <a:lstStyle/>
+          <a:p>
+            <a:pPr algn="ctr"/>
+            <a:r>
+              <a:rPr lang="pt-BR" sz="700" b="1" dirty="0">
+                <a:solidFill>
+                  <a:schemeClr val="accent1">
+                    <a:lumMod val="50000"/>
+                  </a:schemeClr>
+                </a:solidFill>
+                <a:latin typeface="Segoe UI"/>
+                <a:ea typeface="Segoe UI Black"/>
+                <a:cs typeface="Segoe UI"/>
+              </a:rPr>
+              <a:t>JBDC</a:t>
+            </a:r>
+            <a:endParaRPr lang="pt-BR" sz="700" b="1" dirty="0">
+              <a:solidFill>
+                <a:schemeClr val="accent1">
+                  <a:lumMod val="50000"/>
+                </a:schemeClr>
+              </a:solidFill>
+              <a:latin typeface="Segoe UI" panose="020B0502040204020203" pitchFamily="34" charset="0"/>
+              <a:ea typeface="Segoe UI Black" panose="020B0A02040204020203" pitchFamily="34" charset="0"/>
+              <a:cs typeface="Segoe UI" panose="020B0502040204020203" pitchFamily="34" charset="0"/>
+            </a:endParaRPr>
+          </a:p>
+        </p:txBody>
+      </p:sp>
+      <p:sp>
+        <p:nvSpPr>
+          <p:cNvPr id="57" name="CaixaDeTexto 56">
+            <a:extLst>
+              <a:ext uri="{FF2B5EF4-FFF2-40B4-BE49-F238E27FC236}">
+                <a16:creationId xmlns:a16="http://schemas.microsoft.com/office/drawing/2014/main" id="{CAC696F8-C5BB-E2DA-C356-765BB48F26AC}"/>
+              </a:ext>
+            </a:extLst>
+          </p:cNvPr>
+          <p:cNvSpPr txBox="1"/>
+          <p:nvPr/>
+        </p:nvSpPr>
+        <p:spPr>
+          <a:xfrm>
+            <a:off x="13286129" y="24970874"/>
+            <a:ext cx="675624" cy="200055"/>
+          </a:xfrm>
+          <a:prstGeom prst="rect">
+            <a:avLst/>
+          </a:prstGeom>
+          <a:noFill/>
+          <a:ln>
+            <a:solidFill>
+              <a:schemeClr val="bg1"/>
+            </a:solidFill>
+          </a:ln>
+        </p:spPr>
+        <p:style>
+          <a:lnRef idx="0">
+            <a:scrgbClr r="0" g="0" b="0"/>
+          </a:lnRef>
+          <a:fillRef idx="0">
+            <a:scrgbClr r="0" g="0" b="0"/>
+          </a:fillRef>
+          <a:effectRef idx="0">
+            <a:scrgbClr r="0" g="0" b="0"/>
+          </a:effectRef>
+          <a:fontRef idx="minor">
+            <a:schemeClr val="lt1"/>
+          </a:fontRef>
+        </p:style>
+        <p:txBody>
+          <a:bodyPr wrap="square" lIns="91440" tIns="45720" rIns="91440" bIns="45720" rtlCol="0" anchor="t">
+            <a:spAutoFit/>
+          </a:bodyPr>
+          <a:lstStyle/>
+          <a:p>
+            <a:pPr algn="ctr"/>
+            <a:r>
+              <a:rPr lang="pt-BR" sz="700" b="1" dirty="0">
+                <a:solidFill>
+                  <a:schemeClr val="accent1">
+                    <a:lumMod val="50000"/>
+                  </a:schemeClr>
+                </a:solidFill>
+                <a:latin typeface="Segoe UI"/>
+                <a:ea typeface="Segoe UI Black"/>
+                <a:cs typeface="Segoe UI"/>
+              </a:rPr>
+              <a:t>spark.write</a:t>
+            </a:r>
+            <a:endParaRPr lang="pt-BR" sz="700" b="1" dirty="0">
+              <a:solidFill>
+                <a:schemeClr val="accent1">
+                  <a:lumMod val="50000"/>
+                </a:schemeClr>
+              </a:solidFill>
+              <a:latin typeface="Segoe UI" panose="020B0502040204020203" pitchFamily="34" charset="0"/>
+              <a:ea typeface="Segoe UI Black" panose="020B0A02040204020203" pitchFamily="34" charset="0"/>
+              <a:cs typeface="Segoe UI" panose="020B0502040204020203" pitchFamily="34" charset="0"/>
+            </a:endParaRPr>
+          </a:p>
+        </p:txBody>
+      </p:sp>
+      <p:cxnSp>
+        <p:nvCxnSpPr>
+          <p:cNvPr id="58" name="Conector de Seta Reta 57">
+            <a:extLst>
+              <a:ext uri="{FF2B5EF4-FFF2-40B4-BE49-F238E27FC236}">
+                <a16:creationId xmlns:a16="http://schemas.microsoft.com/office/drawing/2014/main" id="{EE7C26AE-E4C9-9C8C-CEE9-06D6FAD1EB51}"/>
+              </a:ext>
+            </a:extLst>
+          </p:cNvPr>
+          <p:cNvCxnSpPr>
+            <a:cxnSpLocks/>
+            <a:stCxn id="4" idx="3"/>
+            <a:endCxn id="48" idx="1"/>
+          </p:cNvCxnSpPr>
+          <p:nvPr/>
+        </p:nvCxnSpPr>
+        <p:spPr>
+          <a:xfrm>
+            <a:off x="13134723" y="25170931"/>
+            <a:ext cx="935677" cy="0"/>
+          </a:xfrm>
+          <a:prstGeom prst="straightConnector1">
+            <a:avLst/>
+          </a:prstGeom>
+          <a:ln>
+            <a:tailEnd type="triangle"/>
+          </a:ln>
+        </p:spPr>
+        <p:style>
+          <a:lnRef idx="1">
+            <a:schemeClr val="accent1"/>
+          </a:lnRef>
+          <a:fillRef idx="0">
+            <a:schemeClr val="accent1"/>
+          </a:fillRef>
+          <a:effectRef idx="0">
+            <a:schemeClr val="accent1"/>
+          </a:effectRef>
+          <a:fontRef idx="minor">
+            <a:schemeClr val="tx1"/>
+          </a:fontRef>
+        </p:style>
+      </p:cxnSp>
+      <p:sp>
+        <p:nvSpPr>
+          <p:cNvPr id="5" name="Retângulo: Cantos Arredondados 4">
+            <a:extLst>
+              <a:ext uri="{FF2B5EF4-FFF2-40B4-BE49-F238E27FC236}">
+                <a16:creationId xmlns:a16="http://schemas.microsoft.com/office/drawing/2014/main" id="{DBD92256-547B-8D20-366C-9CEB52E85560}"/>
+              </a:ext>
+            </a:extLst>
+          </p:cNvPr>
+          <p:cNvSpPr/>
+          <p:nvPr/>
+        </p:nvSpPr>
+        <p:spPr>
+          <a:xfrm>
+            <a:off x="13151925" y="14501071"/>
+            <a:ext cx="1575539" cy="925969"/>
+          </a:xfrm>
+          <a:prstGeom prst="roundRect">
+            <a:avLst/>
+          </a:prstGeom>
+          <a:noFill/>
+          <a:ln w="38100">
+            <a:solidFill>
+              <a:srgbClr val="C00000"/>
+            </a:solidFill>
+          </a:ln>
+        </p:spPr>
+        <p:style>
+          <a:lnRef idx="2">
+            <a:schemeClr val="accent1">
+              <a:shade val="15000"/>
+            </a:schemeClr>
+          </a:lnRef>
+          <a:fillRef idx="1">
+            <a:schemeClr val="accent1"/>
+          </a:fillRef>
+          <a:effectRef idx="0">
+            <a:schemeClr val="accent1"/>
+          </a:effectRef>
+          <a:fontRef idx="minor">
+            <a:schemeClr val="lt1"/>
+          </a:fontRef>
+        </p:style>
+        <p:txBody>
+          <a:bodyPr rtlCol="0" anchor="ctr"/>
+          <a:lstStyle/>
+          <a:p>
+            <a:pPr algn="ctr"/>
+            <a:endParaRPr lang="pt-BR"/>
+          </a:p>
+        </p:txBody>
+      </p:sp>
     </p:spTree>
     <p:extLst>
       <p:ext uri="{BB962C8B-B14F-4D97-AF65-F5344CB8AC3E}">
@@ -18743,7 +19320,7 @@
         </p:nvSpPr>
         <p:spPr>
           <a:xfrm>
-            <a:off x="34836473" y="16337787"/>
+            <a:off x="14036186" y="25700221"/>
             <a:ext cx="2944155" cy="494815"/>
           </a:xfrm>
           <a:prstGeom prst="rect">
@@ -18826,7 +19403,7 @@
         </p:nvSpPr>
         <p:spPr>
           <a:xfrm>
-            <a:off x="35131264" y="17619069"/>
+            <a:off x="14330977" y="26981503"/>
             <a:ext cx="2927225" cy="3779403"/>
           </a:xfrm>
           <a:prstGeom prst="roundRect">
@@ -18882,7 +19459,7 @@
         </p:nvSpPr>
         <p:spPr>
           <a:xfrm>
-            <a:off x="35565816" y="18268799"/>
+            <a:off x="14765529" y="27631233"/>
             <a:ext cx="2426865" cy="709983"/>
           </a:xfrm>
           <a:prstGeom prst="roundRect">
@@ -18940,7 +19517,7 @@
         </p:nvSpPr>
         <p:spPr>
           <a:xfrm>
-            <a:off x="36428471" y="18135914"/>
+            <a:off x="15628184" y="27498348"/>
             <a:ext cx="501746" cy="307779"/>
           </a:xfrm>
           <a:prstGeom prst="rect">
@@ -19016,7 +19593,7 @@
         </p:nvSpPr>
         <p:spPr>
           <a:xfrm>
-            <a:off x="35754123" y="17664978"/>
+            <a:off x="14953836" y="27027412"/>
             <a:ext cx="2128007" cy="307779"/>
           </a:xfrm>
           <a:prstGeom prst="rect">
@@ -19078,7 +19655,7 @@
         </p:blipFill>
         <p:spPr>
           <a:xfrm>
-            <a:off x="35976062" y="18438957"/>
+            <a:off x="15175775" y="27801391"/>
             <a:ext cx="348846" cy="299124"/>
           </a:xfrm>
           <a:prstGeom prst="rect">
@@ -19108,7 +19685,7 @@
         </p:blipFill>
         <p:spPr>
           <a:xfrm>
-            <a:off x="36409024" y="18624514"/>
+            <a:off x="15608737" y="27986948"/>
             <a:ext cx="348846" cy="299124"/>
           </a:xfrm>
           <a:prstGeom prst="rect">
@@ -19138,7 +19715,7 @@
         </p:blipFill>
         <p:spPr>
           <a:xfrm>
-            <a:off x="36889001" y="18448740"/>
+            <a:off x="16088714" y="27811174"/>
             <a:ext cx="291943" cy="316683"/>
           </a:xfrm>
           <a:prstGeom prst="rect">
@@ -19168,7 +19745,7 @@
         </p:blipFill>
         <p:spPr>
           <a:xfrm>
-            <a:off x="37284852" y="18547701"/>
+            <a:off x="16484565" y="27910135"/>
             <a:ext cx="291943" cy="316683"/>
           </a:xfrm>
           <a:prstGeom prst="rect">
@@ -19190,7 +19767,7 @@
         </p:nvSpPr>
         <p:spPr>
           <a:xfrm>
-            <a:off x="35565816" y="19258431"/>
+            <a:off x="14765529" y="28620865"/>
             <a:ext cx="2426865" cy="709983"/>
           </a:xfrm>
           <a:prstGeom prst="roundRect">
@@ -19248,7 +19825,7 @@
         </p:nvSpPr>
         <p:spPr>
           <a:xfrm>
-            <a:off x="36428475" y="19125546"/>
+            <a:off x="15628188" y="28487980"/>
             <a:ext cx="562661" cy="307779"/>
           </a:xfrm>
           <a:prstGeom prst="rect">
@@ -19332,7 +19909,7 @@
         </p:blipFill>
         <p:spPr>
           <a:xfrm>
-            <a:off x="35976062" y="19428589"/>
+            <a:off x="15175775" y="28791023"/>
             <a:ext cx="348846" cy="299124"/>
           </a:xfrm>
           <a:prstGeom prst="rect">
@@ -19362,7 +19939,7 @@
         </p:blipFill>
         <p:spPr>
           <a:xfrm>
-            <a:off x="36409024" y="19614145"/>
+            <a:off x="15608737" y="28976579"/>
             <a:ext cx="348846" cy="299124"/>
           </a:xfrm>
           <a:prstGeom prst="rect">
@@ -19392,7 +19969,7 @@
         </p:blipFill>
         <p:spPr>
           <a:xfrm>
-            <a:off x="36888998" y="19438372"/>
+            <a:off x="16088711" y="28800806"/>
             <a:ext cx="291943" cy="316683"/>
           </a:xfrm>
           <a:prstGeom prst="rect">
@@ -19422,7 +19999,7 @@
         </p:blipFill>
         <p:spPr>
           <a:xfrm>
-            <a:off x="37284852" y="19537333"/>
+            <a:off x="16484565" y="28899767"/>
             <a:ext cx="291943" cy="316683"/>
           </a:xfrm>
           <a:prstGeom prst="rect">
@@ -19444,7 +20021,7 @@
         </p:nvSpPr>
         <p:spPr>
           <a:xfrm>
-            <a:off x="35590556" y="20248063"/>
+            <a:off x="14790269" y="29610497"/>
             <a:ext cx="2426865" cy="709983"/>
           </a:xfrm>
           <a:prstGeom prst="roundRect">
@@ -19502,7 +20079,7 @@
         </p:nvSpPr>
         <p:spPr>
           <a:xfrm>
-            <a:off x="36453213" y="20115178"/>
+            <a:off x="15652926" y="29477612"/>
             <a:ext cx="663265" cy="307779"/>
           </a:xfrm>
           <a:prstGeom prst="rect">
@@ -19586,7 +20163,7 @@
         </p:blipFill>
         <p:spPr>
           <a:xfrm>
-            <a:off x="36000801" y="20418221"/>
+            <a:off x="15200514" y="29780655"/>
             <a:ext cx="348846" cy="299124"/>
           </a:xfrm>
           <a:prstGeom prst="rect">
@@ -19616,7 +20193,7 @@
         </p:blipFill>
         <p:spPr>
           <a:xfrm>
-            <a:off x="36433763" y="20603777"/>
+            <a:off x="15633476" y="29966211"/>
             <a:ext cx="348846" cy="299124"/>
           </a:xfrm>
           <a:prstGeom prst="rect">
@@ -19646,7 +20223,7 @@
         </p:blipFill>
         <p:spPr>
           <a:xfrm>
-            <a:off x="36901370" y="20428004"/>
+            <a:off x="16101083" y="29790438"/>
             <a:ext cx="291943" cy="316683"/>
           </a:xfrm>
           <a:prstGeom prst="rect">
@@ -19676,7 +20253,7 @@
         </p:blipFill>
         <p:spPr>
           <a:xfrm>
-            <a:off x="37309591" y="20526965"/>
+            <a:off x="16509304" y="29889399"/>
             <a:ext cx="291943" cy="316683"/>
           </a:xfrm>
           <a:prstGeom prst="rect">
@@ -19698,7 +20275,7 @@
         </p:nvSpPr>
         <p:spPr>
           <a:xfrm>
-            <a:off x="35131264" y="21552059"/>
+            <a:off x="14330977" y="30914493"/>
             <a:ext cx="2927225" cy="829662"/>
           </a:xfrm>
           <a:prstGeom prst="roundRect">
@@ -19754,7 +20331,7 @@
         </p:nvSpPr>
         <p:spPr>
           <a:xfrm>
-            <a:off x="35754122" y="21536513"/>
+            <a:off x="14953835" y="30898947"/>
             <a:ext cx="2128007" cy="307779"/>
           </a:xfrm>
           <a:prstGeom prst="rect">
@@ -19816,7 +20393,7 @@
         </p:blipFill>
         <p:spPr>
           <a:xfrm>
-            <a:off x="36509348" y="21821707"/>
+            <a:off x="15709061" y="31184141"/>
             <a:ext cx="387594" cy="440267"/>
           </a:xfrm>
           <a:prstGeom prst="rect">
@@ -19838,7 +20415,7 @@
         </p:nvSpPr>
         <p:spPr>
           <a:xfrm>
-            <a:off x="35105302" y="22549701"/>
+            <a:off x="14305015" y="31912135"/>
             <a:ext cx="2993937" cy="981040"/>
           </a:xfrm>
           <a:prstGeom prst="rect">
@@ -19939,7 +20516,7 @@
         </p:blipFill>
         <p:spPr>
           <a:xfrm>
-            <a:off x="37758251" y="18134013"/>
+            <a:off x="16957964" y="27496447"/>
             <a:ext cx="347390" cy="347390"/>
           </a:xfrm>
           <a:prstGeom prst="rect">
@@ -20101,7 +20678,7 @@
         </p:nvSpPr>
         <p:spPr>
           <a:xfrm>
-            <a:off x="30725251" y="17707080"/>
+            <a:off x="9924964" y="27069514"/>
             <a:ext cx="2911862" cy="4778014"/>
           </a:xfrm>
           <a:prstGeom prst="roundRect">
@@ -20157,7 +20734,7 @@
         </p:nvSpPr>
         <p:spPr>
           <a:xfrm>
-            <a:off x="30987861" y="18442321"/>
+            <a:off x="10187574" y="27804755"/>
             <a:ext cx="2414494" cy="1217168"/>
           </a:xfrm>
           <a:prstGeom prst="roundRect">
@@ -20215,7 +20792,7 @@
         </p:nvSpPr>
         <p:spPr>
           <a:xfrm>
-            <a:off x="31528882" y="18284695"/>
+            <a:off x="10728595" y="27647129"/>
             <a:ext cx="1383846" cy="307779"/>
           </a:xfrm>
           <a:prstGeom prst="rect">
@@ -20291,7 +20868,7 @@
         </p:nvSpPr>
         <p:spPr>
           <a:xfrm>
-            <a:off x="31271417" y="17865714"/>
+            <a:off x="10471130" y="27228148"/>
             <a:ext cx="2128007" cy="307779"/>
           </a:xfrm>
           <a:prstGeom prst="rect">
@@ -20345,7 +20922,7 @@
         </p:nvSpPr>
         <p:spPr>
           <a:xfrm>
-            <a:off x="30987863" y="20062840"/>
+            <a:off x="10187576" y="29425274"/>
             <a:ext cx="2451605" cy="1006872"/>
           </a:xfrm>
           <a:prstGeom prst="roundRect">
@@ -20403,7 +20980,7 @@
         </p:nvSpPr>
         <p:spPr>
           <a:xfrm>
-            <a:off x="31640219" y="19880476"/>
+            <a:off x="10839932" y="29242910"/>
             <a:ext cx="1128585" cy="307779"/>
           </a:xfrm>
           <a:prstGeom prst="rect">
@@ -20479,7 +21056,7 @@
         </p:nvSpPr>
         <p:spPr>
           <a:xfrm>
-            <a:off x="31049707" y="21299882"/>
+            <a:off x="10249420" y="30662316"/>
             <a:ext cx="2426864" cy="969761"/>
           </a:xfrm>
           <a:prstGeom prst="roundRect">
@@ -20537,7 +21114,7 @@
         </p:nvSpPr>
         <p:spPr>
           <a:xfrm>
-            <a:off x="31795645" y="21154627"/>
+            <a:off x="10995358" y="30517061"/>
             <a:ext cx="1083636" cy="307779"/>
           </a:xfrm>
           <a:prstGeom prst="rect">
@@ -20621,7 +21198,7 @@
         </p:blipFill>
         <p:spPr>
           <a:xfrm>
-            <a:off x="32156613" y="18813005"/>
+            <a:off x="11356326" y="28175439"/>
             <a:ext cx="291943" cy="316683"/>
           </a:xfrm>
           <a:prstGeom prst="rect">
@@ -20651,7 +21228,7 @@
         </p:blipFill>
         <p:spPr>
           <a:xfrm>
-            <a:off x="31778917" y="18809812"/>
+            <a:off x="10978630" y="28172246"/>
             <a:ext cx="291943" cy="316683"/>
           </a:xfrm>
           <a:prstGeom prst="rect">
@@ -20681,7 +21258,7 @@
         </p:blipFill>
         <p:spPr>
           <a:xfrm>
-            <a:off x="32851949" y="18931919"/>
+            <a:off x="12051662" y="28294353"/>
             <a:ext cx="378535" cy="366164"/>
           </a:xfrm>
           <a:prstGeom prst="rect">
@@ -20703,7 +21280,7 @@
         </p:nvSpPr>
         <p:spPr>
           <a:xfrm>
-            <a:off x="30982686" y="18925895"/>
+            <a:off x="10182399" y="28288329"/>
             <a:ext cx="758633" cy="269307"/>
           </a:xfrm>
           <a:prstGeom prst="rect">
@@ -20757,7 +21334,7 @@
         </p:nvSpPr>
         <p:spPr>
           <a:xfrm>
-            <a:off x="32816092" y="18667313"/>
+            <a:off x="12015805" y="28029747"/>
             <a:ext cx="573078" cy="269307"/>
           </a:xfrm>
           <a:prstGeom prst="rect">
@@ -20813,7 +21390,7 @@
         </p:nvCxnSpPr>
         <p:spPr>
           <a:xfrm>
-            <a:off x="32535833" y="18993845"/>
+            <a:off x="11735546" y="28356279"/>
             <a:ext cx="278887" cy="141658"/>
           </a:xfrm>
           <a:prstGeom prst="straightConnector1">
@@ -20860,7 +21437,7 @@
         </p:nvCxnSpPr>
         <p:spPr>
           <a:xfrm>
-            <a:off x="33682970" y="18312173"/>
+            <a:off x="12882683" y="27674607"/>
             <a:ext cx="1502161" cy="6383"/>
           </a:xfrm>
           <a:prstGeom prst="straightConnector1">
@@ -20907,7 +21484,7 @@
         </p:nvCxnSpPr>
         <p:spPr>
           <a:xfrm>
-            <a:off x="33574190" y="20888479"/>
+            <a:off x="12773903" y="30250913"/>
             <a:ext cx="1179096" cy="125777"/>
           </a:xfrm>
           <a:prstGeom prst="straightConnector1">
@@ -20954,7 +21531,7 @@
         </p:nvCxnSpPr>
         <p:spPr>
           <a:xfrm>
-            <a:off x="33498823" y="19048071"/>
+            <a:off x="12698536" y="28410505"/>
             <a:ext cx="1330532" cy="1327182"/>
           </a:xfrm>
           <a:prstGeom prst="straightConnector1">
@@ -21007,7 +21584,7 @@
         </p:blipFill>
         <p:spPr>
           <a:xfrm>
-            <a:off x="34315307" y="18182308"/>
+            <a:off x="13515020" y="27544742"/>
             <a:ext cx="347390" cy="347390"/>
           </a:xfrm>
           <a:prstGeom prst="rect">
@@ -21037,7 +21614,7 @@
         </p:blipFill>
         <p:spPr>
           <a:xfrm>
-            <a:off x="34270482" y="20737306"/>
+            <a:off x="13470195" y="30099740"/>
             <a:ext cx="347390" cy="347390"/>
           </a:xfrm>
           <a:prstGeom prst="rect">
@@ -21066,7 +21643,7 @@
         </p:blipFill>
         <p:spPr>
           <a:xfrm>
-            <a:off x="31673536" y="19246962"/>
+            <a:off x="10873249" y="28609396"/>
             <a:ext cx="1005888" cy="320212"/>
           </a:xfrm>
           <a:prstGeom prst="rect">
@@ -21088,7 +21665,7 @@
         </p:nvSpPr>
         <p:spPr>
           <a:xfrm>
-            <a:off x="30982681" y="19160930"/>
+            <a:off x="10182394" y="28523364"/>
             <a:ext cx="1006040" cy="423195"/>
           </a:xfrm>
           <a:prstGeom prst="rect">
@@ -21178,7 +21755,7 @@
         </p:blipFill>
         <p:spPr>
           <a:xfrm>
-            <a:off x="32206094" y="20247972"/>
+            <a:off x="11405807" y="29610406"/>
             <a:ext cx="291943" cy="316683"/>
           </a:xfrm>
           <a:prstGeom prst="rect">
@@ -21208,7 +21785,7 @@
         </p:blipFill>
         <p:spPr>
           <a:xfrm>
-            <a:off x="31828398" y="20244779"/>
+            <a:off x="11028111" y="29607213"/>
             <a:ext cx="291943" cy="316683"/>
           </a:xfrm>
           <a:prstGeom prst="rect">
@@ -21238,7 +21815,7 @@
         </p:blipFill>
         <p:spPr>
           <a:xfrm>
-            <a:off x="32901431" y="20366886"/>
+            <a:off x="12101144" y="29729320"/>
             <a:ext cx="378535" cy="366164"/>
           </a:xfrm>
           <a:prstGeom prst="rect">
@@ -21260,7 +21837,7 @@
         </p:nvSpPr>
         <p:spPr>
           <a:xfrm>
-            <a:off x="31032168" y="20360862"/>
+            <a:off x="10231881" y="29723296"/>
             <a:ext cx="758633" cy="269307"/>
           </a:xfrm>
           <a:prstGeom prst="rect">
@@ -21314,7 +21891,7 @@
         </p:nvSpPr>
         <p:spPr>
           <a:xfrm>
-            <a:off x="32865573" y="20102280"/>
+            <a:off x="12065286" y="29464714"/>
             <a:ext cx="573078" cy="269307"/>
           </a:xfrm>
           <a:prstGeom prst="rect">
@@ -21370,7 +21947,7 @@
         </p:nvCxnSpPr>
         <p:spPr>
           <a:xfrm>
-            <a:off x="32585314" y="20428812"/>
+            <a:off x="11785027" y="29791246"/>
             <a:ext cx="278887" cy="141658"/>
           </a:xfrm>
           <a:prstGeom prst="straightConnector1">
@@ -21422,7 +21999,7 @@
         </p:blipFill>
         <p:spPr>
           <a:xfrm>
-            <a:off x="31723018" y="20681928"/>
+            <a:off x="10922731" y="30044362"/>
             <a:ext cx="1005888" cy="320212"/>
           </a:xfrm>
           <a:prstGeom prst="rect">
@@ -21444,7 +22021,7 @@
         </p:nvSpPr>
         <p:spPr>
           <a:xfrm>
-            <a:off x="31032163" y="20595897"/>
+            <a:off x="10231876" y="29958331"/>
             <a:ext cx="1006040" cy="423195"/>
           </a:xfrm>
           <a:prstGeom prst="rect">
@@ -21534,7 +22111,7 @@
         </p:blipFill>
         <p:spPr>
           <a:xfrm>
-            <a:off x="32280317" y="21522123"/>
+            <a:off x="11480030" y="30884557"/>
             <a:ext cx="291943" cy="316683"/>
           </a:xfrm>
           <a:prstGeom prst="rect">
@@ -21564,7 +22141,7 @@
         </p:blipFill>
         <p:spPr>
           <a:xfrm>
-            <a:off x="31902621" y="21518931"/>
+            <a:off x="11102334" y="30881365"/>
             <a:ext cx="291943" cy="316683"/>
           </a:xfrm>
           <a:prstGeom prst="rect">
@@ -21594,7 +22171,7 @@
         </p:blipFill>
         <p:spPr>
           <a:xfrm>
-            <a:off x="32975653" y="21641038"/>
+            <a:off x="12175366" y="31003472"/>
             <a:ext cx="378535" cy="366164"/>
           </a:xfrm>
           <a:prstGeom prst="rect">
@@ -21616,7 +22193,7 @@
         </p:nvSpPr>
         <p:spPr>
           <a:xfrm>
-            <a:off x="31106390" y="21635013"/>
+            <a:off x="10306103" y="30997447"/>
             <a:ext cx="758633" cy="269307"/>
           </a:xfrm>
           <a:prstGeom prst="rect">
@@ -21670,7 +22247,7 @@
         </p:nvSpPr>
         <p:spPr>
           <a:xfrm>
-            <a:off x="32939796" y="21376431"/>
+            <a:off x="12139509" y="30738865"/>
             <a:ext cx="573078" cy="269307"/>
           </a:xfrm>
           <a:prstGeom prst="rect">
@@ -21726,7 +22303,7 @@
         </p:nvCxnSpPr>
         <p:spPr>
           <a:xfrm>
-            <a:off x="32659537" y="21702964"/>
+            <a:off x="11859250" y="31065398"/>
             <a:ext cx="278887" cy="141658"/>
           </a:xfrm>
           <a:prstGeom prst="straightConnector1">
@@ -21778,7 +22355,7 @@
         </p:blipFill>
         <p:spPr>
           <a:xfrm>
-            <a:off x="31797240" y="21956080"/>
+            <a:off x="10996953" y="31318514"/>
             <a:ext cx="1005888" cy="320212"/>
           </a:xfrm>
           <a:prstGeom prst="rect">
@@ -21800,7 +22377,7 @@
         </p:nvSpPr>
         <p:spPr>
           <a:xfrm>
-            <a:off x="31106385" y="21870049"/>
+            <a:off x="10306098" y="31232483"/>
             <a:ext cx="1006040" cy="423195"/>
           </a:xfrm>
           <a:prstGeom prst="rect">
@@ -21884,7 +22461,7 @@
         </p:nvCxnSpPr>
         <p:spPr>
           <a:xfrm>
-            <a:off x="29156193" y="19580658"/>
+            <a:off x="8355906" y="28943092"/>
             <a:ext cx="1761914" cy="3063"/>
           </a:xfrm>
           <a:prstGeom prst="straightConnector1">
@@ -21929,7 +22506,7 @@
         </p:nvSpPr>
         <p:spPr>
           <a:xfrm>
-            <a:off x="29962127" y="19579052"/>
+            <a:off x="9161840" y="28941486"/>
             <a:ext cx="758633" cy="269307"/>
           </a:xfrm>
           <a:prstGeom prst="rect">
@@ -21985,7 +22562,7 @@
         </p:nvCxnSpPr>
         <p:spPr>
           <a:xfrm>
-            <a:off x="28625509" y="18519278"/>
+            <a:off x="7825222" y="27881712"/>
             <a:ext cx="2347033" cy="465715"/>
           </a:xfrm>
           <a:prstGeom prst="straightConnector1">
@@ -22030,7 +22607,7 @@
         </p:nvSpPr>
         <p:spPr>
           <a:xfrm>
-            <a:off x="29798837" y="18885071"/>
+            <a:off x="8998550" y="28247505"/>
             <a:ext cx="949137" cy="269307"/>
           </a:xfrm>
           <a:prstGeom prst="rect">
@@ -22092,7 +22669,7 @@
         </p:blipFill>
         <p:spPr>
           <a:xfrm>
-            <a:off x="30046602" y="19170108"/>
+            <a:off x="9246315" y="28532542"/>
             <a:ext cx="347390" cy="347390"/>
           </a:xfrm>
           <a:prstGeom prst="rect">
@@ -28355,7 +28932,7 @@
         </p:nvSpPr>
         <p:spPr>
           <a:xfrm>
-            <a:off x="34836473" y="16337787"/>
+            <a:off x="11650514" y="27308144"/>
             <a:ext cx="2944155" cy="494815"/>
           </a:xfrm>
           <a:prstGeom prst="rect">
@@ -28438,7 +29015,7 @@
         </p:nvSpPr>
         <p:spPr>
           <a:xfrm>
-            <a:off x="35131264" y="17619069"/>
+            <a:off x="11945305" y="28589426"/>
             <a:ext cx="2927225" cy="3779403"/>
           </a:xfrm>
           <a:prstGeom prst="roundRect">
@@ -28494,7 +29071,7 @@
         </p:nvSpPr>
         <p:spPr>
           <a:xfrm>
-            <a:off x="35565816" y="18268799"/>
+            <a:off x="12379857" y="29239156"/>
             <a:ext cx="2426865" cy="709983"/>
           </a:xfrm>
           <a:prstGeom prst="roundRect">
@@ -28552,7 +29129,7 @@
         </p:nvSpPr>
         <p:spPr>
           <a:xfrm>
-            <a:off x="36428471" y="18135914"/>
+            <a:off x="13242512" y="29106271"/>
             <a:ext cx="501746" cy="307779"/>
           </a:xfrm>
           <a:prstGeom prst="rect">
@@ -28628,7 +29205,7 @@
         </p:nvSpPr>
         <p:spPr>
           <a:xfrm>
-            <a:off x="35754123" y="17664978"/>
+            <a:off x="12568164" y="28635335"/>
             <a:ext cx="2128007" cy="307779"/>
           </a:xfrm>
           <a:prstGeom prst="rect">
@@ -28690,7 +29267,7 @@
         </p:blipFill>
         <p:spPr>
           <a:xfrm>
-            <a:off x="35976062" y="18438957"/>
+            <a:off x="12790103" y="29409314"/>
             <a:ext cx="348846" cy="299124"/>
           </a:xfrm>
           <a:prstGeom prst="rect">
@@ -28720,7 +29297,7 @@
         </p:blipFill>
         <p:spPr>
           <a:xfrm>
-            <a:off x="36409024" y="18624514"/>
+            <a:off x="13223065" y="29594871"/>
             <a:ext cx="348846" cy="299124"/>
           </a:xfrm>
           <a:prstGeom prst="rect">
@@ -28750,7 +29327,7 @@
         </p:blipFill>
         <p:spPr>
           <a:xfrm>
-            <a:off x="36889001" y="18448740"/>
+            <a:off x="13703042" y="29419097"/>
             <a:ext cx="291943" cy="316683"/>
           </a:xfrm>
           <a:prstGeom prst="rect">
@@ -28780,7 +29357,7 @@
         </p:blipFill>
         <p:spPr>
           <a:xfrm>
-            <a:off x="37284852" y="18547701"/>
+            <a:off x="14098893" y="29518058"/>
             <a:ext cx="291943" cy="316683"/>
           </a:xfrm>
           <a:prstGeom prst="rect">
@@ -28802,7 +29379,7 @@
         </p:nvSpPr>
         <p:spPr>
           <a:xfrm>
-            <a:off x="35565816" y="19258431"/>
+            <a:off x="12379857" y="30228788"/>
             <a:ext cx="2426865" cy="709983"/>
           </a:xfrm>
           <a:prstGeom prst="roundRect">
@@ -28860,7 +29437,7 @@
         </p:nvSpPr>
         <p:spPr>
           <a:xfrm>
-            <a:off x="36428475" y="19125546"/>
+            <a:off x="13242516" y="30095903"/>
             <a:ext cx="562661" cy="307779"/>
           </a:xfrm>
           <a:prstGeom prst="rect">
@@ -28944,7 +29521,7 @@
         </p:blipFill>
         <p:spPr>
           <a:xfrm>
-            <a:off x="35976062" y="19428589"/>
+            <a:off x="12790103" y="30398946"/>
             <a:ext cx="348846" cy="299124"/>
           </a:xfrm>
           <a:prstGeom prst="rect">
@@ -28974,7 +29551,7 @@
         </p:blipFill>
         <p:spPr>
           <a:xfrm>
-            <a:off x="36409024" y="19614145"/>
+            <a:off x="13223065" y="30584502"/>
             <a:ext cx="348846" cy="299124"/>
           </a:xfrm>
           <a:prstGeom prst="rect">
@@ -29004,7 +29581,7 @@
         </p:blipFill>
         <p:spPr>
           <a:xfrm>
-            <a:off x="36888998" y="19438372"/>
+            <a:off x="13703039" y="30408729"/>
             <a:ext cx="291943" cy="316683"/>
           </a:xfrm>
           <a:prstGeom prst="rect">
@@ -29034,7 +29611,7 @@
         </p:blipFill>
         <p:spPr>
           <a:xfrm>
-            <a:off x="37284852" y="19537333"/>
+            <a:off x="14098893" y="30507690"/>
             <a:ext cx="291943" cy="316683"/>
           </a:xfrm>
           <a:prstGeom prst="rect">
@@ -29056,7 +29633,7 @@
         </p:nvSpPr>
         <p:spPr>
           <a:xfrm>
-            <a:off x="35590556" y="20248063"/>
+            <a:off x="12404597" y="31218420"/>
             <a:ext cx="2426865" cy="709983"/>
           </a:xfrm>
           <a:prstGeom prst="roundRect">
@@ -29114,7 +29691,7 @@
         </p:nvSpPr>
         <p:spPr>
           <a:xfrm>
-            <a:off x="36453213" y="20115178"/>
+            <a:off x="13267254" y="31085535"/>
             <a:ext cx="663265" cy="307779"/>
           </a:xfrm>
           <a:prstGeom prst="rect">
@@ -29198,7 +29775,7 @@
         </p:blipFill>
         <p:spPr>
           <a:xfrm>
-            <a:off x="36000801" y="20418221"/>
+            <a:off x="12814842" y="31388578"/>
             <a:ext cx="348846" cy="299124"/>
           </a:xfrm>
           <a:prstGeom prst="rect">
@@ -29228,7 +29805,7 @@
         </p:blipFill>
         <p:spPr>
           <a:xfrm>
-            <a:off x="36433763" y="20603777"/>
+            <a:off x="13247804" y="31574134"/>
             <a:ext cx="348846" cy="299124"/>
           </a:xfrm>
           <a:prstGeom prst="rect">
@@ -29258,7 +29835,7 @@
         </p:blipFill>
         <p:spPr>
           <a:xfrm>
-            <a:off x="36901370" y="20428004"/>
+            <a:off x="13715411" y="31398361"/>
             <a:ext cx="291943" cy="316683"/>
           </a:xfrm>
           <a:prstGeom prst="rect">
@@ -29288,7 +29865,7 @@
         </p:blipFill>
         <p:spPr>
           <a:xfrm>
-            <a:off x="37309591" y="20526965"/>
+            <a:off x="14123632" y="31497322"/>
             <a:ext cx="291943" cy="316683"/>
           </a:xfrm>
           <a:prstGeom prst="rect">
@@ -29310,7 +29887,7 @@
         </p:nvSpPr>
         <p:spPr>
           <a:xfrm>
-            <a:off x="35131264" y="21552059"/>
+            <a:off x="11945305" y="32522416"/>
             <a:ext cx="2927225" cy="829662"/>
           </a:xfrm>
           <a:prstGeom prst="roundRect">
@@ -29366,7 +29943,7 @@
         </p:nvSpPr>
         <p:spPr>
           <a:xfrm>
-            <a:off x="35754122" y="21536513"/>
+            <a:off x="12568163" y="32506870"/>
             <a:ext cx="2128007" cy="307779"/>
           </a:xfrm>
           <a:prstGeom prst="rect">
@@ -29428,7 +30005,7 @@
         </p:blipFill>
         <p:spPr>
           <a:xfrm>
-            <a:off x="36509348" y="21821707"/>
+            <a:off x="13323389" y="32792064"/>
             <a:ext cx="387594" cy="440267"/>
           </a:xfrm>
           <a:prstGeom prst="rect">
@@ -29450,7 +30027,7 @@
         </p:nvSpPr>
         <p:spPr>
           <a:xfrm>
-            <a:off x="35105302" y="22549701"/>
+            <a:off x="11919343" y="33520058"/>
             <a:ext cx="2993937" cy="981040"/>
           </a:xfrm>
           <a:prstGeom prst="rect">
@@ -29551,7 +30128,7 @@
         </p:blipFill>
         <p:spPr>
           <a:xfrm>
-            <a:off x="37758251" y="18134013"/>
+            <a:off x="14572292" y="29104370"/>
             <a:ext cx="347390" cy="347390"/>
           </a:xfrm>
           <a:prstGeom prst="rect">
@@ -29699,7 +30276,7 @@
         </p:nvSpPr>
         <p:spPr>
           <a:xfrm>
-            <a:off x="30725251" y="17707080"/>
+            <a:off x="7539292" y="28677437"/>
             <a:ext cx="2911862" cy="4778014"/>
           </a:xfrm>
           <a:prstGeom prst="roundRect">
@@ -29755,7 +30332,7 @@
         </p:nvSpPr>
         <p:spPr>
           <a:xfrm>
-            <a:off x="30987861" y="18442321"/>
+            <a:off x="7801902" y="29412678"/>
             <a:ext cx="2414494" cy="1217168"/>
           </a:xfrm>
           <a:prstGeom prst="roundRect">
@@ -29813,7 +30390,7 @@
         </p:nvSpPr>
         <p:spPr>
           <a:xfrm>
-            <a:off x="31528882" y="18284695"/>
+            <a:off x="8342923" y="29255052"/>
             <a:ext cx="1383846" cy="307779"/>
           </a:xfrm>
           <a:prstGeom prst="rect">
@@ -29889,7 +30466,7 @@
         </p:nvSpPr>
         <p:spPr>
           <a:xfrm>
-            <a:off x="31271417" y="17865714"/>
+            <a:off x="8085458" y="28836071"/>
             <a:ext cx="2128007" cy="307779"/>
           </a:xfrm>
           <a:prstGeom prst="rect">
@@ -29943,7 +30520,7 @@
         </p:nvSpPr>
         <p:spPr>
           <a:xfrm>
-            <a:off x="30987863" y="20062840"/>
+            <a:off x="7801904" y="31033197"/>
             <a:ext cx="2451605" cy="1006872"/>
           </a:xfrm>
           <a:prstGeom prst="roundRect">
@@ -30001,7 +30578,7 @@
         </p:nvSpPr>
         <p:spPr>
           <a:xfrm>
-            <a:off x="31640219" y="19880476"/>
+            <a:off x="8454260" y="30850833"/>
             <a:ext cx="1128585" cy="307779"/>
           </a:xfrm>
           <a:prstGeom prst="rect">
@@ -30077,7 +30654,7 @@
         </p:nvSpPr>
         <p:spPr>
           <a:xfrm>
-            <a:off x="31049707" y="21299882"/>
+            <a:off x="7863748" y="32270239"/>
             <a:ext cx="2426864" cy="969761"/>
           </a:xfrm>
           <a:prstGeom prst="roundRect">
@@ -30135,7 +30712,7 @@
         </p:nvSpPr>
         <p:spPr>
           <a:xfrm>
-            <a:off x="31795645" y="21154627"/>
+            <a:off x="8609686" y="32124984"/>
             <a:ext cx="1083636" cy="307779"/>
           </a:xfrm>
           <a:prstGeom prst="rect">
@@ -30219,7 +30796,7 @@
         </p:blipFill>
         <p:spPr>
           <a:xfrm>
-            <a:off x="32156613" y="18813005"/>
+            <a:off x="8970654" y="29783362"/>
             <a:ext cx="291943" cy="316683"/>
           </a:xfrm>
           <a:prstGeom prst="rect">
@@ -30249,7 +30826,7 @@
         </p:blipFill>
         <p:spPr>
           <a:xfrm>
-            <a:off x="31778917" y="18809812"/>
+            <a:off x="8592958" y="29780169"/>
             <a:ext cx="291943" cy="316683"/>
           </a:xfrm>
           <a:prstGeom prst="rect">
@@ -30279,7 +30856,7 @@
         </p:blipFill>
         <p:spPr>
           <a:xfrm>
-            <a:off x="32851949" y="18931919"/>
+            <a:off x="9665990" y="29902276"/>
             <a:ext cx="378535" cy="366164"/>
           </a:xfrm>
           <a:prstGeom prst="rect">
@@ -30301,7 +30878,7 @@
         </p:nvSpPr>
         <p:spPr>
           <a:xfrm>
-            <a:off x="30982686" y="18925895"/>
+            <a:off x="7796727" y="29896252"/>
             <a:ext cx="758633" cy="269307"/>
           </a:xfrm>
           <a:prstGeom prst="rect">
@@ -30355,7 +30932,7 @@
         </p:nvSpPr>
         <p:spPr>
           <a:xfrm>
-            <a:off x="32816092" y="18667313"/>
+            <a:off x="9630133" y="29637670"/>
             <a:ext cx="573078" cy="269307"/>
           </a:xfrm>
           <a:prstGeom prst="rect">
@@ -30411,7 +30988,7 @@
         </p:nvCxnSpPr>
         <p:spPr>
           <a:xfrm>
-            <a:off x="32535833" y="18993845"/>
+            <a:off x="9349874" y="29964202"/>
             <a:ext cx="278887" cy="141658"/>
           </a:xfrm>
           <a:prstGeom prst="straightConnector1">
@@ -30458,7 +31035,7 @@
         </p:nvCxnSpPr>
         <p:spPr>
           <a:xfrm>
-            <a:off x="33682970" y="18312173"/>
+            <a:off x="10497011" y="29282530"/>
             <a:ext cx="1502161" cy="6383"/>
           </a:xfrm>
           <a:prstGeom prst="straightConnector1">
@@ -30505,7 +31082,7 @@
         </p:nvCxnSpPr>
         <p:spPr>
           <a:xfrm>
-            <a:off x="33574190" y="20888479"/>
+            <a:off x="10388231" y="31858836"/>
             <a:ext cx="1179096" cy="125777"/>
           </a:xfrm>
           <a:prstGeom prst="straightConnector1">
@@ -30552,7 +31129,7 @@
         </p:nvCxnSpPr>
         <p:spPr>
           <a:xfrm>
-            <a:off x="33498823" y="19048071"/>
+            <a:off x="10312864" y="30018428"/>
             <a:ext cx="1330532" cy="1327182"/>
           </a:xfrm>
           <a:prstGeom prst="straightConnector1">
@@ -30605,7 +31182,7 @@
         </p:blipFill>
         <p:spPr>
           <a:xfrm>
-            <a:off x="34315307" y="18182308"/>
+            <a:off x="11129348" y="29152665"/>
             <a:ext cx="347390" cy="347390"/>
           </a:xfrm>
           <a:prstGeom prst="rect">
@@ -30635,7 +31212,7 @@
         </p:blipFill>
         <p:spPr>
           <a:xfrm>
-            <a:off x="34270482" y="20737306"/>
+            <a:off x="11084523" y="31707663"/>
             <a:ext cx="347390" cy="347390"/>
           </a:xfrm>
           <a:prstGeom prst="rect">
@@ -30664,7 +31241,7 @@
         </p:blipFill>
         <p:spPr>
           <a:xfrm>
-            <a:off x="31673536" y="19246962"/>
+            <a:off x="8487577" y="30217319"/>
             <a:ext cx="1005888" cy="320212"/>
           </a:xfrm>
           <a:prstGeom prst="rect">
@@ -30686,7 +31263,7 @@
         </p:nvSpPr>
         <p:spPr>
           <a:xfrm>
-            <a:off x="30982681" y="19160930"/>
+            <a:off x="7796722" y="30131287"/>
             <a:ext cx="1006040" cy="423195"/>
           </a:xfrm>
           <a:prstGeom prst="rect">
@@ -30776,7 +31353,7 @@
         </p:blipFill>
         <p:spPr>
           <a:xfrm>
-            <a:off x="32206094" y="20247972"/>
+            <a:off x="9020135" y="31218329"/>
             <a:ext cx="291943" cy="316683"/>
           </a:xfrm>
           <a:prstGeom prst="rect">
@@ -30806,7 +31383,7 @@
         </p:blipFill>
         <p:spPr>
           <a:xfrm>
-            <a:off x="31828398" y="20244779"/>
+            <a:off x="8642439" y="31215136"/>
             <a:ext cx="291943" cy="316683"/>
           </a:xfrm>
           <a:prstGeom prst="rect">
@@ -30836,7 +31413,7 @@
         </p:blipFill>
         <p:spPr>
           <a:xfrm>
-            <a:off x="32901431" y="20366886"/>
+            <a:off x="9715472" y="31337243"/>
             <a:ext cx="378535" cy="366164"/>
           </a:xfrm>
           <a:prstGeom prst="rect">
@@ -30858,7 +31435,7 @@
         </p:nvSpPr>
         <p:spPr>
           <a:xfrm>
-            <a:off x="31032168" y="20360862"/>
+            <a:off x="7846209" y="31331219"/>
             <a:ext cx="758633" cy="269307"/>
           </a:xfrm>
           <a:prstGeom prst="rect">
@@ -30912,7 +31489,7 @@
         </p:nvSpPr>
         <p:spPr>
           <a:xfrm>
-            <a:off x="32865573" y="20102280"/>
+            <a:off x="9679614" y="31072637"/>
             <a:ext cx="573078" cy="269307"/>
           </a:xfrm>
           <a:prstGeom prst="rect">
@@ -30968,7 +31545,7 @@
         </p:nvCxnSpPr>
         <p:spPr>
           <a:xfrm>
-            <a:off x="32585314" y="20428812"/>
+            <a:off x="9399355" y="31399169"/>
             <a:ext cx="278887" cy="141658"/>
           </a:xfrm>
           <a:prstGeom prst="straightConnector1">
@@ -31020,7 +31597,7 @@
         </p:blipFill>
         <p:spPr>
           <a:xfrm>
-            <a:off x="31723018" y="20681928"/>
+            <a:off x="8537059" y="31652285"/>
             <a:ext cx="1005888" cy="320212"/>
           </a:xfrm>
           <a:prstGeom prst="rect">
@@ -31042,7 +31619,7 @@
         </p:nvSpPr>
         <p:spPr>
           <a:xfrm>
-            <a:off x="31032163" y="20595897"/>
+            <a:off x="7846204" y="31566254"/>
             <a:ext cx="1006040" cy="423195"/>
           </a:xfrm>
           <a:prstGeom prst="rect">
@@ -31132,7 +31709,7 @@
         </p:blipFill>
         <p:spPr>
           <a:xfrm>
-            <a:off x="32280317" y="21522123"/>
+            <a:off x="9094358" y="32492480"/>
             <a:ext cx="291943" cy="316683"/>
           </a:xfrm>
           <a:prstGeom prst="rect">
@@ -31162,7 +31739,7 @@
         </p:blipFill>
         <p:spPr>
           <a:xfrm>
-            <a:off x="31902621" y="21518931"/>
+            <a:off x="8716662" y="32489288"/>
             <a:ext cx="291943" cy="316683"/>
           </a:xfrm>
           <a:prstGeom prst="rect">
@@ -31192,7 +31769,7 @@
         </p:blipFill>
         <p:spPr>
           <a:xfrm>
-            <a:off x="32975653" y="21641038"/>
+            <a:off x="9789694" y="32611395"/>
             <a:ext cx="378535" cy="366164"/>
           </a:xfrm>
           <a:prstGeom prst="rect">
@@ -31214,7 +31791,7 @@
         </p:nvSpPr>
         <p:spPr>
           <a:xfrm>
-            <a:off x="31106390" y="21635013"/>
+            <a:off x="7920431" y="32605370"/>
             <a:ext cx="758633" cy="269307"/>
           </a:xfrm>
           <a:prstGeom prst="rect">
@@ -31268,7 +31845,7 @@
         </p:nvSpPr>
         <p:spPr>
           <a:xfrm>
-            <a:off x="32939796" y="21376431"/>
+            <a:off x="9753837" y="32346788"/>
             <a:ext cx="573078" cy="269307"/>
           </a:xfrm>
           <a:prstGeom prst="rect">
@@ -31324,7 +31901,7 @@
         </p:nvCxnSpPr>
         <p:spPr>
           <a:xfrm>
-            <a:off x="32659537" y="21702964"/>
+            <a:off x="9473578" y="32673321"/>
             <a:ext cx="278887" cy="141658"/>
           </a:xfrm>
           <a:prstGeom prst="straightConnector1">
@@ -31376,7 +31953,7 @@
         </p:blipFill>
         <p:spPr>
           <a:xfrm>
-            <a:off x="31797240" y="21956080"/>
+            <a:off x="8611281" y="32926437"/>
             <a:ext cx="1005888" cy="320212"/>
           </a:xfrm>
           <a:prstGeom prst="rect">
@@ -31398,7 +31975,7 @@
         </p:nvSpPr>
         <p:spPr>
           <a:xfrm>
-            <a:off x="31106385" y="21870049"/>
+            <a:off x="7920426" y="32840406"/>
             <a:ext cx="1006040" cy="423195"/>
           </a:xfrm>
           <a:prstGeom prst="rect">
@@ -31482,7 +32059,7 @@
         </p:nvCxnSpPr>
         <p:spPr>
           <a:xfrm>
-            <a:off x="29156193" y="19580658"/>
+            <a:off x="5970234" y="30551015"/>
             <a:ext cx="1761914" cy="3063"/>
           </a:xfrm>
           <a:prstGeom prst="straightConnector1">
@@ -31527,7 +32104,7 @@
         </p:nvSpPr>
         <p:spPr>
           <a:xfrm>
-            <a:off x="29962127" y="19579052"/>
+            <a:off x="6776168" y="30549409"/>
             <a:ext cx="758633" cy="269307"/>
           </a:xfrm>
           <a:prstGeom prst="rect">
@@ -31583,7 +32160,7 @@
         </p:nvCxnSpPr>
         <p:spPr>
           <a:xfrm>
-            <a:off x="28625509" y="18519278"/>
+            <a:off x="5439550" y="29489635"/>
             <a:ext cx="2347033" cy="465715"/>
           </a:xfrm>
           <a:prstGeom prst="straightConnector1">
@@ -31628,7 +32205,7 @@
         </p:nvSpPr>
         <p:spPr>
           <a:xfrm>
-            <a:off x="29798837" y="18885071"/>
+            <a:off x="6612878" y="29855428"/>
             <a:ext cx="949137" cy="269307"/>
           </a:xfrm>
           <a:prstGeom prst="rect">
@@ -31690,7 +32267,7 @@
         </p:blipFill>
         <p:spPr>
           <a:xfrm>
-            <a:off x="30046602" y="19170108"/>
+            <a:off x="6860643" y="30140465"/>
             <a:ext cx="347390" cy="347390"/>
           </a:xfrm>
           <a:prstGeom prst="rect">

--- a/anexo/diagramas.pptx
+++ b/anexo/diagramas.pptx
@@ -1060,7 +1060,7 @@
           <a:p>
             <a:fld id="{E3F29CD9-4246-4F4F-BB3B-942F42C480CC}" type="datetimeFigureOut">
               <a:rPr lang="pt-BR" smtClean="0"/>
-              <a:t>18/03/2024</a:t>
+              <a:t>26/03/2024</a:t>
             </a:fld>
             <a:endParaRPr lang="pt-BR"/>
           </a:p>
@@ -2143,7 +2143,7 @@
           <a:p>
             <a:fld id="{C8B65674-A10E-4998-BFDD-52648E7BF404}" type="datetimeFigureOut">
               <a:rPr lang="pt-BR" smtClean="0"/>
-              <a:t>18/03/2024</a:t>
+              <a:t>26/03/2024</a:t>
             </a:fld>
             <a:endParaRPr lang="pt-BR"/>
           </a:p>
@@ -2313,7 +2313,7 @@
           <a:p>
             <a:fld id="{C8B65674-A10E-4998-BFDD-52648E7BF404}" type="datetimeFigureOut">
               <a:rPr lang="pt-BR" smtClean="0"/>
-              <a:t>18/03/2024</a:t>
+              <a:t>26/03/2024</a:t>
             </a:fld>
             <a:endParaRPr lang="pt-BR"/>
           </a:p>
@@ -2493,7 +2493,7 @@
           <a:p>
             <a:fld id="{C8B65674-A10E-4998-BFDD-52648E7BF404}" type="datetimeFigureOut">
               <a:rPr lang="pt-BR" smtClean="0"/>
-              <a:t>18/03/2024</a:t>
+              <a:t>26/03/2024</a:t>
             </a:fld>
             <a:endParaRPr lang="pt-BR"/>
           </a:p>
@@ -2663,7 +2663,7 @@
           <a:p>
             <a:fld id="{C8B65674-A10E-4998-BFDD-52648E7BF404}" type="datetimeFigureOut">
               <a:rPr lang="pt-BR" smtClean="0"/>
-              <a:t>18/03/2024</a:t>
+              <a:t>26/03/2024</a:t>
             </a:fld>
             <a:endParaRPr lang="pt-BR"/>
           </a:p>
@@ -2907,7 +2907,7 @@
           <a:p>
             <a:fld id="{C8B65674-A10E-4998-BFDD-52648E7BF404}" type="datetimeFigureOut">
               <a:rPr lang="pt-BR" smtClean="0"/>
-              <a:t>18/03/2024</a:t>
+              <a:t>26/03/2024</a:t>
             </a:fld>
             <a:endParaRPr lang="pt-BR"/>
           </a:p>
@@ -3139,7 +3139,7 @@
           <a:p>
             <a:fld id="{C8B65674-A10E-4998-BFDD-52648E7BF404}" type="datetimeFigureOut">
               <a:rPr lang="pt-BR" smtClean="0"/>
-              <a:t>18/03/2024</a:t>
+              <a:t>26/03/2024</a:t>
             </a:fld>
             <a:endParaRPr lang="pt-BR"/>
           </a:p>
@@ -3506,7 +3506,7 @@
           <a:p>
             <a:fld id="{C8B65674-A10E-4998-BFDD-52648E7BF404}" type="datetimeFigureOut">
               <a:rPr lang="pt-BR" smtClean="0"/>
-              <a:t>18/03/2024</a:t>
+              <a:t>26/03/2024</a:t>
             </a:fld>
             <a:endParaRPr lang="pt-BR"/>
           </a:p>
@@ -3624,7 +3624,7 @@
           <a:p>
             <a:fld id="{C8B65674-A10E-4998-BFDD-52648E7BF404}" type="datetimeFigureOut">
               <a:rPr lang="pt-BR" smtClean="0"/>
-              <a:t>18/03/2024</a:t>
+              <a:t>26/03/2024</a:t>
             </a:fld>
             <a:endParaRPr lang="pt-BR"/>
           </a:p>
@@ -3719,7 +3719,7 @@
           <a:p>
             <a:fld id="{C8B65674-A10E-4998-BFDD-52648E7BF404}" type="datetimeFigureOut">
               <a:rPr lang="pt-BR" smtClean="0"/>
-              <a:t>18/03/2024</a:t>
+              <a:t>26/03/2024</a:t>
             </a:fld>
             <a:endParaRPr lang="pt-BR"/>
           </a:p>
@@ -3996,7 +3996,7 @@
           <a:p>
             <a:fld id="{C8B65674-A10E-4998-BFDD-52648E7BF404}" type="datetimeFigureOut">
               <a:rPr lang="pt-BR" smtClean="0"/>
-              <a:t>18/03/2024</a:t>
+              <a:t>26/03/2024</a:t>
             </a:fld>
             <a:endParaRPr lang="pt-BR"/>
           </a:p>
@@ -4253,7 +4253,7 @@
           <a:p>
             <a:fld id="{C8B65674-A10E-4998-BFDD-52648E7BF404}" type="datetimeFigureOut">
               <a:rPr lang="pt-BR" smtClean="0"/>
-              <a:t>18/03/2024</a:t>
+              <a:t>26/03/2024</a:t>
             </a:fld>
             <a:endParaRPr lang="pt-BR"/>
           </a:p>
@@ -4466,7 +4466,7 @@
           <a:p>
             <a:fld id="{C8B65674-A10E-4998-BFDD-52648E7BF404}" type="datetimeFigureOut">
               <a:rPr lang="pt-BR" smtClean="0"/>
-              <a:t>18/03/2024</a:t>
+              <a:t>26/03/2024</a:t>
             </a:fld>
             <a:endParaRPr lang="pt-BR"/>
           </a:p>
@@ -7968,7 +7968,7 @@
         </p:nvSpPr>
         <p:spPr>
           <a:xfrm>
-            <a:off x="19064789" y="15447336"/>
+            <a:off x="19035761" y="15447336"/>
             <a:ext cx="1215256" cy="756000"/>
           </a:xfrm>
           <a:prstGeom prst="roundRect">
@@ -8035,7 +8035,7 @@
         </p:nvCxnSpPr>
         <p:spPr>
           <a:xfrm flipH="1">
-            <a:off x="18478817" y="15825336"/>
+            <a:off x="18449789" y="15825336"/>
             <a:ext cx="585973" cy="0"/>
           </a:xfrm>
           <a:prstGeom prst="straightConnector1">
@@ -9907,8 +9907,8 @@
         </p:nvSpPr>
         <p:spPr>
           <a:xfrm>
-            <a:off x="13151925" y="14501071"/>
-            <a:ext cx="1575539" cy="925969"/>
+            <a:off x="16593536" y="14516453"/>
+            <a:ext cx="1705940" cy="969809"/>
           </a:xfrm>
           <a:prstGeom prst="roundRect">
             <a:avLst/>
@@ -17883,6 +17883,64 @@
       </p:grpSpPr>
       <p:sp>
         <p:nvSpPr>
+          <p:cNvPr id="1117" name="Retângulo: Cantos Arredondados 1116">
+            <a:extLst>
+              <a:ext uri="{FF2B5EF4-FFF2-40B4-BE49-F238E27FC236}">
+                <a16:creationId xmlns:a16="http://schemas.microsoft.com/office/drawing/2014/main" id="{1C3F4563-797D-2E80-B717-EA9DFE285009}"/>
+              </a:ext>
+            </a:extLst>
+          </p:cNvPr>
+          <p:cNvSpPr/>
+          <p:nvPr/>
+        </p:nvSpPr>
+        <p:spPr>
+          <a:xfrm>
+            <a:off x="30590920" y="19217603"/>
+            <a:ext cx="1967559" cy="599411"/>
+          </a:xfrm>
+          <a:prstGeom prst="roundRect">
+            <a:avLst>
+              <a:gd name="adj" fmla="val 4410"/>
+            </a:avLst>
+          </a:prstGeom>
+          <a:noFill/>
+          <a:ln w="28575">
+            <a:solidFill>
+              <a:schemeClr val="accent1">
+                <a:lumMod val="40000"/>
+                <a:lumOff val="60000"/>
+              </a:schemeClr>
+            </a:solidFill>
+            <a:prstDash val="sysDash"/>
+          </a:ln>
+        </p:spPr>
+        <p:style>
+          <a:lnRef idx="0">
+            <a:scrgbClr r="0" g="0" b="0"/>
+          </a:lnRef>
+          <a:fillRef idx="0">
+            <a:scrgbClr r="0" g="0" b="0"/>
+          </a:fillRef>
+          <a:effectRef idx="0">
+            <a:scrgbClr r="0" g="0" b="0"/>
+          </a:effectRef>
+          <a:fontRef idx="minor">
+            <a:schemeClr val="lt1"/>
+          </a:fontRef>
+        </p:style>
+        <p:txBody>
+          <a:bodyPr rtlCol="0" anchor="ctr"/>
+          <a:lstStyle/>
+          <a:p>
+            <a:pPr algn="ctr"/>
+            <a:endParaRPr lang="pt-BR" sz="2250">
+              <a:latin typeface="Barlow" panose="00000500000000000000" pitchFamily="2" charset="0"/>
+            </a:endParaRPr>
+          </a:p>
+        </p:txBody>
+      </p:sp>
+      <p:sp>
+        <p:nvSpPr>
           <p:cNvPr id="172" name="Retângulo: Cantos Arredondados 171">
             <a:extLst>
               <a:ext uri="{FF2B5EF4-FFF2-40B4-BE49-F238E27FC236}">
@@ -17895,7 +17953,7 @@
         </p:nvSpPr>
         <p:spPr>
           <a:xfrm>
-            <a:off x="10559358" y="17551006"/>
+            <a:off x="4382179" y="15474906"/>
             <a:ext cx="8720796" cy="807764"/>
           </a:xfrm>
           <a:prstGeom prst="roundRect">
@@ -17955,7 +18013,7 @@
         </p:nvSpPr>
         <p:spPr>
           <a:xfrm>
-            <a:off x="7435080" y="15321950"/>
+            <a:off x="1257901" y="13245850"/>
             <a:ext cx="4508465" cy="1010972"/>
           </a:xfrm>
           <a:prstGeom prst="rect">
@@ -18011,7 +18069,7 @@
         </p:nvSpPr>
         <p:spPr>
           <a:xfrm>
-            <a:off x="6787183" y="15512968"/>
+            <a:off x="610004" y="13436868"/>
             <a:ext cx="602654" cy="569336"/>
           </a:xfrm>
           <a:prstGeom prst="ellipse">
@@ -18071,7 +18129,7 @@
         </p:nvSpPr>
         <p:spPr>
           <a:xfrm>
-            <a:off x="7040001" y="17841858"/>
+            <a:off x="1831291" y="15791192"/>
             <a:ext cx="1067892" cy="284693"/>
           </a:xfrm>
           <a:prstGeom prst="rect">
@@ -18115,7 +18173,7 @@
         </p:nvSpPr>
         <p:spPr>
           <a:xfrm>
-            <a:off x="7327108" y="20561463"/>
+            <a:off x="1149929" y="18485363"/>
             <a:ext cx="1245744" cy="1658120"/>
           </a:xfrm>
           <a:prstGeom prst="roundRect">
@@ -18177,7 +18235,7 @@
         </p:blipFill>
         <p:spPr>
           <a:xfrm>
-            <a:off x="7712337" y="20863573"/>
+            <a:off x="1535158" y="18787473"/>
             <a:ext cx="504906" cy="561652"/>
           </a:xfrm>
           <a:prstGeom prst="rect">
@@ -18199,7 +18257,7 @@
         </p:nvSpPr>
         <p:spPr>
           <a:xfrm>
-            <a:off x="7261498" y="20458394"/>
+            <a:off x="1069616" y="18217010"/>
             <a:ext cx="1420460" cy="307779"/>
           </a:xfrm>
           <a:prstGeom prst="rect">
@@ -18253,7 +18311,7 @@
         </p:nvSpPr>
         <p:spPr>
           <a:xfrm>
-            <a:off x="6847637" y="17680203"/>
+            <a:off x="670458" y="15604103"/>
             <a:ext cx="2248183" cy="4637311"/>
           </a:xfrm>
           <a:prstGeom prst="roundRect">
@@ -18309,7 +18367,7 @@
         </p:nvSpPr>
         <p:spPr>
           <a:xfrm rot="5400000">
-            <a:off x="8192387" y="19830889"/>
+            <a:off x="2015208" y="17754789"/>
             <a:ext cx="1816209" cy="307779"/>
           </a:xfrm>
           <a:prstGeom prst="rect">
@@ -18382,7 +18440,7 @@
         </p:nvSpPr>
         <p:spPr>
           <a:xfrm>
-            <a:off x="7391477" y="19141619"/>
+            <a:off x="1214298" y="17065519"/>
             <a:ext cx="1002301" cy="961804"/>
           </a:xfrm>
           <a:prstGeom prst="rect">
@@ -18508,7 +18566,7 @@
         </p:nvSpPr>
         <p:spPr>
           <a:xfrm>
-            <a:off x="7399314" y="21536365"/>
+            <a:off x="1214298" y="19385892"/>
             <a:ext cx="1002301" cy="692499"/>
           </a:xfrm>
           <a:prstGeom prst="rect">
@@ -18595,7 +18653,7 @@
         </p:nvSpPr>
         <p:spPr>
           <a:xfrm>
-            <a:off x="10468825" y="20406381"/>
+            <a:off x="4291646" y="18330281"/>
             <a:ext cx="8811330" cy="1723756"/>
           </a:xfrm>
           <a:prstGeom prst="roundRect">
@@ -18651,7 +18709,7 @@
         </p:nvSpPr>
         <p:spPr>
           <a:xfrm>
-            <a:off x="12440784" y="20820766"/>
+            <a:off x="6263605" y="18744666"/>
             <a:ext cx="1573308" cy="980194"/>
           </a:xfrm>
           <a:prstGeom prst="roundRect">
@@ -18709,7 +18767,7 @@
         </p:nvSpPr>
         <p:spPr>
           <a:xfrm>
-            <a:off x="12798284" y="20675511"/>
+            <a:off x="6621105" y="18599411"/>
             <a:ext cx="867295" cy="307779"/>
           </a:xfrm>
           <a:prstGeom prst="rect">
@@ -18785,7 +18843,7 @@
         </p:nvSpPr>
         <p:spPr>
           <a:xfrm>
-            <a:off x="10417385" y="20538427"/>
+            <a:off x="4240206" y="18462327"/>
             <a:ext cx="1381415" cy="307779"/>
           </a:xfrm>
           <a:prstGeom prst="rect">
@@ -18840,7 +18898,7 @@
         </p:nvSpPr>
         <p:spPr>
           <a:xfrm>
-            <a:off x="14797701" y="20819323"/>
+            <a:off x="8620522" y="18743223"/>
             <a:ext cx="1688028" cy="1006206"/>
           </a:xfrm>
           <a:prstGeom prst="roundRect">
@@ -18898,7 +18956,7 @@
         </p:nvSpPr>
         <p:spPr>
           <a:xfrm>
-            <a:off x="15246647" y="20663968"/>
+            <a:off x="9069468" y="18587868"/>
             <a:ext cx="832185" cy="307779"/>
           </a:xfrm>
           <a:prstGeom prst="rect">
@@ -18975,7 +19033,7 @@
         </p:nvSpPr>
         <p:spPr>
           <a:xfrm>
-            <a:off x="17058485" y="20779247"/>
+            <a:off x="10881306" y="18703147"/>
             <a:ext cx="1573308" cy="1046282"/>
           </a:xfrm>
           <a:prstGeom prst="roundRect">
@@ -19033,7 +19091,7 @@
         </p:nvSpPr>
         <p:spPr>
           <a:xfrm>
-            <a:off x="17402396" y="20633992"/>
+            <a:off x="11225217" y="18557892"/>
             <a:ext cx="865721" cy="307779"/>
           </a:xfrm>
           <a:prstGeom prst="rect">
@@ -19110,7 +19168,7 @@
         </p:nvSpPr>
         <p:spPr>
           <a:xfrm>
-            <a:off x="6869168" y="16944855"/>
+            <a:off x="691989" y="14868755"/>
             <a:ext cx="2263785" cy="494815"/>
           </a:xfrm>
           <a:prstGeom prst="rect">
@@ -19178,7 +19236,7 @@
         </p:nvSpPr>
         <p:spPr>
           <a:xfrm>
-            <a:off x="12555114" y="17697323"/>
+            <a:off x="6377935" y="15621223"/>
             <a:ext cx="2498821" cy="494815"/>
           </a:xfrm>
           <a:prstGeom prst="rect">
@@ -19252,7 +19310,7 @@
         </p:nvSpPr>
         <p:spPr>
           <a:xfrm>
-            <a:off x="14254503" y="17704353"/>
+            <a:off x="8077324" y="15628253"/>
             <a:ext cx="2944155" cy="494815"/>
           </a:xfrm>
           <a:prstGeom prst="rect">
@@ -19320,7 +19378,7 @@
         </p:nvSpPr>
         <p:spPr>
           <a:xfrm>
-            <a:off x="14036186" y="25700221"/>
+            <a:off x="7859007" y="23624121"/>
             <a:ext cx="2944155" cy="494815"/>
           </a:xfrm>
           <a:prstGeom prst="rect">
@@ -20463,7 +20521,7 @@
         </p:nvCxnSpPr>
         <p:spPr>
           <a:xfrm flipH="1">
-            <a:off x="9254381" y="17954888"/>
+            <a:off x="3077202" y="15878788"/>
             <a:ext cx="1304977" cy="2029891"/>
           </a:xfrm>
           <a:prstGeom prst="straightConnector1">
@@ -20538,7 +20596,7 @@
         </p:nvSpPr>
         <p:spPr>
           <a:xfrm>
-            <a:off x="9541376" y="17718696"/>
+            <a:off x="3364197" y="15642596"/>
             <a:ext cx="1067893" cy="438584"/>
           </a:xfrm>
           <a:prstGeom prst="rect">
@@ -20609,7 +20667,7 @@
         </p:nvSpPr>
         <p:spPr>
           <a:xfrm>
-            <a:off x="16448252" y="17701568"/>
+            <a:off x="10271073" y="15625468"/>
             <a:ext cx="2944155" cy="494815"/>
           </a:xfrm>
           <a:prstGeom prst="rect">
@@ -22691,7 +22749,7 @@
         </p:nvSpPr>
         <p:spPr>
           <a:xfrm>
-            <a:off x="8048222" y="17841857"/>
+            <a:off x="994048" y="15776659"/>
             <a:ext cx="1067892" cy="284693"/>
           </a:xfrm>
           <a:prstGeom prst="rect">
@@ -22743,7 +22801,7 @@
         </p:blipFill>
         <p:spPr>
           <a:xfrm>
-            <a:off x="8103511" y="18341918"/>
+            <a:off x="1926332" y="16265818"/>
             <a:ext cx="697384" cy="674519"/>
           </a:xfrm>
           <a:prstGeom prst="rect">
@@ -22773,7 +22831,7 @@
         </p:blipFill>
         <p:spPr>
           <a:xfrm>
-            <a:off x="7235452" y="18186152"/>
+            <a:off x="1058273" y="16110052"/>
             <a:ext cx="1443480" cy="945729"/>
           </a:xfrm>
           <a:prstGeom prst="rect">
@@ -22795,7 +22853,7 @@
         </p:nvSpPr>
         <p:spPr>
           <a:xfrm>
-            <a:off x="10735258" y="17399301"/>
+            <a:off x="4558079" y="15323201"/>
             <a:ext cx="2007030" cy="307779"/>
           </a:xfrm>
           <a:prstGeom prst="rect">
@@ -22872,7 +22930,7 @@
         </p:nvSpPr>
         <p:spPr>
           <a:xfrm>
-            <a:off x="13643890" y="17442345"/>
+            <a:off x="7466711" y="15366245"/>
             <a:ext cx="249220" cy="249220"/>
           </a:xfrm>
           <a:prstGeom prst="ellipse">
@@ -22930,7 +22988,7 @@
         </p:nvSpPr>
         <p:spPr>
           <a:xfrm>
-            <a:off x="15571398" y="17381485"/>
+            <a:off x="9394219" y="15305385"/>
             <a:ext cx="249220" cy="249220"/>
           </a:xfrm>
           <a:prstGeom prst="ellipse">
@@ -22988,7 +23046,7 @@
         </p:nvSpPr>
         <p:spPr>
           <a:xfrm>
-            <a:off x="17790223" y="17363196"/>
+            <a:off x="11613044" y="15287096"/>
             <a:ext cx="249220" cy="249220"/>
           </a:xfrm>
           <a:prstGeom prst="ellipse">
@@ -23048,7 +23106,7 @@
         </p:nvCxnSpPr>
         <p:spPr>
           <a:xfrm>
-            <a:off x="15992359" y="19864030"/>
+            <a:off x="9815180" y="17787930"/>
             <a:ext cx="0" cy="496452"/>
           </a:xfrm>
           <a:prstGeom prst="straightConnector1">
@@ -23101,7 +23159,7 @@
         </p:blipFill>
         <p:spPr>
           <a:xfrm>
-            <a:off x="10828925" y="21440334"/>
+            <a:off x="4651746" y="19364234"/>
             <a:ext cx="634045" cy="511820"/>
           </a:xfrm>
           <a:prstGeom prst="rect">
@@ -23123,7 +23181,7 @@
         </p:nvSpPr>
         <p:spPr>
           <a:xfrm>
-            <a:off x="12963073" y="21042196"/>
+            <a:off x="6785894" y="18966096"/>
             <a:ext cx="1053187" cy="669416"/>
           </a:xfrm>
           <a:prstGeom prst="rect">
@@ -23252,7 +23310,7 @@
         </p:blipFill>
         <p:spPr bwMode="auto">
           <a:xfrm>
-            <a:off x="12471870" y="21307007"/>
+            <a:off x="6294691" y="19230907"/>
             <a:ext cx="569275" cy="427501"/>
           </a:xfrm>
           <a:prstGeom prst="rect">
@@ -23292,7 +23350,7 @@
         </p:blipFill>
         <p:spPr>
           <a:xfrm>
-            <a:off x="14888179" y="21337315"/>
+            <a:off x="8711000" y="19261215"/>
             <a:ext cx="488446" cy="394288"/>
           </a:xfrm>
           <a:prstGeom prst="rect">
@@ -23314,7 +23372,7 @@
         </p:nvSpPr>
         <p:spPr>
           <a:xfrm>
-            <a:off x="15425652" y="21017843"/>
+            <a:off x="9248473" y="18941743"/>
             <a:ext cx="1064414" cy="654027"/>
           </a:xfrm>
           <a:prstGeom prst="rect">
@@ -23440,7 +23498,7 @@
         </p:nvCxnSpPr>
         <p:spPr>
           <a:xfrm flipV="1">
-            <a:off x="13960944" y="18409927"/>
+            <a:off x="7783765" y="16333827"/>
             <a:ext cx="1" cy="722051"/>
           </a:xfrm>
           <a:prstGeom prst="straightConnector1">
@@ -23485,7 +23543,7 @@
         </p:nvSpPr>
         <p:spPr>
           <a:xfrm>
-            <a:off x="17657684" y="21010934"/>
+            <a:off x="11480505" y="18934834"/>
             <a:ext cx="1124409" cy="546305"/>
           </a:xfrm>
           <a:prstGeom prst="rect">
@@ -23582,7 +23640,7 @@
         </p:blipFill>
         <p:spPr>
           <a:xfrm>
-            <a:off x="17147801" y="21349180"/>
+            <a:off x="10970622" y="19273080"/>
             <a:ext cx="488446" cy="394288"/>
           </a:xfrm>
           <a:prstGeom prst="rect">
@@ -23604,7 +23662,7 @@
         </p:nvSpPr>
         <p:spPr>
           <a:xfrm>
-            <a:off x="12373232" y="21781179"/>
+            <a:off x="6196053" y="19705079"/>
             <a:ext cx="1375020" cy="253918"/>
           </a:xfrm>
           <a:prstGeom prst="rect">
@@ -23658,7 +23716,7 @@
         </p:nvSpPr>
         <p:spPr>
           <a:xfrm>
-            <a:off x="14721721" y="21800960"/>
+            <a:off x="8544542" y="19724860"/>
             <a:ext cx="2073308" cy="253918"/>
           </a:xfrm>
           <a:prstGeom prst="rect">
@@ -23712,7 +23770,7 @@
         </p:nvSpPr>
         <p:spPr>
           <a:xfrm>
-            <a:off x="16990839" y="21793835"/>
+            <a:off x="10813660" y="19717735"/>
             <a:ext cx="2073308" cy="253918"/>
           </a:xfrm>
           <a:prstGeom prst="rect">
@@ -23768,7 +23826,7 @@
         </p:nvCxnSpPr>
         <p:spPr>
           <a:xfrm>
-            <a:off x="13699445" y="18447890"/>
+            <a:off x="7522266" y="16371790"/>
             <a:ext cx="0" cy="674588"/>
           </a:xfrm>
           <a:prstGeom prst="straightConnector1">
@@ -23813,7 +23871,7 @@
         </p:nvSpPr>
         <p:spPr>
           <a:xfrm>
-            <a:off x="10468824" y="19217785"/>
+            <a:off x="4291645" y="17141685"/>
             <a:ext cx="8811330" cy="638207"/>
           </a:xfrm>
           <a:prstGeom prst="roundRect">
@@ -23869,7 +23927,7 @@
         </p:nvSpPr>
         <p:spPr>
           <a:xfrm>
-            <a:off x="10609073" y="19292321"/>
+            <a:off x="4431894" y="17216221"/>
             <a:ext cx="1583655" cy="500139"/>
           </a:xfrm>
           <a:prstGeom prst="rect">
@@ -23959,7 +24017,7 @@
         </p:blipFill>
         <p:spPr>
           <a:xfrm>
-            <a:off x="12597416" y="21058168"/>
+            <a:off x="6420237" y="18982068"/>
             <a:ext cx="299849" cy="294495"/>
           </a:xfrm>
           <a:prstGeom prst="rect">
@@ -24000,7 +24058,7 @@
         </p:blipFill>
         <p:spPr>
           <a:xfrm>
-            <a:off x="14960173" y="21058168"/>
+            <a:off x="8782994" y="18982068"/>
             <a:ext cx="299849" cy="294495"/>
           </a:xfrm>
           <a:prstGeom prst="rect">
@@ -24041,7 +24099,7 @@
         </p:blipFill>
         <p:spPr>
           <a:xfrm>
-            <a:off x="17236324" y="21068695"/>
+            <a:off x="11059145" y="18992595"/>
             <a:ext cx="299849" cy="294495"/>
           </a:xfrm>
           <a:prstGeom prst="rect">
@@ -24065,7 +24123,7 @@
         </p:nvCxnSpPr>
         <p:spPr>
           <a:xfrm flipV="1">
-            <a:off x="15993012" y="18410059"/>
+            <a:off x="9815833" y="16333959"/>
             <a:ext cx="1" cy="722051"/>
           </a:xfrm>
           <a:prstGeom prst="straightConnector1">
@@ -24112,7 +24170,7 @@
         </p:nvCxnSpPr>
         <p:spPr>
           <a:xfrm>
-            <a:off x="15731513" y="18448022"/>
+            <a:off x="9554334" y="16371922"/>
             <a:ext cx="0" cy="674588"/>
           </a:xfrm>
           <a:prstGeom prst="straightConnector1">
@@ -24159,7 +24217,7 @@
         </p:nvCxnSpPr>
         <p:spPr>
           <a:xfrm flipV="1">
-            <a:off x="15657060" y="19884896"/>
+            <a:off x="9479881" y="17808796"/>
             <a:ext cx="0" cy="509447"/>
           </a:xfrm>
           <a:prstGeom prst="straightConnector1">
@@ -24204,7 +24262,7 @@
         </p:nvSpPr>
         <p:spPr>
           <a:xfrm>
-            <a:off x="19721615" y="20373034"/>
+            <a:off x="13544436" y="18296934"/>
             <a:ext cx="1944555" cy="1756417"/>
           </a:xfrm>
           <a:prstGeom prst="roundRect">
@@ -24260,7 +24318,7 @@
         </p:nvSpPr>
         <p:spPr>
           <a:xfrm>
-            <a:off x="19718032" y="17532454"/>
+            <a:off x="13540853" y="15456354"/>
             <a:ext cx="1944556" cy="2740001"/>
           </a:xfrm>
           <a:prstGeom prst="roundRect">
@@ -24316,7 +24374,7 @@
         </p:nvSpPr>
         <p:spPr>
           <a:xfrm>
-            <a:off x="19930117" y="17708577"/>
+            <a:off x="13752938" y="15632477"/>
             <a:ext cx="1457249" cy="262806"/>
           </a:xfrm>
           <a:prstGeom prst="rect">
@@ -24372,7 +24430,7 @@
         </p:nvSpPr>
         <p:spPr>
           <a:xfrm>
-            <a:off x="20543773" y="17400995"/>
+            <a:off x="14366594" y="15324895"/>
             <a:ext cx="249220" cy="249220"/>
           </a:xfrm>
           <a:prstGeom prst="ellipse">
@@ -24437,7 +24495,7 @@
         </p:blipFill>
         <p:spPr>
           <a:xfrm>
-            <a:off x="20381024" y="19121339"/>
+            <a:off x="14203845" y="17045239"/>
             <a:ext cx="505114" cy="528447"/>
           </a:xfrm>
           <a:prstGeom prst="rect">
@@ -24466,7 +24524,7 @@
         </p:blipFill>
         <p:spPr>
           <a:xfrm>
-            <a:off x="19843653" y="19076636"/>
+            <a:off x="13666474" y="17000536"/>
             <a:ext cx="528793" cy="569612"/>
           </a:xfrm>
           <a:prstGeom prst="rect">
@@ -24495,7 +24553,7 @@
         </p:blipFill>
         <p:spPr>
           <a:xfrm>
-            <a:off x="19828517" y="18278463"/>
+            <a:off x="13651338" y="16202363"/>
             <a:ext cx="991462" cy="568464"/>
           </a:xfrm>
           <a:prstGeom prst="rect">
@@ -24517,7 +24575,7 @@
         </p:nvSpPr>
         <p:spPr>
           <a:xfrm>
-            <a:off x="19959648" y="17974794"/>
+            <a:off x="13782469" y="15898694"/>
             <a:ext cx="1457249" cy="365396"/>
           </a:xfrm>
           <a:prstGeom prst="rect">
@@ -24573,7 +24631,7 @@
         </p:nvSpPr>
         <p:spPr>
           <a:xfrm>
-            <a:off x="19975897" y="18780023"/>
+            <a:off x="13798718" y="16703923"/>
             <a:ext cx="1457249" cy="365396"/>
           </a:xfrm>
           <a:prstGeom prst="rect">
@@ -24633,7 +24691,7 @@
         </p:nvCxnSpPr>
         <p:spPr>
           <a:xfrm flipH="1">
-            <a:off x="19280155" y="21251243"/>
+            <a:off x="13102976" y="19175143"/>
             <a:ext cx="441460" cy="17016"/>
           </a:xfrm>
           <a:prstGeom prst="straightConnector1">
@@ -24678,7 +24736,7 @@
         </p:nvSpPr>
         <p:spPr>
           <a:xfrm>
-            <a:off x="10451804" y="22757769"/>
+            <a:off x="4274625" y="20681669"/>
             <a:ext cx="8811330" cy="1723756"/>
           </a:xfrm>
           <a:prstGeom prst="roundRect">
@@ -24734,7 +24792,7 @@
         </p:nvSpPr>
         <p:spPr>
           <a:xfrm>
-            <a:off x="13504545" y="22605365"/>
+            <a:off x="7327366" y="20529265"/>
             <a:ext cx="2604886" cy="269307"/>
           </a:xfrm>
           <a:prstGeom prst="rect">
@@ -24810,7 +24868,7 @@
         </p:nvSpPr>
         <p:spPr>
           <a:xfrm>
-            <a:off x="10872891" y="23266837"/>
+            <a:off x="4695712" y="21190737"/>
             <a:ext cx="1573308" cy="980194"/>
           </a:xfrm>
           <a:prstGeom prst="roundRect">
@@ -24868,7 +24926,7 @@
         </p:nvSpPr>
         <p:spPr>
           <a:xfrm>
-            <a:off x="11161001" y="23086766"/>
+            <a:off x="4983822" y="21010666"/>
             <a:ext cx="1014707" cy="284695"/>
           </a:xfrm>
           <a:prstGeom prst="rect">
@@ -24944,7 +25002,7 @@
         </p:nvGrpSpPr>
         <p:grpSpPr>
           <a:xfrm>
-            <a:off x="11097852" y="23549606"/>
+            <a:off x="4920673" y="21473506"/>
             <a:ext cx="1123385" cy="378193"/>
             <a:chOff x="8393995" y="23876267"/>
             <a:chExt cx="1749906" cy="633983"/>
@@ -25052,7 +25110,7 @@
         </p:nvSpPr>
         <p:spPr>
           <a:xfrm>
-            <a:off x="10852731" y="23967953"/>
+            <a:off x="4675552" y="21891853"/>
             <a:ext cx="1720304" cy="253918"/>
           </a:xfrm>
           <a:prstGeom prst="rect">
@@ -25106,7 +25164,7 @@
         </p:nvSpPr>
         <p:spPr>
           <a:xfrm>
-            <a:off x="12822639" y="23266837"/>
+            <a:off x="6645460" y="21190737"/>
             <a:ext cx="1573308" cy="980194"/>
           </a:xfrm>
           <a:prstGeom prst="roundRect">
@@ -25164,7 +25222,7 @@
         </p:nvSpPr>
         <p:spPr>
           <a:xfrm>
-            <a:off x="13110749" y="23086766"/>
+            <a:off x="6933570" y="21010666"/>
             <a:ext cx="973029" cy="284695"/>
           </a:xfrm>
           <a:prstGeom prst="rect">
@@ -25240,7 +25298,7 @@
         </p:nvGrpSpPr>
         <p:grpSpPr>
           <a:xfrm>
-            <a:off x="13047600" y="23549606"/>
+            <a:off x="6870421" y="21473506"/>
             <a:ext cx="1123385" cy="378193"/>
             <a:chOff x="8393995" y="23876267"/>
             <a:chExt cx="1749906" cy="633983"/>
@@ -25348,7 +25406,7 @@
         </p:nvSpPr>
         <p:spPr>
           <a:xfrm>
-            <a:off x="12802479" y="23967953"/>
+            <a:off x="6625300" y="21891853"/>
             <a:ext cx="1720304" cy="253918"/>
           </a:xfrm>
           <a:prstGeom prst="rect">
@@ -25402,7 +25460,7 @@
         </p:nvSpPr>
         <p:spPr>
           <a:xfrm>
-            <a:off x="16534266" y="23233966"/>
+            <a:off x="10357087" y="21157866"/>
             <a:ext cx="1573308" cy="980194"/>
           </a:xfrm>
           <a:prstGeom prst="roundRect">
@@ -25460,7 +25518,7 @@
         </p:nvSpPr>
         <p:spPr>
           <a:xfrm>
-            <a:off x="16822376" y="23053895"/>
+            <a:off x="10645197" y="20977795"/>
             <a:ext cx="1038752" cy="284695"/>
           </a:xfrm>
           <a:prstGeom prst="rect">
@@ -25536,7 +25594,7 @@
         </p:nvGrpSpPr>
         <p:grpSpPr>
           <a:xfrm>
-            <a:off x="16759227" y="23516735"/>
+            <a:off x="10582048" y="21440635"/>
             <a:ext cx="1123385" cy="378193"/>
             <a:chOff x="8393995" y="23876267"/>
             <a:chExt cx="1749906" cy="633983"/>
@@ -25644,7 +25702,7 @@
         </p:nvSpPr>
         <p:spPr>
           <a:xfrm>
-            <a:off x="16514106" y="23935082"/>
+            <a:off x="10336927" y="21858982"/>
             <a:ext cx="1720304" cy="253918"/>
           </a:xfrm>
           <a:prstGeom prst="rect">
@@ -25698,7 +25756,7 @@
         </p:nvSpPr>
         <p:spPr>
           <a:xfrm>
-            <a:off x="14663861" y="23237095"/>
+            <a:off x="8486682" y="21160995"/>
             <a:ext cx="1573308" cy="980194"/>
           </a:xfrm>
           <a:prstGeom prst="roundRect">
@@ -25756,7 +25814,7 @@
         </p:nvSpPr>
         <p:spPr>
           <a:xfrm>
-            <a:off x="14951971" y="23057024"/>
+            <a:off x="8774792" y="20980924"/>
             <a:ext cx="981044" cy="284695"/>
           </a:xfrm>
           <a:prstGeom prst="rect">
@@ -25832,7 +25890,7 @@
         </p:nvGrpSpPr>
         <p:grpSpPr>
           <a:xfrm>
-            <a:off x="14888822" y="23519864"/>
+            <a:off x="8711643" y="21443764"/>
             <a:ext cx="1123385" cy="378193"/>
             <a:chOff x="8393995" y="23876267"/>
             <a:chExt cx="1749906" cy="633983"/>
@@ -25940,7 +25998,7 @@
         </p:nvSpPr>
         <p:spPr>
           <a:xfrm>
-            <a:off x="4613818" y="24484000"/>
+            <a:off x="779238" y="22124295"/>
             <a:ext cx="1720304" cy="253918"/>
           </a:xfrm>
           <a:prstGeom prst="rect">
@@ -25994,7 +26052,7 @@
         </p:nvSpPr>
         <p:spPr>
           <a:xfrm>
-            <a:off x="14621526" y="23967953"/>
+            <a:off x="8444347" y="21891853"/>
             <a:ext cx="1720304" cy="253918"/>
           </a:xfrm>
           <a:prstGeom prst="rect">
@@ -26048,7 +26106,7 @@
         </p:nvSpPr>
         <p:spPr>
           <a:xfrm>
-            <a:off x="18515528" y="23524363"/>
+            <a:off x="12338349" y="21448263"/>
             <a:ext cx="360682" cy="307779"/>
           </a:xfrm>
           <a:prstGeom prst="rect">
@@ -26126,7 +26184,7 @@
         </p:nvCxnSpPr>
         <p:spPr>
           <a:xfrm flipV="1">
-            <a:off x="14824008" y="22184991"/>
+            <a:off x="8646829" y="20108891"/>
             <a:ext cx="0" cy="509447"/>
           </a:xfrm>
           <a:prstGeom prst="straightConnector1">
@@ -26171,7 +26229,7 @@
         </p:nvSpPr>
         <p:spPr>
           <a:xfrm>
-            <a:off x="14182044" y="22260795"/>
+            <a:off x="8004865" y="20184695"/>
             <a:ext cx="2857837" cy="269307"/>
           </a:xfrm>
           <a:prstGeom prst="rect">
@@ -26218,7 +26276,7 @@
         </p:nvCxnSpPr>
         <p:spPr>
           <a:xfrm flipV="1">
-            <a:off x="18125187" y="18384156"/>
+            <a:off x="11948008" y="16308056"/>
             <a:ext cx="1" cy="722051"/>
           </a:xfrm>
           <a:prstGeom prst="straightConnector1">
@@ -26265,7 +26323,7 @@
         </p:nvCxnSpPr>
         <p:spPr>
           <a:xfrm>
-            <a:off x="17863688" y="18422119"/>
+            <a:off x="11686509" y="16346019"/>
             <a:ext cx="0" cy="674588"/>
           </a:xfrm>
           <a:prstGeom prst="straightConnector1">
@@ -26312,7 +26370,7 @@
         </p:nvCxnSpPr>
         <p:spPr>
           <a:xfrm flipV="1">
-            <a:off x="18050106" y="19847287"/>
+            <a:off x="11872927" y="17771187"/>
             <a:ext cx="9342" cy="579496"/>
           </a:xfrm>
           <a:prstGeom prst="straightConnector1">
@@ -26359,7 +26417,7 @@
         </p:nvCxnSpPr>
         <p:spPr>
           <a:xfrm>
-            <a:off x="17763207" y="19793495"/>
+            <a:off x="11586028" y="17717395"/>
             <a:ext cx="0" cy="566987"/>
           </a:xfrm>
           <a:prstGeom prst="straightConnector1">
@@ -26406,7 +26464,7 @@
         </p:nvCxnSpPr>
         <p:spPr>
           <a:xfrm flipV="1">
-            <a:off x="13365676" y="19864030"/>
+            <a:off x="7188497" y="17787930"/>
             <a:ext cx="851" cy="523292"/>
           </a:xfrm>
           <a:prstGeom prst="straightConnector1">
@@ -26453,7 +26511,7 @@
         </p:nvCxnSpPr>
         <p:spPr>
           <a:xfrm>
-            <a:off x="13114708" y="19818770"/>
+            <a:off x="6937529" y="17742670"/>
             <a:ext cx="0" cy="541712"/>
           </a:xfrm>
           <a:prstGeom prst="straightConnector1">
@@ -26506,7 +26564,7 @@
         </p:blipFill>
         <p:spPr>
           <a:xfrm>
-            <a:off x="10819957" y="17821300"/>
+            <a:off x="4642778" y="15745200"/>
             <a:ext cx="409572" cy="392417"/>
           </a:xfrm>
           <a:prstGeom prst="rect">
@@ -26528,7 +26586,7 @@
         </p:nvSpPr>
         <p:spPr>
           <a:xfrm>
-            <a:off x="11287201" y="17857218"/>
+            <a:off x="5110022" y="15781118"/>
             <a:ext cx="2128007" cy="288543"/>
           </a:xfrm>
           <a:prstGeom prst="rect">
@@ -26590,7 +26648,7 @@
         </p:blipFill>
         <p:spPr>
           <a:xfrm>
-            <a:off x="10739810" y="20842781"/>
+            <a:off x="4562631" y="18766681"/>
             <a:ext cx="876422" cy="619211"/>
           </a:xfrm>
           <a:prstGeom prst="rect">
@@ -26619,7 +26677,7 @@
         </p:blipFill>
         <p:spPr>
           <a:xfrm>
-            <a:off x="15265666" y="19330156"/>
+            <a:off x="9088487" y="17254056"/>
             <a:ext cx="473382" cy="392417"/>
           </a:xfrm>
           <a:prstGeom prst="rect">
@@ -26648,7 +26706,7 @@
         </p:blipFill>
         <p:spPr>
           <a:xfrm>
-            <a:off x="15788763" y="19501607"/>
+            <a:off x="9611584" y="17425507"/>
             <a:ext cx="580138" cy="171537"/>
           </a:xfrm>
           <a:prstGeom prst="rect">
@@ -26677,7 +26735,7 @@
         </p:blipFill>
         <p:spPr>
           <a:xfrm>
-            <a:off x="14030415" y="18605080"/>
+            <a:off x="7853236" y="16528980"/>
             <a:ext cx="1005888" cy="320212"/>
           </a:xfrm>
           <a:prstGeom prst="rect">
@@ -26706,7 +26764,7 @@
         </p:blipFill>
         <p:spPr>
           <a:xfrm>
-            <a:off x="16086376" y="18631009"/>
+            <a:off x="9909197" y="16554909"/>
             <a:ext cx="1005888" cy="320212"/>
           </a:xfrm>
           <a:prstGeom prst="rect">
@@ -26735,7 +26793,7 @@
         </p:blipFill>
         <p:spPr>
           <a:xfrm>
-            <a:off x="18156829" y="18655971"/>
+            <a:off x="11979650" y="16579871"/>
             <a:ext cx="1005888" cy="320212"/>
           </a:xfrm>
           <a:prstGeom prst="rect">
@@ -26765,7 +26823,7 @@
         </p:blipFill>
         <p:spPr>
           <a:xfrm>
-            <a:off x="20306209" y="21232090"/>
+            <a:off x="14129030" y="19155990"/>
             <a:ext cx="770677" cy="531692"/>
           </a:xfrm>
           <a:prstGeom prst="rect">
@@ -26787,7 +26845,7 @@
         </p:nvSpPr>
         <p:spPr>
           <a:xfrm>
-            <a:off x="19958958" y="21695860"/>
+            <a:off x="13781779" y="19619760"/>
             <a:ext cx="1610821" cy="356000"/>
           </a:xfrm>
           <a:prstGeom prst="rect">
@@ -26912,7 +26970,7 @@
         </p:blipFill>
         <p:spPr>
           <a:xfrm>
-            <a:off x="20405263" y="20515993"/>
+            <a:off x="14228084" y="18439893"/>
             <a:ext cx="571547" cy="471988"/>
           </a:xfrm>
           <a:prstGeom prst="rect">
@@ -26934,7 +26992,7 @@
         </p:nvSpPr>
         <p:spPr>
           <a:xfrm>
-            <a:off x="20068967" y="20881341"/>
+            <a:off x="13891788" y="18805241"/>
             <a:ext cx="1212692" cy="356000"/>
           </a:xfrm>
           <a:prstGeom prst="rect">
@@ -27056,7 +27114,7 @@
         </p:nvCxnSpPr>
         <p:spPr>
           <a:xfrm>
-            <a:off x="21662588" y="18902455"/>
+            <a:off x="15485409" y="16826355"/>
             <a:ext cx="3582" cy="2348788"/>
           </a:xfrm>
           <a:prstGeom prst="bentConnector3">
@@ -27111,7 +27169,7 @@
         </p:blipFill>
         <p:spPr>
           <a:xfrm>
-            <a:off x="14599583" y="19291987"/>
+            <a:off x="8422404" y="17215887"/>
             <a:ext cx="658581" cy="509302"/>
           </a:xfrm>
           <a:prstGeom prst="rect">
@@ -27133,7 +27191,7 @@
         </p:nvGrpSpPr>
         <p:grpSpPr>
           <a:xfrm>
-            <a:off x="19845966" y="19608588"/>
+            <a:off x="13668787" y="17532488"/>
             <a:ext cx="505114" cy="528447"/>
             <a:chOff x="23971966" y="19505918"/>
             <a:chExt cx="505114" cy="528447"/>
@@ -27213,7 +27271,7 @@
         </p:nvSpPr>
         <p:spPr>
           <a:xfrm>
-            <a:off x="20381024" y="19688958"/>
+            <a:off x="14203845" y="17612858"/>
             <a:ext cx="1363737" cy="473607"/>
           </a:xfrm>
           <a:prstGeom prst="rect">
@@ -27323,7 +27381,7 @@
         </p:nvSpPr>
         <p:spPr>
           <a:xfrm>
-            <a:off x="20774305" y="18355271"/>
+            <a:off x="14597126" y="16279171"/>
             <a:ext cx="878798" cy="473607"/>
           </a:xfrm>
           <a:prstGeom prst="rect">
@@ -27397,7 +27455,7 @@
         </p:nvSpPr>
         <p:spPr>
           <a:xfrm>
-            <a:off x="20813274" y="19195202"/>
+            <a:off x="14636095" y="17119102"/>
             <a:ext cx="878798" cy="473607"/>
           </a:xfrm>
           <a:prstGeom prst="rect">
@@ -27453,6 +27511,6978 @@
                 <a:cs typeface="Calibri"/>
               </a:rPr>
               <a:t>Exploração</a:t>
+            </a:r>
+          </a:p>
+        </p:txBody>
+      </p:sp>
+      <p:sp>
+        <p:nvSpPr>
+          <p:cNvPr id="2" name="Retângulo: Cantos Arredondados 1">
+            <a:extLst>
+              <a:ext uri="{FF2B5EF4-FFF2-40B4-BE49-F238E27FC236}">
+                <a16:creationId xmlns:a16="http://schemas.microsoft.com/office/drawing/2014/main" id="{48C0E66C-3946-9E87-C212-95A6A5A44518}"/>
+              </a:ext>
+            </a:extLst>
+          </p:cNvPr>
+          <p:cNvSpPr/>
+          <p:nvPr/>
+        </p:nvSpPr>
+        <p:spPr>
+          <a:xfrm>
+            <a:off x="21421752" y="16693602"/>
+            <a:ext cx="8720796" cy="807764"/>
+          </a:xfrm>
+          <a:prstGeom prst="roundRect">
+            <a:avLst>
+              <a:gd name="adj" fmla="val 4410"/>
+            </a:avLst>
+          </a:prstGeom>
+          <a:solidFill>
+            <a:schemeClr val="bg1"/>
+          </a:solidFill>
+          <a:ln w="19050">
+            <a:solidFill>
+              <a:schemeClr val="accent1">
+                <a:lumMod val="40000"/>
+                <a:lumOff val="60000"/>
+              </a:schemeClr>
+            </a:solidFill>
+            <a:prstDash val="sysDash"/>
+          </a:ln>
+        </p:spPr>
+        <p:style>
+          <a:lnRef idx="0">
+            <a:scrgbClr r="0" g="0" b="0"/>
+          </a:lnRef>
+          <a:fillRef idx="0">
+            <a:scrgbClr r="0" g="0" b="0"/>
+          </a:fillRef>
+          <a:effectRef idx="0">
+            <a:scrgbClr r="0" g="0" b="0"/>
+          </a:effectRef>
+          <a:fontRef idx="minor">
+            <a:schemeClr val="lt1"/>
+          </a:fontRef>
+        </p:style>
+        <p:txBody>
+          <a:bodyPr rtlCol="0" anchor="ctr"/>
+          <a:lstStyle/>
+          <a:p>
+            <a:pPr algn="ctr"/>
+            <a:endParaRPr lang="pt-BR" sz="2250">
+              <a:latin typeface="Barlow" panose="00000500000000000000" pitchFamily="2" charset="0"/>
+            </a:endParaRPr>
+          </a:p>
+        </p:txBody>
+      </p:sp>
+      <p:sp>
+        <p:nvSpPr>
+          <p:cNvPr id="3" name="Título 1">
+            <a:extLst>
+              <a:ext uri="{FF2B5EF4-FFF2-40B4-BE49-F238E27FC236}">
+                <a16:creationId xmlns:a16="http://schemas.microsoft.com/office/drawing/2014/main" id="{04D1111C-28E5-D4BC-9644-5087405AED81}"/>
+              </a:ext>
+            </a:extLst>
+          </p:cNvPr>
+          <p:cNvSpPr txBox="1">
+            <a:spLocks/>
+          </p:cNvSpPr>
+          <p:nvPr/>
+        </p:nvSpPr>
+        <p:spPr>
+          <a:xfrm>
+            <a:off x="18297474" y="14464546"/>
+            <a:ext cx="4508465" cy="1010972"/>
+          </a:xfrm>
+          <a:prstGeom prst="rect">
+            <a:avLst/>
+          </a:prstGeom>
+        </p:spPr>
+        <p:txBody>
+          <a:bodyPr vert="horz" lIns="114303" tIns="57151" rIns="114303" bIns="57151" rtlCol="0" anchor="ctr">
+            <a:noAutofit/>
+          </a:bodyPr>
+          <a:lstStyle>
+            <a:lvl1pPr algn="l" defTabSz="914400" rtl="0" eaLnBrk="1" latinLnBrk="0" hangingPunct="1">
+              <a:lnSpc>
+                <a:spcPct val="90000"/>
+              </a:lnSpc>
+              <a:spcBef>
+                <a:spcPct val="0"/>
+              </a:spcBef>
+              <a:buNone/>
+              <a:defRPr sz="4400" kern="1200">
+                <a:solidFill>
+                  <a:schemeClr val="tx1"/>
+                </a:solidFill>
+                <a:latin typeface="+mj-lt"/>
+                <a:ea typeface="+mj-ea"/>
+                <a:cs typeface="+mj-cs"/>
+              </a:defRPr>
+            </a:lvl1pPr>
+          </a:lstStyle>
+          <a:p>
+            <a:r>
+              <a:rPr lang="pt-BR" sz="2400" dirty="0"/>
+              <a:t>Arquitetura (Todos)</a:t>
+            </a:r>
+            <a:endParaRPr lang="pt-BR" sz="2400" dirty="0">
+              <a:latin typeface="Calibri"/>
+              <a:cs typeface="Calibri"/>
+            </a:endParaRPr>
+          </a:p>
+        </p:txBody>
+      </p:sp>
+      <p:sp>
+        <p:nvSpPr>
+          <p:cNvPr id="4" name="Elipse 3">
+            <a:extLst>
+              <a:ext uri="{FF2B5EF4-FFF2-40B4-BE49-F238E27FC236}">
+                <a16:creationId xmlns:a16="http://schemas.microsoft.com/office/drawing/2014/main" id="{D84B5F54-9E07-3270-6025-91FE0C848A83}"/>
+              </a:ext>
+            </a:extLst>
+          </p:cNvPr>
+          <p:cNvSpPr/>
+          <p:nvPr/>
+        </p:nvSpPr>
+        <p:spPr>
+          <a:xfrm>
+            <a:off x="17649577" y="14655564"/>
+            <a:ext cx="602654" cy="569336"/>
+          </a:xfrm>
+          <a:prstGeom prst="ellipse">
+            <a:avLst/>
+          </a:prstGeom>
+          <a:solidFill>
+            <a:schemeClr val="accent2">
+              <a:lumMod val="75000"/>
+            </a:schemeClr>
+          </a:solidFill>
+          <a:ln>
+            <a:noFill/>
+          </a:ln>
+        </p:spPr>
+        <p:style>
+          <a:lnRef idx="2">
+            <a:schemeClr val="accent1">
+              <a:shade val="15000"/>
+            </a:schemeClr>
+          </a:lnRef>
+          <a:fillRef idx="1">
+            <a:schemeClr val="accent1"/>
+          </a:fillRef>
+          <a:effectRef idx="0">
+            <a:schemeClr val="accent1"/>
+          </a:effectRef>
+          <a:fontRef idx="minor">
+            <a:schemeClr val="lt1"/>
+          </a:fontRef>
+        </p:style>
+        <p:txBody>
+          <a:bodyPr lIns="114303" tIns="57151" rIns="114303" bIns="57151" rtlCol="0" anchor="ctr"/>
+          <a:lstStyle/>
+          <a:p>
+            <a:pPr algn="ctr"/>
+            <a:r>
+              <a:rPr lang="pt-BR" sz="3500" dirty="0">
+                <a:cs typeface="Calibri"/>
+              </a:rPr>
+              <a:t>2</a:t>
+            </a:r>
+            <a:endParaRPr lang="pt-BR" sz="3500" dirty="0"/>
+          </a:p>
+        </p:txBody>
+      </p:sp>
+      <p:sp>
+        <p:nvSpPr>
+          <p:cNvPr id="5" name="CaixaDeTexto 4">
+            <a:extLst>
+              <a:ext uri="{FF2B5EF4-FFF2-40B4-BE49-F238E27FC236}">
+                <a16:creationId xmlns:a16="http://schemas.microsoft.com/office/drawing/2014/main" id="{6281EF36-827A-E374-7C67-BC8F58A5E986}"/>
+              </a:ext>
+            </a:extLst>
+          </p:cNvPr>
+          <p:cNvSpPr txBox="1"/>
+          <p:nvPr/>
+        </p:nvSpPr>
+        <p:spPr>
+          <a:xfrm>
+            <a:off x="19137532" y="17008390"/>
+            <a:ext cx="1067892" cy="284693"/>
+          </a:xfrm>
+          <a:prstGeom prst="rect">
+            <a:avLst/>
+          </a:prstGeom>
+          <a:noFill/>
+        </p:spPr>
+        <p:txBody>
+          <a:bodyPr wrap="square" rtlCol="0">
+            <a:spAutoFit/>
+          </a:bodyPr>
+          <a:lstStyle/>
+          <a:p>
+            <a:r>
+              <a:rPr lang="pt-BR" sz="1250" b="1" dirty="0">
+                <a:solidFill>
+                  <a:schemeClr val="accent1">
+                    <a:lumMod val="75000"/>
+                  </a:schemeClr>
+                </a:solidFill>
+                <a:latin typeface="Barlow" panose="00000500000000000000" pitchFamily="2" charset="0"/>
+                <a:ea typeface="Segoe UI Black" panose="020B0A02040204020203" pitchFamily="34" charset="0"/>
+                <a:cs typeface="Segoe UI" panose="020B0502040204020203" pitchFamily="34" charset="0"/>
+              </a:rPr>
+              <a:t>Relacional</a:t>
+            </a:r>
+          </a:p>
+        </p:txBody>
+      </p:sp>
+      <p:sp>
+        <p:nvSpPr>
+          <p:cNvPr id="6" name="Retângulo: Cantos Arredondados 5">
+            <a:extLst>
+              <a:ext uri="{FF2B5EF4-FFF2-40B4-BE49-F238E27FC236}">
+                <a16:creationId xmlns:a16="http://schemas.microsoft.com/office/drawing/2014/main" id="{F5C8AFC8-8443-0E39-15FF-A1FA82A54827}"/>
+              </a:ext>
+            </a:extLst>
+          </p:cNvPr>
+          <p:cNvSpPr/>
+          <p:nvPr/>
+        </p:nvSpPr>
+        <p:spPr>
+          <a:xfrm>
+            <a:off x="18456170" y="19702561"/>
+            <a:ext cx="1245744" cy="1658120"/>
+          </a:xfrm>
+          <a:prstGeom prst="roundRect">
+            <a:avLst>
+              <a:gd name="adj" fmla="val 11957"/>
+            </a:avLst>
+          </a:prstGeom>
+          <a:solidFill>
+            <a:schemeClr val="accent3">
+              <a:alpha val="8000"/>
+            </a:schemeClr>
+          </a:solidFill>
+          <a:ln>
+            <a:noFill/>
+          </a:ln>
+        </p:spPr>
+        <p:style>
+          <a:lnRef idx="0">
+            <a:scrgbClr r="0" g="0" b="0"/>
+          </a:lnRef>
+          <a:fillRef idx="0">
+            <a:scrgbClr r="0" g="0" b="0"/>
+          </a:fillRef>
+          <a:effectRef idx="0">
+            <a:scrgbClr r="0" g="0" b="0"/>
+          </a:effectRef>
+          <a:fontRef idx="minor">
+            <a:schemeClr val="lt1"/>
+          </a:fontRef>
+        </p:style>
+        <p:txBody>
+          <a:bodyPr rtlCol="0" anchor="ctr"/>
+          <a:lstStyle/>
+          <a:p>
+            <a:pPr algn="ctr"/>
+            <a:endParaRPr lang="pt-BR" sz="2250">
+              <a:latin typeface="Barlow" panose="00000500000000000000" pitchFamily="2" charset="0"/>
+            </a:endParaRPr>
+          </a:p>
+        </p:txBody>
+      </p:sp>
+      <p:pic>
+        <p:nvPicPr>
+          <p:cNvPr id="7" name="Imagem 6">
+            <a:extLst>
+              <a:ext uri="{FF2B5EF4-FFF2-40B4-BE49-F238E27FC236}">
+                <a16:creationId xmlns:a16="http://schemas.microsoft.com/office/drawing/2014/main" id="{4DA357A6-C8E1-F380-49A8-D1792A6F2775}"/>
+              </a:ext>
+            </a:extLst>
+          </p:cNvPr>
+          <p:cNvPicPr>
+            <a:picLocks noChangeAspect="1"/>
+          </p:cNvPicPr>
+          <p:nvPr/>
+        </p:nvPicPr>
+        <p:blipFill>
+          <a:blip r:embed="rId3"/>
+          <a:stretch>
+            <a:fillRect/>
+          </a:stretch>
+        </p:blipFill>
+        <p:spPr>
+          <a:xfrm>
+            <a:off x="18841399" y="20004671"/>
+            <a:ext cx="504906" cy="561652"/>
+          </a:xfrm>
+          <a:prstGeom prst="rect">
+            <a:avLst/>
+          </a:prstGeom>
+        </p:spPr>
+      </p:pic>
+      <p:sp>
+        <p:nvSpPr>
+          <p:cNvPr id="8" name="CaixaDeTexto 7">
+            <a:extLst>
+              <a:ext uri="{FF2B5EF4-FFF2-40B4-BE49-F238E27FC236}">
+                <a16:creationId xmlns:a16="http://schemas.microsoft.com/office/drawing/2014/main" id="{CBE1418F-4FD6-4683-BED0-9DB45A557139}"/>
+              </a:ext>
+            </a:extLst>
+          </p:cNvPr>
+          <p:cNvSpPr txBox="1"/>
+          <p:nvPr/>
+        </p:nvSpPr>
+        <p:spPr>
+          <a:xfrm>
+            <a:off x="18375857" y="19434208"/>
+            <a:ext cx="1420460" cy="307779"/>
+          </a:xfrm>
+          <a:prstGeom prst="rect">
+            <a:avLst/>
+          </a:prstGeom>
+          <a:noFill/>
+        </p:spPr>
+        <p:txBody>
+          <a:bodyPr wrap="none" lIns="114303" tIns="57151" rIns="114303" bIns="57151" rtlCol="0" anchor="t">
+            <a:spAutoFit/>
+          </a:bodyPr>
+          <a:lstStyle/>
+          <a:p>
+            <a:r>
+              <a:rPr lang="pt-BR" sz="1250" b="1" dirty="0">
+                <a:solidFill>
+                  <a:schemeClr val="accent1">
+                    <a:lumMod val="75000"/>
+                  </a:schemeClr>
+                </a:solidFill>
+                <a:latin typeface="Barlow" panose="00000500000000000000" pitchFamily="2" charset="0"/>
+                <a:ea typeface="Segoe UI Black"/>
+                <a:cs typeface="Segoe UI"/>
+              </a:rPr>
+              <a:t>Object Storages</a:t>
+            </a:r>
+            <a:endParaRPr lang="pt-BR" sz="1250" b="1" dirty="0">
+              <a:solidFill>
+                <a:schemeClr val="accent1">
+                  <a:lumMod val="75000"/>
+                </a:schemeClr>
+              </a:solidFill>
+              <a:latin typeface="Barlow" panose="00000500000000000000" pitchFamily="2" charset="0"/>
+              <a:ea typeface="Segoe UI Black" panose="020B0A02040204020203" pitchFamily="34" charset="0"/>
+              <a:cs typeface="Segoe UI" panose="020B0502040204020203" pitchFamily="34" charset="0"/>
+            </a:endParaRPr>
+          </a:p>
+        </p:txBody>
+      </p:sp>
+      <p:sp>
+        <p:nvSpPr>
+          <p:cNvPr id="9" name="Retângulo: Cantos Arredondados 8">
+            <a:extLst>
+              <a:ext uri="{FF2B5EF4-FFF2-40B4-BE49-F238E27FC236}">
+                <a16:creationId xmlns:a16="http://schemas.microsoft.com/office/drawing/2014/main" id="{B39C1C43-5448-5D7E-60DC-2AF869991F86}"/>
+              </a:ext>
+            </a:extLst>
+          </p:cNvPr>
+          <p:cNvSpPr/>
+          <p:nvPr/>
+        </p:nvSpPr>
+        <p:spPr>
+          <a:xfrm>
+            <a:off x="17976699" y="16821301"/>
+            <a:ext cx="2248183" cy="4637311"/>
+          </a:xfrm>
+          <a:prstGeom prst="roundRect">
+            <a:avLst>
+              <a:gd name="adj" fmla="val 4410"/>
+            </a:avLst>
+          </a:prstGeom>
+          <a:noFill/>
+          <a:ln w="28575">
+            <a:solidFill>
+              <a:schemeClr val="accent1">
+                <a:lumMod val="40000"/>
+                <a:lumOff val="60000"/>
+              </a:schemeClr>
+            </a:solidFill>
+            <a:prstDash val="sysDash"/>
+          </a:ln>
+        </p:spPr>
+        <p:style>
+          <a:lnRef idx="0">
+            <a:scrgbClr r="0" g="0" b="0"/>
+          </a:lnRef>
+          <a:fillRef idx="0">
+            <a:scrgbClr r="0" g="0" b="0"/>
+          </a:fillRef>
+          <a:effectRef idx="0">
+            <a:scrgbClr r="0" g="0" b="0"/>
+          </a:effectRef>
+          <a:fontRef idx="minor">
+            <a:schemeClr val="lt1"/>
+          </a:fontRef>
+        </p:style>
+        <p:txBody>
+          <a:bodyPr rtlCol="0" anchor="ctr"/>
+          <a:lstStyle/>
+          <a:p>
+            <a:pPr algn="ctr"/>
+            <a:endParaRPr lang="pt-BR" sz="2250">
+              <a:latin typeface="Barlow" panose="00000500000000000000" pitchFamily="2" charset="0"/>
+            </a:endParaRPr>
+          </a:p>
+        </p:txBody>
+      </p:sp>
+      <p:sp>
+        <p:nvSpPr>
+          <p:cNvPr id="10" name="CaixaDeTexto 9">
+            <a:extLst>
+              <a:ext uri="{FF2B5EF4-FFF2-40B4-BE49-F238E27FC236}">
+                <a16:creationId xmlns:a16="http://schemas.microsoft.com/office/drawing/2014/main" id="{F2D90D19-EEED-EEE3-B12A-1D1D27661B65}"/>
+              </a:ext>
+            </a:extLst>
+          </p:cNvPr>
+          <p:cNvSpPr txBox="1"/>
+          <p:nvPr/>
+        </p:nvSpPr>
+        <p:spPr>
+          <a:xfrm rot="5400000">
+            <a:off x="19379157" y="18971987"/>
+            <a:ext cx="1700792" cy="307779"/>
+          </a:xfrm>
+          <a:prstGeom prst="rect">
+            <a:avLst/>
+          </a:prstGeom>
+          <a:solidFill>
+            <a:schemeClr val="accent1">
+              <a:lumMod val="40000"/>
+              <a:lumOff val="60000"/>
+            </a:schemeClr>
+          </a:solidFill>
+          <a:ln>
+            <a:noFill/>
+          </a:ln>
+        </p:spPr>
+        <p:style>
+          <a:lnRef idx="0">
+            <a:scrgbClr r="0" g="0" b="0"/>
+          </a:lnRef>
+          <a:fillRef idx="0">
+            <a:scrgbClr r="0" g="0" b="0"/>
+          </a:fillRef>
+          <a:effectRef idx="0">
+            <a:scrgbClr r="0" g="0" b="0"/>
+          </a:effectRef>
+          <a:fontRef idx="minor">
+            <a:schemeClr val="lt1"/>
+          </a:fontRef>
+        </p:style>
+        <p:txBody>
+          <a:bodyPr wrap="none" lIns="114303" tIns="57151" rIns="114303" bIns="57151" rtlCol="0" anchor="t">
+            <a:spAutoFit/>
+          </a:bodyPr>
+          <a:lstStyle>
+            <a:defPPr>
+              <a:defRPr lang="en-US"/>
+            </a:defPPr>
+            <a:lvl1pPr algn="ctr">
+              <a:defRPr sz="1250" b="1">
+                <a:solidFill>
+                  <a:schemeClr val="accent1">
+                    <a:lumMod val="75000"/>
+                  </a:schemeClr>
+                </a:solidFill>
+                <a:latin typeface="Segoe UI"/>
+                <a:ea typeface="Segoe UI Black"/>
+                <a:cs typeface="Segoe UI"/>
+              </a:defRPr>
+            </a:lvl1pPr>
+          </a:lstStyle>
+          <a:p>
+            <a:r>
+              <a:rPr lang="pt-BR" dirty="0">
+                <a:latin typeface="Barlow" panose="00000500000000000000" pitchFamily="2" charset="0"/>
+              </a:rPr>
+              <a:t>AMBIENTE EXTERNO</a:t>
+            </a:r>
+          </a:p>
+        </p:txBody>
+      </p:sp>
+      <p:sp>
+        <p:nvSpPr>
+          <p:cNvPr id="11" name="CaixaDeTexto 10">
+            <a:extLst>
+              <a:ext uri="{FF2B5EF4-FFF2-40B4-BE49-F238E27FC236}">
+                <a16:creationId xmlns:a16="http://schemas.microsoft.com/office/drawing/2014/main" id="{1AE31C52-8737-BA4C-F462-0CAA63465EEE}"/>
+              </a:ext>
+            </a:extLst>
+          </p:cNvPr>
+          <p:cNvSpPr txBox="1"/>
+          <p:nvPr/>
+        </p:nvSpPr>
+        <p:spPr>
+          <a:xfrm>
+            <a:off x="18564142" y="18354066"/>
+            <a:ext cx="1002301" cy="961804"/>
+          </a:xfrm>
+          <a:prstGeom prst="rect">
+            <a:avLst/>
+          </a:prstGeom>
+          <a:noFill/>
+        </p:spPr>
+        <p:txBody>
+          <a:bodyPr wrap="square" lIns="114303" tIns="57151" rIns="114303" bIns="57151" rtlCol="0" anchor="t">
+            <a:spAutoFit/>
+          </a:bodyPr>
+          <a:lstStyle/>
+          <a:p>
+            <a:pPr algn="ctr"/>
+            <a:r>
+              <a:rPr lang="pt-BR" sz="1100" i="1" dirty="0">
+                <a:solidFill>
+                  <a:schemeClr val="accent1">
+                    <a:lumMod val="75000"/>
+                  </a:schemeClr>
+                </a:solidFill>
+                <a:latin typeface="Barlow" panose="00000500000000000000" pitchFamily="2" charset="0"/>
+                <a:ea typeface="Segoe UI Black"/>
+                <a:cs typeface="Segoe UI"/>
+              </a:rPr>
+              <a:t>SME</a:t>
+            </a:r>
+            <a:endParaRPr lang="pt-BR" i="1" dirty="0">
+              <a:solidFill>
+                <a:schemeClr val="accent1">
+                  <a:lumMod val="75000"/>
+                </a:schemeClr>
+              </a:solidFill>
+              <a:latin typeface="Barlow" panose="00000500000000000000" pitchFamily="2" charset="0"/>
+            </a:endParaRPr>
+          </a:p>
+          <a:p>
+            <a:pPr algn="ctr"/>
+            <a:r>
+              <a:rPr lang="pt-BR" sz="1100" i="1" noProof="1">
+                <a:solidFill>
+                  <a:schemeClr val="accent1">
+                    <a:lumMod val="75000"/>
+                  </a:schemeClr>
+                </a:solidFill>
+                <a:latin typeface="Barlow" panose="00000500000000000000" pitchFamily="2" charset="0"/>
+                <a:ea typeface="Segoe UI Black"/>
+                <a:cs typeface="Segoe UI"/>
+              </a:rPr>
+              <a:t>Bizagi</a:t>
+            </a:r>
+          </a:p>
+          <a:p>
+            <a:pPr algn="ctr"/>
+            <a:r>
+              <a:rPr lang="pt-BR" sz="1100" i="1" dirty="0">
+                <a:solidFill>
+                  <a:schemeClr val="accent1">
+                    <a:lumMod val="75000"/>
+                  </a:schemeClr>
+                </a:solidFill>
+                <a:latin typeface="Barlow" panose="00000500000000000000" pitchFamily="2" charset="0"/>
+                <a:ea typeface="Segoe UI Black"/>
+                <a:cs typeface="Segoe UI"/>
+              </a:rPr>
+              <a:t>SIAC</a:t>
+            </a:r>
+          </a:p>
+          <a:p>
+            <a:pPr algn="ctr"/>
+            <a:r>
+              <a:rPr lang="pt-BR" sz="1100" i="1" noProof="1">
+                <a:solidFill>
+                  <a:schemeClr val="accent1">
+                    <a:lumMod val="75000"/>
+                  </a:schemeClr>
+                </a:solidFill>
+                <a:latin typeface="Barlow" panose="00000500000000000000" pitchFamily="2" charset="0"/>
+                <a:ea typeface="Segoe UI Black"/>
+                <a:cs typeface="Segoe UI"/>
+              </a:rPr>
+              <a:t>DataHub</a:t>
+            </a:r>
+          </a:p>
+          <a:p>
+            <a:pPr algn="ctr"/>
+            <a:r>
+              <a:rPr lang="pt-BR" sz="1100" i="1" noProof="1">
+                <a:solidFill>
+                  <a:schemeClr val="accent1">
+                    <a:lumMod val="75000"/>
+                  </a:schemeClr>
+                </a:solidFill>
+                <a:latin typeface="Barlow" panose="00000500000000000000" pitchFamily="2" charset="0"/>
+                <a:ea typeface="Segoe UI Black"/>
+                <a:cs typeface="Segoe UI"/>
+              </a:rPr>
+              <a:t>Etc..</a:t>
+            </a:r>
+            <a:endParaRPr lang="pt-BR" sz="1100" i="1" noProof="1">
+              <a:solidFill>
+                <a:schemeClr val="accent1">
+                  <a:lumMod val="75000"/>
+                </a:schemeClr>
+              </a:solidFill>
+              <a:latin typeface="Barlow" panose="00000500000000000000" pitchFamily="2" charset="0"/>
+              <a:ea typeface="Segoe UI Black" panose="020B0A02040204020203" pitchFamily="34" charset="0"/>
+              <a:cs typeface="Segoe UI" panose="020B0502040204020203" pitchFamily="34" charset="0"/>
+            </a:endParaRPr>
+          </a:p>
+        </p:txBody>
+      </p:sp>
+      <p:sp>
+        <p:nvSpPr>
+          <p:cNvPr id="14" name="CaixaDeTexto 13">
+            <a:extLst>
+              <a:ext uri="{FF2B5EF4-FFF2-40B4-BE49-F238E27FC236}">
+                <a16:creationId xmlns:a16="http://schemas.microsoft.com/office/drawing/2014/main" id="{9CF31EA3-2070-5937-1AA5-E42BC423635F}"/>
+              </a:ext>
+            </a:extLst>
+          </p:cNvPr>
+          <p:cNvSpPr txBox="1"/>
+          <p:nvPr/>
+        </p:nvSpPr>
+        <p:spPr>
+          <a:xfrm>
+            <a:off x="18520539" y="20603090"/>
+            <a:ext cx="1002301" cy="692499"/>
+          </a:xfrm>
+          <a:prstGeom prst="rect">
+            <a:avLst/>
+          </a:prstGeom>
+          <a:noFill/>
+        </p:spPr>
+        <p:txBody>
+          <a:bodyPr wrap="square" lIns="114303" tIns="57151" rIns="114303" bIns="57151" rtlCol="0" anchor="t">
+            <a:spAutoFit/>
+          </a:bodyPr>
+          <a:lstStyle/>
+          <a:p>
+            <a:pPr algn="ctr"/>
+            <a:r>
+              <a:rPr lang="pt-BR" sz="1250" noProof="1">
+                <a:solidFill>
+                  <a:schemeClr val="accent1">
+                    <a:lumMod val="75000"/>
+                  </a:schemeClr>
+                </a:solidFill>
+                <a:latin typeface="Barlow" panose="00000500000000000000" pitchFamily="2" charset="0"/>
+                <a:ea typeface="Segoe UI Black"/>
+                <a:cs typeface="Segoe UI"/>
+              </a:rPr>
+              <a:t>Csv</a:t>
+            </a:r>
+            <a:endParaRPr lang="pt-BR" sz="2250" noProof="1">
+              <a:solidFill>
+                <a:schemeClr val="accent1">
+                  <a:lumMod val="75000"/>
+                </a:schemeClr>
+              </a:solidFill>
+              <a:latin typeface="Barlow" panose="00000500000000000000" pitchFamily="2" charset="0"/>
+              <a:ea typeface="Segoe UI Black"/>
+              <a:cs typeface="Calibri" panose="020F0502020204030204"/>
+            </a:endParaRPr>
+          </a:p>
+          <a:p>
+            <a:pPr algn="ctr"/>
+            <a:r>
+              <a:rPr lang="pt-BR" sz="1250" noProof="1">
+                <a:solidFill>
+                  <a:schemeClr val="accent1">
+                    <a:lumMod val="75000"/>
+                  </a:schemeClr>
+                </a:solidFill>
+                <a:latin typeface="Barlow" panose="00000500000000000000" pitchFamily="2" charset="0"/>
+                <a:ea typeface="Segoe UI Black"/>
+                <a:cs typeface="Segoe UI"/>
+              </a:rPr>
+              <a:t>Excel</a:t>
+            </a:r>
+          </a:p>
+          <a:p>
+            <a:pPr algn="ctr"/>
+            <a:r>
+              <a:rPr lang="pt-BR" sz="1250" noProof="1">
+                <a:solidFill>
+                  <a:schemeClr val="accent1">
+                    <a:lumMod val="75000"/>
+                  </a:schemeClr>
+                </a:solidFill>
+                <a:latin typeface="Barlow" panose="00000500000000000000" pitchFamily="2" charset="0"/>
+                <a:ea typeface="Segoe UI Black"/>
+                <a:cs typeface="Segoe UI"/>
+              </a:rPr>
+              <a:t>Json</a:t>
+            </a:r>
+          </a:p>
+        </p:txBody>
+      </p:sp>
+      <p:sp>
+        <p:nvSpPr>
+          <p:cNvPr id="15" name="Retângulo: Cantos Arredondados 14">
+            <a:extLst>
+              <a:ext uri="{FF2B5EF4-FFF2-40B4-BE49-F238E27FC236}">
+                <a16:creationId xmlns:a16="http://schemas.microsoft.com/office/drawing/2014/main" id="{9531C241-5AB7-0C8C-8A00-2FF8FAC28561}"/>
+              </a:ext>
+            </a:extLst>
+          </p:cNvPr>
+          <p:cNvSpPr/>
+          <p:nvPr/>
+        </p:nvSpPr>
+        <p:spPr>
+          <a:xfrm>
+            <a:off x="21331219" y="19548977"/>
+            <a:ext cx="8811330" cy="1723756"/>
+          </a:xfrm>
+          <a:prstGeom prst="roundRect">
+            <a:avLst>
+              <a:gd name="adj" fmla="val 4410"/>
+            </a:avLst>
+          </a:prstGeom>
+          <a:noFill/>
+          <a:ln w="28575">
+            <a:solidFill>
+              <a:schemeClr val="accent1">
+                <a:lumMod val="40000"/>
+                <a:lumOff val="60000"/>
+              </a:schemeClr>
+            </a:solidFill>
+            <a:prstDash val="sysDash"/>
+          </a:ln>
+        </p:spPr>
+        <p:style>
+          <a:lnRef idx="0">
+            <a:scrgbClr r="0" g="0" b="0"/>
+          </a:lnRef>
+          <a:fillRef idx="0">
+            <a:scrgbClr r="0" g="0" b="0"/>
+          </a:fillRef>
+          <a:effectRef idx="0">
+            <a:scrgbClr r="0" g="0" b="0"/>
+          </a:effectRef>
+          <a:fontRef idx="minor">
+            <a:schemeClr val="lt1"/>
+          </a:fontRef>
+        </p:style>
+        <p:txBody>
+          <a:bodyPr rtlCol="0" anchor="ctr"/>
+          <a:lstStyle/>
+          <a:p>
+            <a:pPr algn="ctr"/>
+            <a:endParaRPr lang="pt-BR" sz="2250">
+              <a:latin typeface="Barlow" panose="00000500000000000000" pitchFamily="2" charset="0"/>
+            </a:endParaRPr>
+          </a:p>
+        </p:txBody>
+      </p:sp>
+      <p:sp>
+        <p:nvSpPr>
+          <p:cNvPr id="16" name="Retângulo: Cantos Arredondados 15">
+            <a:extLst>
+              <a:ext uri="{FF2B5EF4-FFF2-40B4-BE49-F238E27FC236}">
+                <a16:creationId xmlns:a16="http://schemas.microsoft.com/office/drawing/2014/main" id="{2A4731D5-B11F-6A3B-9B0D-A019E8D31896}"/>
+              </a:ext>
+            </a:extLst>
+          </p:cNvPr>
+          <p:cNvSpPr/>
+          <p:nvPr/>
+        </p:nvSpPr>
+        <p:spPr>
+          <a:xfrm>
+            <a:off x="23303178" y="19963362"/>
+            <a:ext cx="1573308" cy="980194"/>
+          </a:xfrm>
+          <a:prstGeom prst="roundRect">
+            <a:avLst>
+              <a:gd name="adj" fmla="val 4410"/>
+            </a:avLst>
+          </a:prstGeom>
+          <a:solidFill>
+            <a:schemeClr val="bg1"/>
+          </a:solidFill>
+          <a:ln w="19050">
+            <a:solidFill>
+              <a:schemeClr val="accent1">
+                <a:lumMod val="40000"/>
+                <a:lumOff val="60000"/>
+              </a:schemeClr>
+            </a:solidFill>
+            <a:prstDash val="sysDash"/>
+          </a:ln>
+        </p:spPr>
+        <p:style>
+          <a:lnRef idx="0">
+            <a:scrgbClr r="0" g="0" b="0"/>
+          </a:lnRef>
+          <a:fillRef idx="0">
+            <a:scrgbClr r="0" g="0" b="0"/>
+          </a:fillRef>
+          <a:effectRef idx="0">
+            <a:scrgbClr r="0" g="0" b="0"/>
+          </a:effectRef>
+          <a:fontRef idx="minor">
+            <a:schemeClr val="lt1"/>
+          </a:fontRef>
+        </p:style>
+        <p:txBody>
+          <a:bodyPr rtlCol="0" anchor="ctr"/>
+          <a:lstStyle/>
+          <a:p>
+            <a:pPr algn="ctr"/>
+            <a:endParaRPr lang="pt-BR" sz="2250">
+              <a:latin typeface="Barlow" panose="00000500000000000000" pitchFamily="2" charset="0"/>
+            </a:endParaRPr>
+          </a:p>
+        </p:txBody>
+      </p:sp>
+      <p:sp>
+        <p:nvSpPr>
+          <p:cNvPr id="36" name="CaixaDeTexto 35">
+            <a:extLst>
+              <a:ext uri="{FF2B5EF4-FFF2-40B4-BE49-F238E27FC236}">
+                <a16:creationId xmlns:a16="http://schemas.microsoft.com/office/drawing/2014/main" id="{49AEDCE7-3F83-D37C-D075-952928D040CC}"/>
+              </a:ext>
+            </a:extLst>
+          </p:cNvPr>
+          <p:cNvSpPr txBox="1"/>
+          <p:nvPr/>
+        </p:nvSpPr>
+        <p:spPr>
+          <a:xfrm>
+            <a:off x="23660678" y="19818107"/>
+            <a:ext cx="817538" cy="307779"/>
+          </a:xfrm>
+          <a:prstGeom prst="rect">
+            <a:avLst/>
+          </a:prstGeom>
+          <a:solidFill>
+            <a:schemeClr val="accent1">
+              <a:lumMod val="40000"/>
+              <a:lumOff val="60000"/>
+            </a:schemeClr>
+          </a:solidFill>
+          <a:ln>
+            <a:noFill/>
+          </a:ln>
+        </p:spPr>
+        <p:style>
+          <a:lnRef idx="0">
+            <a:scrgbClr r="0" g="0" b="0"/>
+          </a:lnRef>
+          <a:fillRef idx="0">
+            <a:scrgbClr r="0" g="0" b="0"/>
+          </a:fillRef>
+          <a:effectRef idx="0">
+            <a:scrgbClr r="0" g="0" b="0"/>
+          </a:effectRef>
+          <a:fontRef idx="minor">
+            <a:schemeClr val="lt1"/>
+          </a:fontRef>
+        </p:style>
+        <p:txBody>
+          <a:bodyPr wrap="none" lIns="114303" tIns="57151" rIns="114303" bIns="57151" rtlCol="0" anchor="t">
+            <a:spAutoFit/>
+          </a:bodyPr>
+          <a:lstStyle/>
+          <a:p>
+            <a:r>
+              <a:rPr lang="pt-BR" sz="1250" b="1" dirty="0">
+                <a:solidFill>
+                  <a:schemeClr val="accent1">
+                    <a:lumMod val="75000"/>
+                  </a:schemeClr>
+                </a:solidFill>
+                <a:latin typeface="Barlow" panose="00000500000000000000" pitchFamily="2" charset="0"/>
+                <a:ea typeface="Segoe UI Black"/>
+                <a:cs typeface="Segoe UI"/>
+              </a:rPr>
+              <a:t>BRONZE</a:t>
+            </a:r>
+            <a:endParaRPr lang="pt-BR" sz="1250" b="1" dirty="0">
+              <a:solidFill>
+                <a:schemeClr val="accent1">
+                  <a:lumMod val="75000"/>
+                </a:schemeClr>
+              </a:solidFill>
+              <a:latin typeface="Barlow" panose="00000500000000000000" pitchFamily="2" charset="0"/>
+              <a:ea typeface="Segoe UI Black" panose="020B0A02040204020203" pitchFamily="34" charset="0"/>
+              <a:cs typeface="Segoe UI" panose="020B0502040204020203" pitchFamily="34" charset="0"/>
+            </a:endParaRPr>
+          </a:p>
+        </p:txBody>
+      </p:sp>
+      <p:sp>
+        <p:nvSpPr>
+          <p:cNvPr id="37" name="CaixaDeTexto 36">
+            <a:extLst>
+              <a:ext uri="{FF2B5EF4-FFF2-40B4-BE49-F238E27FC236}">
+                <a16:creationId xmlns:a16="http://schemas.microsoft.com/office/drawing/2014/main" id="{98636739-1A1F-9C16-B228-6F93B37EF497}"/>
+              </a:ext>
+            </a:extLst>
+          </p:cNvPr>
+          <p:cNvSpPr txBox="1"/>
+          <p:nvPr/>
+        </p:nvSpPr>
+        <p:spPr>
+          <a:xfrm>
+            <a:off x="21223513" y="19605705"/>
+            <a:ext cx="2395388" cy="307779"/>
+          </a:xfrm>
+          <a:prstGeom prst="rect">
+            <a:avLst/>
+          </a:prstGeom>
+          <a:noFill/>
+        </p:spPr>
+        <p:txBody>
+          <a:bodyPr wrap="square" lIns="114303" tIns="57151" rIns="114303" bIns="57151" rtlCol="0" anchor="t">
+            <a:spAutoFit/>
+          </a:bodyPr>
+          <a:lstStyle/>
+          <a:p>
+            <a:pPr algn="ctr"/>
+            <a:r>
+              <a:rPr lang="pt-BR" sz="1250" b="1" noProof="1">
+                <a:solidFill>
+                  <a:schemeClr val="accent1">
+                    <a:lumMod val="75000"/>
+                  </a:schemeClr>
+                </a:solidFill>
+                <a:latin typeface="Barlow" panose="00000500000000000000" pitchFamily="2" charset="0"/>
+                <a:ea typeface="Segoe UI Black"/>
+                <a:cs typeface="Segoe UI"/>
+              </a:rPr>
+              <a:t>Object Storage/Lakehouse</a:t>
+            </a:r>
+            <a:endParaRPr lang="pt-BR" sz="1250" b="1" noProof="1">
+              <a:solidFill>
+                <a:schemeClr val="accent1">
+                  <a:lumMod val="75000"/>
+                </a:schemeClr>
+              </a:solidFill>
+              <a:latin typeface="Barlow" panose="00000500000000000000" pitchFamily="2" charset="0"/>
+              <a:ea typeface="Segoe UI Black" panose="020B0A02040204020203" pitchFamily="34" charset="0"/>
+              <a:cs typeface="Segoe UI" panose="020B0502040204020203" pitchFamily="34" charset="0"/>
+            </a:endParaRPr>
+          </a:p>
+        </p:txBody>
+      </p:sp>
+      <p:sp>
+        <p:nvSpPr>
+          <p:cNvPr id="38" name="Retângulo: Cantos Arredondados 37">
+            <a:extLst>
+              <a:ext uri="{FF2B5EF4-FFF2-40B4-BE49-F238E27FC236}">
+                <a16:creationId xmlns:a16="http://schemas.microsoft.com/office/drawing/2014/main" id="{169FF493-5F87-3CB9-860A-0FAA462AE302}"/>
+              </a:ext>
+            </a:extLst>
+          </p:cNvPr>
+          <p:cNvSpPr/>
+          <p:nvPr/>
+        </p:nvSpPr>
+        <p:spPr>
+          <a:xfrm>
+            <a:off x="25660095" y="19961919"/>
+            <a:ext cx="1688028" cy="1006206"/>
+          </a:xfrm>
+          <a:prstGeom prst="roundRect">
+            <a:avLst>
+              <a:gd name="adj" fmla="val 4410"/>
+            </a:avLst>
+          </a:prstGeom>
+          <a:solidFill>
+            <a:schemeClr val="bg1"/>
+          </a:solidFill>
+          <a:ln w="19050">
+            <a:solidFill>
+              <a:schemeClr val="accent1">
+                <a:lumMod val="40000"/>
+                <a:lumOff val="60000"/>
+              </a:schemeClr>
+            </a:solidFill>
+            <a:prstDash val="sysDash"/>
+          </a:ln>
+        </p:spPr>
+        <p:style>
+          <a:lnRef idx="0">
+            <a:scrgbClr r="0" g="0" b="0"/>
+          </a:lnRef>
+          <a:fillRef idx="0">
+            <a:scrgbClr r="0" g="0" b="0"/>
+          </a:fillRef>
+          <a:effectRef idx="0">
+            <a:scrgbClr r="0" g="0" b="0"/>
+          </a:effectRef>
+          <a:fontRef idx="minor">
+            <a:schemeClr val="lt1"/>
+          </a:fontRef>
+        </p:style>
+        <p:txBody>
+          <a:bodyPr rtlCol="0" anchor="ctr"/>
+          <a:lstStyle/>
+          <a:p>
+            <a:pPr algn="ctr"/>
+            <a:endParaRPr lang="pt-BR" sz="2250">
+              <a:latin typeface="Barlow" panose="00000500000000000000" pitchFamily="2" charset="0"/>
+            </a:endParaRPr>
+          </a:p>
+        </p:txBody>
+      </p:sp>
+      <p:sp>
+        <p:nvSpPr>
+          <p:cNvPr id="39" name="CaixaDeTexto 38">
+            <a:extLst>
+              <a:ext uri="{FF2B5EF4-FFF2-40B4-BE49-F238E27FC236}">
+                <a16:creationId xmlns:a16="http://schemas.microsoft.com/office/drawing/2014/main" id="{364BEC24-0DDF-8741-6AA6-BCAD493F1FAF}"/>
+              </a:ext>
+            </a:extLst>
+          </p:cNvPr>
+          <p:cNvSpPr txBox="1"/>
+          <p:nvPr/>
+        </p:nvSpPr>
+        <p:spPr>
+          <a:xfrm>
+            <a:off x="26109041" y="19806564"/>
+            <a:ext cx="832185" cy="307779"/>
+          </a:xfrm>
+          <a:prstGeom prst="rect">
+            <a:avLst/>
+          </a:prstGeom>
+          <a:solidFill>
+            <a:schemeClr val="accent1">
+              <a:lumMod val="40000"/>
+              <a:lumOff val="60000"/>
+            </a:schemeClr>
+          </a:solidFill>
+          <a:ln>
+            <a:noFill/>
+          </a:ln>
+        </p:spPr>
+        <p:style>
+          <a:lnRef idx="0">
+            <a:scrgbClr r="0" g="0" b="0"/>
+          </a:lnRef>
+          <a:fillRef idx="0">
+            <a:scrgbClr r="0" g="0" b="0"/>
+          </a:fillRef>
+          <a:effectRef idx="0">
+            <a:scrgbClr r="0" g="0" b="0"/>
+          </a:effectRef>
+          <a:fontRef idx="minor">
+            <a:schemeClr val="lt1"/>
+          </a:fontRef>
+        </p:style>
+        <p:txBody>
+          <a:bodyPr wrap="square" lIns="114303" tIns="57151" rIns="114303" bIns="57151" rtlCol="0" anchor="t">
+            <a:spAutoFit/>
+          </a:bodyPr>
+          <a:lstStyle/>
+          <a:p>
+            <a:pPr algn="ctr"/>
+            <a:r>
+              <a:rPr lang="pt-BR" sz="1250" b="1" dirty="0">
+                <a:solidFill>
+                  <a:schemeClr val="accent1">
+                    <a:lumMod val="75000"/>
+                  </a:schemeClr>
+                </a:solidFill>
+                <a:latin typeface="Barlow" panose="00000500000000000000" pitchFamily="2" charset="0"/>
+                <a:ea typeface="Segoe UI Black"/>
+                <a:cs typeface="Segoe UI"/>
+              </a:rPr>
+              <a:t>SILVER</a:t>
+            </a:r>
+            <a:endParaRPr lang="pt-BR" sz="1250" b="1" dirty="0">
+              <a:solidFill>
+                <a:schemeClr val="accent1">
+                  <a:lumMod val="75000"/>
+                </a:schemeClr>
+              </a:solidFill>
+              <a:latin typeface="Barlow" panose="00000500000000000000" pitchFamily="2" charset="0"/>
+              <a:ea typeface="Segoe UI Black" panose="020B0A02040204020203" pitchFamily="34" charset="0"/>
+              <a:cs typeface="Segoe UI" panose="020B0502040204020203" pitchFamily="34" charset="0"/>
+            </a:endParaRPr>
+          </a:p>
+        </p:txBody>
+      </p:sp>
+      <p:sp>
+        <p:nvSpPr>
+          <p:cNvPr id="40" name="Retângulo: Cantos Arredondados 39">
+            <a:extLst>
+              <a:ext uri="{FF2B5EF4-FFF2-40B4-BE49-F238E27FC236}">
+                <a16:creationId xmlns:a16="http://schemas.microsoft.com/office/drawing/2014/main" id="{149785A0-D20F-7BA5-3B3E-628E8A1F3A58}"/>
+              </a:ext>
+            </a:extLst>
+          </p:cNvPr>
+          <p:cNvSpPr/>
+          <p:nvPr/>
+        </p:nvSpPr>
+        <p:spPr>
+          <a:xfrm>
+            <a:off x="27920879" y="19921843"/>
+            <a:ext cx="1573308" cy="1046282"/>
+          </a:xfrm>
+          <a:prstGeom prst="roundRect">
+            <a:avLst>
+              <a:gd name="adj" fmla="val 4410"/>
+            </a:avLst>
+          </a:prstGeom>
+          <a:solidFill>
+            <a:schemeClr val="bg1"/>
+          </a:solidFill>
+          <a:ln w="19050">
+            <a:solidFill>
+              <a:schemeClr val="accent1">
+                <a:lumMod val="40000"/>
+                <a:lumOff val="60000"/>
+              </a:schemeClr>
+            </a:solidFill>
+            <a:prstDash val="sysDash"/>
+          </a:ln>
+        </p:spPr>
+        <p:style>
+          <a:lnRef idx="0">
+            <a:scrgbClr r="0" g="0" b="0"/>
+          </a:lnRef>
+          <a:fillRef idx="0">
+            <a:scrgbClr r="0" g="0" b="0"/>
+          </a:fillRef>
+          <a:effectRef idx="0">
+            <a:scrgbClr r="0" g="0" b="0"/>
+          </a:effectRef>
+          <a:fontRef idx="minor">
+            <a:schemeClr val="lt1"/>
+          </a:fontRef>
+        </p:style>
+        <p:txBody>
+          <a:bodyPr rtlCol="0" anchor="ctr"/>
+          <a:lstStyle/>
+          <a:p>
+            <a:pPr algn="ctr"/>
+            <a:endParaRPr lang="pt-BR" sz="2250">
+              <a:latin typeface="Barlow" panose="00000500000000000000" pitchFamily="2" charset="0"/>
+            </a:endParaRPr>
+          </a:p>
+        </p:txBody>
+      </p:sp>
+      <p:sp>
+        <p:nvSpPr>
+          <p:cNvPr id="41" name="CaixaDeTexto 40">
+            <a:extLst>
+              <a:ext uri="{FF2B5EF4-FFF2-40B4-BE49-F238E27FC236}">
+                <a16:creationId xmlns:a16="http://schemas.microsoft.com/office/drawing/2014/main" id="{DBCF1294-0BFC-8317-93EA-3BF33C9D0FC4}"/>
+              </a:ext>
+            </a:extLst>
+          </p:cNvPr>
+          <p:cNvSpPr txBox="1"/>
+          <p:nvPr/>
+        </p:nvSpPr>
+        <p:spPr>
+          <a:xfrm>
+            <a:off x="28264790" y="19776588"/>
+            <a:ext cx="865721" cy="307779"/>
+          </a:xfrm>
+          <a:prstGeom prst="rect">
+            <a:avLst/>
+          </a:prstGeom>
+          <a:solidFill>
+            <a:schemeClr val="accent1">
+              <a:lumMod val="40000"/>
+              <a:lumOff val="60000"/>
+            </a:schemeClr>
+          </a:solidFill>
+          <a:ln>
+            <a:noFill/>
+          </a:ln>
+        </p:spPr>
+        <p:style>
+          <a:lnRef idx="0">
+            <a:scrgbClr r="0" g="0" b="0"/>
+          </a:lnRef>
+          <a:fillRef idx="0">
+            <a:scrgbClr r="0" g="0" b="0"/>
+          </a:fillRef>
+          <a:effectRef idx="0">
+            <a:scrgbClr r="0" g="0" b="0"/>
+          </a:effectRef>
+          <a:fontRef idx="minor">
+            <a:schemeClr val="lt1"/>
+          </a:fontRef>
+        </p:style>
+        <p:txBody>
+          <a:bodyPr wrap="square" lIns="114303" tIns="57151" rIns="114303" bIns="57151" rtlCol="0" anchor="t">
+            <a:spAutoFit/>
+          </a:bodyPr>
+          <a:lstStyle/>
+          <a:p>
+            <a:pPr algn="ctr"/>
+            <a:r>
+              <a:rPr lang="pt-BR" sz="1250" b="1" dirty="0">
+                <a:solidFill>
+                  <a:schemeClr val="accent1">
+                    <a:lumMod val="75000"/>
+                  </a:schemeClr>
+                </a:solidFill>
+                <a:latin typeface="Barlow" panose="00000500000000000000" pitchFamily="2" charset="0"/>
+                <a:ea typeface="Segoe UI Black"/>
+                <a:cs typeface="Segoe UI"/>
+              </a:rPr>
+              <a:t>GOLD</a:t>
+            </a:r>
+            <a:endParaRPr lang="pt-BR" sz="1250" b="1" dirty="0">
+              <a:solidFill>
+                <a:schemeClr val="accent1">
+                  <a:lumMod val="75000"/>
+                </a:schemeClr>
+              </a:solidFill>
+              <a:latin typeface="Barlow" panose="00000500000000000000" pitchFamily="2" charset="0"/>
+              <a:ea typeface="Segoe UI Black" panose="020B0A02040204020203" pitchFamily="34" charset="0"/>
+              <a:cs typeface="Segoe UI" panose="020B0502040204020203" pitchFamily="34" charset="0"/>
+            </a:endParaRPr>
+          </a:p>
+        </p:txBody>
+      </p:sp>
+      <p:sp>
+        <p:nvSpPr>
+          <p:cNvPr id="68" name="Retângulo 67">
+            <a:extLst>
+              <a:ext uri="{FF2B5EF4-FFF2-40B4-BE49-F238E27FC236}">
+                <a16:creationId xmlns:a16="http://schemas.microsoft.com/office/drawing/2014/main" id="{150FF2AA-65D3-85C7-BF72-EE1BA92731C2}"/>
+              </a:ext>
+            </a:extLst>
+          </p:cNvPr>
+          <p:cNvSpPr/>
+          <p:nvPr/>
+        </p:nvSpPr>
+        <p:spPr>
+          <a:xfrm>
+            <a:off x="17998230" y="16085953"/>
+            <a:ext cx="2263785" cy="494815"/>
+          </a:xfrm>
+          <a:prstGeom prst="rect">
+            <a:avLst/>
+          </a:prstGeom>
+          <a:noFill/>
+          <a:ln>
+            <a:noFill/>
+          </a:ln>
+        </p:spPr>
+        <p:style>
+          <a:lnRef idx="1">
+            <a:schemeClr val="accent2"/>
+          </a:lnRef>
+          <a:fillRef idx="2">
+            <a:schemeClr val="accent2"/>
+          </a:fillRef>
+          <a:effectRef idx="1">
+            <a:schemeClr val="accent2"/>
+          </a:effectRef>
+          <a:fontRef idx="minor">
+            <a:schemeClr val="dk1"/>
+          </a:fontRef>
+        </p:style>
+        <p:txBody>
+          <a:bodyPr rtlCol="0" anchor="ctr"/>
+          <a:lstStyle/>
+          <a:p>
+            <a:pPr algn="ctr"/>
+            <a:r>
+              <a:rPr lang="pt-BR" sz="1375" b="1" dirty="0">
+                <a:solidFill>
+                  <a:srgbClr val="3477B2"/>
+                </a:solidFill>
+                <a:latin typeface="Barlow" panose="00000500000000000000" pitchFamily="2" charset="0"/>
+                <a:cs typeface="Calibri"/>
+              </a:rPr>
+              <a:t>EXPLORAÇÃO</a:t>
+            </a:r>
+          </a:p>
+          <a:p>
+            <a:pPr algn="ctr"/>
+            <a:r>
+              <a:rPr lang="pt-BR" sz="1375" b="1" dirty="0">
+                <a:solidFill>
+                  <a:srgbClr val="3477B2"/>
+                </a:solidFill>
+                <a:latin typeface="Barlow" panose="00000500000000000000" pitchFamily="2" charset="0"/>
+                <a:cs typeface="Calibri"/>
+              </a:rPr>
+              <a:t>(Fontes de dados)</a:t>
+            </a:r>
+          </a:p>
+        </p:txBody>
+      </p:sp>
+      <p:sp>
+        <p:nvSpPr>
+          <p:cNvPr id="70" name="Retângulo 69">
+            <a:extLst>
+              <a:ext uri="{FF2B5EF4-FFF2-40B4-BE49-F238E27FC236}">
+                <a16:creationId xmlns:a16="http://schemas.microsoft.com/office/drawing/2014/main" id="{F1B42CC2-0B0F-B54D-5B31-80AC0CA31DD2}"/>
+              </a:ext>
+            </a:extLst>
+          </p:cNvPr>
+          <p:cNvSpPr/>
+          <p:nvPr/>
+        </p:nvSpPr>
+        <p:spPr>
+          <a:xfrm>
+            <a:off x="23417508" y="16839919"/>
+            <a:ext cx="2498821" cy="494815"/>
+          </a:xfrm>
+          <a:prstGeom prst="rect">
+            <a:avLst/>
+          </a:prstGeom>
+          <a:noFill/>
+          <a:ln>
+            <a:noFill/>
+          </a:ln>
+        </p:spPr>
+        <p:style>
+          <a:lnRef idx="1">
+            <a:schemeClr val="accent2"/>
+          </a:lnRef>
+          <a:fillRef idx="2">
+            <a:schemeClr val="accent2"/>
+          </a:fillRef>
+          <a:effectRef idx="1">
+            <a:schemeClr val="accent2"/>
+          </a:effectRef>
+          <a:fontRef idx="minor">
+            <a:schemeClr val="dk1"/>
+          </a:fontRef>
+        </p:style>
+        <p:txBody>
+          <a:bodyPr lIns="114303" tIns="57151" rIns="114303" bIns="57151" rtlCol="0" anchor="ctr"/>
+          <a:lstStyle/>
+          <a:p>
+            <a:pPr algn="ctr"/>
+            <a:r>
+              <a:rPr lang="pt-BR" sz="1375" b="1" dirty="0">
+                <a:solidFill>
+                  <a:srgbClr val="3477B2"/>
+                </a:solidFill>
+                <a:latin typeface="Barlow" panose="00000500000000000000" pitchFamily="2" charset="0"/>
+                <a:cs typeface="Calibri"/>
+              </a:rPr>
+              <a:t>INGESTÃO</a:t>
+            </a:r>
+            <a:endParaRPr lang="pt-BR" sz="2250" b="1" dirty="0">
+              <a:solidFill>
+                <a:srgbClr val="3477B2"/>
+              </a:solidFill>
+              <a:latin typeface="Barlow" panose="00000500000000000000" pitchFamily="2" charset="0"/>
+              <a:cs typeface="Calibri"/>
+            </a:endParaRPr>
+          </a:p>
+          <a:p>
+            <a:pPr algn="ctr"/>
+            <a:r>
+              <a:rPr lang="pt-BR" sz="1313" i="1" dirty="0">
+                <a:solidFill>
+                  <a:srgbClr val="3477B2"/>
+                </a:solidFill>
+                <a:latin typeface="Barlow" panose="00000500000000000000" pitchFamily="2" charset="0"/>
+                <a:cs typeface="Calibri"/>
+              </a:rPr>
+              <a:t>padronização em delta lake</a:t>
+            </a:r>
+          </a:p>
+        </p:txBody>
+      </p:sp>
+      <p:sp>
+        <p:nvSpPr>
+          <p:cNvPr id="71" name="Retângulo 70">
+            <a:extLst>
+              <a:ext uri="{FF2B5EF4-FFF2-40B4-BE49-F238E27FC236}">
+                <a16:creationId xmlns:a16="http://schemas.microsoft.com/office/drawing/2014/main" id="{09491DE4-607E-8AB6-D627-107AB8D370E6}"/>
+              </a:ext>
+            </a:extLst>
+          </p:cNvPr>
+          <p:cNvSpPr/>
+          <p:nvPr/>
+        </p:nvSpPr>
+        <p:spPr>
+          <a:xfrm>
+            <a:off x="25116897" y="16846949"/>
+            <a:ext cx="2944155" cy="494815"/>
+          </a:xfrm>
+          <a:prstGeom prst="rect">
+            <a:avLst/>
+          </a:prstGeom>
+          <a:noFill/>
+          <a:ln>
+            <a:noFill/>
+          </a:ln>
+        </p:spPr>
+        <p:style>
+          <a:lnRef idx="1">
+            <a:schemeClr val="accent2"/>
+          </a:lnRef>
+          <a:fillRef idx="2">
+            <a:schemeClr val="accent2"/>
+          </a:fillRef>
+          <a:effectRef idx="1">
+            <a:schemeClr val="accent2"/>
+          </a:effectRef>
+          <a:fontRef idx="minor">
+            <a:schemeClr val="dk1"/>
+          </a:fontRef>
+        </p:style>
+        <p:txBody>
+          <a:bodyPr lIns="114303" tIns="57151" rIns="114303" bIns="57151" rtlCol="0" anchor="ctr"/>
+          <a:lstStyle/>
+          <a:p>
+            <a:pPr algn="ctr"/>
+            <a:r>
+              <a:rPr lang="pt-BR" sz="1375" b="1" dirty="0">
+                <a:solidFill>
+                  <a:srgbClr val="3477B2"/>
+                </a:solidFill>
+                <a:latin typeface="Barlow" panose="00000500000000000000" pitchFamily="2" charset="0"/>
+                <a:cs typeface="Calibri"/>
+              </a:rPr>
+              <a:t>MODELAGEM</a:t>
+            </a:r>
+          </a:p>
+          <a:p>
+            <a:pPr algn="ctr"/>
+            <a:r>
+              <a:rPr lang="pt-BR" sz="1313" i="1" dirty="0">
+                <a:solidFill>
+                  <a:srgbClr val="3477B2"/>
+                </a:solidFill>
+                <a:latin typeface="Barlow" panose="00000500000000000000" pitchFamily="2" charset="0"/>
+                <a:cs typeface="Calibri"/>
+              </a:rPr>
+              <a:t>Tabelas Dim e Fact</a:t>
+            </a:r>
+          </a:p>
+        </p:txBody>
+      </p:sp>
+      <p:cxnSp>
+        <p:nvCxnSpPr>
+          <p:cNvPr id="72" name="Conector de Seta Reta 71">
+            <a:extLst>
+              <a:ext uri="{FF2B5EF4-FFF2-40B4-BE49-F238E27FC236}">
+                <a16:creationId xmlns:a16="http://schemas.microsoft.com/office/drawing/2014/main" id="{DC2E06A8-6126-0BA4-0E41-460322FBA712}"/>
+              </a:ext>
+            </a:extLst>
+          </p:cNvPr>
+          <p:cNvCxnSpPr>
+            <a:cxnSpLocks/>
+            <a:stCxn id="2" idx="1"/>
+          </p:cNvCxnSpPr>
+          <p:nvPr/>
+        </p:nvCxnSpPr>
+        <p:spPr>
+          <a:xfrm flipH="1">
+            <a:off x="20205424" y="17097484"/>
+            <a:ext cx="1216328" cy="44201"/>
+          </a:xfrm>
+          <a:prstGeom prst="straightConnector1">
+            <a:avLst/>
+          </a:prstGeom>
+          <a:ln w="19050">
+            <a:solidFill>
+              <a:schemeClr val="bg1">
+                <a:lumMod val="75000"/>
+              </a:schemeClr>
+            </a:solidFill>
+            <a:prstDash val="sysDot"/>
+            <a:tailEnd type="triangle"/>
+          </a:ln>
+        </p:spPr>
+        <p:style>
+          <a:lnRef idx="1">
+            <a:schemeClr val="accent1"/>
+          </a:lnRef>
+          <a:fillRef idx="0">
+            <a:schemeClr val="accent1"/>
+          </a:fillRef>
+          <a:effectRef idx="0">
+            <a:schemeClr val="accent1"/>
+          </a:effectRef>
+          <a:fontRef idx="minor">
+            <a:schemeClr val="tx1"/>
+          </a:fontRef>
+        </p:style>
+      </p:cxnSp>
+      <p:sp>
+        <p:nvSpPr>
+          <p:cNvPr id="75" name="Retângulo 74">
+            <a:extLst>
+              <a:ext uri="{FF2B5EF4-FFF2-40B4-BE49-F238E27FC236}">
+                <a16:creationId xmlns:a16="http://schemas.microsoft.com/office/drawing/2014/main" id="{38F4A272-C06F-2E86-BED2-B9055F1327A2}"/>
+              </a:ext>
+            </a:extLst>
+          </p:cNvPr>
+          <p:cNvSpPr/>
+          <p:nvPr/>
+        </p:nvSpPr>
+        <p:spPr>
+          <a:xfrm>
+            <a:off x="27505834" y="16844950"/>
+            <a:ext cx="2636714" cy="494815"/>
+          </a:xfrm>
+          <a:prstGeom prst="rect">
+            <a:avLst/>
+          </a:prstGeom>
+          <a:noFill/>
+          <a:ln>
+            <a:noFill/>
+          </a:ln>
+        </p:spPr>
+        <p:style>
+          <a:lnRef idx="1">
+            <a:schemeClr val="accent2"/>
+          </a:lnRef>
+          <a:fillRef idx="2">
+            <a:schemeClr val="accent2"/>
+          </a:fillRef>
+          <a:effectRef idx="1">
+            <a:schemeClr val="accent2"/>
+          </a:effectRef>
+          <a:fontRef idx="minor">
+            <a:schemeClr val="dk1"/>
+          </a:fontRef>
+        </p:style>
+        <p:txBody>
+          <a:bodyPr lIns="114303" tIns="57151" rIns="114303" bIns="57151" rtlCol="0" anchor="ctr"/>
+          <a:lstStyle/>
+          <a:p>
+            <a:pPr algn="ctr"/>
+            <a:r>
+              <a:rPr lang="pt-BR" sz="1375" b="1" dirty="0">
+                <a:solidFill>
+                  <a:srgbClr val="3477B2"/>
+                </a:solidFill>
+                <a:latin typeface="Barlow" panose="00000500000000000000" pitchFamily="2" charset="0"/>
+                <a:cs typeface="Calibri"/>
+              </a:rPr>
+              <a:t>ENTREGA</a:t>
+            </a:r>
+          </a:p>
+          <a:p>
+            <a:pPr algn="ctr"/>
+            <a:r>
+              <a:rPr lang="pt-BR" sz="1313" i="1" dirty="0">
+                <a:solidFill>
+                  <a:srgbClr val="3477B2"/>
+                </a:solidFill>
+                <a:latin typeface="Barlow" panose="00000500000000000000" pitchFamily="2" charset="0"/>
+                <a:cs typeface="Calibri"/>
+              </a:rPr>
+              <a:t>Análise de dados Machine Learming</a:t>
+            </a:r>
+            <a:endParaRPr lang="pt-BR" sz="2250" dirty="0">
+              <a:latin typeface="Barlow" panose="00000500000000000000" pitchFamily="2" charset="0"/>
+            </a:endParaRPr>
+          </a:p>
+        </p:txBody>
+      </p:sp>
+      <p:sp>
+        <p:nvSpPr>
+          <p:cNvPr id="76" name="CaixaDeTexto 75">
+            <a:extLst>
+              <a:ext uri="{FF2B5EF4-FFF2-40B4-BE49-F238E27FC236}">
+                <a16:creationId xmlns:a16="http://schemas.microsoft.com/office/drawing/2014/main" id="{09E2C944-4B59-947B-8BF8-FB2DF44C28D0}"/>
+              </a:ext>
+            </a:extLst>
+          </p:cNvPr>
+          <p:cNvSpPr txBox="1"/>
+          <p:nvPr/>
+        </p:nvSpPr>
+        <p:spPr>
+          <a:xfrm>
+            <a:off x="18300289" y="16993857"/>
+            <a:ext cx="1067892" cy="284693"/>
+          </a:xfrm>
+          <a:prstGeom prst="rect">
+            <a:avLst/>
+          </a:prstGeom>
+          <a:noFill/>
+        </p:spPr>
+        <p:txBody>
+          <a:bodyPr wrap="square" rtlCol="0">
+            <a:spAutoFit/>
+          </a:bodyPr>
+          <a:lstStyle/>
+          <a:p>
+            <a:r>
+              <a:rPr lang="pt-BR" sz="1250" b="1" dirty="0">
+                <a:solidFill>
+                  <a:schemeClr val="accent1">
+                    <a:lumMod val="75000"/>
+                  </a:schemeClr>
+                </a:solidFill>
+                <a:latin typeface="Barlow" panose="00000500000000000000" pitchFamily="2" charset="0"/>
+                <a:ea typeface="Segoe UI Black" panose="020B0A02040204020203" pitchFamily="34" charset="0"/>
+                <a:cs typeface="Segoe UI" panose="020B0502040204020203" pitchFamily="34" charset="0"/>
+              </a:rPr>
+              <a:t>NoSQL</a:t>
+            </a:r>
+          </a:p>
+        </p:txBody>
+      </p:sp>
+      <p:pic>
+        <p:nvPicPr>
+          <p:cNvPr id="77" name="Imagem 76">
+            <a:extLst>
+              <a:ext uri="{FF2B5EF4-FFF2-40B4-BE49-F238E27FC236}">
+                <a16:creationId xmlns:a16="http://schemas.microsoft.com/office/drawing/2014/main" id="{C61EFEED-8FC4-5ADC-D322-3FCC3811E214}"/>
+              </a:ext>
+            </a:extLst>
+          </p:cNvPr>
+          <p:cNvPicPr>
+            <a:picLocks noChangeAspect="1"/>
+          </p:cNvPicPr>
+          <p:nvPr/>
+        </p:nvPicPr>
+        <p:blipFill>
+          <a:blip r:embed="rId10"/>
+          <a:stretch>
+            <a:fillRect/>
+          </a:stretch>
+        </p:blipFill>
+        <p:spPr>
+          <a:xfrm>
+            <a:off x="19232573" y="17483016"/>
+            <a:ext cx="697384" cy="674519"/>
+          </a:xfrm>
+          <a:prstGeom prst="rect">
+            <a:avLst/>
+          </a:prstGeom>
+        </p:spPr>
+      </p:pic>
+      <p:pic>
+        <p:nvPicPr>
+          <p:cNvPr id="78" name="Imagem 77">
+            <a:extLst>
+              <a:ext uri="{FF2B5EF4-FFF2-40B4-BE49-F238E27FC236}">
+                <a16:creationId xmlns:a16="http://schemas.microsoft.com/office/drawing/2014/main" id="{C363D200-BB3C-53DB-6124-18639E8827B3}"/>
+              </a:ext>
+            </a:extLst>
+          </p:cNvPr>
+          <p:cNvPicPr>
+            <a:picLocks noChangeAspect="1"/>
+          </p:cNvPicPr>
+          <p:nvPr/>
+        </p:nvPicPr>
+        <p:blipFill>
+          <a:blip r:embed="rId11"/>
+          <a:stretch>
+            <a:fillRect/>
+          </a:stretch>
+        </p:blipFill>
+        <p:spPr>
+          <a:xfrm>
+            <a:off x="18364514" y="17327250"/>
+            <a:ext cx="1443480" cy="945729"/>
+          </a:xfrm>
+          <a:prstGeom prst="rect">
+            <a:avLst/>
+          </a:prstGeom>
+        </p:spPr>
+      </p:pic>
+      <p:sp>
+        <p:nvSpPr>
+          <p:cNvPr id="79" name="CaixaDeTexto 78">
+            <a:extLst>
+              <a:ext uri="{FF2B5EF4-FFF2-40B4-BE49-F238E27FC236}">
+                <a16:creationId xmlns:a16="http://schemas.microsoft.com/office/drawing/2014/main" id="{E466022D-72DA-B08D-EC54-429FABDCEBDD}"/>
+              </a:ext>
+            </a:extLst>
+          </p:cNvPr>
+          <p:cNvSpPr txBox="1"/>
+          <p:nvPr/>
+        </p:nvSpPr>
+        <p:spPr>
+          <a:xfrm>
+            <a:off x="21638561" y="16541897"/>
+            <a:ext cx="1925212" cy="307779"/>
+          </a:xfrm>
+          <a:prstGeom prst="rect">
+            <a:avLst/>
+          </a:prstGeom>
+          <a:solidFill>
+            <a:schemeClr val="accent1">
+              <a:lumMod val="40000"/>
+              <a:lumOff val="60000"/>
+            </a:schemeClr>
+          </a:solidFill>
+          <a:ln>
+            <a:noFill/>
+          </a:ln>
+        </p:spPr>
+        <p:style>
+          <a:lnRef idx="0">
+            <a:scrgbClr r="0" g="0" b="0"/>
+          </a:lnRef>
+          <a:fillRef idx="0">
+            <a:scrgbClr r="0" g="0" b="0"/>
+          </a:fillRef>
+          <a:effectRef idx="0">
+            <a:scrgbClr r="0" g="0" b="0"/>
+          </a:effectRef>
+          <a:fontRef idx="minor">
+            <a:schemeClr val="lt1"/>
+          </a:fontRef>
+        </p:style>
+        <p:txBody>
+          <a:bodyPr wrap="none" lIns="114303" tIns="57151" rIns="114303" bIns="57151" rtlCol="0" anchor="t">
+            <a:spAutoFit/>
+          </a:bodyPr>
+          <a:lstStyle/>
+          <a:p>
+            <a:pPr algn="ctr"/>
+            <a:r>
+              <a:rPr lang="pt-BR" sz="1250" b="1" dirty="0">
+                <a:solidFill>
+                  <a:schemeClr val="accent1">
+                    <a:lumMod val="75000"/>
+                  </a:schemeClr>
+                </a:solidFill>
+                <a:latin typeface="Barlow" panose="00000500000000000000" pitchFamily="2" charset="0"/>
+                <a:ea typeface="Segoe UI Black"/>
+                <a:cs typeface="Segoe UI"/>
+              </a:rPr>
+              <a:t>Pipeline (Orquestração)</a:t>
+            </a:r>
+            <a:endParaRPr lang="pt-BR" sz="1250" b="1" dirty="0">
+              <a:solidFill>
+                <a:schemeClr val="accent1">
+                  <a:lumMod val="75000"/>
+                </a:schemeClr>
+              </a:solidFill>
+              <a:latin typeface="Barlow" panose="00000500000000000000" pitchFamily="2" charset="0"/>
+              <a:ea typeface="Segoe UI Black" panose="020B0A02040204020203" pitchFamily="34" charset="0"/>
+              <a:cs typeface="Segoe UI" panose="020B0502040204020203" pitchFamily="34" charset="0"/>
+            </a:endParaRPr>
+          </a:p>
+        </p:txBody>
+      </p:sp>
+      <p:sp>
+        <p:nvSpPr>
+          <p:cNvPr id="80" name="Elipse 79">
+            <a:extLst>
+              <a:ext uri="{FF2B5EF4-FFF2-40B4-BE49-F238E27FC236}">
+                <a16:creationId xmlns:a16="http://schemas.microsoft.com/office/drawing/2014/main" id="{1C869BD3-A143-2901-7BE8-6D92B5BB7529}"/>
+              </a:ext>
+            </a:extLst>
+          </p:cNvPr>
+          <p:cNvSpPr/>
+          <p:nvPr/>
+        </p:nvSpPr>
+        <p:spPr>
+          <a:xfrm>
+            <a:off x="24506284" y="16584941"/>
+            <a:ext cx="249220" cy="249220"/>
+          </a:xfrm>
+          <a:prstGeom prst="ellipse">
+            <a:avLst/>
+          </a:prstGeom>
+          <a:solidFill>
+            <a:schemeClr val="accent1">
+              <a:lumMod val="40000"/>
+              <a:lumOff val="60000"/>
+            </a:schemeClr>
+          </a:solidFill>
+          <a:ln>
+            <a:noFill/>
+          </a:ln>
+        </p:spPr>
+        <p:style>
+          <a:lnRef idx="2">
+            <a:schemeClr val="accent1">
+              <a:shade val="15000"/>
+            </a:schemeClr>
+          </a:lnRef>
+          <a:fillRef idx="1">
+            <a:schemeClr val="accent1"/>
+          </a:fillRef>
+          <a:effectRef idx="0">
+            <a:schemeClr val="accent1"/>
+          </a:effectRef>
+          <a:fontRef idx="minor">
+            <a:schemeClr val="lt1"/>
+          </a:fontRef>
+        </p:style>
+        <p:txBody>
+          <a:bodyPr rtlCol="0" anchor="ctr"/>
+          <a:lstStyle/>
+          <a:p>
+            <a:pPr algn="ctr"/>
+            <a:r>
+              <a:rPr lang="pt-BR" sz="1400" dirty="0">
+                <a:latin typeface="Barlow" panose="00000500000000000000" pitchFamily="2" charset="0"/>
+              </a:rPr>
+              <a:t>1</a:t>
+            </a:r>
+          </a:p>
+        </p:txBody>
+      </p:sp>
+      <p:sp>
+        <p:nvSpPr>
+          <p:cNvPr id="101" name="Elipse 100">
+            <a:extLst>
+              <a:ext uri="{FF2B5EF4-FFF2-40B4-BE49-F238E27FC236}">
+                <a16:creationId xmlns:a16="http://schemas.microsoft.com/office/drawing/2014/main" id="{4E9C8171-3516-C14F-7D4C-EB31C6870495}"/>
+              </a:ext>
+            </a:extLst>
+          </p:cNvPr>
+          <p:cNvSpPr/>
+          <p:nvPr/>
+        </p:nvSpPr>
+        <p:spPr>
+          <a:xfrm>
+            <a:off x="26433792" y="16524081"/>
+            <a:ext cx="249220" cy="249220"/>
+          </a:xfrm>
+          <a:prstGeom prst="ellipse">
+            <a:avLst/>
+          </a:prstGeom>
+          <a:solidFill>
+            <a:schemeClr val="accent1">
+              <a:lumMod val="40000"/>
+              <a:lumOff val="60000"/>
+            </a:schemeClr>
+          </a:solidFill>
+          <a:ln>
+            <a:noFill/>
+          </a:ln>
+        </p:spPr>
+        <p:style>
+          <a:lnRef idx="2">
+            <a:schemeClr val="accent1">
+              <a:shade val="15000"/>
+            </a:schemeClr>
+          </a:lnRef>
+          <a:fillRef idx="1">
+            <a:schemeClr val="accent1"/>
+          </a:fillRef>
+          <a:effectRef idx="0">
+            <a:schemeClr val="accent1"/>
+          </a:effectRef>
+          <a:fontRef idx="minor">
+            <a:schemeClr val="lt1"/>
+          </a:fontRef>
+        </p:style>
+        <p:txBody>
+          <a:bodyPr rtlCol="0" anchor="ctr"/>
+          <a:lstStyle/>
+          <a:p>
+            <a:pPr algn="ctr"/>
+            <a:r>
+              <a:rPr lang="pt-BR" sz="1400" dirty="0">
+                <a:latin typeface="Barlow" panose="00000500000000000000" pitchFamily="2" charset="0"/>
+              </a:rPr>
+              <a:t>2</a:t>
+            </a:r>
+          </a:p>
+        </p:txBody>
+      </p:sp>
+      <p:sp>
+        <p:nvSpPr>
+          <p:cNvPr id="102" name="Elipse 101">
+            <a:extLst>
+              <a:ext uri="{FF2B5EF4-FFF2-40B4-BE49-F238E27FC236}">
+                <a16:creationId xmlns:a16="http://schemas.microsoft.com/office/drawing/2014/main" id="{6592443C-DCD6-B53D-DAD2-7149F82A7749}"/>
+              </a:ext>
+            </a:extLst>
+          </p:cNvPr>
+          <p:cNvSpPr/>
+          <p:nvPr/>
+        </p:nvSpPr>
+        <p:spPr>
+          <a:xfrm>
+            <a:off x="28652617" y="16505792"/>
+            <a:ext cx="249220" cy="249220"/>
+          </a:xfrm>
+          <a:prstGeom prst="ellipse">
+            <a:avLst/>
+          </a:prstGeom>
+          <a:solidFill>
+            <a:schemeClr val="accent1">
+              <a:lumMod val="40000"/>
+              <a:lumOff val="60000"/>
+            </a:schemeClr>
+          </a:solidFill>
+          <a:ln>
+            <a:noFill/>
+          </a:ln>
+        </p:spPr>
+        <p:style>
+          <a:lnRef idx="2">
+            <a:schemeClr val="accent1">
+              <a:shade val="15000"/>
+            </a:schemeClr>
+          </a:lnRef>
+          <a:fillRef idx="1">
+            <a:schemeClr val="accent1"/>
+          </a:fillRef>
+          <a:effectRef idx="0">
+            <a:schemeClr val="accent1"/>
+          </a:effectRef>
+          <a:fontRef idx="minor">
+            <a:schemeClr val="lt1"/>
+          </a:fontRef>
+        </p:style>
+        <p:txBody>
+          <a:bodyPr rtlCol="0" anchor="ctr"/>
+          <a:lstStyle/>
+          <a:p>
+            <a:pPr algn="ctr"/>
+            <a:r>
+              <a:rPr lang="pt-BR" sz="1400" dirty="0">
+                <a:latin typeface="Barlow" panose="00000500000000000000" pitchFamily="2" charset="0"/>
+              </a:rPr>
+              <a:t>3</a:t>
+            </a:r>
+          </a:p>
+        </p:txBody>
+      </p:sp>
+      <p:cxnSp>
+        <p:nvCxnSpPr>
+          <p:cNvPr id="103" name="Conector de Seta Reta 102">
+            <a:extLst>
+              <a:ext uri="{FF2B5EF4-FFF2-40B4-BE49-F238E27FC236}">
+                <a16:creationId xmlns:a16="http://schemas.microsoft.com/office/drawing/2014/main" id="{531D15E5-2E94-3D44-C0A8-0A49F3CA54EA}"/>
+              </a:ext>
+            </a:extLst>
+          </p:cNvPr>
+          <p:cNvCxnSpPr>
+            <a:cxnSpLocks/>
+          </p:cNvCxnSpPr>
+          <p:nvPr/>
+        </p:nvCxnSpPr>
+        <p:spPr>
+          <a:xfrm>
+            <a:off x="26854753" y="19006626"/>
+            <a:ext cx="0" cy="496452"/>
+          </a:xfrm>
+          <a:prstGeom prst="straightConnector1">
+            <a:avLst/>
+          </a:prstGeom>
+          <a:ln w="19050">
+            <a:solidFill>
+              <a:schemeClr val="bg1">
+                <a:lumMod val="75000"/>
+              </a:schemeClr>
+            </a:solidFill>
+            <a:prstDash val="sysDot"/>
+            <a:tailEnd type="triangle"/>
+          </a:ln>
+        </p:spPr>
+        <p:style>
+          <a:lnRef idx="1">
+            <a:schemeClr val="accent1"/>
+          </a:lnRef>
+          <a:fillRef idx="0">
+            <a:schemeClr val="accent1"/>
+          </a:fillRef>
+          <a:effectRef idx="0">
+            <a:schemeClr val="accent1"/>
+          </a:effectRef>
+          <a:fontRef idx="minor">
+            <a:schemeClr val="tx1"/>
+          </a:fontRef>
+        </p:style>
+      </p:cxnSp>
+      <p:sp>
+        <p:nvSpPr>
+          <p:cNvPr id="105" name="CaixaDeTexto 104">
+            <a:extLst>
+              <a:ext uri="{FF2B5EF4-FFF2-40B4-BE49-F238E27FC236}">
+                <a16:creationId xmlns:a16="http://schemas.microsoft.com/office/drawing/2014/main" id="{6896793A-E28F-0D2D-6062-ADC891AAE610}"/>
+              </a:ext>
+            </a:extLst>
+          </p:cNvPr>
+          <p:cNvSpPr txBox="1"/>
+          <p:nvPr/>
+        </p:nvSpPr>
+        <p:spPr>
+          <a:xfrm>
+            <a:off x="23825467" y="20184792"/>
+            <a:ext cx="1053187" cy="669416"/>
+          </a:xfrm>
+          <a:prstGeom prst="rect">
+            <a:avLst/>
+          </a:prstGeom>
+          <a:noFill/>
+        </p:spPr>
+        <p:txBody>
+          <a:bodyPr wrap="square" lIns="114303" tIns="57151" rIns="114303" bIns="57151" rtlCol="0" anchor="t">
+            <a:spAutoFit/>
+          </a:bodyPr>
+          <a:lstStyle/>
+          <a:p>
+            <a:r>
+              <a:rPr lang="pt-BR" sz="800" b="1" i="1" noProof="1">
+                <a:solidFill>
+                  <a:schemeClr val="accent2">
+                    <a:lumMod val="75000"/>
+                  </a:schemeClr>
+                </a:solidFill>
+                <a:latin typeface="Barlow" panose="00000500000000000000" pitchFamily="2" charset="0"/>
+                <a:ea typeface="Segoe UI Black"/>
+                <a:cs typeface="Segoe UI"/>
+              </a:rPr>
+              <a:t>Dados brutos: </a:t>
+            </a:r>
+          </a:p>
+          <a:p>
+            <a:r>
+              <a:rPr lang="pt-BR" sz="700" noProof="1">
+                <a:solidFill>
+                  <a:schemeClr val="accent2">
+                    <a:lumMod val="75000"/>
+                  </a:schemeClr>
+                </a:solidFill>
+                <a:latin typeface="Barlow" panose="00000500000000000000" pitchFamily="2" charset="0"/>
+                <a:ea typeface="Segoe UI Black"/>
+                <a:cs typeface="Segoe UI"/>
+              </a:rPr>
+              <a:t>/SME/Ano=2022</a:t>
+            </a:r>
+          </a:p>
+          <a:p>
+            <a:r>
+              <a:rPr lang="pt-BR" sz="700" noProof="1">
+                <a:solidFill>
+                  <a:schemeClr val="accent2">
+                    <a:lumMod val="75000"/>
+                  </a:schemeClr>
+                </a:solidFill>
+                <a:latin typeface="Barlow" panose="00000500000000000000" pitchFamily="2" charset="0"/>
+                <a:ea typeface="Segoe UI Black"/>
+                <a:cs typeface="Segoe UI"/>
+              </a:rPr>
+              <a:t>        /Ano=2023</a:t>
+            </a:r>
+            <a:r>
+              <a:rPr lang="pt-BR" sz="700" noProof="1">
+                <a:solidFill>
+                  <a:schemeClr val="accent2">
+                    <a:lumMod val="75000"/>
+                  </a:schemeClr>
+                </a:solidFill>
+                <a:latin typeface="Barlow" panose="00000500000000000000" pitchFamily="2" charset="0"/>
+                <a:ea typeface="Segoe UI Black" panose="020B0A02040204020203" pitchFamily="34" charset="0"/>
+                <a:cs typeface="Segoe UI" panose="020B0502040204020203" pitchFamily="34" charset="0"/>
+              </a:rPr>
+              <a:t> </a:t>
+            </a:r>
+          </a:p>
+          <a:p>
+            <a:endParaRPr lang="pt-BR" sz="700" noProof="1">
+              <a:solidFill>
+                <a:schemeClr val="accent2">
+                  <a:lumMod val="75000"/>
+                </a:schemeClr>
+              </a:solidFill>
+              <a:latin typeface="Barlow" panose="00000500000000000000" pitchFamily="2" charset="0"/>
+              <a:ea typeface="Segoe UI Black" panose="020B0A02040204020203" pitchFamily="34" charset="0"/>
+              <a:cs typeface="Segoe UI" panose="020B0502040204020203" pitchFamily="34" charset="0"/>
+            </a:endParaRPr>
+          </a:p>
+          <a:p>
+            <a:r>
+              <a:rPr lang="pt-BR" sz="700" noProof="1">
+                <a:solidFill>
+                  <a:schemeClr val="accent2">
+                    <a:lumMod val="75000"/>
+                  </a:schemeClr>
+                </a:solidFill>
+                <a:latin typeface="Barlow" panose="00000500000000000000" pitchFamily="2" charset="0"/>
+                <a:ea typeface="Segoe UI Black" panose="020B0A02040204020203" pitchFamily="34" charset="0"/>
+                <a:cs typeface="Segoe UI" panose="020B0502040204020203" pitchFamily="34" charset="0"/>
+              </a:rPr>
+              <a:t>/SiacWev...</a:t>
+            </a:r>
+          </a:p>
+        </p:txBody>
+      </p:sp>
+      <p:pic>
+        <p:nvPicPr>
+          <p:cNvPr id="107" name="Imagem 106">
+            <a:extLst>
+              <a:ext uri="{FF2B5EF4-FFF2-40B4-BE49-F238E27FC236}">
+                <a16:creationId xmlns:a16="http://schemas.microsoft.com/office/drawing/2014/main" id="{E2D7FF33-2DEE-E50B-C2B6-3F01FE0A605E}"/>
+              </a:ext>
+            </a:extLst>
+          </p:cNvPr>
+          <p:cNvPicPr>
+            <a:picLocks noChangeAspect="1"/>
+          </p:cNvPicPr>
+          <p:nvPr/>
+        </p:nvPicPr>
+        <p:blipFill>
+          <a:blip r:embed="rId12"/>
+          <a:stretch>
+            <a:fillRect/>
+          </a:stretch>
+        </p:blipFill>
+        <p:spPr>
+          <a:xfrm>
+            <a:off x="25750573" y="20479911"/>
+            <a:ext cx="488446" cy="394288"/>
+          </a:xfrm>
+          <a:prstGeom prst="rect">
+            <a:avLst/>
+          </a:prstGeom>
+        </p:spPr>
+      </p:pic>
+      <p:sp>
+        <p:nvSpPr>
+          <p:cNvPr id="108" name="CaixaDeTexto 107">
+            <a:extLst>
+              <a:ext uri="{FF2B5EF4-FFF2-40B4-BE49-F238E27FC236}">
+                <a16:creationId xmlns:a16="http://schemas.microsoft.com/office/drawing/2014/main" id="{C9516777-00E5-9300-BBFD-280432A94011}"/>
+              </a:ext>
+            </a:extLst>
+          </p:cNvPr>
+          <p:cNvSpPr txBox="1"/>
+          <p:nvPr/>
+        </p:nvSpPr>
+        <p:spPr>
+          <a:xfrm>
+            <a:off x="26288046" y="20160439"/>
+            <a:ext cx="1064414" cy="654027"/>
+          </a:xfrm>
+          <a:prstGeom prst="rect">
+            <a:avLst/>
+          </a:prstGeom>
+          <a:noFill/>
+        </p:spPr>
+        <p:txBody>
+          <a:bodyPr wrap="square" lIns="114303" tIns="57151" rIns="114303" bIns="57151" rtlCol="0" anchor="t">
+            <a:spAutoFit/>
+          </a:bodyPr>
+          <a:lstStyle/>
+          <a:p>
+            <a:r>
+              <a:rPr lang="pt-BR" sz="700" b="1" noProof="1">
+                <a:solidFill>
+                  <a:schemeClr val="accent2">
+                    <a:lumMod val="75000"/>
+                  </a:schemeClr>
+                </a:solidFill>
+                <a:latin typeface="Barlow" panose="00000500000000000000" pitchFamily="2" charset="0"/>
+                <a:ea typeface="Segoe UI Black"/>
+                <a:cs typeface="Segoe UI"/>
+              </a:rPr>
+              <a:t>Dados qualificados: </a:t>
+            </a:r>
+          </a:p>
+          <a:p>
+            <a:r>
+              <a:rPr lang="pt-BR" sz="700" noProof="1">
+                <a:solidFill>
+                  <a:schemeClr val="accent2">
+                    <a:lumMod val="75000"/>
+                  </a:schemeClr>
+                </a:solidFill>
+                <a:latin typeface="Barlow" panose="00000500000000000000" pitchFamily="2" charset="0"/>
+                <a:ea typeface="Segoe UI Black"/>
+                <a:cs typeface="Segoe UI"/>
+              </a:rPr>
+              <a:t>/SME/Ano=2022</a:t>
+            </a:r>
+          </a:p>
+          <a:p>
+            <a:r>
+              <a:rPr lang="pt-BR" sz="700" noProof="1">
+                <a:solidFill>
+                  <a:schemeClr val="accent2">
+                    <a:lumMod val="75000"/>
+                  </a:schemeClr>
+                </a:solidFill>
+                <a:latin typeface="Barlow" panose="00000500000000000000" pitchFamily="2" charset="0"/>
+                <a:ea typeface="Segoe UI Black"/>
+                <a:cs typeface="Segoe UI"/>
+              </a:rPr>
+              <a:t>        /Ano=2023</a:t>
+            </a:r>
+            <a:r>
+              <a:rPr lang="pt-BR" sz="700" noProof="1">
+                <a:solidFill>
+                  <a:schemeClr val="accent2">
+                    <a:lumMod val="75000"/>
+                  </a:schemeClr>
+                </a:solidFill>
+                <a:latin typeface="Barlow" panose="00000500000000000000" pitchFamily="2" charset="0"/>
+                <a:ea typeface="Segoe UI Black" panose="020B0A02040204020203" pitchFamily="34" charset="0"/>
+                <a:cs typeface="Segoe UI" panose="020B0502040204020203" pitchFamily="34" charset="0"/>
+              </a:rPr>
+              <a:t> </a:t>
+            </a:r>
+          </a:p>
+          <a:p>
+            <a:endParaRPr lang="pt-BR" sz="700" noProof="1">
+              <a:solidFill>
+                <a:schemeClr val="accent2">
+                  <a:lumMod val="75000"/>
+                </a:schemeClr>
+              </a:solidFill>
+              <a:latin typeface="Barlow" panose="00000500000000000000" pitchFamily="2" charset="0"/>
+              <a:ea typeface="Segoe UI Black" panose="020B0A02040204020203" pitchFamily="34" charset="0"/>
+              <a:cs typeface="Segoe UI" panose="020B0502040204020203" pitchFamily="34" charset="0"/>
+            </a:endParaRPr>
+          </a:p>
+          <a:p>
+            <a:r>
+              <a:rPr lang="pt-BR" sz="700" noProof="1">
+                <a:solidFill>
+                  <a:schemeClr val="accent2">
+                    <a:lumMod val="75000"/>
+                  </a:schemeClr>
+                </a:solidFill>
+                <a:latin typeface="Barlow" panose="00000500000000000000" pitchFamily="2" charset="0"/>
+                <a:ea typeface="Segoe UI Black" panose="020B0A02040204020203" pitchFamily="34" charset="0"/>
+                <a:cs typeface="Segoe UI" panose="020B0502040204020203" pitchFamily="34" charset="0"/>
+              </a:rPr>
+              <a:t>/SiacWev...</a:t>
+            </a:r>
+            <a:endParaRPr lang="pt-BR" sz="800" noProof="1">
+              <a:solidFill>
+                <a:schemeClr val="accent2">
+                  <a:lumMod val="75000"/>
+                </a:schemeClr>
+              </a:solidFill>
+              <a:latin typeface="Barlow" panose="00000500000000000000" pitchFamily="2" charset="0"/>
+              <a:ea typeface="Segoe UI Black" panose="020B0A02040204020203" pitchFamily="34" charset="0"/>
+              <a:cs typeface="Segoe UI" panose="020B0502040204020203" pitchFamily="34" charset="0"/>
+            </a:endParaRPr>
+          </a:p>
+        </p:txBody>
+      </p:sp>
+      <p:cxnSp>
+        <p:nvCxnSpPr>
+          <p:cNvPr id="109" name="Conector de Seta Reta 108">
+            <a:extLst>
+              <a:ext uri="{FF2B5EF4-FFF2-40B4-BE49-F238E27FC236}">
+                <a16:creationId xmlns:a16="http://schemas.microsoft.com/office/drawing/2014/main" id="{BF5C3574-6641-73D1-4959-A0EA6B8836C3}"/>
+              </a:ext>
+            </a:extLst>
+          </p:cNvPr>
+          <p:cNvCxnSpPr>
+            <a:cxnSpLocks/>
+          </p:cNvCxnSpPr>
+          <p:nvPr/>
+        </p:nvCxnSpPr>
+        <p:spPr>
+          <a:xfrm flipV="1">
+            <a:off x="24823338" y="17552523"/>
+            <a:ext cx="1" cy="722051"/>
+          </a:xfrm>
+          <a:prstGeom prst="straightConnector1">
+            <a:avLst/>
+          </a:prstGeom>
+          <a:ln w="19050">
+            <a:solidFill>
+              <a:schemeClr val="bg1">
+                <a:lumMod val="75000"/>
+              </a:schemeClr>
+            </a:solidFill>
+            <a:prstDash val="sysDot"/>
+            <a:tailEnd type="triangle"/>
+          </a:ln>
+        </p:spPr>
+        <p:style>
+          <a:lnRef idx="1">
+            <a:schemeClr val="accent1"/>
+          </a:lnRef>
+          <a:fillRef idx="0">
+            <a:schemeClr val="accent1"/>
+          </a:fillRef>
+          <a:effectRef idx="0">
+            <a:schemeClr val="accent1"/>
+          </a:effectRef>
+          <a:fontRef idx="minor">
+            <a:schemeClr val="tx1"/>
+          </a:fontRef>
+        </p:style>
+      </p:cxnSp>
+      <p:sp>
+        <p:nvSpPr>
+          <p:cNvPr id="110" name="CaixaDeTexto 109">
+            <a:extLst>
+              <a:ext uri="{FF2B5EF4-FFF2-40B4-BE49-F238E27FC236}">
+                <a16:creationId xmlns:a16="http://schemas.microsoft.com/office/drawing/2014/main" id="{913144CE-96FA-44BD-90C8-BB087A5FD5C6}"/>
+              </a:ext>
+            </a:extLst>
+          </p:cNvPr>
+          <p:cNvSpPr txBox="1"/>
+          <p:nvPr/>
+        </p:nvSpPr>
+        <p:spPr>
+          <a:xfrm>
+            <a:off x="28520078" y="20153530"/>
+            <a:ext cx="1124409" cy="546305"/>
+          </a:xfrm>
+          <a:prstGeom prst="rect">
+            <a:avLst/>
+          </a:prstGeom>
+          <a:noFill/>
+        </p:spPr>
+        <p:txBody>
+          <a:bodyPr wrap="square" lIns="114303" tIns="57151" rIns="114303" bIns="57151" rtlCol="0" anchor="t">
+            <a:spAutoFit/>
+          </a:bodyPr>
+          <a:lstStyle/>
+          <a:p>
+            <a:r>
+              <a:rPr lang="pt-BR" sz="700" b="1" noProof="1">
+                <a:solidFill>
+                  <a:schemeClr val="accent2">
+                    <a:lumMod val="75000"/>
+                  </a:schemeClr>
+                </a:solidFill>
+                <a:latin typeface="Barlow" panose="00000500000000000000" pitchFamily="2" charset="0"/>
+                <a:ea typeface="Segoe UI Black"/>
+                <a:cs typeface="Segoe UI"/>
+              </a:rPr>
+              <a:t>Dados modelados: </a:t>
+            </a:r>
+          </a:p>
+          <a:p>
+            <a:r>
+              <a:rPr lang="pt-BR" sz="700" noProof="1">
+                <a:solidFill>
+                  <a:schemeClr val="accent2">
+                    <a:lumMod val="75000"/>
+                  </a:schemeClr>
+                </a:solidFill>
+                <a:latin typeface="Barlow" panose="00000500000000000000" pitchFamily="2" charset="0"/>
+                <a:ea typeface="Segoe UI Black"/>
+                <a:cs typeface="Segoe UI"/>
+              </a:rPr>
+              <a:t>/Atendimentos</a:t>
+            </a:r>
+          </a:p>
+          <a:p>
+            <a:r>
+              <a:rPr lang="pt-BR" sz="700" noProof="1">
+                <a:solidFill>
+                  <a:schemeClr val="accent2">
+                    <a:lumMod val="75000"/>
+                  </a:schemeClr>
+                </a:solidFill>
+                <a:latin typeface="Barlow" panose="00000500000000000000" pitchFamily="2" charset="0"/>
+                <a:ea typeface="Segoe UI Black"/>
+                <a:cs typeface="Segoe UI"/>
+              </a:rPr>
+              <a:t>	/Dim</a:t>
+            </a:r>
+          </a:p>
+          <a:p>
+            <a:r>
+              <a:rPr lang="pt-BR" sz="700" noProof="1">
+                <a:solidFill>
+                  <a:schemeClr val="accent2">
+                    <a:lumMod val="75000"/>
+                  </a:schemeClr>
+                </a:solidFill>
+                <a:latin typeface="Barlow" panose="00000500000000000000" pitchFamily="2" charset="0"/>
+                <a:ea typeface="Segoe UI Black"/>
+                <a:cs typeface="Segoe UI"/>
+              </a:rPr>
+              <a:t>	/Fact</a:t>
+            </a:r>
+          </a:p>
+        </p:txBody>
+      </p:sp>
+      <p:pic>
+        <p:nvPicPr>
+          <p:cNvPr id="111" name="Imagem 110">
+            <a:extLst>
+              <a:ext uri="{FF2B5EF4-FFF2-40B4-BE49-F238E27FC236}">
+                <a16:creationId xmlns:a16="http://schemas.microsoft.com/office/drawing/2014/main" id="{CAD3E336-FDEA-370B-2345-90FF991463C9}"/>
+              </a:ext>
+            </a:extLst>
+          </p:cNvPr>
+          <p:cNvPicPr>
+            <a:picLocks noChangeAspect="1"/>
+          </p:cNvPicPr>
+          <p:nvPr/>
+        </p:nvPicPr>
+        <p:blipFill>
+          <a:blip r:embed="rId12"/>
+          <a:stretch>
+            <a:fillRect/>
+          </a:stretch>
+        </p:blipFill>
+        <p:spPr>
+          <a:xfrm>
+            <a:off x="28010195" y="20491776"/>
+            <a:ext cx="488446" cy="394288"/>
+          </a:xfrm>
+          <a:prstGeom prst="rect">
+            <a:avLst/>
+          </a:prstGeom>
+        </p:spPr>
+      </p:pic>
+      <p:sp>
+        <p:nvSpPr>
+          <p:cNvPr id="112" name="CaixaDeTexto 111">
+            <a:extLst>
+              <a:ext uri="{FF2B5EF4-FFF2-40B4-BE49-F238E27FC236}">
+                <a16:creationId xmlns:a16="http://schemas.microsoft.com/office/drawing/2014/main" id="{CC1DC7FC-36DE-90F1-C9A0-AE72E0F295D6}"/>
+              </a:ext>
+            </a:extLst>
+          </p:cNvPr>
+          <p:cNvSpPr txBox="1"/>
+          <p:nvPr/>
+        </p:nvSpPr>
+        <p:spPr>
+          <a:xfrm>
+            <a:off x="23235626" y="20923775"/>
+            <a:ext cx="1375020" cy="253918"/>
+          </a:xfrm>
+          <a:prstGeom prst="rect">
+            <a:avLst/>
+          </a:prstGeom>
+          <a:noFill/>
+        </p:spPr>
+        <p:txBody>
+          <a:bodyPr wrap="square" lIns="114303" tIns="57151" rIns="114303" bIns="57151" rtlCol="0" anchor="t">
+            <a:spAutoFit/>
+          </a:bodyPr>
+          <a:lstStyle/>
+          <a:p>
+            <a:r>
+              <a:rPr lang="pt-BR" sz="900" i="1" noProof="1">
+                <a:solidFill>
+                  <a:schemeClr val="accent1">
+                    <a:lumMod val="50000"/>
+                  </a:schemeClr>
+                </a:solidFill>
+                <a:latin typeface="Barlow" panose="00000500000000000000" pitchFamily="2" charset="0"/>
+                <a:ea typeface="Segoe UI Black"/>
+                <a:cs typeface="Segoe UI"/>
+              </a:rPr>
+              <a:t>* Ingestão e histórico</a:t>
+            </a:r>
+            <a:endParaRPr lang="pt-BR" sz="900" i="1" noProof="1">
+              <a:solidFill>
+                <a:schemeClr val="accent1">
+                  <a:lumMod val="50000"/>
+                </a:schemeClr>
+              </a:solidFill>
+              <a:latin typeface="Barlow" panose="00000500000000000000" pitchFamily="2" charset="0"/>
+              <a:ea typeface="Segoe UI Black" panose="020B0A02040204020203" pitchFamily="34" charset="0"/>
+              <a:cs typeface="Segoe UI" panose="020B0502040204020203" pitchFamily="34" charset="0"/>
+            </a:endParaRPr>
+          </a:p>
+        </p:txBody>
+      </p:sp>
+      <p:sp>
+        <p:nvSpPr>
+          <p:cNvPr id="113" name="CaixaDeTexto 112">
+            <a:extLst>
+              <a:ext uri="{FF2B5EF4-FFF2-40B4-BE49-F238E27FC236}">
+                <a16:creationId xmlns:a16="http://schemas.microsoft.com/office/drawing/2014/main" id="{1E74676B-986F-A085-86E2-4B0A49BFE923}"/>
+              </a:ext>
+            </a:extLst>
+          </p:cNvPr>
+          <p:cNvSpPr txBox="1"/>
+          <p:nvPr/>
+        </p:nvSpPr>
+        <p:spPr>
+          <a:xfrm>
+            <a:off x="25584115" y="20943556"/>
+            <a:ext cx="2073308" cy="253918"/>
+          </a:xfrm>
+          <a:prstGeom prst="rect">
+            <a:avLst/>
+          </a:prstGeom>
+          <a:noFill/>
+        </p:spPr>
+        <p:txBody>
+          <a:bodyPr wrap="square" lIns="114303" tIns="57151" rIns="114303" bIns="57151" rtlCol="0" anchor="t">
+            <a:spAutoFit/>
+          </a:bodyPr>
+          <a:lstStyle/>
+          <a:p>
+            <a:r>
+              <a:rPr lang="pt-BR" sz="900" i="1" noProof="1">
+                <a:solidFill>
+                  <a:schemeClr val="accent1">
+                    <a:lumMod val="50000"/>
+                  </a:schemeClr>
+                </a:solidFill>
+                <a:latin typeface="Barlow" panose="00000500000000000000" pitchFamily="2" charset="0"/>
+                <a:ea typeface="Segoe UI Black"/>
+                <a:cs typeface="Segoe UI"/>
+              </a:rPr>
+              <a:t>* Filtros, limpeza e enriquecimento</a:t>
+            </a:r>
+            <a:endParaRPr lang="pt-BR" sz="900" i="1" noProof="1">
+              <a:solidFill>
+                <a:schemeClr val="accent1">
+                  <a:lumMod val="50000"/>
+                </a:schemeClr>
+              </a:solidFill>
+              <a:latin typeface="Barlow" panose="00000500000000000000" pitchFamily="2" charset="0"/>
+              <a:ea typeface="Segoe UI Black" panose="020B0A02040204020203" pitchFamily="34" charset="0"/>
+              <a:cs typeface="Segoe UI" panose="020B0502040204020203" pitchFamily="34" charset="0"/>
+            </a:endParaRPr>
+          </a:p>
+        </p:txBody>
+      </p:sp>
+      <p:sp>
+        <p:nvSpPr>
+          <p:cNvPr id="114" name="CaixaDeTexto 113">
+            <a:extLst>
+              <a:ext uri="{FF2B5EF4-FFF2-40B4-BE49-F238E27FC236}">
+                <a16:creationId xmlns:a16="http://schemas.microsoft.com/office/drawing/2014/main" id="{B5F046DA-B5D9-1BF8-A8B0-FFFE55711898}"/>
+              </a:ext>
+            </a:extLst>
+          </p:cNvPr>
+          <p:cNvSpPr txBox="1"/>
+          <p:nvPr/>
+        </p:nvSpPr>
+        <p:spPr>
+          <a:xfrm>
+            <a:off x="27853233" y="20936431"/>
+            <a:ext cx="2073308" cy="253918"/>
+          </a:xfrm>
+          <a:prstGeom prst="rect">
+            <a:avLst/>
+          </a:prstGeom>
+          <a:noFill/>
+        </p:spPr>
+        <p:txBody>
+          <a:bodyPr wrap="square" lIns="114303" tIns="57151" rIns="114303" bIns="57151" rtlCol="0" anchor="t">
+            <a:spAutoFit/>
+          </a:bodyPr>
+          <a:lstStyle/>
+          <a:p>
+            <a:r>
+              <a:rPr lang="pt-BR" sz="900" i="1" noProof="1">
+                <a:solidFill>
+                  <a:schemeClr val="accent1">
+                    <a:lumMod val="50000"/>
+                  </a:schemeClr>
+                </a:solidFill>
+                <a:latin typeface="Barlow" panose="00000500000000000000" pitchFamily="2" charset="0"/>
+                <a:ea typeface="Segoe UI Black"/>
+                <a:cs typeface="Segoe UI"/>
+              </a:rPr>
+              <a:t>* Metricas, semântica e agregação</a:t>
+            </a:r>
+            <a:endParaRPr lang="pt-BR" sz="900" i="1" noProof="1">
+              <a:solidFill>
+                <a:schemeClr val="accent1">
+                  <a:lumMod val="50000"/>
+                </a:schemeClr>
+              </a:solidFill>
+              <a:latin typeface="Barlow" panose="00000500000000000000" pitchFamily="2" charset="0"/>
+              <a:ea typeface="Segoe UI Black" panose="020B0A02040204020203" pitchFamily="34" charset="0"/>
+              <a:cs typeface="Segoe UI" panose="020B0502040204020203" pitchFamily="34" charset="0"/>
+            </a:endParaRPr>
+          </a:p>
+        </p:txBody>
+      </p:sp>
+      <p:cxnSp>
+        <p:nvCxnSpPr>
+          <p:cNvPr id="115" name="Conector de Seta Reta 114">
+            <a:extLst>
+              <a:ext uri="{FF2B5EF4-FFF2-40B4-BE49-F238E27FC236}">
+                <a16:creationId xmlns:a16="http://schemas.microsoft.com/office/drawing/2014/main" id="{213CAAC7-9220-FA92-AE2F-3CC112101894}"/>
+              </a:ext>
+            </a:extLst>
+          </p:cNvPr>
+          <p:cNvCxnSpPr>
+            <a:cxnSpLocks/>
+          </p:cNvCxnSpPr>
+          <p:nvPr/>
+        </p:nvCxnSpPr>
+        <p:spPr>
+          <a:xfrm>
+            <a:off x="24561839" y="17590486"/>
+            <a:ext cx="0" cy="674588"/>
+          </a:xfrm>
+          <a:prstGeom prst="straightConnector1">
+            <a:avLst/>
+          </a:prstGeom>
+          <a:ln w="19050">
+            <a:solidFill>
+              <a:schemeClr val="bg1">
+                <a:lumMod val="75000"/>
+              </a:schemeClr>
+            </a:solidFill>
+            <a:prstDash val="sysDot"/>
+            <a:tailEnd type="triangle"/>
+          </a:ln>
+        </p:spPr>
+        <p:style>
+          <a:lnRef idx="1">
+            <a:schemeClr val="accent1"/>
+          </a:lnRef>
+          <a:fillRef idx="0">
+            <a:schemeClr val="accent1"/>
+          </a:fillRef>
+          <a:effectRef idx="0">
+            <a:schemeClr val="accent1"/>
+          </a:effectRef>
+          <a:fontRef idx="minor">
+            <a:schemeClr val="tx1"/>
+          </a:fontRef>
+        </p:style>
+      </p:cxnSp>
+      <p:sp>
+        <p:nvSpPr>
+          <p:cNvPr id="116" name="Retângulo: Cantos Arredondados 115">
+            <a:extLst>
+              <a:ext uri="{FF2B5EF4-FFF2-40B4-BE49-F238E27FC236}">
+                <a16:creationId xmlns:a16="http://schemas.microsoft.com/office/drawing/2014/main" id="{EA4EF445-CCCD-17AC-683F-F0CD4EAEDCE7}"/>
+              </a:ext>
+            </a:extLst>
+          </p:cNvPr>
+          <p:cNvSpPr/>
+          <p:nvPr/>
+        </p:nvSpPr>
+        <p:spPr>
+          <a:xfrm>
+            <a:off x="21331218" y="18360381"/>
+            <a:ext cx="8811330" cy="638207"/>
+          </a:xfrm>
+          <a:prstGeom prst="roundRect">
+            <a:avLst>
+              <a:gd name="adj" fmla="val 4410"/>
+            </a:avLst>
+          </a:prstGeom>
+          <a:noFill/>
+          <a:ln w="28575">
+            <a:solidFill>
+              <a:schemeClr val="accent1">
+                <a:lumMod val="40000"/>
+                <a:lumOff val="60000"/>
+              </a:schemeClr>
+            </a:solidFill>
+            <a:prstDash val="sysDash"/>
+          </a:ln>
+        </p:spPr>
+        <p:style>
+          <a:lnRef idx="0">
+            <a:scrgbClr r="0" g="0" b="0"/>
+          </a:lnRef>
+          <a:fillRef idx="0">
+            <a:scrgbClr r="0" g="0" b="0"/>
+          </a:fillRef>
+          <a:effectRef idx="0">
+            <a:scrgbClr r="0" g="0" b="0"/>
+          </a:effectRef>
+          <a:fontRef idx="minor">
+            <a:schemeClr val="lt1"/>
+          </a:fontRef>
+        </p:style>
+        <p:txBody>
+          <a:bodyPr rtlCol="0" anchor="ctr"/>
+          <a:lstStyle/>
+          <a:p>
+            <a:pPr algn="ctr"/>
+            <a:endParaRPr lang="pt-BR" sz="2250">
+              <a:latin typeface="Barlow" panose="00000500000000000000" pitchFamily="2" charset="0"/>
+            </a:endParaRPr>
+          </a:p>
+        </p:txBody>
+      </p:sp>
+      <p:sp>
+        <p:nvSpPr>
+          <p:cNvPr id="117" name="CaixaDeTexto 116">
+            <a:extLst>
+              <a:ext uri="{FF2B5EF4-FFF2-40B4-BE49-F238E27FC236}">
+                <a16:creationId xmlns:a16="http://schemas.microsoft.com/office/drawing/2014/main" id="{21FF14F9-0C21-0B85-A0AB-E002E77658E0}"/>
+              </a:ext>
+            </a:extLst>
+          </p:cNvPr>
+          <p:cNvSpPr txBox="1"/>
+          <p:nvPr/>
+        </p:nvSpPr>
+        <p:spPr>
+          <a:xfrm>
+            <a:off x="21471467" y="18434917"/>
+            <a:ext cx="1583655" cy="500139"/>
+          </a:xfrm>
+          <a:prstGeom prst="rect">
+            <a:avLst/>
+          </a:prstGeom>
+          <a:noFill/>
+        </p:spPr>
+        <p:txBody>
+          <a:bodyPr wrap="square" lIns="114303" tIns="57151" rIns="114303" bIns="57151" rtlCol="0" anchor="t">
+            <a:spAutoFit/>
+          </a:bodyPr>
+          <a:lstStyle/>
+          <a:p>
+            <a:pPr algn="ctr"/>
+            <a:r>
+              <a:rPr lang="pt-BR" sz="1250" b="1" noProof="1">
+                <a:solidFill>
+                  <a:schemeClr val="accent1">
+                    <a:lumMod val="75000"/>
+                  </a:schemeClr>
+                </a:solidFill>
+                <a:latin typeface="Barlow" panose="00000500000000000000" pitchFamily="2" charset="0"/>
+                <a:ea typeface="Segoe UI Black"/>
+                <a:cs typeface="Segoe UI"/>
+              </a:rPr>
+              <a:t>Engine de </a:t>
+            </a:r>
+          </a:p>
+          <a:p>
+            <a:pPr algn="ctr"/>
+            <a:r>
+              <a:rPr lang="pt-BR" sz="1250" b="1" noProof="1">
+                <a:solidFill>
+                  <a:schemeClr val="accent1">
+                    <a:lumMod val="75000"/>
+                  </a:schemeClr>
+                </a:solidFill>
+                <a:latin typeface="Barlow" panose="00000500000000000000" pitchFamily="2" charset="0"/>
+                <a:ea typeface="Segoe UI Black"/>
+                <a:cs typeface="Segoe UI"/>
+              </a:rPr>
+              <a:t>Processamento</a:t>
+            </a:r>
+            <a:endParaRPr lang="pt-BR" sz="1250" b="1" noProof="1">
+              <a:solidFill>
+                <a:schemeClr val="accent1">
+                  <a:lumMod val="75000"/>
+                </a:schemeClr>
+              </a:solidFill>
+              <a:latin typeface="Barlow" panose="00000500000000000000" pitchFamily="2" charset="0"/>
+              <a:ea typeface="Segoe UI Black" panose="020B0A02040204020203" pitchFamily="34" charset="0"/>
+              <a:cs typeface="Segoe UI" panose="020B0502040204020203" pitchFamily="34" charset="0"/>
+            </a:endParaRPr>
+          </a:p>
+        </p:txBody>
+      </p:sp>
+      <p:pic>
+        <p:nvPicPr>
+          <p:cNvPr id="118" name="Imagem 117">
+            <a:extLst>
+              <a:ext uri="{FF2B5EF4-FFF2-40B4-BE49-F238E27FC236}">
+                <a16:creationId xmlns:a16="http://schemas.microsoft.com/office/drawing/2014/main" id="{8B3144C5-42F3-0018-F14A-727831BF9AA0}"/>
+              </a:ext>
+            </a:extLst>
+          </p:cNvPr>
+          <p:cNvPicPr>
+            <a:picLocks noChangeAspect="1"/>
+          </p:cNvPicPr>
+          <p:nvPr/>
+        </p:nvPicPr>
+        <p:blipFill>
+          <a:blip r:embed="rId14">
+            <a:clrChange>
+              <a:clrFrom>
+                <a:srgbClr val="FFFFFF"/>
+              </a:clrFrom>
+              <a:clrTo>
+                <a:srgbClr val="FFFFFF">
+                  <a:alpha val="0"/>
+                </a:srgbClr>
+              </a:clrTo>
+            </a:clrChange>
+          </a:blip>
+          <a:stretch>
+            <a:fillRect/>
+          </a:stretch>
+        </p:blipFill>
+        <p:spPr>
+          <a:xfrm>
+            <a:off x="23459810" y="20200764"/>
+            <a:ext cx="299849" cy="294495"/>
+          </a:xfrm>
+          <a:prstGeom prst="rect">
+            <a:avLst/>
+          </a:prstGeom>
+        </p:spPr>
+      </p:pic>
+      <p:pic>
+        <p:nvPicPr>
+          <p:cNvPr id="119" name="Imagem 118">
+            <a:extLst>
+              <a:ext uri="{FF2B5EF4-FFF2-40B4-BE49-F238E27FC236}">
+                <a16:creationId xmlns:a16="http://schemas.microsoft.com/office/drawing/2014/main" id="{4BA21E50-997F-5829-CF06-2E2DA3620204}"/>
+              </a:ext>
+            </a:extLst>
+          </p:cNvPr>
+          <p:cNvPicPr>
+            <a:picLocks noChangeAspect="1"/>
+          </p:cNvPicPr>
+          <p:nvPr/>
+        </p:nvPicPr>
+        <p:blipFill>
+          <a:blip r:embed="rId14">
+            <a:clrChange>
+              <a:clrFrom>
+                <a:srgbClr val="FFFFFF"/>
+              </a:clrFrom>
+              <a:clrTo>
+                <a:srgbClr val="FFFFFF">
+                  <a:alpha val="0"/>
+                </a:srgbClr>
+              </a:clrTo>
+            </a:clrChange>
+          </a:blip>
+          <a:stretch>
+            <a:fillRect/>
+          </a:stretch>
+        </p:blipFill>
+        <p:spPr>
+          <a:xfrm>
+            <a:off x="25822567" y="20200764"/>
+            <a:ext cx="299849" cy="294495"/>
+          </a:xfrm>
+          <a:prstGeom prst="rect">
+            <a:avLst/>
+          </a:prstGeom>
+        </p:spPr>
+      </p:pic>
+      <p:pic>
+        <p:nvPicPr>
+          <p:cNvPr id="120" name="Imagem 119">
+            <a:extLst>
+              <a:ext uri="{FF2B5EF4-FFF2-40B4-BE49-F238E27FC236}">
+                <a16:creationId xmlns:a16="http://schemas.microsoft.com/office/drawing/2014/main" id="{0F5C3B67-BF26-1999-2E33-0A008F8F7239}"/>
+              </a:ext>
+            </a:extLst>
+          </p:cNvPr>
+          <p:cNvPicPr>
+            <a:picLocks noChangeAspect="1"/>
+          </p:cNvPicPr>
+          <p:nvPr/>
+        </p:nvPicPr>
+        <p:blipFill>
+          <a:blip r:embed="rId14">
+            <a:clrChange>
+              <a:clrFrom>
+                <a:srgbClr val="FFFFFF"/>
+              </a:clrFrom>
+              <a:clrTo>
+                <a:srgbClr val="FFFFFF">
+                  <a:alpha val="0"/>
+                </a:srgbClr>
+              </a:clrTo>
+            </a:clrChange>
+          </a:blip>
+          <a:stretch>
+            <a:fillRect/>
+          </a:stretch>
+        </p:blipFill>
+        <p:spPr>
+          <a:xfrm>
+            <a:off x="28098718" y="20211291"/>
+            <a:ext cx="299849" cy="294495"/>
+          </a:xfrm>
+          <a:prstGeom prst="rect">
+            <a:avLst/>
+          </a:prstGeom>
+        </p:spPr>
+      </p:pic>
+      <p:cxnSp>
+        <p:nvCxnSpPr>
+          <p:cNvPr id="121" name="Conector de Seta Reta 120">
+            <a:extLst>
+              <a:ext uri="{FF2B5EF4-FFF2-40B4-BE49-F238E27FC236}">
+                <a16:creationId xmlns:a16="http://schemas.microsoft.com/office/drawing/2014/main" id="{E0EB86F0-31D8-FB3A-1881-EBEB09F506C4}"/>
+              </a:ext>
+            </a:extLst>
+          </p:cNvPr>
+          <p:cNvCxnSpPr>
+            <a:cxnSpLocks/>
+          </p:cNvCxnSpPr>
+          <p:nvPr/>
+        </p:nvCxnSpPr>
+        <p:spPr>
+          <a:xfrm flipV="1">
+            <a:off x="26855406" y="17552655"/>
+            <a:ext cx="1" cy="722051"/>
+          </a:xfrm>
+          <a:prstGeom prst="straightConnector1">
+            <a:avLst/>
+          </a:prstGeom>
+          <a:ln w="19050">
+            <a:solidFill>
+              <a:schemeClr val="bg1">
+                <a:lumMod val="75000"/>
+              </a:schemeClr>
+            </a:solidFill>
+            <a:prstDash val="sysDot"/>
+            <a:tailEnd type="triangle"/>
+          </a:ln>
+        </p:spPr>
+        <p:style>
+          <a:lnRef idx="1">
+            <a:schemeClr val="accent1"/>
+          </a:lnRef>
+          <a:fillRef idx="0">
+            <a:schemeClr val="accent1"/>
+          </a:fillRef>
+          <a:effectRef idx="0">
+            <a:schemeClr val="accent1"/>
+          </a:effectRef>
+          <a:fontRef idx="minor">
+            <a:schemeClr val="tx1"/>
+          </a:fontRef>
+        </p:style>
+      </p:cxnSp>
+      <p:cxnSp>
+        <p:nvCxnSpPr>
+          <p:cNvPr id="122" name="Conector de Seta Reta 121">
+            <a:extLst>
+              <a:ext uri="{FF2B5EF4-FFF2-40B4-BE49-F238E27FC236}">
+                <a16:creationId xmlns:a16="http://schemas.microsoft.com/office/drawing/2014/main" id="{BA4BF30C-5B82-EDAC-9DA2-DE89F956EF1E}"/>
+              </a:ext>
+            </a:extLst>
+          </p:cNvPr>
+          <p:cNvCxnSpPr>
+            <a:cxnSpLocks/>
+          </p:cNvCxnSpPr>
+          <p:nvPr/>
+        </p:nvCxnSpPr>
+        <p:spPr>
+          <a:xfrm>
+            <a:off x="26593907" y="17590618"/>
+            <a:ext cx="0" cy="674588"/>
+          </a:xfrm>
+          <a:prstGeom prst="straightConnector1">
+            <a:avLst/>
+          </a:prstGeom>
+          <a:ln w="19050">
+            <a:solidFill>
+              <a:schemeClr val="bg1">
+                <a:lumMod val="75000"/>
+              </a:schemeClr>
+            </a:solidFill>
+            <a:prstDash val="sysDot"/>
+            <a:tailEnd type="triangle"/>
+          </a:ln>
+        </p:spPr>
+        <p:style>
+          <a:lnRef idx="1">
+            <a:schemeClr val="accent1"/>
+          </a:lnRef>
+          <a:fillRef idx="0">
+            <a:schemeClr val="accent1"/>
+          </a:fillRef>
+          <a:effectRef idx="0">
+            <a:schemeClr val="accent1"/>
+          </a:effectRef>
+          <a:fontRef idx="minor">
+            <a:schemeClr val="tx1"/>
+          </a:fontRef>
+        </p:style>
+      </p:cxnSp>
+      <p:cxnSp>
+        <p:nvCxnSpPr>
+          <p:cNvPr id="123" name="Conector de Seta Reta 122">
+            <a:extLst>
+              <a:ext uri="{FF2B5EF4-FFF2-40B4-BE49-F238E27FC236}">
+                <a16:creationId xmlns:a16="http://schemas.microsoft.com/office/drawing/2014/main" id="{D5F3F0A2-D40A-AD07-C5C7-A355AD668991}"/>
+              </a:ext>
+            </a:extLst>
+          </p:cNvPr>
+          <p:cNvCxnSpPr>
+            <a:cxnSpLocks/>
+          </p:cNvCxnSpPr>
+          <p:nvPr/>
+        </p:nvCxnSpPr>
+        <p:spPr>
+          <a:xfrm flipV="1">
+            <a:off x="26519454" y="19027492"/>
+            <a:ext cx="0" cy="509447"/>
+          </a:xfrm>
+          <a:prstGeom prst="straightConnector1">
+            <a:avLst/>
+          </a:prstGeom>
+          <a:ln w="19050">
+            <a:solidFill>
+              <a:schemeClr val="bg1">
+                <a:lumMod val="75000"/>
+              </a:schemeClr>
+            </a:solidFill>
+            <a:prstDash val="sysDot"/>
+            <a:tailEnd type="triangle"/>
+          </a:ln>
+        </p:spPr>
+        <p:style>
+          <a:lnRef idx="1">
+            <a:schemeClr val="accent1"/>
+          </a:lnRef>
+          <a:fillRef idx="0">
+            <a:schemeClr val="accent1"/>
+          </a:fillRef>
+          <a:effectRef idx="0">
+            <a:schemeClr val="accent1"/>
+          </a:effectRef>
+          <a:fontRef idx="minor">
+            <a:schemeClr val="tx1"/>
+          </a:fontRef>
+        </p:style>
+      </p:cxnSp>
+      <p:sp>
+        <p:nvSpPr>
+          <p:cNvPr id="124" name="Retângulo: Cantos Arredondados 123">
+            <a:extLst>
+              <a:ext uri="{FF2B5EF4-FFF2-40B4-BE49-F238E27FC236}">
+                <a16:creationId xmlns:a16="http://schemas.microsoft.com/office/drawing/2014/main" id="{A362E0EC-9230-6E01-049B-73870CE80FE1}"/>
+              </a:ext>
+            </a:extLst>
+          </p:cNvPr>
+          <p:cNvSpPr/>
+          <p:nvPr/>
+        </p:nvSpPr>
+        <p:spPr>
+          <a:xfrm>
+            <a:off x="30580426" y="19921843"/>
+            <a:ext cx="1948138" cy="1350203"/>
+          </a:xfrm>
+          <a:prstGeom prst="roundRect">
+            <a:avLst>
+              <a:gd name="adj" fmla="val 4410"/>
+            </a:avLst>
+          </a:prstGeom>
+          <a:noFill/>
+          <a:ln w="28575">
+            <a:solidFill>
+              <a:schemeClr val="accent1">
+                <a:lumMod val="40000"/>
+                <a:lumOff val="60000"/>
+              </a:schemeClr>
+            </a:solidFill>
+            <a:prstDash val="sysDash"/>
+          </a:ln>
+        </p:spPr>
+        <p:style>
+          <a:lnRef idx="0">
+            <a:scrgbClr r="0" g="0" b="0"/>
+          </a:lnRef>
+          <a:fillRef idx="0">
+            <a:scrgbClr r="0" g="0" b="0"/>
+          </a:fillRef>
+          <a:effectRef idx="0">
+            <a:scrgbClr r="0" g="0" b="0"/>
+          </a:effectRef>
+          <a:fontRef idx="minor">
+            <a:schemeClr val="lt1"/>
+          </a:fontRef>
+        </p:style>
+        <p:txBody>
+          <a:bodyPr rtlCol="0" anchor="ctr"/>
+          <a:lstStyle/>
+          <a:p>
+            <a:pPr algn="ctr"/>
+            <a:endParaRPr lang="pt-BR" sz="2250">
+              <a:latin typeface="Barlow" panose="00000500000000000000" pitchFamily="2" charset="0"/>
+            </a:endParaRPr>
+          </a:p>
+        </p:txBody>
+      </p:sp>
+      <p:sp>
+        <p:nvSpPr>
+          <p:cNvPr id="125" name="Retângulo: Cantos Arredondados 124">
+            <a:extLst>
+              <a:ext uri="{FF2B5EF4-FFF2-40B4-BE49-F238E27FC236}">
+                <a16:creationId xmlns:a16="http://schemas.microsoft.com/office/drawing/2014/main" id="{5A9AE7ED-FBE9-BA06-81D9-CF4AE5DCC82A}"/>
+              </a:ext>
+            </a:extLst>
+          </p:cNvPr>
+          <p:cNvSpPr/>
+          <p:nvPr/>
+        </p:nvSpPr>
+        <p:spPr>
+          <a:xfrm>
+            <a:off x="30580426" y="16675051"/>
+            <a:ext cx="1944556" cy="2141732"/>
+          </a:xfrm>
+          <a:prstGeom prst="roundRect">
+            <a:avLst>
+              <a:gd name="adj" fmla="val 4410"/>
+            </a:avLst>
+          </a:prstGeom>
+          <a:noFill/>
+          <a:ln w="28575">
+            <a:solidFill>
+              <a:schemeClr val="accent1">
+                <a:lumMod val="40000"/>
+                <a:lumOff val="60000"/>
+              </a:schemeClr>
+            </a:solidFill>
+            <a:prstDash val="sysDash"/>
+          </a:ln>
+        </p:spPr>
+        <p:style>
+          <a:lnRef idx="0">
+            <a:scrgbClr r="0" g="0" b="0"/>
+          </a:lnRef>
+          <a:fillRef idx="0">
+            <a:scrgbClr r="0" g="0" b="0"/>
+          </a:fillRef>
+          <a:effectRef idx="0">
+            <a:scrgbClr r="0" g="0" b="0"/>
+          </a:effectRef>
+          <a:fontRef idx="minor">
+            <a:schemeClr val="lt1"/>
+          </a:fontRef>
+        </p:style>
+        <p:txBody>
+          <a:bodyPr rtlCol="0" anchor="ctr"/>
+          <a:lstStyle/>
+          <a:p>
+            <a:pPr algn="ctr"/>
+            <a:endParaRPr lang="pt-BR" sz="2250">
+              <a:latin typeface="Barlow" panose="00000500000000000000" pitchFamily="2" charset="0"/>
+            </a:endParaRPr>
+          </a:p>
+        </p:txBody>
+      </p:sp>
+      <p:sp>
+        <p:nvSpPr>
+          <p:cNvPr id="144" name="Retângulo 143">
+            <a:extLst>
+              <a:ext uri="{FF2B5EF4-FFF2-40B4-BE49-F238E27FC236}">
+                <a16:creationId xmlns:a16="http://schemas.microsoft.com/office/drawing/2014/main" id="{B0C277B0-7B1B-BA1F-32E9-6016EE08A8C6}"/>
+              </a:ext>
+            </a:extLst>
+          </p:cNvPr>
+          <p:cNvSpPr/>
+          <p:nvPr/>
+        </p:nvSpPr>
+        <p:spPr>
+          <a:xfrm>
+            <a:off x="30792511" y="16851173"/>
+            <a:ext cx="1457249" cy="262806"/>
+          </a:xfrm>
+          <a:prstGeom prst="rect">
+            <a:avLst/>
+          </a:prstGeom>
+          <a:noFill/>
+          <a:ln>
+            <a:noFill/>
+          </a:ln>
+        </p:spPr>
+        <p:style>
+          <a:lnRef idx="1">
+            <a:schemeClr val="accent2"/>
+          </a:lnRef>
+          <a:fillRef idx="2">
+            <a:schemeClr val="accent2"/>
+          </a:fillRef>
+          <a:effectRef idx="1">
+            <a:schemeClr val="accent2"/>
+          </a:effectRef>
+          <a:fontRef idx="minor">
+            <a:schemeClr val="dk1"/>
+          </a:fontRef>
+        </p:style>
+        <p:txBody>
+          <a:bodyPr lIns="114303" tIns="57151" rIns="114303" bIns="57151" rtlCol="0" anchor="ctr"/>
+          <a:lstStyle/>
+          <a:p>
+            <a:pPr algn="ctr"/>
+            <a:r>
+              <a:rPr lang="pt-BR" sz="1375" b="1" dirty="0">
+                <a:solidFill>
+                  <a:srgbClr val="3477B2"/>
+                </a:solidFill>
+                <a:latin typeface="Barlow" panose="00000500000000000000" pitchFamily="2" charset="0"/>
+                <a:cs typeface="Calibri"/>
+              </a:rPr>
+              <a:t>CONSUMO</a:t>
+            </a:r>
+          </a:p>
+        </p:txBody>
+      </p:sp>
+      <p:sp>
+        <p:nvSpPr>
+          <p:cNvPr id="149" name="Elipse 148">
+            <a:extLst>
+              <a:ext uri="{FF2B5EF4-FFF2-40B4-BE49-F238E27FC236}">
+                <a16:creationId xmlns:a16="http://schemas.microsoft.com/office/drawing/2014/main" id="{56274679-0F7E-CC7D-0270-1C9380C3AFFB}"/>
+              </a:ext>
+            </a:extLst>
+          </p:cNvPr>
+          <p:cNvSpPr/>
+          <p:nvPr/>
+        </p:nvSpPr>
+        <p:spPr>
+          <a:xfrm>
+            <a:off x="31406167" y="16543591"/>
+            <a:ext cx="249220" cy="249220"/>
+          </a:xfrm>
+          <a:prstGeom prst="ellipse">
+            <a:avLst/>
+          </a:prstGeom>
+          <a:solidFill>
+            <a:schemeClr val="accent1">
+              <a:lumMod val="40000"/>
+              <a:lumOff val="60000"/>
+            </a:schemeClr>
+          </a:solidFill>
+          <a:ln>
+            <a:noFill/>
+          </a:ln>
+        </p:spPr>
+        <p:style>
+          <a:lnRef idx="2">
+            <a:schemeClr val="accent1">
+              <a:shade val="15000"/>
+            </a:schemeClr>
+          </a:lnRef>
+          <a:fillRef idx="1">
+            <a:schemeClr val="accent1"/>
+          </a:fillRef>
+          <a:effectRef idx="0">
+            <a:schemeClr val="accent1"/>
+          </a:effectRef>
+          <a:fontRef idx="minor">
+            <a:schemeClr val="lt1"/>
+          </a:fontRef>
+        </p:style>
+        <p:txBody>
+          <a:bodyPr rtlCol="0" anchor="ctr"/>
+          <a:lstStyle/>
+          <a:p>
+            <a:pPr algn="ctr"/>
+            <a:r>
+              <a:rPr lang="pt-BR" sz="1400" dirty="0">
+                <a:latin typeface="Barlow" panose="00000500000000000000" pitchFamily="2" charset="0"/>
+              </a:rPr>
+              <a:t>4</a:t>
+            </a:r>
+          </a:p>
+        </p:txBody>
+      </p:sp>
+      <p:pic>
+        <p:nvPicPr>
+          <p:cNvPr id="150" name="Imagem 149">
+            <a:extLst>
+              <a:ext uri="{FF2B5EF4-FFF2-40B4-BE49-F238E27FC236}">
+                <a16:creationId xmlns:a16="http://schemas.microsoft.com/office/drawing/2014/main" id="{8EFAA738-15B8-FFC1-21F4-6051B11440A5}"/>
+              </a:ext>
+            </a:extLst>
+          </p:cNvPr>
+          <p:cNvPicPr>
+            <a:picLocks noChangeAspect="1"/>
+          </p:cNvPicPr>
+          <p:nvPr/>
+        </p:nvPicPr>
+        <p:blipFill rotWithShape="1">
+          <a:blip r:embed="rId15"/>
+          <a:srcRect l="40782" t="24833" r="52813" b="27606"/>
+          <a:stretch/>
+        </p:blipFill>
+        <p:spPr>
+          <a:xfrm>
+            <a:off x="31837429" y="18046097"/>
+            <a:ext cx="351588" cy="369640"/>
+          </a:xfrm>
+          <a:prstGeom prst="rect">
+            <a:avLst/>
+          </a:prstGeom>
+        </p:spPr>
+      </p:pic>
+      <p:pic>
+        <p:nvPicPr>
+          <p:cNvPr id="152" name="Imagem 151">
+            <a:extLst>
+              <a:ext uri="{FF2B5EF4-FFF2-40B4-BE49-F238E27FC236}">
+                <a16:creationId xmlns:a16="http://schemas.microsoft.com/office/drawing/2014/main" id="{001ED7BF-8C5D-1FDB-A68B-526912196FEC}"/>
+              </a:ext>
+            </a:extLst>
+          </p:cNvPr>
+          <p:cNvPicPr>
+            <a:picLocks noChangeAspect="1"/>
+          </p:cNvPicPr>
+          <p:nvPr/>
+        </p:nvPicPr>
+        <p:blipFill rotWithShape="1">
+          <a:blip r:embed="rId15"/>
+          <a:srcRect l="74352" r="12503"/>
+          <a:stretch/>
+        </p:blipFill>
+        <p:spPr>
+          <a:xfrm>
+            <a:off x="22854382" y="18409757"/>
+            <a:ext cx="528793" cy="569612"/>
+          </a:xfrm>
+          <a:prstGeom prst="rect">
+            <a:avLst/>
+          </a:prstGeom>
+        </p:spPr>
+      </p:pic>
+      <p:sp>
+        <p:nvSpPr>
+          <p:cNvPr id="155" name="Retângulo 154">
+            <a:extLst>
+              <a:ext uri="{FF2B5EF4-FFF2-40B4-BE49-F238E27FC236}">
+                <a16:creationId xmlns:a16="http://schemas.microsoft.com/office/drawing/2014/main" id="{18BACC27-3B77-29A3-871B-E51A25A590F4}"/>
+              </a:ext>
+            </a:extLst>
+          </p:cNvPr>
+          <p:cNvSpPr/>
+          <p:nvPr/>
+        </p:nvSpPr>
+        <p:spPr>
+          <a:xfrm>
+            <a:off x="30515431" y="17798155"/>
+            <a:ext cx="1967085" cy="236962"/>
+          </a:xfrm>
+          <a:prstGeom prst="rect">
+            <a:avLst/>
+          </a:prstGeom>
+          <a:noFill/>
+          <a:ln>
+            <a:noFill/>
+          </a:ln>
+        </p:spPr>
+        <p:style>
+          <a:lnRef idx="1">
+            <a:schemeClr val="accent2"/>
+          </a:lnRef>
+          <a:fillRef idx="2">
+            <a:schemeClr val="accent2"/>
+          </a:fillRef>
+          <a:effectRef idx="1">
+            <a:schemeClr val="accent2"/>
+          </a:effectRef>
+          <a:fontRef idx="minor">
+            <a:schemeClr val="dk1"/>
+          </a:fontRef>
+        </p:style>
+        <p:txBody>
+          <a:bodyPr lIns="114303" tIns="57151" rIns="114303" bIns="57151" rtlCol="0" anchor="ctr"/>
+          <a:lstStyle/>
+          <a:p>
+            <a:pPr algn="ctr"/>
+            <a:r>
+              <a:rPr lang="pt-BR" sz="1100" b="1" dirty="0">
+                <a:solidFill>
+                  <a:srgbClr val="3477B2"/>
+                </a:solidFill>
+                <a:latin typeface="Barlow" panose="00000500000000000000" pitchFamily="2" charset="0"/>
+                <a:cs typeface="Calibri"/>
+              </a:rPr>
+              <a:t>Data Science e ML</a:t>
+            </a:r>
+          </a:p>
+        </p:txBody>
+      </p:sp>
+      <p:cxnSp>
+        <p:nvCxnSpPr>
+          <p:cNvPr id="156" name="Conector de Seta Reta 155">
+            <a:extLst>
+              <a:ext uri="{FF2B5EF4-FFF2-40B4-BE49-F238E27FC236}">
+                <a16:creationId xmlns:a16="http://schemas.microsoft.com/office/drawing/2014/main" id="{92514F78-5553-9DAD-7D53-58C4094037EA}"/>
+              </a:ext>
+            </a:extLst>
+          </p:cNvPr>
+          <p:cNvCxnSpPr>
+            <a:cxnSpLocks/>
+            <a:stCxn id="124" idx="1"/>
+          </p:cNvCxnSpPr>
+          <p:nvPr/>
+        </p:nvCxnSpPr>
+        <p:spPr>
+          <a:xfrm flipH="1">
+            <a:off x="29522167" y="20596945"/>
+            <a:ext cx="1058259" cy="7643"/>
+          </a:xfrm>
+          <a:prstGeom prst="straightConnector1">
+            <a:avLst/>
+          </a:prstGeom>
+          <a:ln w="19050">
+            <a:solidFill>
+              <a:schemeClr val="bg1">
+                <a:lumMod val="75000"/>
+              </a:schemeClr>
+            </a:solidFill>
+            <a:prstDash val="sysDot"/>
+            <a:tailEnd type="triangle"/>
+          </a:ln>
+        </p:spPr>
+        <p:style>
+          <a:lnRef idx="1">
+            <a:schemeClr val="accent1"/>
+          </a:lnRef>
+          <a:fillRef idx="0">
+            <a:schemeClr val="accent1"/>
+          </a:fillRef>
+          <a:effectRef idx="0">
+            <a:schemeClr val="accent1"/>
+          </a:effectRef>
+          <a:fontRef idx="minor">
+            <a:schemeClr val="tx1"/>
+          </a:fontRef>
+        </p:style>
+      </p:cxnSp>
+      <p:sp>
+        <p:nvSpPr>
+          <p:cNvPr id="157" name="Retângulo: Cantos Arredondados 156">
+            <a:extLst>
+              <a:ext uri="{FF2B5EF4-FFF2-40B4-BE49-F238E27FC236}">
+                <a16:creationId xmlns:a16="http://schemas.microsoft.com/office/drawing/2014/main" id="{138368A5-9C35-1237-3A57-C73EA5724446}"/>
+              </a:ext>
+            </a:extLst>
+          </p:cNvPr>
+          <p:cNvSpPr/>
+          <p:nvPr/>
+        </p:nvSpPr>
+        <p:spPr>
+          <a:xfrm>
+            <a:off x="21314198" y="21900365"/>
+            <a:ext cx="8811330" cy="1723756"/>
+          </a:xfrm>
+          <a:prstGeom prst="roundRect">
+            <a:avLst>
+              <a:gd name="adj" fmla="val 4410"/>
+            </a:avLst>
+          </a:prstGeom>
+          <a:noFill/>
+          <a:ln w="28575">
+            <a:solidFill>
+              <a:schemeClr val="accent1">
+                <a:lumMod val="40000"/>
+                <a:lumOff val="60000"/>
+              </a:schemeClr>
+            </a:solidFill>
+            <a:prstDash val="sysDash"/>
+          </a:ln>
+        </p:spPr>
+        <p:style>
+          <a:lnRef idx="0">
+            <a:scrgbClr r="0" g="0" b="0"/>
+          </a:lnRef>
+          <a:fillRef idx="0">
+            <a:scrgbClr r="0" g="0" b="0"/>
+          </a:fillRef>
+          <a:effectRef idx="0">
+            <a:scrgbClr r="0" g="0" b="0"/>
+          </a:effectRef>
+          <a:fontRef idx="minor">
+            <a:schemeClr val="lt1"/>
+          </a:fontRef>
+        </p:style>
+        <p:txBody>
+          <a:bodyPr rtlCol="0" anchor="ctr"/>
+          <a:lstStyle/>
+          <a:p>
+            <a:pPr algn="ctr"/>
+            <a:endParaRPr lang="pt-BR" sz="2250">
+              <a:latin typeface="Barlow" panose="00000500000000000000" pitchFamily="2" charset="0"/>
+            </a:endParaRPr>
+          </a:p>
+        </p:txBody>
+      </p:sp>
+      <p:sp>
+        <p:nvSpPr>
+          <p:cNvPr id="158" name="CaixaDeTexto 157">
+            <a:extLst>
+              <a:ext uri="{FF2B5EF4-FFF2-40B4-BE49-F238E27FC236}">
+                <a16:creationId xmlns:a16="http://schemas.microsoft.com/office/drawing/2014/main" id="{0C5097D6-10F2-843F-7455-665C38367704}"/>
+              </a:ext>
+            </a:extLst>
+          </p:cNvPr>
+          <p:cNvSpPr txBox="1"/>
+          <p:nvPr/>
+        </p:nvSpPr>
+        <p:spPr>
+          <a:xfrm>
+            <a:off x="24366939" y="21747961"/>
+            <a:ext cx="2460616" cy="269307"/>
+          </a:xfrm>
+          <a:prstGeom prst="rect">
+            <a:avLst/>
+          </a:prstGeom>
+          <a:solidFill>
+            <a:schemeClr val="accent1">
+              <a:lumMod val="40000"/>
+              <a:lumOff val="60000"/>
+            </a:schemeClr>
+          </a:solidFill>
+          <a:ln>
+            <a:noFill/>
+          </a:ln>
+        </p:spPr>
+        <p:style>
+          <a:lnRef idx="0">
+            <a:scrgbClr r="0" g="0" b="0"/>
+          </a:lnRef>
+          <a:fillRef idx="0">
+            <a:scrgbClr r="0" g="0" b="0"/>
+          </a:fillRef>
+          <a:effectRef idx="0">
+            <a:scrgbClr r="0" g="0" b="0"/>
+          </a:effectRef>
+          <a:fontRef idx="minor">
+            <a:schemeClr val="lt1"/>
+          </a:fontRef>
+        </p:style>
+        <p:txBody>
+          <a:bodyPr wrap="none" lIns="114303" tIns="57151" rIns="114303" bIns="57151" rtlCol="0" anchor="t">
+            <a:spAutoFit/>
+          </a:bodyPr>
+          <a:lstStyle/>
+          <a:p>
+            <a:r>
+              <a:rPr lang="pt-BR" sz="1000" b="1" dirty="0">
+                <a:solidFill>
+                  <a:schemeClr val="accent1">
+                    <a:lumMod val="75000"/>
+                  </a:schemeClr>
+                </a:solidFill>
+                <a:latin typeface="Barlow" panose="00000500000000000000" pitchFamily="2" charset="0"/>
+                <a:ea typeface="Segoe UI Black"/>
+                <a:cs typeface="Segoe UI"/>
+              </a:rPr>
+              <a:t>LAKEHOUSES EXTERNOS (DATA MESH)</a:t>
+            </a:r>
+            <a:endParaRPr lang="pt-BR" sz="1400" b="1" dirty="0">
+              <a:solidFill>
+                <a:schemeClr val="accent1">
+                  <a:lumMod val="75000"/>
+                </a:schemeClr>
+              </a:solidFill>
+              <a:latin typeface="Barlow" panose="00000500000000000000" pitchFamily="2" charset="0"/>
+              <a:ea typeface="Segoe UI Black" panose="020B0A02040204020203" pitchFamily="34" charset="0"/>
+              <a:cs typeface="Segoe UI" panose="020B0502040204020203" pitchFamily="34" charset="0"/>
+            </a:endParaRPr>
+          </a:p>
+        </p:txBody>
+      </p:sp>
+      <p:sp>
+        <p:nvSpPr>
+          <p:cNvPr id="159" name="Retângulo: Cantos Arredondados 158">
+            <a:extLst>
+              <a:ext uri="{FF2B5EF4-FFF2-40B4-BE49-F238E27FC236}">
+                <a16:creationId xmlns:a16="http://schemas.microsoft.com/office/drawing/2014/main" id="{FC309A21-2F8A-EB95-52DD-9641E39ED495}"/>
+              </a:ext>
+            </a:extLst>
+          </p:cNvPr>
+          <p:cNvSpPr/>
+          <p:nvPr/>
+        </p:nvSpPr>
+        <p:spPr>
+          <a:xfrm>
+            <a:off x="21735285" y="22409433"/>
+            <a:ext cx="1573308" cy="980194"/>
+          </a:xfrm>
+          <a:prstGeom prst="roundRect">
+            <a:avLst>
+              <a:gd name="adj" fmla="val 4410"/>
+            </a:avLst>
+          </a:prstGeom>
+          <a:solidFill>
+            <a:schemeClr val="bg1"/>
+          </a:solidFill>
+          <a:ln w="19050">
+            <a:solidFill>
+              <a:schemeClr val="accent1">
+                <a:lumMod val="40000"/>
+                <a:lumOff val="60000"/>
+              </a:schemeClr>
+            </a:solidFill>
+            <a:prstDash val="sysDash"/>
+          </a:ln>
+        </p:spPr>
+        <p:style>
+          <a:lnRef idx="0">
+            <a:scrgbClr r="0" g="0" b="0"/>
+          </a:lnRef>
+          <a:fillRef idx="0">
+            <a:scrgbClr r="0" g="0" b="0"/>
+          </a:fillRef>
+          <a:effectRef idx="0">
+            <a:scrgbClr r="0" g="0" b="0"/>
+          </a:effectRef>
+          <a:fontRef idx="minor">
+            <a:schemeClr val="lt1"/>
+          </a:fontRef>
+        </p:style>
+        <p:txBody>
+          <a:bodyPr rtlCol="0" anchor="ctr"/>
+          <a:lstStyle/>
+          <a:p>
+            <a:pPr algn="ctr"/>
+            <a:endParaRPr lang="pt-BR" sz="2250">
+              <a:latin typeface="Barlow" panose="00000500000000000000" pitchFamily="2" charset="0"/>
+            </a:endParaRPr>
+          </a:p>
+        </p:txBody>
+      </p:sp>
+      <p:sp>
+        <p:nvSpPr>
+          <p:cNvPr id="161" name="CaixaDeTexto 160">
+            <a:extLst>
+              <a:ext uri="{FF2B5EF4-FFF2-40B4-BE49-F238E27FC236}">
+                <a16:creationId xmlns:a16="http://schemas.microsoft.com/office/drawing/2014/main" id="{CA7853FB-2AC5-EF14-2EF6-5742260E1A22}"/>
+              </a:ext>
+            </a:extLst>
+          </p:cNvPr>
+          <p:cNvSpPr txBox="1"/>
+          <p:nvPr/>
+        </p:nvSpPr>
+        <p:spPr>
+          <a:xfrm>
+            <a:off x="22023395" y="22229362"/>
+            <a:ext cx="1014707" cy="284695"/>
+          </a:xfrm>
+          <a:prstGeom prst="rect">
+            <a:avLst/>
+          </a:prstGeom>
+          <a:solidFill>
+            <a:schemeClr val="accent1">
+              <a:lumMod val="40000"/>
+              <a:lumOff val="60000"/>
+            </a:schemeClr>
+          </a:solidFill>
+          <a:ln>
+            <a:noFill/>
+          </a:ln>
+        </p:spPr>
+        <p:style>
+          <a:lnRef idx="0">
+            <a:scrgbClr r="0" g="0" b="0"/>
+          </a:lnRef>
+          <a:fillRef idx="0">
+            <a:scrgbClr r="0" g="0" b="0"/>
+          </a:fillRef>
+          <a:effectRef idx="0">
+            <a:scrgbClr r="0" g="0" b="0"/>
+          </a:effectRef>
+          <a:fontRef idx="minor">
+            <a:schemeClr val="lt1"/>
+          </a:fontRef>
+        </p:style>
+        <p:txBody>
+          <a:bodyPr wrap="none" lIns="114303" tIns="57151" rIns="114303" bIns="57151" rtlCol="0" anchor="t">
+            <a:spAutoFit/>
+          </a:bodyPr>
+          <a:lstStyle/>
+          <a:p>
+            <a:r>
+              <a:rPr lang="pt-BR" sz="1100" b="1" dirty="0">
+                <a:solidFill>
+                  <a:schemeClr val="accent1">
+                    <a:lumMod val="75000"/>
+                  </a:schemeClr>
+                </a:solidFill>
+                <a:latin typeface="Barlow" panose="00000500000000000000" pitchFamily="2" charset="0"/>
+                <a:ea typeface="Segoe UI Black"/>
+                <a:cs typeface="Segoe UI"/>
+              </a:rPr>
+              <a:t>SEBRAE/NA</a:t>
+            </a:r>
+            <a:endParaRPr lang="pt-BR" sz="1100" b="1" dirty="0">
+              <a:solidFill>
+                <a:schemeClr val="accent1">
+                  <a:lumMod val="75000"/>
+                </a:schemeClr>
+              </a:solidFill>
+              <a:latin typeface="Barlow" panose="00000500000000000000" pitchFamily="2" charset="0"/>
+              <a:ea typeface="Segoe UI Black" panose="020B0A02040204020203" pitchFamily="34" charset="0"/>
+              <a:cs typeface="Segoe UI" panose="020B0502040204020203" pitchFamily="34" charset="0"/>
+            </a:endParaRPr>
+          </a:p>
+        </p:txBody>
+      </p:sp>
+      <p:grpSp>
+        <p:nvGrpSpPr>
+          <p:cNvPr id="163" name="Agrupar 162">
+            <a:extLst>
+              <a:ext uri="{FF2B5EF4-FFF2-40B4-BE49-F238E27FC236}">
+                <a16:creationId xmlns:a16="http://schemas.microsoft.com/office/drawing/2014/main" id="{3188289B-6FFD-73A7-9FF2-8AD45BA78589}"/>
+              </a:ext>
+            </a:extLst>
+          </p:cNvPr>
+          <p:cNvGrpSpPr/>
+          <p:nvPr/>
+        </p:nvGrpSpPr>
+        <p:grpSpPr>
+          <a:xfrm>
+            <a:off x="21960246" y="22692202"/>
+            <a:ext cx="1123385" cy="378193"/>
+            <a:chOff x="8393995" y="23876267"/>
+            <a:chExt cx="1749906" cy="633983"/>
+          </a:xfrm>
+        </p:grpSpPr>
+        <p:pic>
+          <p:nvPicPr>
+            <p:cNvPr id="164" name="Imagem 163">
+              <a:extLst>
+                <a:ext uri="{FF2B5EF4-FFF2-40B4-BE49-F238E27FC236}">
+                  <a16:creationId xmlns:a16="http://schemas.microsoft.com/office/drawing/2014/main" id="{52C07EE4-6D8E-A311-52F2-BEED21E0E30D}"/>
+                </a:ext>
+              </a:extLst>
+            </p:cNvPr>
+            <p:cNvPicPr>
+              <a:picLocks noChangeAspect="1"/>
+            </p:cNvPicPr>
+            <p:nvPr/>
+          </p:nvPicPr>
+          <p:blipFill rotWithShape="1">
+            <a:blip r:embed="rId16"/>
+            <a:srcRect r="80867"/>
+            <a:stretch/>
+          </p:blipFill>
+          <p:spPr>
+            <a:xfrm>
+              <a:off x="8393995" y="23880537"/>
+              <a:ext cx="544987" cy="628738"/>
+            </a:xfrm>
+            <a:prstGeom prst="rect">
+              <a:avLst/>
+            </a:prstGeom>
+          </p:spPr>
+        </p:pic>
+        <p:pic>
+          <p:nvPicPr>
+            <p:cNvPr id="165" name="Imagem 164">
+              <a:extLst>
+                <a:ext uri="{FF2B5EF4-FFF2-40B4-BE49-F238E27FC236}">
+                  <a16:creationId xmlns:a16="http://schemas.microsoft.com/office/drawing/2014/main" id="{E12CDB2E-46B4-E2C6-0D08-372EF91D5BF3}"/>
+                </a:ext>
+              </a:extLst>
+            </p:cNvPr>
+            <p:cNvPicPr>
+              <a:picLocks noChangeAspect="1"/>
+            </p:cNvPicPr>
+            <p:nvPr/>
+          </p:nvPicPr>
+          <p:blipFill rotWithShape="1">
+            <a:blip r:embed="rId16"/>
+            <a:srcRect l="76900"/>
+            <a:stretch/>
+          </p:blipFill>
+          <p:spPr>
+            <a:xfrm>
+              <a:off x="9485930" y="23881512"/>
+              <a:ext cx="657971" cy="628738"/>
+            </a:xfrm>
+            <a:prstGeom prst="rect">
+              <a:avLst/>
+            </a:prstGeom>
+          </p:spPr>
+        </p:pic>
+        <p:pic>
+          <p:nvPicPr>
+            <p:cNvPr id="166" name="Imagem 165">
+              <a:extLst>
+                <a:ext uri="{FF2B5EF4-FFF2-40B4-BE49-F238E27FC236}">
+                  <a16:creationId xmlns:a16="http://schemas.microsoft.com/office/drawing/2014/main" id="{A1982832-1F4B-9EFB-8350-638400658C97}"/>
+                </a:ext>
+              </a:extLst>
+            </p:cNvPr>
+            <p:cNvPicPr>
+              <a:picLocks noChangeAspect="1"/>
+            </p:cNvPicPr>
+            <p:nvPr/>
+          </p:nvPicPr>
+          <p:blipFill rotWithShape="1">
+            <a:blip r:embed="rId16"/>
+            <a:srcRect l="38719" t="-1211" r="42147" b="1211"/>
+            <a:stretch/>
+          </p:blipFill>
+          <p:spPr>
+            <a:xfrm>
+              <a:off x="8938982" y="23876267"/>
+              <a:ext cx="544987" cy="628738"/>
+            </a:xfrm>
+            <a:prstGeom prst="rect">
+              <a:avLst/>
+            </a:prstGeom>
+          </p:spPr>
+        </p:pic>
+      </p:grpSp>
+      <p:sp>
+        <p:nvSpPr>
+          <p:cNvPr id="168" name="CaixaDeTexto 167">
+            <a:extLst>
+              <a:ext uri="{FF2B5EF4-FFF2-40B4-BE49-F238E27FC236}">
+                <a16:creationId xmlns:a16="http://schemas.microsoft.com/office/drawing/2014/main" id="{B20E17C0-7983-A7F4-FB71-7632CDC19C21}"/>
+              </a:ext>
+            </a:extLst>
+          </p:cNvPr>
+          <p:cNvSpPr txBox="1"/>
+          <p:nvPr/>
+        </p:nvSpPr>
+        <p:spPr>
+          <a:xfrm>
+            <a:off x="21715125" y="23110549"/>
+            <a:ext cx="1720304" cy="253918"/>
+          </a:xfrm>
+          <a:prstGeom prst="rect">
+            <a:avLst/>
+          </a:prstGeom>
+          <a:noFill/>
+        </p:spPr>
+        <p:txBody>
+          <a:bodyPr wrap="square" lIns="114303" tIns="57151" rIns="114303" bIns="57151" rtlCol="0" anchor="t">
+            <a:spAutoFit/>
+          </a:bodyPr>
+          <a:lstStyle/>
+          <a:p>
+            <a:r>
+              <a:rPr lang="pt-BR" sz="900" i="1" noProof="1">
+                <a:solidFill>
+                  <a:schemeClr val="accent2">
+                    <a:lumMod val="75000"/>
+                  </a:schemeClr>
+                </a:solidFill>
+                <a:latin typeface="Barlow" panose="00000500000000000000" pitchFamily="2" charset="0"/>
+                <a:ea typeface="Segoe UI Black"/>
+                <a:cs typeface="Segoe UI"/>
+              </a:rPr>
+              <a:t>* Lakehouse padrões abertos</a:t>
+            </a:r>
+            <a:endParaRPr lang="pt-BR" sz="900" i="1" noProof="1">
+              <a:solidFill>
+                <a:schemeClr val="accent2">
+                  <a:lumMod val="75000"/>
+                </a:schemeClr>
+              </a:solidFill>
+              <a:latin typeface="Barlow" panose="00000500000000000000" pitchFamily="2" charset="0"/>
+              <a:ea typeface="Segoe UI Black" panose="020B0A02040204020203" pitchFamily="34" charset="0"/>
+              <a:cs typeface="Segoe UI" panose="020B0502040204020203" pitchFamily="34" charset="0"/>
+            </a:endParaRPr>
+          </a:p>
+        </p:txBody>
+      </p:sp>
+      <p:sp>
+        <p:nvSpPr>
+          <p:cNvPr id="169" name="Retângulo: Cantos Arredondados 168">
+            <a:extLst>
+              <a:ext uri="{FF2B5EF4-FFF2-40B4-BE49-F238E27FC236}">
+                <a16:creationId xmlns:a16="http://schemas.microsoft.com/office/drawing/2014/main" id="{9DDBEE1B-47CA-9A6B-C8F0-9E199527B04C}"/>
+              </a:ext>
+            </a:extLst>
+          </p:cNvPr>
+          <p:cNvSpPr/>
+          <p:nvPr/>
+        </p:nvSpPr>
+        <p:spPr>
+          <a:xfrm>
+            <a:off x="23685033" y="22409433"/>
+            <a:ext cx="1573308" cy="980194"/>
+          </a:xfrm>
+          <a:prstGeom prst="roundRect">
+            <a:avLst>
+              <a:gd name="adj" fmla="val 4410"/>
+            </a:avLst>
+          </a:prstGeom>
+          <a:solidFill>
+            <a:schemeClr val="bg1"/>
+          </a:solidFill>
+          <a:ln w="19050">
+            <a:solidFill>
+              <a:schemeClr val="accent1">
+                <a:lumMod val="40000"/>
+                <a:lumOff val="60000"/>
+              </a:schemeClr>
+            </a:solidFill>
+            <a:prstDash val="sysDash"/>
+          </a:ln>
+        </p:spPr>
+        <p:style>
+          <a:lnRef idx="0">
+            <a:scrgbClr r="0" g="0" b="0"/>
+          </a:lnRef>
+          <a:fillRef idx="0">
+            <a:scrgbClr r="0" g="0" b="0"/>
+          </a:fillRef>
+          <a:effectRef idx="0">
+            <a:scrgbClr r="0" g="0" b="0"/>
+          </a:effectRef>
+          <a:fontRef idx="minor">
+            <a:schemeClr val="lt1"/>
+          </a:fontRef>
+        </p:style>
+        <p:txBody>
+          <a:bodyPr rtlCol="0" anchor="ctr"/>
+          <a:lstStyle/>
+          <a:p>
+            <a:pPr algn="ctr"/>
+            <a:endParaRPr lang="pt-BR" sz="2250">
+              <a:latin typeface="Barlow" panose="00000500000000000000" pitchFamily="2" charset="0"/>
+            </a:endParaRPr>
+          </a:p>
+        </p:txBody>
+      </p:sp>
+      <p:sp>
+        <p:nvSpPr>
+          <p:cNvPr id="170" name="CaixaDeTexto 169">
+            <a:extLst>
+              <a:ext uri="{FF2B5EF4-FFF2-40B4-BE49-F238E27FC236}">
+                <a16:creationId xmlns:a16="http://schemas.microsoft.com/office/drawing/2014/main" id="{42AEA144-85B5-4C37-EBAE-5F99FB9FE225}"/>
+              </a:ext>
+            </a:extLst>
+          </p:cNvPr>
+          <p:cNvSpPr txBox="1"/>
+          <p:nvPr/>
+        </p:nvSpPr>
+        <p:spPr>
+          <a:xfrm>
+            <a:off x="23973143" y="22229362"/>
+            <a:ext cx="984250" cy="284695"/>
+          </a:xfrm>
+          <a:prstGeom prst="rect">
+            <a:avLst/>
+          </a:prstGeom>
+          <a:solidFill>
+            <a:schemeClr val="accent1">
+              <a:lumMod val="40000"/>
+              <a:lumOff val="60000"/>
+            </a:schemeClr>
+          </a:solidFill>
+          <a:ln>
+            <a:noFill/>
+          </a:ln>
+        </p:spPr>
+        <p:style>
+          <a:lnRef idx="0">
+            <a:scrgbClr r="0" g="0" b="0"/>
+          </a:lnRef>
+          <a:fillRef idx="0">
+            <a:scrgbClr r="0" g="0" b="0"/>
+          </a:fillRef>
+          <a:effectRef idx="0">
+            <a:scrgbClr r="0" g="0" b="0"/>
+          </a:effectRef>
+          <a:fontRef idx="minor">
+            <a:schemeClr val="lt1"/>
+          </a:fontRef>
+        </p:style>
+        <p:txBody>
+          <a:bodyPr wrap="none" lIns="114303" tIns="57151" rIns="114303" bIns="57151" rtlCol="0" anchor="t">
+            <a:spAutoFit/>
+          </a:bodyPr>
+          <a:lstStyle/>
+          <a:p>
+            <a:r>
+              <a:rPr lang="pt-BR" sz="1100" b="1" dirty="0">
+                <a:solidFill>
+                  <a:schemeClr val="accent1">
+                    <a:lumMod val="75000"/>
+                  </a:schemeClr>
+                </a:solidFill>
+                <a:latin typeface="Barlow" panose="00000500000000000000" pitchFamily="2" charset="0"/>
+                <a:ea typeface="Segoe UI Black"/>
+                <a:cs typeface="Segoe UI"/>
+              </a:rPr>
+              <a:t>SEBRAE/RS</a:t>
+            </a:r>
+            <a:endParaRPr lang="pt-BR" sz="1100" b="1" dirty="0">
+              <a:solidFill>
+                <a:schemeClr val="accent1">
+                  <a:lumMod val="75000"/>
+                </a:schemeClr>
+              </a:solidFill>
+              <a:latin typeface="Barlow" panose="00000500000000000000" pitchFamily="2" charset="0"/>
+              <a:ea typeface="Segoe UI Black" panose="020B0A02040204020203" pitchFamily="34" charset="0"/>
+              <a:cs typeface="Segoe UI" panose="020B0502040204020203" pitchFamily="34" charset="0"/>
+            </a:endParaRPr>
+          </a:p>
+        </p:txBody>
+      </p:sp>
+      <p:grpSp>
+        <p:nvGrpSpPr>
+          <p:cNvPr id="171" name="Agrupar 170">
+            <a:extLst>
+              <a:ext uri="{FF2B5EF4-FFF2-40B4-BE49-F238E27FC236}">
+                <a16:creationId xmlns:a16="http://schemas.microsoft.com/office/drawing/2014/main" id="{804DE994-664D-3BBD-DE56-2B50E24CC493}"/>
+              </a:ext>
+            </a:extLst>
+          </p:cNvPr>
+          <p:cNvGrpSpPr/>
+          <p:nvPr/>
+        </p:nvGrpSpPr>
+        <p:grpSpPr>
+          <a:xfrm>
+            <a:off x="23909994" y="22692202"/>
+            <a:ext cx="1123385" cy="378193"/>
+            <a:chOff x="8393995" y="23876267"/>
+            <a:chExt cx="1749906" cy="633983"/>
+          </a:xfrm>
+        </p:grpSpPr>
+        <p:pic>
+          <p:nvPicPr>
+            <p:cNvPr id="177" name="Imagem 176">
+              <a:extLst>
+                <a:ext uri="{FF2B5EF4-FFF2-40B4-BE49-F238E27FC236}">
+                  <a16:creationId xmlns:a16="http://schemas.microsoft.com/office/drawing/2014/main" id="{03627044-5890-687E-5C22-DE0D4F4EFF67}"/>
+                </a:ext>
+              </a:extLst>
+            </p:cNvPr>
+            <p:cNvPicPr>
+              <a:picLocks noChangeAspect="1"/>
+            </p:cNvPicPr>
+            <p:nvPr/>
+          </p:nvPicPr>
+          <p:blipFill rotWithShape="1">
+            <a:blip r:embed="rId16"/>
+            <a:srcRect r="80867"/>
+            <a:stretch/>
+          </p:blipFill>
+          <p:spPr>
+            <a:xfrm>
+              <a:off x="8393995" y="23880537"/>
+              <a:ext cx="544987" cy="628738"/>
+            </a:xfrm>
+            <a:prstGeom prst="rect">
+              <a:avLst/>
+            </a:prstGeom>
+          </p:spPr>
+        </p:pic>
+        <p:pic>
+          <p:nvPicPr>
+            <p:cNvPr id="178" name="Imagem 177">
+              <a:extLst>
+                <a:ext uri="{FF2B5EF4-FFF2-40B4-BE49-F238E27FC236}">
+                  <a16:creationId xmlns:a16="http://schemas.microsoft.com/office/drawing/2014/main" id="{0EBF58CE-9FD7-EB29-37C9-13A1CFE6B22E}"/>
+                </a:ext>
+              </a:extLst>
+            </p:cNvPr>
+            <p:cNvPicPr>
+              <a:picLocks noChangeAspect="1"/>
+            </p:cNvPicPr>
+            <p:nvPr/>
+          </p:nvPicPr>
+          <p:blipFill rotWithShape="1">
+            <a:blip r:embed="rId16"/>
+            <a:srcRect l="76900"/>
+            <a:stretch/>
+          </p:blipFill>
+          <p:spPr>
+            <a:xfrm>
+              <a:off x="9485930" y="23881512"/>
+              <a:ext cx="657971" cy="628738"/>
+            </a:xfrm>
+            <a:prstGeom prst="rect">
+              <a:avLst/>
+            </a:prstGeom>
+          </p:spPr>
+        </p:pic>
+        <p:pic>
+          <p:nvPicPr>
+            <p:cNvPr id="179" name="Imagem 178">
+              <a:extLst>
+                <a:ext uri="{FF2B5EF4-FFF2-40B4-BE49-F238E27FC236}">
+                  <a16:creationId xmlns:a16="http://schemas.microsoft.com/office/drawing/2014/main" id="{FED23D3D-C0B9-EF56-8A4F-FB3819663EB1}"/>
+                </a:ext>
+              </a:extLst>
+            </p:cNvPr>
+            <p:cNvPicPr>
+              <a:picLocks noChangeAspect="1"/>
+            </p:cNvPicPr>
+            <p:nvPr/>
+          </p:nvPicPr>
+          <p:blipFill rotWithShape="1">
+            <a:blip r:embed="rId16"/>
+            <a:srcRect l="38719" t="-1211" r="42147" b="1211"/>
+            <a:stretch/>
+          </p:blipFill>
+          <p:spPr>
+            <a:xfrm>
+              <a:off x="8938982" y="23876267"/>
+              <a:ext cx="544987" cy="628738"/>
+            </a:xfrm>
+            <a:prstGeom prst="rect">
+              <a:avLst/>
+            </a:prstGeom>
+          </p:spPr>
+        </p:pic>
+      </p:grpSp>
+      <p:sp>
+        <p:nvSpPr>
+          <p:cNvPr id="180" name="CaixaDeTexto 179">
+            <a:extLst>
+              <a:ext uri="{FF2B5EF4-FFF2-40B4-BE49-F238E27FC236}">
+                <a16:creationId xmlns:a16="http://schemas.microsoft.com/office/drawing/2014/main" id="{27CE4218-ABB1-1C8C-C8B9-E83404FFBBEA}"/>
+              </a:ext>
+            </a:extLst>
+          </p:cNvPr>
+          <p:cNvSpPr txBox="1"/>
+          <p:nvPr/>
+        </p:nvSpPr>
+        <p:spPr>
+          <a:xfrm>
+            <a:off x="23664873" y="23110549"/>
+            <a:ext cx="1720304" cy="253918"/>
+          </a:xfrm>
+          <a:prstGeom prst="rect">
+            <a:avLst/>
+          </a:prstGeom>
+          <a:noFill/>
+        </p:spPr>
+        <p:txBody>
+          <a:bodyPr wrap="square" lIns="114303" tIns="57151" rIns="114303" bIns="57151" rtlCol="0" anchor="t">
+            <a:spAutoFit/>
+          </a:bodyPr>
+          <a:lstStyle/>
+          <a:p>
+            <a:r>
+              <a:rPr lang="pt-BR" sz="900" i="1" noProof="1">
+                <a:solidFill>
+                  <a:schemeClr val="accent2">
+                    <a:lumMod val="75000"/>
+                  </a:schemeClr>
+                </a:solidFill>
+                <a:latin typeface="Barlow" panose="00000500000000000000" pitchFamily="2" charset="0"/>
+                <a:ea typeface="Segoe UI Black"/>
+                <a:cs typeface="Segoe UI"/>
+              </a:rPr>
+              <a:t>* Lakehouse padrões abertos</a:t>
+            </a:r>
+            <a:endParaRPr lang="pt-BR" sz="900" i="1" noProof="1">
+              <a:solidFill>
+                <a:schemeClr val="accent2">
+                  <a:lumMod val="75000"/>
+                </a:schemeClr>
+              </a:solidFill>
+              <a:latin typeface="Barlow" panose="00000500000000000000" pitchFamily="2" charset="0"/>
+              <a:ea typeface="Segoe UI Black" panose="020B0A02040204020203" pitchFamily="34" charset="0"/>
+              <a:cs typeface="Segoe UI" panose="020B0502040204020203" pitchFamily="34" charset="0"/>
+            </a:endParaRPr>
+          </a:p>
+        </p:txBody>
+      </p:sp>
+      <p:sp>
+        <p:nvSpPr>
+          <p:cNvPr id="181" name="Retângulo: Cantos Arredondados 180">
+            <a:extLst>
+              <a:ext uri="{FF2B5EF4-FFF2-40B4-BE49-F238E27FC236}">
+                <a16:creationId xmlns:a16="http://schemas.microsoft.com/office/drawing/2014/main" id="{49BD95AA-86A7-330B-FB2C-EA9200019012}"/>
+              </a:ext>
+            </a:extLst>
+          </p:cNvPr>
+          <p:cNvSpPr/>
+          <p:nvPr/>
+        </p:nvSpPr>
+        <p:spPr>
+          <a:xfrm>
+            <a:off x="27396660" y="22376562"/>
+            <a:ext cx="1573308" cy="980194"/>
+          </a:xfrm>
+          <a:prstGeom prst="roundRect">
+            <a:avLst>
+              <a:gd name="adj" fmla="val 4410"/>
+            </a:avLst>
+          </a:prstGeom>
+          <a:solidFill>
+            <a:schemeClr val="bg1"/>
+          </a:solidFill>
+          <a:ln w="19050">
+            <a:solidFill>
+              <a:schemeClr val="accent1">
+                <a:lumMod val="40000"/>
+                <a:lumOff val="60000"/>
+              </a:schemeClr>
+            </a:solidFill>
+            <a:prstDash val="sysDash"/>
+          </a:ln>
+        </p:spPr>
+        <p:style>
+          <a:lnRef idx="0">
+            <a:scrgbClr r="0" g="0" b="0"/>
+          </a:lnRef>
+          <a:fillRef idx="0">
+            <a:scrgbClr r="0" g="0" b="0"/>
+          </a:fillRef>
+          <a:effectRef idx="0">
+            <a:scrgbClr r="0" g="0" b="0"/>
+          </a:effectRef>
+          <a:fontRef idx="minor">
+            <a:schemeClr val="lt1"/>
+          </a:fontRef>
+        </p:style>
+        <p:txBody>
+          <a:bodyPr rtlCol="0" anchor="ctr"/>
+          <a:lstStyle/>
+          <a:p>
+            <a:pPr algn="ctr"/>
+            <a:endParaRPr lang="pt-BR" sz="2250">
+              <a:latin typeface="Barlow" panose="00000500000000000000" pitchFamily="2" charset="0"/>
+            </a:endParaRPr>
+          </a:p>
+        </p:txBody>
+      </p:sp>
+      <p:sp>
+        <p:nvSpPr>
+          <p:cNvPr id="183" name="CaixaDeTexto 182">
+            <a:extLst>
+              <a:ext uri="{FF2B5EF4-FFF2-40B4-BE49-F238E27FC236}">
+                <a16:creationId xmlns:a16="http://schemas.microsoft.com/office/drawing/2014/main" id="{14981DF4-B6F2-F3FC-6821-F1D892CAC74F}"/>
+              </a:ext>
+            </a:extLst>
+          </p:cNvPr>
+          <p:cNvSpPr txBox="1"/>
+          <p:nvPr/>
+        </p:nvSpPr>
+        <p:spPr>
+          <a:xfrm>
+            <a:off x="27684770" y="22196491"/>
+            <a:ext cx="1038752" cy="284695"/>
+          </a:xfrm>
+          <a:prstGeom prst="rect">
+            <a:avLst/>
+          </a:prstGeom>
+          <a:solidFill>
+            <a:schemeClr val="accent1">
+              <a:lumMod val="40000"/>
+              <a:lumOff val="60000"/>
+            </a:schemeClr>
+          </a:solidFill>
+          <a:ln>
+            <a:noFill/>
+          </a:ln>
+        </p:spPr>
+        <p:style>
+          <a:lnRef idx="0">
+            <a:scrgbClr r="0" g="0" b="0"/>
+          </a:lnRef>
+          <a:fillRef idx="0">
+            <a:scrgbClr r="0" g="0" b="0"/>
+          </a:fillRef>
+          <a:effectRef idx="0">
+            <a:scrgbClr r="0" g="0" b="0"/>
+          </a:effectRef>
+          <a:fontRef idx="minor">
+            <a:schemeClr val="lt1"/>
+          </a:fontRef>
+        </p:style>
+        <p:txBody>
+          <a:bodyPr wrap="none" lIns="114303" tIns="57151" rIns="114303" bIns="57151" rtlCol="0" anchor="t">
+            <a:spAutoFit/>
+          </a:bodyPr>
+          <a:lstStyle/>
+          <a:p>
+            <a:r>
+              <a:rPr lang="pt-BR" sz="1100" b="1" dirty="0">
+                <a:solidFill>
+                  <a:schemeClr val="accent1">
+                    <a:lumMod val="75000"/>
+                  </a:schemeClr>
+                </a:solidFill>
+                <a:latin typeface="Barlow" panose="00000500000000000000" pitchFamily="2" charset="0"/>
+                <a:ea typeface="Segoe UI Black"/>
+                <a:cs typeface="Segoe UI"/>
+              </a:rPr>
+              <a:t>SEBRAE/MG</a:t>
+            </a:r>
+            <a:endParaRPr lang="pt-BR" sz="1100" b="1" dirty="0">
+              <a:solidFill>
+                <a:schemeClr val="accent1">
+                  <a:lumMod val="75000"/>
+                </a:schemeClr>
+              </a:solidFill>
+              <a:latin typeface="Barlow" panose="00000500000000000000" pitchFamily="2" charset="0"/>
+              <a:ea typeface="Segoe UI Black" panose="020B0A02040204020203" pitchFamily="34" charset="0"/>
+              <a:cs typeface="Segoe UI" panose="020B0502040204020203" pitchFamily="34" charset="0"/>
+            </a:endParaRPr>
+          </a:p>
+        </p:txBody>
+      </p:sp>
+      <p:grpSp>
+        <p:nvGrpSpPr>
+          <p:cNvPr id="184" name="Agrupar 183">
+            <a:extLst>
+              <a:ext uri="{FF2B5EF4-FFF2-40B4-BE49-F238E27FC236}">
+                <a16:creationId xmlns:a16="http://schemas.microsoft.com/office/drawing/2014/main" id="{36D78A1B-3E46-FE06-975A-B56EFCC522F3}"/>
+              </a:ext>
+            </a:extLst>
+          </p:cNvPr>
+          <p:cNvGrpSpPr/>
+          <p:nvPr/>
+        </p:nvGrpSpPr>
+        <p:grpSpPr>
+          <a:xfrm>
+            <a:off x="27621621" y="22659331"/>
+            <a:ext cx="1123385" cy="378193"/>
+            <a:chOff x="8393995" y="23876267"/>
+            <a:chExt cx="1749906" cy="633983"/>
+          </a:xfrm>
+        </p:grpSpPr>
+        <p:pic>
+          <p:nvPicPr>
+            <p:cNvPr id="185" name="Imagem 184">
+              <a:extLst>
+                <a:ext uri="{FF2B5EF4-FFF2-40B4-BE49-F238E27FC236}">
+                  <a16:creationId xmlns:a16="http://schemas.microsoft.com/office/drawing/2014/main" id="{B0ACA93B-DDF2-1483-41A2-5F39323E7068}"/>
+                </a:ext>
+              </a:extLst>
+            </p:cNvPr>
+            <p:cNvPicPr>
+              <a:picLocks noChangeAspect="1"/>
+            </p:cNvPicPr>
+            <p:nvPr/>
+          </p:nvPicPr>
+          <p:blipFill rotWithShape="1">
+            <a:blip r:embed="rId16"/>
+            <a:srcRect r="80867"/>
+            <a:stretch/>
+          </p:blipFill>
+          <p:spPr>
+            <a:xfrm>
+              <a:off x="8393995" y="23880537"/>
+              <a:ext cx="544987" cy="628738"/>
+            </a:xfrm>
+            <a:prstGeom prst="rect">
+              <a:avLst/>
+            </a:prstGeom>
+          </p:spPr>
+        </p:pic>
+        <p:pic>
+          <p:nvPicPr>
+            <p:cNvPr id="186" name="Imagem 185">
+              <a:extLst>
+                <a:ext uri="{FF2B5EF4-FFF2-40B4-BE49-F238E27FC236}">
+                  <a16:creationId xmlns:a16="http://schemas.microsoft.com/office/drawing/2014/main" id="{A1D0CC12-8DF8-EE7D-6785-5FE1B3011933}"/>
+                </a:ext>
+              </a:extLst>
+            </p:cNvPr>
+            <p:cNvPicPr>
+              <a:picLocks noChangeAspect="1"/>
+            </p:cNvPicPr>
+            <p:nvPr/>
+          </p:nvPicPr>
+          <p:blipFill rotWithShape="1">
+            <a:blip r:embed="rId16"/>
+            <a:srcRect l="76900"/>
+            <a:stretch/>
+          </p:blipFill>
+          <p:spPr>
+            <a:xfrm>
+              <a:off x="9485930" y="23881512"/>
+              <a:ext cx="657971" cy="628738"/>
+            </a:xfrm>
+            <a:prstGeom prst="rect">
+              <a:avLst/>
+            </a:prstGeom>
+          </p:spPr>
+        </p:pic>
+        <p:pic>
+          <p:nvPicPr>
+            <p:cNvPr id="187" name="Imagem 186">
+              <a:extLst>
+                <a:ext uri="{FF2B5EF4-FFF2-40B4-BE49-F238E27FC236}">
+                  <a16:creationId xmlns:a16="http://schemas.microsoft.com/office/drawing/2014/main" id="{782E5F61-A9CA-5AF7-C08C-3C58E9135E9B}"/>
+                </a:ext>
+              </a:extLst>
+            </p:cNvPr>
+            <p:cNvPicPr>
+              <a:picLocks noChangeAspect="1"/>
+            </p:cNvPicPr>
+            <p:nvPr/>
+          </p:nvPicPr>
+          <p:blipFill rotWithShape="1">
+            <a:blip r:embed="rId16"/>
+            <a:srcRect l="38719" t="-1211" r="42147" b="1211"/>
+            <a:stretch/>
+          </p:blipFill>
+          <p:spPr>
+            <a:xfrm>
+              <a:off x="8938982" y="23876267"/>
+              <a:ext cx="544987" cy="628738"/>
+            </a:xfrm>
+            <a:prstGeom prst="rect">
+              <a:avLst/>
+            </a:prstGeom>
+          </p:spPr>
+        </p:pic>
+      </p:grpSp>
+      <p:sp>
+        <p:nvSpPr>
+          <p:cNvPr id="188" name="CaixaDeTexto 187">
+            <a:extLst>
+              <a:ext uri="{FF2B5EF4-FFF2-40B4-BE49-F238E27FC236}">
+                <a16:creationId xmlns:a16="http://schemas.microsoft.com/office/drawing/2014/main" id="{81281C76-C474-4C2E-367F-952F3D3C9195}"/>
+              </a:ext>
+            </a:extLst>
+          </p:cNvPr>
+          <p:cNvSpPr txBox="1"/>
+          <p:nvPr/>
+        </p:nvSpPr>
+        <p:spPr>
+          <a:xfrm>
+            <a:off x="27376500" y="23077678"/>
+            <a:ext cx="1720304" cy="253918"/>
+          </a:xfrm>
+          <a:prstGeom prst="rect">
+            <a:avLst/>
+          </a:prstGeom>
+          <a:noFill/>
+        </p:spPr>
+        <p:txBody>
+          <a:bodyPr wrap="square" lIns="114303" tIns="57151" rIns="114303" bIns="57151" rtlCol="0" anchor="t">
+            <a:spAutoFit/>
+          </a:bodyPr>
+          <a:lstStyle/>
+          <a:p>
+            <a:r>
+              <a:rPr lang="pt-BR" sz="900" i="1" noProof="1">
+                <a:solidFill>
+                  <a:schemeClr val="accent2">
+                    <a:lumMod val="75000"/>
+                  </a:schemeClr>
+                </a:solidFill>
+                <a:latin typeface="Barlow" panose="00000500000000000000" pitchFamily="2" charset="0"/>
+                <a:ea typeface="Segoe UI Black"/>
+                <a:cs typeface="Segoe UI"/>
+              </a:rPr>
+              <a:t>* Lakehouse padrões abertos</a:t>
+            </a:r>
+            <a:endParaRPr lang="pt-BR" sz="900" i="1" noProof="1">
+              <a:solidFill>
+                <a:schemeClr val="accent2">
+                  <a:lumMod val="75000"/>
+                </a:schemeClr>
+              </a:solidFill>
+              <a:latin typeface="Barlow" panose="00000500000000000000" pitchFamily="2" charset="0"/>
+              <a:ea typeface="Segoe UI Black" panose="020B0A02040204020203" pitchFamily="34" charset="0"/>
+              <a:cs typeface="Segoe UI" panose="020B0502040204020203" pitchFamily="34" charset="0"/>
+            </a:endParaRPr>
+          </a:p>
+        </p:txBody>
+      </p:sp>
+      <p:sp>
+        <p:nvSpPr>
+          <p:cNvPr id="189" name="Retângulo: Cantos Arredondados 188">
+            <a:extLst>
+              <a:ext uri="{FF2B5EF4-FFF2-40B4-BE49-F238E27FC236}">
+                <a16:creationId xmlns:a16="http://schemas.microsoft.com/office/drawing/2014/main" id="{A176F275-4AF8-28A6-F291-8F0D4F0E0352}"/>
+              </a:ext>
+            </a:extLst>
+          </p:cNvPr>
+          <p:cNvSpPr/>
+          <p:nvPr/>
+        </p:nvSpPr>
+        <p:spPr>
+          <a:xfrm>
+            <a:off x="25526255" y="22379691"/>
+            <a:ext cx="1573308" cy="980194"/>
+          </a:xfrm>
+          <a:prstGeom prst="roundRect">
+            <a:avLst>
+              <a:gd name="adj" fmla="val 4410"/>
+            </a:avLst>
+          </a:prstGeom>
+          <a:solidFill>
+            <a:schemeClr val="bg1"/>
+          </a:solidFill>
+          <a:ln w="19050">
+            <a:solidFill>
+              <a:schemeClr val="accent1">
+                <a:lumMod val="40000"/>
+                <a:lumOff val="60000"/>
+              </a:schemeClr>
+            </a:solidFill>
+            <a:prstDash val="sysDash"/>
+          </a:ln>
+        </p:spPr>
+        <p:style>
+          <a:lnRef idx="0">
+            <a:scrgbClr r="0" g="0" b="0"/>
+          </a:lnRef>
+          <a:fillRef idx="0">
+            <a:scrgbClr r="0" g="0" b="0"/>
+          </a:fillRef>
+          <a:effectRef idx="0">
+            <a:scrgbClr r="0" g="0" b="0"/>
+          </a:effectRef>
+          <a:fontRef idx="minor">
+            <a:schemeClr val="lt1"/>
+          </a:fontRef>
+        </p:style>
+        <p:txBody>
+          <a:bodyPr rtlCol="0" anchor="ctr"/>
+          <a:lstStyle/>
+          <a:p>
+            <a:pPr algn="ctr"/>
+            <a:endParaRPr lang="pt-BR" sz="2250">
+              <a:latin typeface="Barlow" panose="00000500000000000000" pitchFamily="2" charset="0"/>
+            </a:endParaRPr>
+          </a:p>
+        </p:txBody>
+      </p:sp>
+      <p:sp>
+        <p:nvSpPr>
+          <p:cNvPr id="190" name="CaixaDeTexto 189">
+            <a:extLst>
+              <a:ext uri="{FF2B5EF4-FFF2-40B4-BE49-F238E27FC236}">
+                <a16:creationId xmlns:a16="http://schemas.microsoft.com/office/drawing/2014/main" id="{83593076-BA30-A9B3-93AA-5E164F158C70}"/>
+              </a:ext>
+            </a:extLst>
+          </p:cNvPr>
+          <p:cNvSpPr txBox="1"/>
+          <p:nvPr/>
+        </p:nvSpPr>
+        <p:spPr>
+          <a:xfrm>
+            <a:off x="25814365" y="22199620"/>
+            <a:ext cx="981044" cy="284695"/>
+          </a:xfrm>
+          <a:prstGeom prst="rect">
+            <a:avLst/>
+          </a:prstGeom>
+          <a:solidFill>
+            <a:schemeClr val="accent1">
+              <a:lumMod val="40000"/>
+              <a:lumOff val="60000"/>
+            </a:schemeClr>
+          </a:solidFill>
+          <a:ln>
+            <a:noFill/>
+          </a:ln>
+        </p:spPr>
+        <p:style>
+          <a:lnRef idx="0">
+            <a:scrgbClr r="0" g="0" b="0"/>
+          </a:lnRef>
+          <a:fillRef idx="0">
+            <a:scrgbClr r="0" g="0" b="0"/>
+          </a:fillRef>
+          <a:effectRef idx="0">
+            <a:scrgbClr r="0" g="0" b="0"/>
+          </a:effectRef>
+          <a:fontRef idx="minor">
+            <a:schemeClr val="lt1"/>
+          </a:fontRef>
+        </p:style>
+        <p:txBody>
+          <a:bodyPr wrap="none" lIns="114303" tIns="57151" rIns="114303" bIns="57151" rtlCol="0" anchor="t">
+            <a:spAutoFit/>
+          </a:bodyPr>
+          <a:lstStyle/>
+          <a:p>
+            <a:r>
+              <a:rPr lang="pt-BR" sz="1100" b="1" dirty="0">
+                <a:solidFill>
+                  <a:schemeClr val="accent1">
+                    <a:lumMod val="75000"/>
+                  </a:schemeClr>
+                </a:solidFill>
+                <a:latin typeface="Barlow" panose="00000500000000000000" pitchFamily="2" charset="0"/>
+                <a:ea typeface="Segoe UI Black"/>
+                <a:cs typeface="Segoe UI"/>
+              </a:rPr>
+              <a:t>SEBRAE/PR</a:t>
+            </a:r>
+            <a:endParaRPr lang="pt-BR" sz="1100" b="1" dirty="0">
+              <a:solidFill>
+                <a:schemeClr val="accent1">
+                  <a:lumMod val="75000"/>
+                </a:schemeClr>
+              </a:solidFill>
+              <a:latin typeface="Barlow" panose="00000500000000000000" pitchFamily="2" charset="0"/>
+              <a:ea typeface="Segoe UI Black" panose="020B0A02040204020203" pitchFamily="34" charset="0"/>
+              <a:cs typeface="Segoe UI" panose="020B0502040204020203" pitchFamily="34" charset="0"/>
+            </a:endParaRPr>
+          </a:p>
+        </p:txBody>
+      </p:sp>
+      <p:grpSp>
+        <p:nvGrpSpPr>
+          <p:cNvPr id="1024" name="Agrupar 1023">
+            <a:extLst>
+              <a:ext uri="{FF2B5EF4-FFF2-40B4-BE49-F238E27FC236}">
+                <a16:creationId xmlns:a16="http://schemas.microsoft.com/office/drawing/2014/main" id="{DF27E50C-FED0-66ED-1871-F3E3A1A2DFC8}"/>
+              </a:ext>
+            </a:extLst>
+          </p:cNvPr>
+          <p:cNvGrpSpPr/>
+          <p:nvPr/>
+        </p:nvGrpSpPr>
+        <p:grpSpPr>
+          <a:xfrm>
+            <a:off x="25751216" y="22662460"/>
+            <a:ext cx="1123385" cy="378193"/>
+            <a:chOff x="8393995" y="23876267"/>
+            <a:chExt cx="1749906" cy="633983"/>
+          </a:xfrm>
+        </p:grpSpPr>
+        <p:pic>
+          <p:nvPicPr>
+            <p:cNvPr id="1025" name="Imagem 1024">
+              <a:extLst>
+                <a:ext uri="{FF2B5EF4-FFF2-40B4-BE49-F238E27FC236}">
+                  <a16:creationId xmlns:a16="http://schemas.microsoft.com/office/drawing/2014/main" id="{FB103852-6CA1-FBF7-977D-D13994C2CB98}"/>
+                </a:ext>
+              </a:extLst>
+            </p:cNvPr>
+            <p:cNvPicPr>
+              <a:picLocks noChangeAspect="1"/>
+            </p:cNvPicPr>
+            <p:nvPr/>
+          </p:nvPicPr>
+          <p:blipFill rotWithShape="1">
+            <a:blip r:embed="rId16"/>
+            <a:srcRect r="80867"/>
+            <a:stretch/>
+          </p:blipFill>
+          <p:spPr>
+            <a:xfrm>
+              <a:off x="8393995" y="23880537"/>
+              <a:ext cx="544987" cy="628738"/>
+            </a:xfrm>
+            <a:prstGeom prst="rect">
+              <a:avLst/>
+            </a:prstGeom>
+          </p:spPr>
+        </p:pic>
+        <p:pic>
+          <p:nvPicPr>
+            <p:cNvPr id="1026" name="Imagem 1025">
+              <a:extLst>
+                <a:ext uri="{FF2B5EF4-FFF2-40B4-BE49-F238E27FC236}">
+                  <a16:creationId xmlns:a16="http://schemas.microsoft.com/office/drawing/2014/main" id="{B2A272A7-6183-D90D-CB87-72C87225BD26}"/>
+                </a:ext>
+              </a:extLst>
+            </p:cNvPr>
+            <p:cNvPicPr>
+              <a:picLocks noChangeAspect="1"/>
+            </p:cNvPicPr>
+            <p:nvPr/>
+          </p:nvPicPr>
+          <p:blipFill rotWithShape="1">
+            <a:blip r:embed="rId16"/>
+            <a:srcRect l="76900"/>
+            <a:stretch/>
+          </p:blipFill>
+          <p:spPr>
+            <a:xfrm>
+              <a:off x="9485930" y="23881512"/>
+              <a:ext cx="657971" cy="628738"/>
+            </a:xfrm>
+            <a:prstGeom prst="rect">
+              <a:avLst/>
+            </a:prstGeom>
+          </p:spPr>
+        </p:pic>
+        <p:pic>
+          <p:nvPicPr>
+            <p:cNvPr id="1027" name="Imagem 1026">
+              <a:extLst>
+                <a:ext uri="{FF2B5EF4-FFF2-40B4-BE49-F238E27FC236}">
+                  <a16:creationId xmlns:a16="http://schemas.microsoft.com/office/drawing/2014/main" id="{A46B472B-5A18-207D-C67A-C9B07A6BED76}"/>
+                </a:ext>
+              </a:extLst>
+            </p:cNvPr>
+            <p:cNvPicPr>
+              <a:picLocks noChangeAspect="1"/>
+            </p:cNvPicPr>
+            <p:nvPr/>
+          </p:nvPicPr>
+          <p:blipFill rotWithShape="1">
+            <a:blip r:embed="rId16"/>
+            <a:srcRect l="38719" t="-1211" r="42147" b="1211"/>
+            <a:stretch/>
+          </p:blipFill>
+          <p:spPr>
+            <a:xfrm>
+              <a:off x="8938982" y="23876267"/>
+              <a:ext cx="544987" cy="628738"/>
+            </a:xfrm>
+            <a:prstGeom prst="rect">
+              <a:avLst/>
+            </a:prstGeom>
+          </p:spPr>
+        </p:pic>
+      </p:grpSp>
+      <p:sp>
+        <p:nvSpPr>
+          <p:cNvPr id="1028" name="CaixaDeTexto 1027">
+            <a:extLst>
+              <a:ext uri="{FF2B5EF4-FFF2-40B4-BE49-F238E27FC236}">
+                <a16:creationId xmlns:a16="http://schemas.microsoft.com/office/drawing/2014/main" id="{31A63B1F-77E4-A385-2667-F7B5C6C72BFE}"/>
+              </a:ext>
+            </a:extLst>
+          </p:cNvPr>
+          <p:cNvSpPr txBox="1"/>
+          <p:nvPr/>
+        </p:nvSpPr>
+        <p:spPr>
+          <a:xfrm>
+            <a:off x="25483920" y="23110549"/>
+            <a:ext cx="1720304" cy="253918"/>
+          </a:xfrm>
+          <a:prstGeom prst="rect">
+            <a:avLst/>
+          </a:prstGeom>
+          <a:noFill/>
+        </p:spPr>
+        <p:txBody>
+          <a:bodyPr wrap="square" lIns="114303" tIns="57151" rIns="114303" bIns="57151" rtlCol="0" anchor="t">
+            <a:spAutoFit/>
+          </a:bodyPr>
+          <a:lstStyle/>
+          <a:p>
+            <a:r>
+              <a:rPr lang="pt-BR" sz="900" i="1" noProof="1">
+                <a:solidFill>
+                  <a:schemeClr val="accent2">
+                    <a:lumMod val="75000"/>
+                  </a:schemeClr>
+                </a:solidFill>
+                <a:latin typeface="Barlow" panose="00000500000000000000" pitchFamily="2" charset="0"/>
+                <a:ea typeface="Segoe UI Black"/>
+                <a:cs typeface="Segoe UI"/>
+              </a:rPr>
+              <a:t>* Lakehouse padrões abertos</a:t>
+            </a:r>
+            <a:endParaRPr lang="pt-BR" sz="900" i="1" noProof="1">
+              <a:solidFill>
+                <a:schemeClr val="accent2">
+                  <a:lumMod val="75000"/>
+                </a:schemeClr>
+              </a:solidFill>
+              <a:latin typeface="Barlow" panose="00000500000000000000" pitchFamily="2" charset="0"/>
+              <a:ea typeface="Segoe UI Black" panose="020B0A02040204020203" pitchFamily="34" charset="0"/>
+              <a:cs typeface="Segoe UI" panose="020B0502040204020203" pitchFamily="34" charset="0"/>
+            </a:endParaRPr>
+          </a:p>
+        </p:txBody>
+      </p:sp>
+      <p:sp>
+        <p:nvSpPr>
+          <p:cNvPr id="1029" name="CaixaDeTexto 1028">
+            <a:extLst>
+              <a:ext uri="{FF2B5EF4-FFF2-40B4-BE49-F238E27FC236}">
+                <a16:creationId xmlns:a16="http://schemas.microsoft.com/office/drawing/2014/main" id="{5069C01D-F98B-C461-4957-BEC1074842B2}"/>
+              </a:ext>
+            </a:extLst>
+          </p:cNvPr>
+          <p:cNvSpPr txBox="1"/>
+          <p:nvPr/>
+        </p:nvSpPr>
+        <p:spPr>
+          <a:xfrm>
+            <a:off x="29377922" y="22666959"/>
+            <a:ext cx="360682" cy="307779"/>
+          </a:xfrm>
+          <a:prstGeom prst="rect">
+            <a:avLst/>
+          </a:prstGeom>
+          <a:solidFill>
+            <a:schemeClr val="accent2">
+              <a:lumMod val="40000"/>
+              <a:lumOff val="60000"/>
+            </a:schemeClr>
+          </a:solidFill>
+          <a:ln>
+            <a:noFill/>
+          </a:ln>
+        </p:spPr>
+        <p:style>
+          <a:lnRef idx="0">
+            <a:scrgbClr r="0" g="0" b="0"/>
+          </a:lnRef>
+          <a:fillRef idx="0">
+            <a:scrgbClr r="0" g="0" b="0"/>
+          </a:fillRef>
+          <a:effectRef idx="0">
+            <a:scrgbClr r="0" g="0" b="0"/>
+          </a:effectRef>
+          <a:fontRef idx="minor">
+            <a:schemeClr val="lt1"/>
+          </a:fontRef>
+        </p:style>
+        <p:txBody>
+          <a:bodyPr wrap="none" lIns="114303" tIns="57151" rIns="114303" bIns="57151" rtlCol="0" anchor="t">
+            <a:spAutoFit/>
+          </a:bodyPr>
+          <a:lstStyle/>
+          <a:p>
+            <a:r>
+              <a:rPr lang="pt-BR" sz="1250" b="1" dirty="0">
+                <a:solidFill>
+                  <a:schemeClr val="accent2">
+                    <a:lumMod val="75000"/>
+                  </a:schemeClr>
+                </a:solidFill>
+                <a:latin typeface="Barlow" panose="00000500000000000000" pitchFamily="2" charset="0"/>
+                <a:ea typeface="Segoe UI Black"/>
+                <a:cs typeface="Segoe UI"/>
+              </a:rPr>
+              <a:t>...</a:t>
+            </a:r>
+            <a:endParaRPr lang="pt-BR" sz="1250" b="1" dirty="0">
+              <a:solidFill>
+                <a:schemeClr val="accent2">
+                  <a:lumMod val="75000"/>
+                </a:schemeClr>
+              </a:solidFill>
+              <a:latin typeface="Barlow" panose="00000500000000000000" pitchFamily="2" charset="0"/>
+              <a:ea typeface="Segoe UI Black" panose="020B0A02040204020203" pitchFamily="34" charset="0"/>
+              <a:cs typeface="Segoe UI" panose="020B0502040204020203" pitchFamily="34" charset="0"/>
+            </a:endParaRPr>
+          </a:p>
+        </p:txBody>
+      </p:sp>
+      <p:cxnSp>
+        <p:nvCxnSpPr>
+          <p:cNvPr id="1030" name="Conector de Seta Reta 1029">
+            <a:extLst>
+              <a:ext uri="{FF2B5EF4-FFF2-40B4-BE49-F238E27FC236}">
+                <a16:creationId xmlns:a16="http://schemas.microsoft.com/office/drawing/2014/main" id="{5B6FD421-ACB3-19AA-709A-F437F0B3E4B8}"/>
+              </a:ext>
+            </a:extLst>
+          </p:cNvPr>
+          <p:cNvCxnSpPr>
+            <a:cxnSpLocks/>
+          </p:cNvCxnSpPr>
+          <p:nvPr/>
+        </p:nvCxnSpPr>
+        <p:spPr>
+          <a:xfrm flipV="1">
+            <a:off x="25686402" y="21327587"/>
+            <a:ext cx="0" cy="509447"/>
+          </a:xfrm>
+          <a:prstGeom prst="straightConnector1">
+            <a:avLst/>
+          </a:prstGeom>
+          <a:ln w="19050">
+            <a:solidFill>
+              <a:schemeClr val="bg1">
+                <a:lumMod val="75000"/>
+              </a:schemeClr>
+            </a:solidFill>
+            <a:prstDash val="sysDot"/>
+            <a:tailEnd type="triangle"/>
+          </a:ln>
+        </p:spPr>
+        <p:style>
+          <a:lnRef idx="1">
+            <a:schemeClr val="accent1"/>
+          </a:lnRef>
+          <a:fillRef idx="0">
+            <a:schemeClr val="accent1"/>
+          </a:fillRef>
+          <a:effectRef idx="0">
+            <a:schemeClr val="accent1"/>
+          </a:effectRef>
+          <a:fontRef idx="minor">
+            <a:schemeClr val="tx1"/>
+          </a:fontRef>
+        </p:style>
+      </p:cxnSp>
+      <p:sp>
+        <p:nvSpPr>
+          <p:cNvPr id="1034" name="CaixaDeTexto 1033">
+            <a:extLst>
+              <a:ext uri="{FF2B5EF4-FFF2-40B4-BE49-F238E27FC236}">
+                <a16:creationId xmlns:a16="http://schemas.microsoft.com/office/drawing/2014/main" id="{2A066CE3-DAAA-F3B1-89D5-6F1811747CE6}"/>
+              </a:ext>
+            </a:extLst>
+          </p:cNvPr>
+          <p:cNvSpPr txBox="1"/>
+          <p:nvPr/>
+        </p:nvSpPr>
+        <p:spPr>
+          <a:xfrm>
+            <a:off x="25010839" y="21410958"/>
+            <a:ext cx="2857837" cy="269307"/>
+          </a:xfrm>
+          <a:prstGeom prst="rect">
+            <a:avLst/>
+          </a:prstGeom>
+          <a:noFill/>
+        </p:spPr>
+        <p:txBody>
+          <a:bodyPr wrap="square" lIns="114303" tIns="57151" rIns="114303" bIns="57151" rtlCol="0" anchor="t">
+            <a:spAutoFit/>
+          </a:bodyPr>
+          <a:lstStyle/>
+          <a:p>
+            <a:pPr algn="ctr"/>
+            <a:r>
+              <a:rPr lang="pt-BR" sz="1000" noProof="1">
+                <a:solidFill>
+                  <a:schemeClr val="accent1">
+                    <a:lumMod val="50000"/>
+                  </a:schemeClr>
+                </a:solidFill>
+                <a:latin typeface="Barlow" panose="00000500000000000000" pitchFamily="2" charset="0"/>
+                <a:ea typeface="Segoe UI Black"/>
+                <a:cs typeface="Segoe UI"/>
+              </a:rPr>
+              <a:t>Data Sharing (endpoint)</a:t>
+            </a:r>
+          </a:p>
+        </p:txBody>
+      </p:sp>
+      <p:cxnSp>
+        <p:nvCxnSpPr>
+          <p:cNvPr id="1035" name="Conector de Seta Reta 1034">
+            <a:extLst>
+              <a:ext uri="{FF2B5EF4-FFF2-40B4-BE49-F238E27FC236}">
+                <a16:creationId xmlns:a16="http://schemas.microsoft.com/office/drawing/2014/main" id="{A4C200E4-7680-F86A-18C3-6B511C7FF4D9}"/>
+              </a:ext>
+            </a:extLst>
+          </p:cNvPr>
+          <p:cNvCxnSpPr>
+            <a:cxnSpLocks/>
+          </p:cNvCxnSpPr>
+          <p:nvPr/>
+        </p:nvCxnSpPr>
+        <p:spPr>
+          <a:xfrm flipV="1">
+            <a:off x="28987581" y="17526752"/>
+            <a:ext cx="1" cy="722051"/>
+          </a:xfrm>
+          <a:prstGeom prst="straightConnector1">
+            <a:avLst/>
+          </a:prstGeom>
+          <a:ln w="19050">
+            <a:solidFill>
+              <a:schemeClr val="bg1">
+                <a:lumMod val="75000"/>
+              </a:schemeClr>
+            </a:solidFill>
+            <a:prstDash val="sysDot"/>
+            <a:tailEnd type="triangle"/>
+          </a:ln>
+        </p:spPr>
+        <p:style>
+          <a:lnRef idx="1">
+            <a:schemeClr val="accent1"/>
+          </a:lnRef>
+          <a:fillRef idx="0">
+            <a:schemeClr val="accent1"/>
+          </a:fillRef>
+          <a:effectRef idx="0">
+            <a:schemeClr val="accent1"/>
+          </a:effectRef>
+          <a:fontRef idx="minor">
+            <a:schemeClr val="tx1"/>
+          </a:fontRef>
+        </p:style>
+      </p:cxnSp>
+      <p:cxnSp>
+        <p:nvCxnSpPr>
+          <p:cNvPr id="1036" name="Conector de Seta Reta 1035">
+            <a:extLst>
+              <a:ext uri="{FF2B5EF4-FFF2-40B4-BE49-F238E27FC236}">
+                <a16:creationId xmlns:a16="http://schemas.microsoft.com/office/drawing/2014/main" id="{7F588DB0-EC91-D52B-DEDD-9C29B0D10451}"/>
+              </a:ext>
+            </a:extLst>
+          </p:cNvPr>
+          <p:cNvCxnSpPr>
+            <a:cxnSpLocks/>
+          </p:cNvCxnSpPr>
+          <p:nvPr/>
+        </p:nvCxnSpPr>
+        <p:spPr>
+          <a:xfrm>
+            <a:off x="28726082" y="17564715"/>
+            <a:ext cx="0" cy="674588"/>
+          </a:xfrm>
+          <a:prstGeom prst="straightConnector1">
+            <a:avLst/>
+          </a:prstGeom>
+          <a:ln w="19050">
+            <a:solidFill>
+              <a:schemeClr val="bg1">
+                <a:lumMod val="75000"/>
+              </a:schemeClr>
+            </a:solidFill>
+            <a:prstDash val="sysDot"/>
+            <a:tailEnd type="triangle"/>
+          </a:ln>
+        </p:spPr>
+        <p:style>
+          <a:lnRef idx="1">
+            <a:schemeClr val="accent1"/>
+          </a:lnRef>
+          <a:fillRef idx="0">
+            <a:schemeClr val="accent1"/>
+          </a:fillRef>
+          <a:effectRef idx="0">
+            <a:schemeClr val="accent1"/>
+          </a:effectRef>
+          <a:fontRef idx="minor">
+            <a:schemeClr val="tx1"/>
+          </a:fontRef>
+        </p:style>
+      </p:cxnSp>
+      <p:cxnSp>
+        <p:nvCxnSpPr>
+          <p:cNvPr id="1037" name="Conector de Seta Reta 1036">
+            <a:extLst>
+              <a:ext uri="{FF2B5EF4-FFF2-40B4-BE49-F238E27FC236}">
+                <a16:creationId xmlns:a16="http://schemas.microsoft.com/office/drawing/2014/main" id="{401057E3-B865-064B-F6C5-6D79E5B97881}"/>
+              </a:ext>
+            </a:extLst>
+          </p:cNvPr>
+          <p:cNvCxnSpPr>
+            <a:cxnSpLocks/>
+          </p:cNvCxnSpPr>
+          <p:nvPr/>
+        </p:nvCxnSpPr>
+        <p:spPr>
+          <a:xfrm flipV="1">
+            <a:off x="28912500" y="18989883"/>
+            <a:ext cx="9342" cy="579496"/>
+          </a:xfrm>
+          <a:prstGeom prst="straightConnector1">
+            <a:avLst/>
+          </a:prstGeom>
+          <a:ln w="19050">
+            <a:solidFill>
+              <a:schemeClr val="bg1">
+                <a:lumMod val="75000"/>
+              </a:schemeClr>
+            </a:solidFill>
+            <a:prstDash val="sysDot"/>
+            <a:tailEnd type="triangle"/>
+          </a:ln>
+        </p:spPr>
+        <p:style>
+          <a:lnRef idx="1">
+            <a:schemeClr val="accent1"/>
+          </a:lnRef>
+          <a:fillRef idx="0">
+            <a:schemeClr val="accent1"/>
+          </a:fillRef>
+          <a:effectRef idx="0">
+            <a:schemeClr val="accent1"/>
+          </a:effectRef>
+          <a:fontRef idx="minor">
+            <a:schemeClr val="tx1"/>
+          </a:fontRef>
+        </p:style>
+      </p:cxnSp>
+      <p:cxnSp>
+        <p:nvCxnSpPr>
+          <p:cNvPr id="1040" name="Conector de Seta Reta 1039">
+            <a:extLst>
+              <a:ext uri="{FF2B5EF4-FFF2-40B4-BE49-F238E27FC236}">
+                <a16:creationId xmlns:a16="http://schemas.microsoft.com/office/drawing/2014/main" id="{34B6CE42-A448-4D66-66F3-E3A7185BA0E5}"/>
+              </a:ext>
+            </a:extLst>
+          </p:cNvPr>
+          <p:cNvCxnSpPr>
+            <a:cxnSpLocks/>
+          </p:cNvCxnSpPr>
+          <p:nvPr/>
+        </p:nvCxnSpPr>
+        <p:spPr>
+          <a:xfrm>
+            <a:off x="28625601" y="18936091"/>
+            <a:ext cx="0" cy="566987"/>
+          </a:xfrm>
+          <a:prstGeom prst="straightConnector1">
+            <a:avLst/>
+          </a:prstGeom>
+          <a:ln w="19050">
+            <a:solidFill>
+              <a:schemeClr val="bg1">
+                <a:lumMod val="75000"/>
+              </a:schemeClr>
+            </a:solidFill>
+            <a:prstDash val="sysDot"/>
+            <a:tailEnd type="triangle"/>
+          </a:ln>
+        </p:spPr>
+        <p:style>
+          <a:lnRef idx="1">
+            <a:schemeClr val="accent1"/>
+          </a:lnRef>
+          <a:fillRef idx="0">
+            <a:schemeClr val="accent1"/>
+          </a:fillRef>
+          <a:effectRef idx="0">
+            <a:schemeClr val="accent1"/>
+          </a:effectRef>
+          <a:fontRef idx="minor">
+            <a:schemeClr val="tx1"/>
+          </a:fontRef>
+        </p:style>
+      </p:cxnSp>
+      <p:cxnSp>
+        <p:nvCxnSpPr>
+          <p:cNvPr id="1041" name="Conector de Seta Reta 1040">
+            <a:extLst>
+              <a:ext uri="{FF2B5EF4-FFF2-40B4-BE49-F238E27FC236}">
+                <a16:creationId xmlns:a16="http://schemas.microsoft.com/office/drawing/2014/main" id="{3F56587A-6DB3-8DE6-5E48-F91A3C47F0BF}"/>
+              </a:ext>
+            </a:extLst>
+          </p:cNvPr>
+          <p:cNvCxnSpPr>
+            <a:cxnSpLocks/>
+          </p:cNvCxnSpPr>
+          <p:nvPr/>
+        </p:nvCxnSpPr>
+        <p:spPr>
+          <a:xfrm flipV="1">
+            <a:off x="24228070" y="19006626"/>
+            <a:ext cx="851" cy="523292"/>
+          </a:xfrm>
+          <a:prstGeom prst="straightConnector1">
+            <a:avLst/>
+          </a:prstGeom>
+          <a:ln w="19050">
+            <a:solidFill>
+              <a:schemeClr val="bg1">
+                <a:lumMod val="75000"/>
+              </a:schemeClr>
+            </a:solidFill>
+            <a:prstDash val="sysDot"/>
+            <a:tailEnd type="triangle"/>
+          </a:ln>
+        </p:spPr>
+        <p:style>
+          <a:lnRef idx="1">
+            <a:schemeClr val="accent1"/>
+          </a:lnRef>
+          <a:fillRef idx="0">
+            <a:schemeClr val="accent1"/>
+          </a:fillRef>
+          <a:effectRef idx="0">
+            <a:schemeClr val="accent1"/>
+          </a:effectRef>
+          <a:fontRef idx="minor">
+            <a:schemeClr val="tx1"/>
+          </a:fontRef>
+        </p:style>
+      </p:cxnSp>
+      <p:cxnSp>
+        <p:nvCxnSpPr>
+          <p:cNvPr id="1042" name="Conector de Seta Reta 1041">
+            <a:extLst>
+              <a:ext uri="{FF2B5EF4-FFF2-40B4-BE49-F238E27FC236}">
+                <a16:creationId xmlns:a16="http://schemas.microsoft.com/office/drawing/2014/main" id="{C56BC802-D2EC-C313-FE9B-A36D89B54A55}"/>
+              </a:ext>
+            </a:extLst>
+          </p:cNvPr>
+          <p:cNvCxnSpPr>
+            <a:cxnSpLocks/>
+          </p:cNvCxnSpPr>
+          <p:nvPr/>
+        </p:nvCxnSpPr>
+        <p:spPr>
+          <a:xfrm>
+            <a:off x="23977102" y="18961366"/>
+            <a:ext cx="0" cy="541712"/>
+          </a:xfrm>
+          <a:prstGeom prst="straightConnector1">
+            <a:avLst/>
+          </a:prstGeom>
+          <a:ln w="19050">
+            <a:solidFill>
+              <a:schemeClr val="bg1">
+                <a:lumMod val="75000"/>
+              </a:schemeClr>
+            </a:solidFill>
+            <a:prstDash val="sysDot"/>
+            <a:tailEnd type="triangle"/>
+          </a:ln>
+        </p:spPr>
+        <p:style>
+          <a:lnRef idx="1">
+            <a:schemeClr val="accent1"/>
+          </a:lnRef>
+          <a:fillRef idx="0">
+            <a:schemeClr val="accent1"/>
+          </a:fillRef>
+          <a:effectRef idx="0">
+            <a:schemeClr val="accent1"/>
+          </a:effectRef>
+          <a:fontRef idx="minor">
+            <a:schemeClr val="tx1"/>
+          </a:fontRef>
+        </p:style>
+      </p:cxnSp>
+      <p:pic>
+        <p:nvPicPr>
+          <p:cNvPr id="1043" name="Imagem 15">
+            <a:extLst>
+              <a:ext uri="{FF2B5EF4-FFF2-40B4-BE49-F238E27FC236}">
+                <a16:creationId xmlns:a16="http://schemas.microsoft.com/office/drawing/2014/main" id="{4A34E88B-D3F6-FF27-49B4-F69121DFBFD0}"/>
+              </a:ext>
+            </a:extLst>
+          </p:cNvPr>
+          <p:cNvPicPr>
+            <a:picLocks noChangeAspect="1"/>
+          </p:cNvPicPr>
+          <p:nvPr/>
+        </p:nvPicPr>
+        <p:blipFill>
+          <a:blip r:embed="rId17"/>
+          <a:stretch>
+            <a:fillRect/>
+          </a:stretch>
+        </p:blipFill>
+        <p:spPr>
+          <a:xfrm>
+            <a:off x="21682351" y="16963896"/>
+            <a:ext cx="409572" cy="392417"/>
+          </a:xfrm>
+          <a:prstGeom prst="rect">
+            <a:avLst/>
+          </a:prstGeom>
+        </p:spPr>
+      </p:pic>
+      <p:sp>
+        <p:nvSpPr>
+          <p:cNvPr id="1044" name="CaixaDeTexto 1043">
+            <a:extLst>
+              <a:ext uri="{FF2B5EF4-FFF2-40B4-BE49-F238E27FC236}">
+                <a16:creationId xmlns:a16="http://schemas.microsoft.com/office/drawing/2014/main" id="{2A8AE250-4B9A-56FB-967B-FA6CA6D9F8F5}"/>
+              </a:ext>
+            </a:extLst>
+          </p:cNvPr>
+          <p:cNvSpPr txBox="1"/>
+          <p:nvPr/>
+        </p:nvSpPr>
+        <p:spPr>
+          <a:xfrm>
+            <a:off x="22149595" y="16999814"/>
+            <a:ext cx="2128007" cy="288543"/>
+          </a:xfrm>
+          <a:prstGeom prst="rect">
+            <a:avLst/>
+          </a:prstGeom>
+          <a:noFill/>
+        </p:spPr>
+        <p:txBody>
+          <a:bodyPr wrap="square" lIns="114303" tIns="57151" rIns="114303" bIns="57151" rtlCol="0" anchor="t">
+            <a:spAutoFit/>
+          </a:bodyPr>
+          <a:lstStyle/>
+          <a:p>
+            <a:r>
+              <a:rPr lang="pt-BR" sz="1125" b="1" noProof="1">
+                <a:solidFill>
+                  <a:schemeClr val="accent1">
+                    <a:lumMod val="75000"/>
+                  </a:schemeClr>
+                </a:solidFill>
+                <a:latin typeface="Barlow" panose="00000500000000000000" pitchFamily="2" charset="0"/>
+                <a:ea typeface="Segoe UI Black"/>
+                <a:cs typeface="Segoe UI"/>
+              </a:rPr>
+              <a:t>Datafactory</a:t>
+            </a:r>
+            <a:endParaRPr lang="pt-BR" sz="1125" b="1" noProof="1">
+              <a:solidFill>
+                <a:schemeClr val="accent1">
+                  <a:lumMod val="75000"/>
+                </a:schemeClr>
+              </a:solidFill>
+              <a:latin typeface="Barlow" panose="00000500000000000000" pitchFamily="2" charset="0"/>
+              <a:ea typeface="Segoe UI Black" panose="020B0A02040204020203" pitchFamily="34" charset="0"/>
+              <a:cs typeface="Segoe UI" panose="020B0502040204020203" pitchFamily="34" charset="0"/>
+            </a:endParaRPr>
+          </a:p>
+        </p:txBody>
+      </p:sp>
+      <p:pic>
+        <p:nvPicPr>
+          <p:cNvPr id="1050" name="Imagem 638">
+            <a:extLst>
+              <a:ext uri="{FF2B5EF4-FFF2-40B4-BE49-F238E27FC236}">
+                <a16:creationId xmlns:a16="http://schemas.microsoft.com/office/drawing/2014/main" id="{E2007D6D-5DF6-2A38-D317-FCE943E5F5C6}"/>
+              </a:ext>
+            </a:extLst>
+          </p:cNvPr>
+          <p:cNvPicPr>
+            <a:picLocks noChangeAspect="1"/>
+          </p:cNvPicPr>
+          <p:nvPr/>
+        </p:nvPicPr>
+        <p:blipFill rotWithShape="1">
+          <a:blip r:embed="rId9"/>
+          <a:srcRect l="-272" t="902" r="42297" b="-18155"/>
+          <a:stretch/>
+        </p:blipFill>
+        <p:spPr>
+          <a:xfrm>
+            <a:off x="24892809" y="17747676"/>
+            <a:ext cx="1005888" cy="320212"/>
+          </a:xfrm>
+          <a:prstGeom prst="rect">
+            <a:avLst/>
+          </a:prstGeom>
+        </p:spPr>
+      </p:pic>
+      <p:pic>
+        <p:nvPicPr>
+          <p:cNvPr id="1051" name="Imagem 638">
+            <a:extLst>
+              <a:ext uri="{FF2B5EF4-FFF2-40B4-BE49-F238E27FC236}">
+                <a16:creationId xmlns:a16="http://schemas.microsoft.com/office/drawing/2014/main" id="{997474C4-D4D3-B3E7-B6C9-E8A3D178580C}"/>
+              </a:ext>
+            </a:extLst>
+          </p:cNvPr>
+          <p:cNvPicPr>
+            <a:picLocks noChangeAspect="1"/>
+          </p:cNvPicPr>
+          <p:nvPr/>
+        </p:nvPicPr>
+        <p:blipFill rotWithShape="1">
+          <a:blip r:embed="rId9"/>
+          <a:srcRect l="-272" t="902" r="42297" b="-18155"/>
+          <a:stretch/>
+        </p:blipFill>
+        <p:spPr>
+          <a:xfrm>
+            <a:off x="26948770" y="17773605"/>
+            <a:ext cx="1005888" cy="320212"/>
+          </a:xfrm>
+          <a:prstGeom prst="rect">
+            <a:avLst/>
+          </a:prstGeom>
+        </p:spPr>
+      </p:pic>
+      <p:pic>
+        <p:nvPicPr>
+          <p:cNvPr id="1055" name="Imagem 638">
+            <a:extLst>
+              <a:ext uri="{FF2B5EF4-FFF2-40B4-BE49-F238E27FC236}">
+                <a16:creationId xmlns:a16="http://schemas.microsoft.com/office/drawing/2014/main" id="{120A0B03-C231-E9E4-4189-24F2885EE714}"/>
+              </a:ext>
+            </a:extLst>
+          </p:cNvPr>
+          <p:cNvPicPr>
+            <a:picLocks noChangeAspect="1"/>
+          </p:cNvPicPr>
+          <p:nvPr/>
+        </p:nvPicPr>
+        <p:blipFill rotWithShape="1">
+          <a:blip r:embed="rId9"/>
+          <a:srcRect l="-272" t="902" r="42297" b="-18155"/>
+          <a:stretch/>
+        </p:blipFill>
+        <p:spPr>
+          <a:xfrm>
+            <a:off x="29019223" y="17798567"/>
+            <a:ext cx="1005888" cy="320212"/>
+          </a:xfrm>
+          <a:prstGeom prst="rect">
+            <a:avLst/>
+          </a:prstGeom>
+        </p:spPr>
+      </p:pic>
+      <p:sp>
+        <p:nvSpPr>
+          <p:cNvPr id="1057" name="CaixaDeTexto 1056">
+            <a:extLst>
+              <a:ext uri="{FF2B5EF4-FFF2-40B4-BE49-F238E27FC236}">
+                <a16:creationId xmlns:a16="http://schemas.microsoft.com/office/drawing/2014/main" id="{9971F783-B82C-D603-B7A6-DCB4C663924D}"/>
+              </a:ext>
+            </a:extLst>
+          </p:cNvPr>
+          <p:cNvSpPr txBox="1"/>
+          <p:nvPr/>
+        </p:nvSpPr>
+        <p:spPr>
+          <a:xfrm>
+            <a:off x="30572589" y="19949080"/>
+            <a:ext cx="1995449" cy="356000"/>
+          </a:xfrm>
+          <a:prstGeom prst="rect">
+            <a:avLst/>
+          </a:prstGeom>
+          <a:noFill/>
+          <a:ln>
+            <a:noFill/>
+          </a:ln>
+        </p:spPr>
+        <p:style>
+          <a:lnRef idx="1">
+            <a:schemeClr val="accent2"/>
+          </a:lnRef>
+          <a:fillRef idx="2">
+            <a:schemeClr val="accent2"/>
+          </a:fillRef>
+          <a:effectRef idx="1">
+            <a:schemeClr val="accent2"/>
+          </a:effectRef>
+          <a:fontRef idx="minor">
+            <a:schemeClr val="dk1"/>
+          </a:fontRef>
+        </p:style>
+        <p:txBody>
+          <a:bodyPr lIns="114303" tIns="57151" rIns="114303" bIns="57151" rtlCol="0" anchor="ctr"/>
+          <a:lstStyle>
+            <a:defPPr>
+              <a:defRPr lang="en-US"/>
+            </a:defPPr>
+            <a:lvl1pPr algn="ctr">
+              <a:defRPr sz="1100" b="1">
+                <a:solidFill>
+                  <a:srgbClr val="3477B2"/>
+                </a:solidFill>
+                <a:cs typeface="Calibri"/>
+              </a:defRPr>
+            </a:lvl1pPr>
+            <a:lvl2pPr>
+              <a:defRPr>
+                <a:solidFill>
+                  <a:schemeClr val="dk1"/>
+                </a:solidFill>
+              </a:defRPr>
+            </a:lvl2pPr>
+            <a:lvl3pPr>
+              <a:defRPr>
+                <a:solidFill>
+                  <a:schemeClr val="dk1"/>
+                </a:solidFill>
+              </a:defRPr>
+            </a:lvl3pPr>
+            <a:lvl4pPr>
+              <a:defRPr>
+                <a:solidFill>
+                  <a:schemeClr val="dk1"/>
+                </a:solidFill>
+              </a:defRPr>
+            </a:lvl4pPr>
+            <a:lvl5pPr>
+              <a:defRPr>
+                <a:solidFill>
+                  <a:schemeClr val="dk1"/>
+                </a:solidFill>
+              </a:defRPr>
+            </a:lvl5pPr>
+            <a:lvl6pPr>
+              <a:defRPr>
+                <a:solidFill>
+                  <a:schemeClr val="dk1"/>
+                </a:solidFill>
+              </a:defRPr>
+            </a:lvl6pPr>
+            <a:lvl7pPr>
+              <a:defRPr>
+                <a:solidFill>
+                  <a:schemeClr val="dk1"/>
+                </a:solidFill>
+              </a:defRPr>
+            </a:lvl7pPr>
+            <a:lvl8pPr>
+              <a:defRPr>
+                <a:solidFill>
+                  <a:schemeClr val="dk1"/>
+                </a:solidFill>
+              </a:defRPr>
+            </a:lvl8pPr>
+            <a:lvl9pPr>
+              <a:defRPr>
+                <a:solidFill>
+                  <a:schemeClr val="dk1"/>
+                </a:solidFill>
+              </a:defRPr>
+            </a:lvl9pPr>
+          </a:lstStyle>
+          <a:p>
+            <a:r>
+              <a:rPr lang="pt-BR" noProof="1">
+                <a:latin typeface="Barlow" panose="00000500000000000000" pitchFamily="2" charset="0"/>
+              </a:rPr>
+              <a:t>Modern Data Warehouses</a:t>
+            </a:r>
+          </a:p>
+        </p:txBody>
+      </p:sp>
+      <p:pic>
+        <p:nvPicPr>
+          <p:cNvPr id="1058" name="Imagem 1057">
+            <a:extLst>
+              <a:ext uri="{FF2B5EF4-FFF2-40B4-BE49-F238E27FC236}">
+                <a16:creationId xmlns:a16="http://schemas.microsoft.com/office/drawing/2014/main" id="{744D59CC-D24A-8075-8E96-24DFAC5AC242}"/>
+              </a:ext>
+            </a:extLst>
+          </p:cNvPr>
+          <p:cNvPicPr>
+            <a:picLocks noChangeAspect="1"/>
+          </p:cNvPicPr>
+          <p:nvPr/>
+        </p:nvPicPr>
+        <p:blipFill rotWithShape="1">
+          <a:blip r:embed="rId21"/>
+          <a:srcRect l="2996" t="-1658" r="17098" b="26819"/>
+          <a:stretch/>
+        </p:blipFill>
+        <p:spPr>
+          <a:xfrm>
+            <a:off x="31855031" y="19461458"/>
+            <a:ext cx="372819" cy="307877"/>
+          </a:xfrm>
+          <a:prstGeom prst="rect">
+            <a:avLst/>
+          </a:prstGeom>
+        </p:spPr>
+      </p:pic>
+      <p:sp>
+        <p:nvSpPr>
+          <p:cNvPr id="1059" name="CaixaDeTexto 1058">
+            <a:extLst>
+              <a:ext uri="{FF2B5EF4-FFF2-40B4-BE49-F238E27FC236}">
+                <a16:creationId xmlns:a16="http://schemas.microsoft.com/office/drawing/2014/main" id="{6FF6D0B6-1868-375B-DEE1-B0E3B5A09D45}"/>
+              </a:ext>
+            </a:extLst>
+          </p:cNvPr>
+          <p:cNvSpPr txBox="1"/>
+          <p:nvPr/>
+        </p:nvSpPr>
+        <p:spPr>
+          <a:xfrm>
+            <a:off x="30582355" y="19232147"/>
+            <a:ext cx="1944554" cy="219663"/>
+          </a:xfrm>
+          <a:prstGeom prst="rect">
+            <a:avLst/>
+          </a:prstGeom>
+          <a:noFill/>
+          <a:ln>
+            <a:noFill/>
+          </a:ln>
+        </p:spPr>
+        <p:style>
+          <a:lnRef idx="1">
+            <a:schemeClr val="accent2"/>
+          </a:lnRef>
+          <a:fillRef idx="2">
+            <a:schemeClr val="accent2"/>
+          </a:fillRef>
+          <a:effectRef idx="1">
+            <a:schemeClr val="accent2"/>
+          </a:effectRef>
+          <a:fontRef idx="minor">
+            <a:schemeClr val="dk1"/>
+          </a:fontRef>
+        </p:style>
+        <p:txBody>
+          <a:bodyPr lIns="114303" tIns="57151" rIns="114303" bIns="57151" rtlCol="0" anchor="ctr"/>
+          <a:lstStyle>
+            <a:defPPr>
+              <a:defRPr lang="en-US"/>
+            </a:defPPr>
+            <a:lvl1pPr algn="ctr">
+              <a:defRPr sz="1100" b="1">
+                <a:solidFill>
+                  <a:srgbClr val="3477B2"/>
+                </a:solidFill>
+                <a:cs typeface="Calibri"/>
+              </a:defRPr>
+            </a:lvl1pPr>
+            <a:lvl2pPr>
+              <a:defRPr>
+                <a:solidFill>
+                  <a:schemeClr val="dk1"/>
+                </a:solidFill>
+              </a:defRPr>
+            </a:lvl2pPr>
+            <a:lvl3pPr>
+              <a:defRPr>
+                <a:solidFill>
+                  <a:schemeClr val="dk1"/>
+                </a:solidFill>
+              </a:defRPr>
+            </a:lvl3pPr>
+            <a:lvl4pPr>
+              <a:defRPr>
+                <a:solidFill>
+                  <a:schemeClr val="dk1"/>
+                </a:solidFill>
+              </a:defRPr>
+            </a:lvl4pPr>
+            <a:lvl5pPr>
+              <a:defRPr>
+                <a:solidFill>
+                  <a:schemeClr val="dk1"/>
+                </a:solidFill>
+              </a:defRPr>
+            </a:lvl5pPr>
+            <a:lvl6pPr>
+              <a:defRPr>
+                <a:solidFill>
+                  <a:schemeClr val="dk1"/>
+                </a:solidFill>
+              </a:defRPr>
+            </a:lvl6pPr>
+            <a:lvl7pPr>
+              <a:defRPr>
+                <a:solidFill>
+                  <a:schemeClr val="dk1"/>
+                </a:solidFill>
+              </a:defRPr>
+            </a:lvl7pPr>
+            <a:lvl8pPr>
+              <a:defRPr>
+                <a:solidFill>
+                  <a:schemeClr val="dk1"/>
+                </a:solidFill>
+              </a:defRPr>
+            </a:lvl8pPr>
+            <a:lvl9pPr>
+              <a:defRPr>
+                <a:solidFill>
+                  <a:schemeClr val="dk1"/>
+                </a:solidFill>
+              </a:defRPr>
+            </a:lvl9pPr>
+          </a:lstStyle>
+          <a:p>
+            <a:r>
+              <a:rPr lang="pt-BR" noProof="1">
+                <a:latin typeface="Barlow" panose="00000500000000000000" pitchFamily="2" charset="0"/>
+              </a:rPr>
+              <a:t>Query Engine /Cubos OLAP</a:t>
+            </a:r>
+          </a:p>
+        </p:txBody>
+      </p:sp>
+      <p:cxnSp>
+        <p:nvCxnSpPr>
+          <p:cNvPr id="1060" name="Conector: Angulado 1059">
+            <a:extLst>
+              <a:ext uri="{FF2B5EF4-FFF2-40B4-BE49-F238E27FC236}">
+                <a16:creationId xmlns:a16="http://schemas.microsoft.com/office/drawing/2014/main" id="{AB73E524-8D6D-EE21-2B10-444FECB1B2C3}"/>
+              </a:ext>
+            </a:extLst>
+          </p:cNvPr>
+          <p:cNvCxnSpPr>
+            <a:cxnSpLocks/>
+            <a:stCxn id="125" idx="3"/>
+            <a:endCxn id="124" idx="3"/>
+          </p:cNvCxnSpPr>
+          <p:nvPr/>
+        </p:nvCxnSpPr>
+        <p:spPr>
+          <a:xfrm>
+            <a:off x="32524982" y="17745917"/>
+            <a:ext cx="3582" cy="2851028"/>
+          </a:xfrm>
+          <a:prstGeom prst="bentConnector3">
+            <a:avLst>
+              <a:gd name="adj1" fmla="val 6481910"/>
+            </a:avLst>
+          </a:prstGeom>
+          <a:ln w="19050">
+            <a:solidFill>
+              <a:schemeClr val="bg1">
+                <a:lumMod val="75000"/>
+              </a:schemeClr>
+            </a:solidFill>
+            <a:prstDash val="sysDot"/>
+            <a:tailEnd type="triangle"/>
+          </a:ln>
+        </p:spPr>
+        <p:style>
+          <a:lnRef idx="1">
+            <a:schemeClr val="accent1"/>
+          </a:lnRef>
+          <a:fillRef idx="0">
+            <a:schemeClr val="accent1"/>
+          </a:fillRef>
+          <a:effectRef idx="0">
+            <a:schemeClr val="accent1"/>
+          </a:effectRef>
+          <a:fontRef idx="minor">
+            <a:schemeClr val="tx1"/>
+          </a:fontRef>
+        </p:style>
+      </p:cxnSp>
+      <p:pic>
+        <p:nvPicPr>
+          <p:cNvPr id="1062" name="Imagem 1061">
+            <a:extLst>
+              <a:ext uri="{FF2B5EF4-FFF2-40B4-BE49-F238E27FC236}">
+                <a16:creationId xmlns:a16="http://schemas.microsoft.com/office/drawing/2014/main" id="{1946BF6B-6B62-74FC-986F-C6F286880451}"/>
+              </a:ext>
+            </a:extLst>
+          </p:cNvPr>
+          <p:cNvPicPr>
+            <a:picLocks noChangeAspect="1"/>
+          </p:cNvPicPr>
+          <p:nvPr/>
+        </p:nvPicPr>
+        <p:blipFill>
+          <a:blip r:embed="rId22"/>
+          <a:stretch>
+            <a:fillRect/>
+          </a:stretch>
+        </p:blipFill>
+        <p:spPr>
+          <a:xfrm>
+            <a:off x="25814775" y="18437519"/>
+            <a:ext cx="658581" cy="509302"/>
+          </a:xfrm>
+          <a:prstGeom prst="rect">
+            <a:avLst/>
+          </a:prstGeom>
+        </p:spPr>
+      </p:pic>
+      <p:pic>
+        <p:nvPicPr>
+          <p:cNvPr id="1066" name="Imagem 1065">
+            <a:extLst>
+              <a:ext uri="{FF2B5EF4-FFF2-40B4-BE49-F238E27FC236}">
+                <a16:creationId xmlns:a16="http://schemas.microsoft.com/office/drawing/2014/main" id="{0F04A598-ABFC-F64A-601E-8722A017E355}"/>
+              </a:ext>
+            </a:extLst>
+          </p:cNvPr>
+          <p:cNvPicPr>
+            <a:picLocks noChangeAspect="1"/>
+          </p:cNvPicPr>
+          <p:nvPr/>
+        </p:nvPicPr>
+        <p:blipFill>
+          <a:blip r:embed="rId23"/>
+          <a:stretch>
+            <a:fillRect/>
+          </a:stretch>
+        </p:blipFill>
+        <p:spPr>
+          <a:xfrm>
+            <a:off x="30903535" y="18457914"/>
+            <a:ext cx="522237" cy="236934"/>
+          </a:xfrm>
+          <a:prstGeom prst="rect">
+            <a:avLst/>
+          </a:prstGeom>
+        </p:spPr>
+      </p:pic>
+      <p:sp>
+        <p:nvSpPr>
+          <p:cNvPr id="1068" name="Retângulo 1067">
+            <a:extLst>
+              <a:ext uri="{FF2B5EF4-FFF2-40B4-BE49-F238E27FC236}">
+                <a16:creationId xmlns:a16="http://schemas.microsoft.com/office/drawing/2014/main" id="{AAA67ADB-6E8F-7960-6602-8B4A4064D5A0}"/>
+              </a:ext>
+            </a:extLst>
+          </p:cNvPr>
+          <p:cNvSpPr/>
+          <p:nvPr/>
+        </p:nvSpPr>
+        <p:spPr>
+          <a:xfrm>
+            <a:off x="33656504" y="19595234"/>
+            <a:ext cx="1363737" cy="473607"/>
+          </a:xfrm>
+          <a:prstGeom prst="rect">
+            <a:avLst/>
+          </a:prstGeom>
+          <a:noFill/>
+          <a:ln>
+            <a:noFill/>
+          </a:ln>
+        </p:spPr>
+        <p:style>
+          <a:lnRef idx="1">
+            <a:schemeClr val="accent2"/>
+          </a:lnRef>
+          <a:fillRef idx="2">
+            <a:schemeClr val="accent2"/>
+          </a:fillRef>
+          <a:effectRef idx="1">
+            <a:schemeClr val="accent2"/>
+          </a:effectRef>
+          <a:fontRef idx="minor">
+            <a:schemeClr val="dk1"/>
+          </a:fontRef>
+        </p:style>
+        <p:txBody>
+          <a:bodyPr lIns="114303" tIns="57151" rIns="114303" bIns="57151" rtlCol="0" anchor="ctr"/>
+          <a:lstStyle/>
+          <a:p>
+            <a:pPr marL="171450" indent="-171450">
+              <a:buFont typeface="Arial" panose="020B0604020202020204" pitchFamily="34" charset="0"/>
+              <a:buChar char="•"/>
+            </a:pPr>
+            <a:r>
+              <a:rPr lang="pt-BR" sz="700" dirty="0">
+                <a:solidFill>
+                  <a:srgbClr val="3477B2"/>
+                </a:solidFill>
+                <a:latin typeface="Barlow" panose="00000500000000000000" pitchFamily="2" charset="0"/>
+                <a:cs typeface="Calibri"/>
+              </a:rPr>
+              <a:t>Binários de modelos</a:t>
+            </a:r>
+          </a:p>
+          <a:p>
+            <a:pPr marL="171450" indent="-171450">
+              <a:buFont typeface="Arial" panose="020B0604020202020204" pitchFamily="34" charset="0"/>
+              <a:buChar char="•"/>
+            </a:pPr>
+            <a:r>
+              <a:rPr lang="pt-BR" sz="700" dirty="0">
+                <a:solidFill>
+                  <a:srgbClr val="3477B2"/>
+                </a:solidFill>
+                <a:latin typeface="Barlow" panose="00000500000000000000" pitchFamily="2" charset="0"/>
+                <a:cs typeface="Calibri"/>
+              </a:rPr>
+              <a:t>Experimentos</a:t>
+            </a:r>
+          </a:p>
+          <a:p>
+            <a:pPr marL="171450" indent="-171450">
+              <a:buFont typeface="Arial" panose="020B0604020202020204" pitchFamily="34" charset="0"/>
+              <a:buChar char="•"/>
+            </a:pPr>
+            <a:r>
+              <a:rPr lang="pt-BR" sz="700" dirty="0">
+                <a:solidFill>
+                  <a:srgbClr val="3477B2"/>
+                </a:solidFill>
+                <a:latin typeface="Barlow" panose="00000500000000000000" pitchFamily="2" charset="0"/>
+                <a:cs typeface="Calibri"/>
+              </a:rPr>
+              <a:t>Métricas de desempenho</a:t>
+            </a:r>
+          </a:p>
+          <a:p>
+            <a:pPr marL="171450" indent="-171450">
+              <a:buFont typeface="Arial" panose="020B0604020202020204" pitchFamily="34" charset="0"/>
+              <a:buChar char="•"/>
+            </a:pPr>
+            <a:r>
+              <a:rPr lang="pt-BR" sz="700" dirty="0">
+                <a:solidFill>
+                  <a:srgbClr val="3477B2"/>
+                </a:solidFill>
+                <a:latin typeface="Barlow" panose="00000500000000000000" pitchFamily="2" charset="0"/>
+                <a:cs typeface="Calibri"/>
+              </a:rPr>
+              <a:t>Versionamento</a:t>
+            </a:r>
+            <a:endParaRPr lang="pt-BR" sz="1000" dirty="0">
+              <a:solidFill>
+                <a:srgbClr val="3477B2"/>
+              </a:solidFill>
+              <a:latin typeface="Barlow" panose="00000500000000000000" pitchFamily="2" charset="0"/>
+              <a:cs typeface="Calibri"/>
+            </a:endParaRPr>
+          </a:p>
+        </p:txBody>
+      </p:sp>
+      <p:sp>
+        <p:nvSpPr>
+          <p:cNvPr id="1070" name="Retângulo 1069">
+            <a:extLst>
+              <a:ext uri="{FF2B5EF4-FFF2-40B4-BE49-F238E27FC236}">
+                <a16:creationId xmlns:a16="http://schemas.microsoft.com/office/drawing/2014/main" id="{54F59C23-90FC-1D7E-3E0E-EAB922703B7D}"/>
+              </a:ext>
+            </a:extLst>
+          </p:cNvPr>
+          <p:cNvSpPr/>
+          <p:nvPr/>
+        </p:nvSpPr>
+        <p:spPr>
+          <a:xfrm>
+            <a:off x="31161585" y="15739993"/>
+            <a:ext cx="878798" cy="473607"/>
+          </a:xfrm>
+          <a:prstGeom prst="rect">
+            <a:avLst/>
+          </a:prstGeom>
+          <a:noFill/>
+          <a:ln>
+            <a:noFill/>
+          </a:ln>
+        </p:spPr>
+        <p:style>
+          <a:lnRef idx="1">
+            <a:schemeClr val="accent2"/>
+          </a:lnRef>
+          <a:fillRef idx="2">
+            <a:schemeClr val="accent2"/>
+          </a:fillRef>
+          <a:effectRef idx="1">
+            <a:schemeClr val="accent2"/>
+          </a:effectRef>
+          <a:fontRef idx="minor">
+            <a:schemeClr val="dk1"/>
+          </a:fontRef>
+        </p:style>
+        <p:txBody>
+          <a:bodyPr lIns="114303" tIns="57151" rIns="114303" bIns="57151" rtlCol="0" anchor="ctr"/>
+          <a:lstStyle/>
+          <a:p>
+            <a:pPr marL="171450" indent="-171450">
+              <a:buFont typeface="Arial" panose="020B0604020202020204" pitchFamily="34" charset="0"/>
+              <a:buChar char="•"/>
+            </a:pPr>
+            <a:r>
+              <a:rPr lang="pt-BR" sz="700" dirty="0">
+                <a:solidFill>
+                  <a:srgbClr val="3477B2"/>
+                </a:solidFill>
+                <a:latin typeface="Barlow" panose="00000500000000000000" pitchFamily="2" charset="0"/>
+                <a:cs typeface="Calibri"/>
+              </a:rPr>
+              <a:t>Notebooks</a:t>
+            </a:r>
+          </a:p>
+          <a:p>
+            <a:pPr marL="171450" indent="-171450">
+              <a:buFont typeface="Arial" panose="020B0604020202020204" pitchFamily="34" charset="0"/>
+              <a:buChar char="•"/>
+            </a:pPr>
+            <a:r>
+              <a:rPr lang="pt-BR" sz="700" dirty="0">
+                <a:solidFill>
+                  <a:srgbClr val="3477B2"/>
+                </a:solidFill>
+                <a:latin typeface="Barlow" panose="00000500000000000000" pitchFamily="2" charset="0"/>
+                <a:cs typeface="Calibri"/>
+              </a:rPr>
+              <a:t>Exploração</a:t>
+            </a:r>
+          </a:p>
+        </p:txBody>
+      </p:sp>
+      <p:pic>
+        <p:nvPicPr>
+          <p:cNvPr id="1075" name="Imagem 1074">
+            <a:extLst>
+              <a:ext uri="{FF2B5EF4-FFF2-40B4-BE49-F238E27FC236}">
+                <a16:creationId xmlns:a16="http://schemas.microsoft.com/office/drawing/2014/main" id="{2692A5EF-6EE8-276E-A366-03997C78F54B}"/>
+              </a:ext>
+            </a:extLst>
+          </p:cNvPr>
+          <p:cNvPicPr>
+            <a:picLocks noChangeAspect="1"/>
+          </p:cNvPicPr>
+          <p:nvPr/>
+        </p:nvPicPr>
+        <p:blipFill rotWithShape="1">
+          <a:blip r:embed="rId24"/>
+          <a:srcRect l="50783" b="58865"/>
+          <a:stretch/>
+        </p:blipFill>
+        <p:spPr>
+          <a:xfrm>
+            <a:off x="31623052" y="20409909"/>
+            <a:ext cx="862153" cy="270214"/>
+          </a:xfrm>
+          <a:prstGeom prst="rect">
+            <a:avLst/>
+          </a:prstGeom>
+        </p:spPr>
+      </p:pic>
+      <p:pic>
+        <p:nvPicPr>
+          <p:cNvPr id="1076" name="Imagem 1075">
+            <a:extLst>
+              <a:ext uri="{FF2B5EF4-FFF2-40B4-BE49-F238E27FC236}">
+                <a16:creationId xmlns:a16="http://schemas.microsoft.com/office/drawing/2014/main" id="{C4D1C6B3-B971-08DC-559A-C6C279D57665}"/>
+              </a:ext>
+            </a:extLst>
+          </p:cNvPr>
+          <p:cNvPicPr>
+            <a:picLocks noChangeAspect="1"/>
+          </p:cNvPicPr>
+          <p:nvPr/>
+        </p:nvPicPr>
+        <p:blipFill rotWithShape="1">
+          <a:blip r:embed="rId24"/>
+          <a:srcRect t="64718" r="55209"/>
+          <a:stretch/>
+        </p:blipFill>
+        <p:spPr>
+          <a:xfrm>
+            <a:off x="31512861" y="20876174"/>
+            <a:ext cx="910601" cy="268984"/>
+          </a:xfrm>
+          <a:prstGeom prst="rect">
+            <a:avLst/>
+          </a:prstGeom>
+        </p:spPr>
+      </p:pic>
+      <p:pic>
+        <p:nvPicPr>
+          <p:cNvPr id="1078" name="Imagem 1077">
+            <a:extLst>
+              <a:ext uri="{FF2B5EF4-FFF2-40B4-BE49-F238E27FC236}">
+                <a16:creationId xmlns:a16="http://schemas.microsoft.com/office/drawing/2014/main" id="{A05D44FF-2A6B-027D-F873-5F2A69BDCBFB}"/>
+              </a:ext>
+            </a:extLst>
+          </p:cNvPr>
+          <p:cNvPicPr>
+            <a:picLocks noChangeAspect="1"/>
+          </p:cNvPicPr>
+          <p:nvPr/>
+        </p:nvPicPr>
+        <p:blipFill rotWithShape="1">
+          <a:blip r:embed="rId24"/>
+          <a:srcRect r="55209" b="50609"/>
+          <a:stretch/>
+        </p:blipFill>
+        <p:spPr>
+          <a:xfrm>
+            <a:off x="30703168" y="20807921"/>
+            <a:ext cx="821606" cy="339748"/>
+          </a:xfrm>
+          <a:prstGeom prst="rect">
+            <a:avLst/>
+          </a:prstGeom>
+        </p:spPr>
+      </p:pic>
+      <p:pic>
+        <p:nvPicPr>
+          <p:cNvPr id="1080" name="Imagem 1079">
+            <a:extLst>
+              <a:ext uri="{FF2B5EF4-FFF2-40B4-BE49-F238E27FC236}">
+                <a16:creationId xmlns:a16="http://schemas.microsoft.com/office/drawing/2014/main" id="{9116618C-DAD4-B8D3-E0FC-B6AD799996B3}"/>
+              </a:ext>
+            </a:extLst>
+          </p:cNvPr>
+          <p:cNvPicPr>
+            <a:picLocks noChangeAspect="1"/>
+          </p:cNvPicPr>
+          <p:nvPr/>
+        </p:nvPicPr>
+        <p:blipFill rotWithShape="1">
+          <a:blip r:embed="rId24"/>
+          <a:srcRect l="50783" t="57377" r="10532" b="-738"/>
+          <a:stretch/>
+        </p:blipFill>
+        <p:spPr>
+          <a:xfrm>
+            <a:off x="30648323" y="20371471"/>
+            <a:ext cx="910601" cy="382752"/>
+          </a:xfrm>
+          <a:prstGeom prst="rect">
+            <a:avLst/>
+          </a:prstGeom>
+        </p:spPr>
+      </p:pic>
+      <p:pic>
+        <p:nvPicPr>
+          <p:cNvPr id="1089" name="Imagem 1088">
+            <a:extLst>
+              <a:ext uri="{FF2B5EF4-FFF2-40B4-BE49-F238E27FC236}">
+                <a16:creationId xmlns:a16="http://schemas.microsoft.com/office/drawing/2014/main" id="{517370F9-98FD-162C-3069-EA05BD3586A7}"/>
+              </a:ext>
+            </a:extLst>
+          </p:cNvPr>
+          <p:cNvPicPr>
+            <a:picLocks noChangeAspect="1"/>
+          </p:cNvPicPr>
+          <p:nvPr/>
+        </p:nvPicPr>
+        <p:blipFill>
+          <a:blip r:embed="rId25"/>
+          <a:stretch>
+            <a:fillRect/>
+          </a:stretch>
+        </p:blipFill>
+        <p:spPr>
+          <a:xfrm>
+            <a:off x="21439695" y="20473343"/>
+            <a:ext cx="1096129" cy="310601"/>
+          </a:xfrm>
+          <a:prstGeom prst="rect">
+            <a:avLst/>
+          </a:prstGeom>
+        </p:spPr>
+      </p:pic>
+      <p:pic>
+        <p:nvPicPr>
+          <p:cNvPr id="1091" name="Imagem 1090">
+            <a:extLst>
+              <a:ext uri="{FF2B5EF4-FFF2-40B4-BE49-F238E27FC236}">
+                <a16:creationId xmlns:a16="http://schemas.microsoft.com/office/drawing/2014/main" id="{F6D3E811-7F64-E4D9-EB24-56B4B794F480}"/>
+              </a:ext>
+            </a:extLst>
+          </p:cNvPr>
+          <p:cNvPicPr>
+            <a:picLocks noChangeAspect="1"/>
+          </p:cNvPicPr>
+          <p:nvPr/>
+        </p:nvPicPr>
+        <p:blipFill>
+          <a:blip r:embed="rId26"/>
+          <a:stretch>
+            <a:fillRect/>
+          </a:stretch>
+        </p:blipFill>
+        <p:spPr>
+          <a:xfrm>
+            <a:off x="21486724" y="20877104"/>
+            <a:ext cx="934483" cy="315316"/>
+          </a:xfrm>
+          <a:prstGeom prst="rect">
+            <a:avLst/>
+          </a:prstGeom>
+        </p:spPr>
+      </p:pic>
+      <p:pic>
+        <p:nvPicPr>
+          <p:cNvPr id="1093" name="Imagem 1092">
+            <a:extLst>
+              <a:ext uri="{FF2B5EF4-FFF2-40B4-BE49-F238E27FC236}">
+                <a16:creationId xmlns:a16="http://schemas.microsoft.com/office/drawing/2014/main" id="{C2C8B3BD-ED7C-8787-23E2-21A8545E94CE}"/>
+              </a:ext>
+            </a:extLst>
+          </p:cNvPr>
+          <p:cNvPicPr>
+            <a:picLocks noChangeAspect="1"/>
+          </p:cNvPicPr>
+          <p:nvPr/>
+        </p:nvPicPr>
+        <p:blipFill>
+          <a:blip r:embed="rId27"/>
+          <a:stretch>
+            <a:fillRect/>
+          </a:stretch>
+        </p:blipFill>
+        <p:spPr>
+          <a:xfrm>
+            <a:off x="21425253" y="20003848"/>
+            <a:ext cx="956616" cy="367073"/>
+          </a:xfrm>
+          <a:prstGeom prst="rect">
+            <a:avLst/>
+          </a:prstGeom>
+        </p:spPr>
+      </p:pic>
+      <p:pic>
+        <p:nvPicPr>
+          <p:cNvPr id="1095" name="Imagem 1094">
+            <a:extLst>
+              <a:ext uri="{FF2B5EF4-FFF2-40B4-BE49-F238E27FC236}">
+                <a16:creationId xmlns:a16="http://schemas.microsoft.com/office/drawing/2014/main" id="{800A9387-0EF6-51A3-069F-B49EB2802136}"/>
+              </a:ext>
+            </a:extLst>
+          </p:cNvPr>
+          <p:cNvPicPr>
+            <a:picLocks noChangeAspect="1"/>
+          </p:cNvPicPr>
+          <p:nvPr/>
+        </p:nvPicPr>
+        <p:blipFill>
+          <a:blip r:embed="rId28"/>
+          <a:stretch>
+            <a:fillRect/>
+          </a:stretch>
+        </p:blipFill>
+        <p:spPr>
+          <a:xfrm>
+            <a:off x="26771452" y="18604077"/>
+            <a:ext cx="1153341" cy="201164"/>
+          </a:xfrm>
+          <a:prstGeom prst="rect">
+            <a:avLst/>
+          </a:prstGeom>
+        </p:spPr>
+      </p:pic>
+      <p:pic>
+        <p:nvPicPr>
+          <p:cNvPr id="1101" name="Imagem 1100">
+            <a:extLst>
+              <a:ext uri="{FF2B5EF4-FFF2-40B4-BE49-F238E27FC236}">
+                <a16:creationId xmlns:a16="http://schemas.microsoft.com/office/drawing/2014/main" id="{7BBD916C-D48F-F4E0-EB2F-F7A9663FD443}"/>
+              </a:ext>
+            </a:extLst>
+          </p:cNvPr>
+          <p:cNvPicPr>
+            <a:picLocks noChangeAspect="1"/>
+          </p:cNvPicPr>
+          <p:nvPr/>
+        </p:nvPicPr>
+        <p:blipFill>
+          <a:blip r:embed="rId29"/>
+          <a:stretch>
+            <a:fillRect/>
+          </a:stretch>
+        </p:blipFill>
+        <p:spPr>
+          <a:xfrm>
+            <a:off x="30653254" y="17164069"/>
+            <a:ext cx="444968" cy="140262"/>
+          </a:xfrm>
+          <a:prstGeom prst="rect">
+            <a:avLst/>
+          </a:prstGeom>
+        </p:spPr>
+      </p:pic>
+      <p:pic>
+        <p:nvPicPr>
+          <p:cNvPr id="1104" name="Imagem 1103">
+            <a:extLst>
+              <a:ext uri="{FF2B5EF4-FFF2-40B4-BE49-F238E27FC236}">
+                <a16:creationId xmlns:a16="http://schemas.microsoft.com/office/drawing/2014/main" id="{FF9AF8C9-46EC-3CC0-B53F-6B94E4597140}"/>
+              </a:ext>
+            </a:extLst>
+          </p:cNvPr>
+          <p:cNvPicPr>
+            <a:picLocks noChangeAspect="1"/>
+          </p:cNvPicPr>
+          <p:nvPr/>
+        </p:nvPicPr>
+        <p:blipFill>
+          <a:blip r:embed="rId30"/>
+          <a:stretch>
+            <a:fillRect/>
+          </a:stretch>
+        </p:blipFill>
+        <p:spPr>
+          <a:xfrm>
+            <a:off x="31236719" y="17161831"/>
+            <a:ext cx="624123" cy="165851"/>
+          </a:xfrm>
+          <a:prstGeom prst="rect">
+            <a:avLst/>
+          </a:prstGeom>
+        </p:spPr>
+      </p:pic>
+      <p:pic>
+        <p:nvPicPr>
+          <p:cNvPr id="1106" name="Imagem 1105">
+            <a:extLst>
+              <a:ext uri="{FF2B5EF4-FFF2-40B4-BE49-F238E27FC236}">
+                <a16:creationId xmlns:a16="http://schemas.microsoft.com/office/drawing/2014/main" id="{5A0CA8FC-96AA-BC74-C88F-A7D998A8A89F}"/>
+              </a:ext>
+            </a:extLst>
+          </p:cNvPr>
+          <p:cNvPicPr>
+            <a:picLocks noChangeAspect="1"/>
+          </p:cNvPicPr>
+          <p:nvPr/>
+        </p:nvPicPr>
+        <p:blipFill>
+          <a:blip r:embed="rId31"/>
+          <a:stretch>
+            <a:fillRect/>
+          </a:stretch>
+        </p:blipFill>
+        <p:spPr>
+          <a:xfrm>
+            <a:off x="30644637" y="17385833"/>
+            <a:ext cx="417639" cy="154421"/>
+          </a:xfrm>
+          <a:prstGeom prst="rect">
+            <a:avLst/>
+          </a:prstGeom>
+        </p:spPr>
+      </p:pic>
+      <p:pic>
+        <p:nvPicPr>
+          <p:cNvPr id="1110" name="Imagem 1109">
+            <a:extLst>
+              <a:ext uri="{FF2B5EF4-FFF2-40B4-BE49-F238E27FC236}">
+                <a16:creationId xmlns:a16="http://schemas.microsoft.com/office/drawing/2014/main" id="{B5C778BD-DB9C-4BC4-40B1-920FF94D39D2}"/>
+              </a:ext>
+            </a:extLst>
+          </p:cNvPr>
+          <p:cNvPicPr>
+            <a:picLocks noChangeAspect="1"/>
+          </p:cNvPicPr>
+          <p:nvPr/>
+        </p:nvPicPr>
+        <p:blipFill>
+          <a:blip r:embed="rId32"/>
+          <a:stretch>
+            <a:fillRect/>
+          </a:stretch>
+        </p:blipFill>
+        <p:spPr>
+          <a:xfrm>
+            <a:off x="31283992" y="17384261"/>
+            <a:ext cx="490279" cy="178420"/>
+          </a:xfrm>
+          <a:prstGeom prst="rect">
+            <a:avLst/>
+          </a:prstGeom>
+        </p:spPr>
+      </p:pic>
+      <p:pic>
+        <p:nvPicPr>
+          <p:cNvPr id="1115" name="Imagem 1114">
+            <a:extLst>
+              <a:ext uri="{FF2B5EF4-FFF2-40B4-BE49-F238E27FC236}">
+                <a16:creationId xmlns:a16="http://schemas.microsoft.com/office/drawing/2014/main" id="{82BF165D-9CD7-CFE7-FCF8-013BD887A905}"/>
+              </a:ext>
+            </a:extLst>
+          </p:cNvPr>
+          <p:cNvPicPr>
+            <a:picLocks noChangeAspect="1"/>
+          </p:cNvPicPr>
+          <p:nvPr/>
+        </p:nvPicPr>
+        <p:blipFill>
+          <a:blip r:embed="rId33"/>
+          <a:stretch>
+            <a:fillRect/>
+          </a:stretch>
+        </p:blipFill>
+        <p:spPr>
+          <a:xfrm>
+            <a:off x="31902125" y="17424956"/>
+            <a:ext cx="541389" cy="120607"/>
+          </a:xfrm>
+          <a:prstGeom prst="rect">
+            <a:avLst/>
+          </a:prstGeom>
+        </p:spPr>
+      </p:pic>
+      <p:pic>
+        <p:nvPicPr>
+          <p:cNvPr id="1116" name="Imagem 1115">
+            <a:extLst>
+              <a:ext uri="{FF2B5EF4-FFF2-40B4-BE49-F238E27FC236}">
+                <a16:creationId xmlns:a16="http://schemas.microsoft.com/office/drawing/2014/main" id="{604273D0-EF4D-5FE5-371C-076F8F6A16A2}"/>
+              </a:ext>
+            </a:extLst>
+          </p:cNvPr>
+          <p:cNvPicPr>
+            <a:picLocks noChangeAspect="1"/>
+          </p:cNvPicPr>
+          <p:nvPr/>
+        </p:nvPicPr>
+        <p:blipFill rotWithShape="1">
+          <a:blip r:embed="rId15"/>
+          <a:srcRect l="15682" t="26089" r="76957" b="30070"/>
+          <a:stretch/>
+        </p:blipFill>
+        <p:spPr>
+          <a:xfrm>
+            <a:off x="32020255" y="17136648"/>
+            <a:ext cx="278465" cy="234816"/>
+          </a:xfrm>
+          <a:prstGeom prst="rect">
+            <a:avLst/>
+          </a:prstGeom>
+        </p:spPr>
+      </p:pic>
+      <p:pic>
+        <p:nvPicPr>
+          <p:cNvPr id="1119" name="Imagem 1118">
+            <a:extLst>
+              <a:ext uri="{FF2B5EF4-FFF2-40B4-BE49-F238E27FC236}">
+                <a16:creationId xmlns:a16="http://schemas.microsoft.com/office/drawing/2014/main" id="{D89626E0-8FC5-F900-6EAA-875DCD079742}"/>
+              </a:ext>
+            </a:extLst>
+          </p:cNvPr>
+          <p:cNvPicPr>
+            <a:picLocks noChangeAspect="1"/>
+          </p:cNvPicPr>
+          <p:nvPr/>
+        </p:nvPicPr>
+        <p:blipFill>
+          <a:blip r:embed="rId34"/>
+          <a:stretch>
+            <a:fillRect/>
+          </a:stretch>
+        </p:blipFill>
+        <p:spPr>
+          <a:xfrm>
+            <a:off x="30826008" y="19468947"/>
+            <a:ext cx="698766" cy="270111"/>
+          </a:xfrm>
+          <a:prstGeom prst="rect">
+            <a:avLst/>
+          </a:prstGeom>
+        </p:spPr>
+      </p:pic>
+      <p:cxnSp>
+        <p:nvCxnSpPr>
+          <p:cNvPr id="1160" name="Conector: Angulado 1159">
+            <a:extLst>
+              <a:ext uri="{FF2B5EF4-FFF2-40B4-BE49-F238E27FC236}">
+                <a16:creationId xmlns:a16="http://schemas.microsoft.com/office/drawing/2014/main" id="{94124DC1-53F6-A457-038A-25988D2C41AE}"/>
+              </a:ext>
+            </a:extLst>
+          </p:cNvPr>
+          <p:cNvCxnSpPr>
+            <a:cxnSpLocks/>
+            <a:stCxn id="125" idx="3"/>
+            <a:endCxn id="1117" idx="3"/>
+          </p:cNvCxnSpPr>
+          <p:nvPr/>
+        </p:nvCxnSpPr>
+        <p:spPr>
+          <a:xfrm>
+            <a:off x="32524982" y="17745917"/>
+            <a:ext cx="33497" cy="1771392"/>
+          </a:xfrm>
+          <a:prstGeom prst="bentConnector3">
+            <a:avLst>
+              <a:gd name="adj1" fmla="val 441225"/>
+            </a:avLst>
+          </a:prstGeom>
+          <a:ln w="19050">
+            <a:solidFill>
+              <a:schemeClr val="bg1">
+                <a:lumMod val="75000"/>
+              </a:schemeClr>
+            </a:solidFill>
+            <a:prstDash val="sysDot"/>
+            <a:tailEnd type="triangle"/>
+          </a:ln>
+        </p:spPr>
+        <p:style>
+          <a:lnRef idx="1">
+            <a:schemeClr val="accent1"/>
+          </a:lnRef>
+          <a:fillRef idx="0">
+            <a:schemeClr val="accent1"/>
+          </a:fillRef>
+          <a:effectRef idx="0">
+            <a:schemeClr val="accent1"/>
+          </a:effectRef>
+          <a:fontRef idx="minor">
+            <a:schemeClr val="tx1"/>
+          </a:fontRef>
+        </p:style>
+      </p:cxnSp>
+      <p:pic>
+        <p:nvPicPr>
+          <p:cNvPr id="1175" name="Imagem 1174">
+            <a:extLst>
+              <a:ext uri="{FF2B5EF4-FFF2-40B4-BE49-F238E27FC236}">
+                <a16:creationId xmlns:a16="http://schemas.microsoft.com/office/drawing/2014/main" id="{8FA9D0DC-799D-FC93-4ECF-09A4C222B4E2}"/>
+              </a:ext>
+            </a:extLst>
+          </p:cNvPr>
+          <p:cNvPicPr>
+            <a:picLocks noChangeAspect="1"/>
+          </p:cNvPicPr>
+          <p:nvPr/>
+        </p:nvPicPr>
+        <p:blipFill>
+          <a:blip r:embed="rId35"/>
+          <a:stretch>
+            <a:fillRect/>
+          </a:stretch>
+        </p:blipFill>
+        <p:spPr>
+          <a:xfrm>
+            <a:off x="30848268" y="18111435"/>
+            <a:ext cx="577504" cy="182593"/>
+          </a:xfrm>
+          <a:prstGeom prst="rect">
+            <a:avLst/>
+          </a:prstGeom>
+        </p:spPr>
+      </p:pic>
+      <p:pic>
+        <p:nvPicPr>
+          <p:cNvPr id="104" name="Imagem 103">
+            <a:extLst>
+              <a:ext uri="{FF2B5EF4-FFF2-40B4-BE49-F238E27FC236}">
+                <a16:creationId xmlns:a16="http://schemas.microsoft.com/office/drawing/2014/main" id="{7F230F09-B201-D11F-F661-3BB39DDB7AC2}"/>
+              </a:ext>
+            </a:extLst>
+          </p:cNvPr>
+          <p:cNvPicPr>
+            <a:picLocks noChangeAspect="1"/>
+          </p:cNvPicPr>
+          <p:nvPr/>
+        </p:nvPicPr>
+        <p:blipFill>
+          <a:blip r:embed="rId12"/>
+          <a:stretch>
+            <a:fillRect/>
+          </a:stretch>
+        </p:blipFill>
+        <p:spPr>
+          <a:xfrm>
+            <a:off x="23377151" y="20490542"/>
+            <a:ext cx="488446" cy="394288"/>
+          </a:xfrm>
+          <a:prstGeom prst="rect">
+            <a:avLst/>
+          </a:prstGeom>
+        </p:spPr>
+      </p:pic>
+      <p:pic>
+        <p:nvPicPr>
+          <p:cNvPr id="1090" name="Picture 2" descr="Resultado de imagem para Tensorflow Logo">
+            <a:extLst>
+              <a:ext uri="{FF2B5EF4-FFF2-40B4-BE49-F238E27FC236}">
+                <a16:creationId xmlns:a16="http://schemas.microsoft.com/office/drawing/2014/main" id="{1FA8B56D-D875-18D7-D8A1-F958FF644B0B}"/>
+              </a:ext>
+            </a:extLst>
+          </p:cNvPr>
+          <p:cNvPicPr>
+            <a:picLocks noChangeAspect="1" noChangeArrowheads="1"/>
+          </p:cNvPicPr>
+          <p:nvPr/>
+        </p:nvPicPr>
+        <p:blipFill>
+          <a:blip r:embed="rId36">
+            <a:extLst>
+              <a:ext uri="{28A0092B-C50C-407E-A947-70E740481C1C}">
+                <a14:useLocalDpi xmlns:a14="http://schemas.microsoft.com/office/drawing/2010/main" val="0"/>
+              </a:ext>
+            </a:extLst>
+          </a:blip>
+          <a:srcRect/>
+          <a:stretch>
+            <a:fillRect/>
+          </a:stretch>
+        </p:blipFill>
+        <p:spPr bwMode="auto">
+          <a:xfrm>
+            <a:off x="31735103" y="18418248"/>
+            <a:ext cx="452913" cy="342539"/>
+          </a:xfrm>
+          <a:prstGeom prst="rect">
+            <a:avLst/>
+          </a:prstGeom>
+          <a:noFill/>
+          <a:extLst>
+            <a:ext uri="{909E8E84-426E-40DD-AFC4-6F175D3DCCD1}">
+              <a14:hiddenFill xmlns:a14="http://schemas.microsoft.com/office/drawing/2010/main">
+                <a:solidFill>
+                  <a:srgbClr val="FFFFFF"/>
+                </a:solidFill>
+              </a14:hiddenFill>
+            </a:ext>
+          </a:extLst>
+        </p:spPr>
+      </p:pic>
+      <p:pic>
+        <p:nvPicPr>
+          <p:cNvPr id="1094" name="Imagem 1093">
+            <a:extLst>
+              <a:ext uri="{FF2B5EF4-FFF2-40B4-BE49-F238E27FC236}">
+                <a16:creationId xmlns:a16="http://schemas.microsoft.com/office/drawing/2014/main" id="{5DB0C2B8-21D5-2A7F-3745-EDD6DCD1774C}"/>
+              </a:ext>
+            </a:extLst>
+          </p:cNvPr>
+          <p:cNvPicPr>
+            <a:picLocks noChangeAspect="1"/>
+          </p:cNvPicPr>
+          <p:nvPr/>
+        </p:nvPicPr>
+        <p:blipFill>
+          <a:blip r:embed="rId37"/>
+          <a:stretch>
+            <a:fillRect/>
+          </a:stretch>
+        </p:blipFill>
+        <p:spPr>
+          <a:xfrm>
+            <a:off x="24459657" y="18493559"/>
+            <a:ext cx="1143160" cy="438211"/>
+          </a:xfrm>
+          <a:prstGeom prst="rect">
+            <a:avLst/>
+          </a:prstGeom>
+        </p:spPr>
+      </p:pic>
+      <p:cxnSp>
+        <p:nvCxnSpPr>
+          <p:cNvPr id="1102" name="Conector de Seta Reta 1101">
+            <a:extLst>
+              <a:ext uri="{FF2B5EF4-FFF2-40B4-BE49-F238E27FC236}">
+                <a16:creationId xmlns:a16="http://schemas.microsoft.com/office/drawing/2014/main" id="{5415F0A9-10C7-C252-A1CD-40DBE1851D00}"/>
+              </a:ext>
+            </a:extLst>
+          </p:cNvPr>
+          <p:cNvCxnSpPr>
+            <a:cxnSpLocks/>
+          </p:cNvCxnSpPr>
+          <p:nvPr/>
+        </p:nvCxnSpPr>
+        <p:spPr>
+          <a:xfrm flipH="1">
+            <a:off x="29522167" y="19629226"/>
+            <a:ext cx="1068753" cy="657769"/>
+          </a:xfrm>
+          <a:prstGeom prst="straightConnector1">
+            <a:avLst/>
+          </a:prstGeom>
+          <a:ln w="19050">
+            <a:solidFill>
+              <a:schemeClr val="bg1">
+                <a:lumMod val="75000"/>
+              </a:schemeClr>
+            </a:solidFill>
+            <a:prstDash val="sysDot"/>
+            <a:tailEnd type="triangle"/>
+          </a:ln>
+        </p:spPr>
+        <p:style>
+          <a:lnRef idx="1">
+            <a:schemeClr val="accent1"/>
+          </a:lnRef>
+          <a:fillRef idx="0">
+            <a:schemeClr val="accent1"/>
+          </a:fillRef>
+          <a:effectRef idx="0">
+            <a:schemeClr val="accent1"/>
+          </a:effectRef>
+          <a:fontRef idx="minor">
+            <a:schemeClr val="tx1"/>
+          </a:fontRef>
+        </p:style>
+      </p:cxnSp>
+      <p:sp>
+        <p:nvSpPr>
+          <p:cNvPr id="1118" name="CaixaDeTexto 1117">
+            <a:extLst>
+              <a:ext uri="{FF2B5EF4-FFF2-40B4-BE49-F238E27FC236}">
+                <a16:creationId xmlns:a16="http://schemas.microsoft.com/office/drawing/2014/main" id="{8FA0C8D6-144A-F7BB-0DF1-E03987541CDA}"/>
+              </a:ext>
+            </a:extLst>
+          </p:cNvPr>
+          <p:cNvSpPr txBox="1"/>
+          <p:nvPr/>
+        </p:nvSpPr>
+        <p:spPr>
+          <a:xfrm>
+            <a:off x="22889307" y="19145997"/>
+            <a:ext cx="1363143" cy="269307"/>
+          </a:xfrm>
+          <a:prstGeom prst="rect">
+            <a:avLst/>
+          </a:prstGeom>
+          <a:noFill/>
+        </p:spPr>
+        <p:txBody>
+          <a:bodyPr wrap="square" lIns="114303" tIns="57151" rIns="114303" bIns="57151" rtlCol="0" anchor="t">
+            <a:spAutoFit/>
+          </a:bodyPr>
+          <a:lstStyle/>
+          <a:p>
+            <a:pPr algn="ctr"/>
+            <a:r>
+              <a:rPr lang="pt-BR" sz="1000" b="1" noProof="1">
+                <a:solidFill>
+                  <a:schemeClr val="accent1">
+                    <a:lumMod val="50000"/>
+                  </a:schemeClr>
+                </a:solidFill>
+                <a:latin typeface="Barlow" panose="00000500000000000000" pitchFamily="2" charset="0"/>
+                <a:ea typeface="Segoe UI Black"/>
+                <a:cs typeface="Segoe UI"/>
+              </a:rPr>
+              <a:t>spark.write</a:t>
+            </a:r>
+          </a:p>
+        </p:txBody>
+      </p:sp>
+      <p:sp>
+        <p:nvSpPr>
+          <p:cNvPr id="1121" name="CaixaDeTexto 1120">
+            <a:extLst>
+              <a:ext uri="{FF2B5EF4-FFF2-40B4-BE49-F238E27FC236}">
+                <a16:creationId xmlns:a16="http://schemas.microsoft.com/office/drawing/2014/main" id="{1D1C5E7B-F66C-7EA1-1819-A6DDF9D5EB01}"/>
+              </a:ext>
+            </a:extLst>
+          </p:cNvPr>
+          <p:cNvSpPr txBox="1"/>
+          <p:nvPr/>
+        </p:nvSpPr>
+        <p:spPr>
+          <a:xfrm>
+            <a:off x="25489955" y="19145997"/>
+            <a:ext cx="1363143" cy="269307"/>
+          </a:xfrm>
+          <a:prstGeom prst="rect">
+            <a:avLst/>
+          </a:prstGeom>
+          <a:noFill/>
+        </p:spPr>
+        <p:txBody>
+          <a:bodyPr wrap="square" lIns="114303" tIns="57151" rIns="114303" bIns="57151" rtlCol="0" anchor="t">
+            <a:spAutoFit/>
+          </a:bodyPr>
+          <a:lstStyle/>
+          <a:p>
+            <a:pPr algn="ctr"/>
+            <a:r>
+              <a:rPr lang="pt-BR" sz="1000" b="1" noProof="1">
+                <a:solidFill>
+                  <a:schemeClr val="accent1">
+                    <a:lumMod val="50000"/>
+                  </a:schemeClr>
+                </a:solidFill>
+                <a:latin typeface="Barlow" panose="00000500000000000000" pitchFamily="2" charset="0"/>
+                <a:ea typeface="Segoe UI Black"/>
+                <a:cs typeface="Segoe UI"/>
+              </a:rPr>
+              <a:t>spark.write</a:t>
+            </a:r>
+          </a:p>
+        </p:txBody>
+      </p:sp>
+      <p:sp>
+        <p:nvSpPr>
+          <p:cNvPr id="1122" name="CaixaDeTexto 1121">
+            <a:extLst>
+              <a:ext uri="{FF2B5EF4-FFF2-40B4-BE49-F238E27FC236}">
+                <a16:creationId xmlns:a16="http://schemas.microsoft.com/office/drawing/2014/main" id="{9921854B-A51F-B013-3563-1AC80DBBA660}"/>
+              </a:ext>
+            </a:extLst>
+          </p:cNvPr>
+          <p:cNvSpPr txBox="1"/>
+          <p:nvPr/>
+        </p:nvSpPr>
+        <p:spPr>
+          <a:xfrm>
+            <a:off x="27580243" y="19131573"/>
+            <a:ext cx="1363143" cy="269307"/>
+          </a:xfrm>
+          <a:prstGeom prst="rect">
+            <a:avLst/>
+          </a:prstGeom>
+          <a:noFill/>
+        </p:spPr>
+        <p:txBody>
+          <a:bodyPr wrap="square" lIns="114303" tIns="57151" rIns="114303" bIns="57151" rtlCol="0" anchor="t">
+            <a:spAutoFit/>
+          </a:bodyPr>
+          <a:lstStyle/>
+          <a:p>
+            <a:pPr algn="ctr"/>
+            <a:r>
+              <a:rPr lang="pt-BR" sz="1000" b="1" noProof="1">
+                <a:solidFill>
+                  <a:schemeClr val="accent1">
+                    <a:lumMod val="50000"/>
+                  </a:schemeClr>
+                </a:solidFill>
+                <a:latin typeface="Barlow" panose="00000500000000000000" pitchFamily="2" charset="0"/>
+                <a:ea typeface="Segoe UI Black"/>
+                <a:cs typeface="Segoe UI"/>
+              </a:rPr>
+              <a:t>spark.write</a:t>
+            </a:r>
+          </a:p>
+        </p:txBody>
+      </p:sp>
+      <p:sp>
+        <p:nvSpPr>
+          <p:cNvPr id="1123" name="CaixaDeTexto 1122">
+            <a:extLst>
+              <a:ext uri="{FF2B5EF4-FFF2-40B4-BE49-F238E27FC236}">
+                <a16:creationId xmlns:a16="http://schemas.microsoft.com/office/drawing/2014/main" id="{F8B50B7E-F6B3-77F2-5296-D6E6BECEEDEF}"/>
+              </a:ext>
+            </a:extLst>
+          </p:cNvPr>
+          <p:cNvSpPr txBox="1"/>
+          <p:nvPr/>
+        </p:nvSpPr>
+        <p:spPr>
+          <a:xfrm>
+            <a:off x="29457590" y="20339093"/>
+            <a:ext cx="1363143" cy="253918"/>
+          </a:xfrm>
+          <a:prstGeom prst="rect">
+            <a:avLst/>
+          </a:prstGeom>
+          <a:noFill/>
+        </p:spPr>
+        <p:txBody>
+          <a:bodyPr wrap="square" lIns="114303" tIns="57151" rIns="114303" bIns="57151" rtlCol="0" anchor="t">
+            <a:spAutoFit/>
+          </a:bodyPr>
+          <a:lstStyle/>
+          <a:p>
+            <a:pPr algn="ctr"/>
+            <a:r>
+              <a:rPr lang="pt-BR" sz="900" b="1" noProof="1">
+                <a:solidFill>
+                  <a:schemeClr val="accent1">
+                    <a:lumMod val="50000"/>
+                  </a:schemeClr>
+                </a:solidFill>
+                <a:latin typeface="Barlow" panose="00000500000000000000" pitchFamily="2" charset="0"/>
+                <a:ea typeface="Segoe UI Black"/>
+                <a:cs typeface="Segoe UI"/>
+              </a:rPr>
+              <a:t>COPY INTO</a:t>
+            </a:r>
+          </a:p>
+        </p:txBody>
+      </p:sp>
+      <p:cxnSp>
+        <p:nvCxnSpPr>
+          <p:cNvPr id="1125" name="Conector de Seta Reta 1124">
+            <a:extLst>
+              <a:ext uri="{FF2B5EF4-FFF2-40B4-BE49-F238E27FC236}">
+                <a16:creationId xmlns:a16="http://schemas.microsoft.com/office/drawing/2014/main" id="{D91F7A45-E108-3D0C-A187-4B299B67F4D3}"/>
+              </a:ext>
+            </a:extLst>
+          </p:cNvPr>
+          <p:cNvCxnSpPr>
+            <a:cxnSpLocks/>
+            <a:stCxn id="15" idx="1"/>
+            <a:endCxn id="8" idx="3"/>
+          </p:cNvCxnSpPr>
+          <p:nvPr/>
+        </p:nvCxnSpPr>
+        <p:spPr>
+          <a:xfrm flipH="1" flipV="1">
+            <a:off x="19796317" y="19588098"/>
+            <a:ext cx="1534902" cy="822757"/>
+          </a:xfrm>
+          <a:prstGeom prst="straightConnector1">
+            <a:avLst/>
+          </a:prstGeom>
+          <a:ln w="19050">
+            <a:solidFill>
+              <a:schemeClr val="bg1">
+                <a:lumMod val="75000"/>
+              </a:schemeClr>
+            </a:solidFill>
+            <a:prstDash val="sysDot"/>
+            <a:tailEnd type="triangle"/>
+          </a:ln>
+        </p:spPr>
+        <p:style>
+          <a:lnRef idx="1">
+            <a:schemeClr val="accent1"/>
+          </a:lnRef>
+          <a:fillRef idx="0">
+            <a:schemeClr val="accent1"/>
+          </a:fillRef>
+          <a:effectRef idx="0">
+            <a:schemeClr val="accent1"/>
+          </a:effectRef>
+          <a:fontRef idx="minor">
+            <a:schemeClr val="tx1"/>
+          </a:fontRef>
+        </p:style>
+      </p:cxnSp>
+      <p:sp>
+        <p:nvSpPr>
+          <p:cNvPr id="1168" name="CaixaDeTexto 1167">
+            <a:extLst>
+              <a:ext uri="{FF2B5EF4-FFF2-40B4-BE49-F238E27FC236}">
+                <a16:creationId xmlns:a16="http://schemas.microsoft.com/office/drawing/2014/main" id="{C23AD880-BAB1-2301-E67D-1B9EACCB7A34}"/>
+              </a:ext>
+            </a:extLst>
+          </p:cNvPr>
+          <p:cNvSpPr txBox="1"/>
+          <p:nvPr/>
+        </p:nvSpPr>
+        <p:spPr>
+          <a:xfrm>
+            <a:off x="20048659" y="16860366"/>
+            <a:ext cx="1363143" cy="253918"/>
+          </a:xfrm>
+          <a:prstGeom prst="rect">
+            <a:avLst/>
+          </a:prstGeom>
+          <a:noFill/>
+        </p:spPr>
+        <p:txBody>
+          <a:bodyPr wrap="square" lIns="114303" tIns="57151" rIns="114303" bIns="57151" rtlCol="0" anchor="t">
+            <a:spAutoFit/>
+          </a:bodyPr>
+          <a:lstStyle/>
+          <a:p>
+            <a:pPr algn="ctr"/>
+            <a:r>
+              <a:rPr lang="pt-BR" sz="900" b="1" noProof="1">
+                <a:solidFill>
+                  <a:schemeClr val="accent1">
+                    <a:lumMod val="50000"/>
+                  </a:schemeClr>
+                </a:solidFill>
+                <a:latin typeface="Barlow" panose="00000500000000000000" pitchFamily="2" charset="0"/>
+                <a:ea typeface="Segoe UI Black"/>
+                <a:cs typeface="Segoe UI"/>
+              </a:rPr>
+              <a:t>JDBC</a:t>
+            </a:r>
+          </a:p>
+        </p:txBody>
+      </p:sp>
+      <p:sp>
+        <p:nvSpPr>
+          <p:cNvPr id="1170" name="CaixaDeTexto 1169">
+            <a:extLst>
+              <a:ext uri="{FF2B5EF4-FFF2-40B4-BE49-F238E27FC236}">
+                <a16:creationId xmlns:a16="http://schemas.microsoft.com/office/drawing/2014/main" id="{83929F47-D628-6898-62D1-910B3489AECA}"/>
+              </a:ext>
+            </a:extLst>
+          </p:cNvPr>
+          <p:cNvSpPr txBox="1"/>
+          <p:nvPr/>
+        </p:nvSpPr>
+        <p:spPr>
+          <a:xfrm>
+            <a:off x="20008257" y="20149322"/>
+            <a:ext cx="1363143" cy="253918"/>
+          </a:xfrm>
+          <a:prstGeom prst="rect">
+            <a:avLst/>
+          </a:prstGeom>
+          <a:noFill/>
+        </p:spPr>
+        <p:txBody>
+          <a:bodyPr wrap="square" lIns="114303" tIns="57151" rIns="114303" bIns="57151" rtlCol="0" anchor="t">
+            <a:spAutoFit/>
+          </a:bodyPr>
+          <a:lstStyle/>
+          <a:p>
+            <a:pPr algn="ctr"/>
+            <a:r>
+              <a:rPr lang="pt-BR" sz="900" b="1" noProof="1">
+                <a:solidFill>
+                  <a:schemeClr val="accent1">
+                    <a:lumMod val="50000"/>
+                  </a:schemeClr>
+                </a:solidFill>
+                <a:latin typeface="Barlow" panose="00000500000000000000" pitchFamily="2" charset="0"/>
+                <a:ea typeface="Segoe UI Black"/>
+                <a:cs typeface="Segoe UI"/>
+              </a:rPr>
+              <a:t>MOUNT</a:t>
+            </a:r>
+          </a:p>
+        </p:txBody>
+      </p:sp>
+      <p:sp>
+        <p:nvSpPr>
+          <p:cNvPr id="1176" name="CaixaDeTexto 1175">
+            <a:extLst>
+              <a:ext uri="{FF2B5EF4-FFF2-40B4-BE49-F238E27FC236}">
+                <a16:creationId xmlns:a16="http://schemas.microsoft.com/office/drawing/2014/main" id="{CB4F3229-BB27-3A9E-8D2D-65A6562BC342}"/>
+              </a:ext>
+            </a:extLst>
+          </p:cNvPr>
+          <p:cNvSpPr txBox="1"/>
+          <p:nvPr/>
+        </p:nvSpPr>
+        <p:spPr>
+          <a:xfrm>
+            <a:off x="29482401" y="19744185"/>
+            <a:ext cx="1363143" cy="253918"/>
+          </a:xfrm>
+          <a:prstGeom prst="rect">
+            <a:avLst/>
+          </a:prstGeom>
+          <a:noFill/>
+        </p:spPr>
+        <p:txBody>
+          <a:bodyPr wrap="square" lIns="114303" tIns="57151" rIns="114303" bIns="57151" rtlCol="0" anchor="t">
+            <a:spAutoFit/>
+          </a:bodyPr>
+          <a:lstStyle/>
+          <a:p>
+            <a:pPr algn="ctr"/>
+            <a:r>
+              <a:rPr lang="pt-BR" sz="900" b="1" noProof="1">
+                <a:solidFill>
+                  <a:schemeClr val="accent1">
+                    <a:lumMod val="50000"/>
+                  </a:schemeClr>
+                </a:solidFill>
+                <a:latin typeface="Barlow" panose="00000500000000000000" pitchFamily="2" charset="0"/>
+                <a:ea typeface="Segoe UI Black"/>
+                <a:cs typeface="Segoe UI"/>
+              </a:rPr>
+              <a:t>QUERY</a:t>
             </a:r>
           </a:p>
         </p:txBody>

--- a/anexo/diagramas.pptx
+++ b/anexo/diagramas.pptx
@@ -1060,7 +1060,7 @@
           <a:p>
             <a:fld id="{E3F29CD9-4246-4F4F-BB3B-942F42C480CC}" type="datetimeFigureOut">
               <a:rPr lang="pt-BR" smtClean="0"/>
-              <a:t>26/03/2024</a:t>
+              <a:t>15/04/2024</a:t>
             </a:fld>
             <a:endParaRPr lang="pt-BR"/>
           </a:p>
@@ -2143,7 +2143,7 @@
           <a:p>
             <a:fld id="{C8B65674-A10E-4998-BFDD-52648E7BF404}" type="datetimeFigureOut">
               <a:rPr lang="pt-BR" smtClean="0"/>
-              <a:t>26/03/2024</a:t>
+              <a:t>15/04/2024</a:t>
             </a:fld>
             <a:endParaRPr lang="pt-BR"/>
           </a:p>
@@ -2313,7 +2313,7 @@
           <a:p>
             <a:fld id="{C8B65674-A10E-4998-BFDD-52648E7BF404}" type="datetimeFigureOut">
               <a:rPr lang="pt-BR" smtClean="0"/>
-              <a:t>26/03/2024</a:t>
+              <a:t>15/04/2024</a:t>
             </a:fld>
             <a:endParaRPr lang="pt-BR"/>
           </a:p>
@@ -2493,7 +2493,7 @@
           <a:p>
             <a:fld id="{C8B65674-A10E-4998-BFDD-52648E7BF404}" type="datetimeFigureOut">
               <a:rPr lang="pt-BR" smtClean="0"/>
-              <a:t>26/03/2024</a:t>
+              <a:t>15/04/2024</a:t>
             </a:fld>
             <a:endParaRPr lang="pt-BR"/>
           </a:p>
@@ -2663,7 +2663,7 @@
           <a:p>
             <a:fld id="{C8B65674-A10E-4998-BFDD-52648E7BF404}" type="datetimeFigureOut">
               <a:rPr lang="pt-BR" smtClean="0"/>
-              <a:t>26/03/2024</a:t>
+              <a:t>15/04/2024</a:t>
             </a:fld>
             <a:endParaRPr lang="pt-BR"/>
           </a:p>
@@ -2907,7 +2907,7 @@
           <a:p>
             <a:fld id="{C8B65674-A10E-4998-BFDD-52648E7BF404}" type="datetimeFigureOut">
               <a:rPr lang="pt-BR" smtClean="0"/>
-              <a:t>26/03/2024</a:t>
+              <a:t>15/04/2024</a:t>
             </a:fld>
             <a:endParaRPr lang="pt-BR"/>
           </a:p>
@@ -3139,7 +3139,7 @@
           <a:p>
             <a:fld id="{C8B65674-A10E-4998-BFDD-52648E7BF404}" type="datetimeFigureOut">
               <a:rPr lang="pt-BR" smtClean="0"/>
-              <a:t>26/03/2024</a:t>
+              <a:t>15/04/2024</a:t>
             </a:fld>
             <a:endParaRPr lang="pt-BR"/>
           </a:p>
@@ -3506,7 +3506,7 @@
           <a:p>
             <a:fld id="{C8B65674-A10E-4998-BFDD-52648E7BF404}" type="datetimeFigureOut">
               <a:rPr lang="pt-BR" smtClean="0"/>
-              <a:t>26/03/2024</a:t>
+              <a:t>15/04/2024</a:t>
             </a:fld>
             <a:endParaRPr lang="pt-BR"/>
           </a:p>
@@ -3624,7 +3624,7 @@
           <a:p>
             <a:fld id="{C8B65674-A10E-4998-BFDD-52648E7BF404}" type="datetimeFigureOut">
               <a:rPr lang="pt-BR" smtClean="0"/>
-              <a:t>26/03/2024</a:t>
+              <a:t>15/04/2024</a:t>
             </a:fld>
             <a:endParaRPr lang="pt-BR"/>
           </a:p>
@@ -3719,7 +3719,7 @@
           <a:p>
             <a:fld id="{C8B65674-A10E-4998-BFDD-52648E7BF404}" type="datetimeFigureOut">
               <a:rPr lang="pt-BR" smtClean="0"/>
-              <a:t>26/03/2024</a:t>
+              <a:t>15/04/2024</a:t>
             </a:fld>
             <a:endParaRPr lang="pt-BR"/>
           </a:p>
@@ -3996,7 +3996,7 @@
           <a:p>
             <a:fld id="{C8B65674-A10E-4998-BFDD-52648E7BF404}" type="datetimeFigureOut">
               <a:rPr lang="pt-BR" smtClean="0"/>
-              <a:t>26/03/2024</a:t>
+              <a:t>15/04/2024</a:t>
             </a:fld>
             <a:endParaRPr lang="pt-BR"/>
           </a:p>
@@ -4253,7 +4253,7 @@
           <a:p>
             <a:fld id="{C8B65674-A10E-4998-BFDD-52648E7BF404}" type="datetimeFigureOut">
               <a:rPr lang="pt-BR" smtClean="0"/>
-              <a:t>26/03/2024</a:t>
+              <a:t>15/04/2024</a:t>
             </a:fld>
             <a:endParaRPr lang="pt-BR"/>
           </a:p>
@@ -4466,7 +4466,7 @@
           <a:p>
             <a:fld id="{C8B65674-A10E-4998-BFDD-52648E7BF404}" type="datetimeFigureOut">
               <a:rPr lang="pt-BR" smtClean="0"/>
-              <a:t>26/03/2024</a:t>
+              <a:t>15/04/2024</a:t>
             </a:fld>
             <a:endParaRPr lang="pt-BR"/>
           </a:p>
@@ -6287,6 +6287,70 @@
       </p:grpSpPr>
       <p:sp>
         <p:nvSpPr>
+          <p:cNvPr id="1031" name="Retângulo: Cantos Arredondados 1030">
+            <a:extLst>
+              <a:ext uri="{FF2B5EF4-FFF2-40B4-BE49-F238E27FC236}">
+                <a16:creationId xmlns:a16="http://schemas.microsoft.com/office/drawing/2014/main" id="{BEFBC81B-73C2-9431-33B4-9B8F8176DC22}"/>
+              </a:ext>
+            </a:extLst>
+          </p:cNvPr>
+          <p:cNvSpPr/>
+          <p:nvPr/>
+        </p:nvSpPr>
+        <p:spPr>
+          <a:xfrm>
+            <a:off x="24431851" y="21299657"/>
+            <a:ext cx="1584000" cy="870887"/>
+          </a:xfrm>
+          <a:prstGeom prst="roundRect">
+            <a:avLst>
+              <a:gd name="adj" fmla="val 4410"/>
+            </a:avLst>
+          </a:prstGeom>
+          <a:solidFill>
+            <a:schemeClr val="accent1">
+              <a:lumMod val="60000"/>
+              <a:lumOff val="40000"/>
+            </a:schemeClr>
+          </a:solidFill>
+          <a:ln w="19050">
+            <a:solidFill>
+              <a:schemeClr val="accent1"/>
+            </a:solidFill>
+            <a:prstDash val="sysDash"/>
+          </a:ln>
+        </p:spPr>
+        <p:style>
+          <a:lnRef idx="0">
+            <a:scrgbClr r="0" g="0" b="0"/>
+          </a:lnRef>
+          <a:fillRef idx="0">
+            <a:scrgbClr r="0" g="0" b="0"/>
+          </a:fillRef>
+          <a:effectRef idx="0">
+            <a:scrgbClr r="0" g="0" b="0"/>
+          </a:effectRef>
+          <a:fontRef idx="minor">
+            <a:schemeClr val="lt1"/>
+          </a:fontRef>
+        </p:style>
+        <p:txBody>
+          <a:bodyPr rtlCol="0" anchor="ctr"/>
+          <a:lstStyle/>
+          <a:p>
+            <a:pPr algn="ctr"/>
+            <a:endParaRPr lang="pt-BR" sz="1400" b="1" dirty="0">
+              <a:solidFill>
+                <a:schemeClr val="accent1">
+                  <a:lumMod val="50000"/>
+                </a:schemeClr>
+              </a:solidFill>
+            </a:endParaRPr>
+          </a:p>
+        </p:txBody>
+      </p:sp>
+      <p:sp>
+        <p:nvSpPr>
           <p:cNvPr id="40" name="Retângulo: Cantos Arredondados 39">
             <a:extLst>
               <a:ext uri="{FF2B5EF4-FFF2-40B4-BE49-F238E27FC236}">
@@ -9942,6 +10006,1354 @@
           <a:p>
             <a:pPr algn="ctr"/>
             <a:endParaRPr lang="pt-BR"/>
+          </a:p>
+        </p:txBody>
+      </p:sp>
+      <p:sp>
+        <p:nvSpPr>
+          <p:cNvPr id="51" name="CaixaDeTexto 50">
+            <a:extLst>
+              <a:ext uri="{FF2B5EF4-FFF2-40B4-BE49-F238E27FC236}">
+                <a16:creationId xmlns:a16="http://schemas.microsoft.com/office/drawing/2014/main" id="{43EFD723-2F5D-04A9-938D-5973E7D61606}"/>
+              </a:ext>
+            </a:extLst>
+          </p:cNvPr>
+          <p:cNvSpPr txBox="1"/>
+          <p:nvPr/>
+        </p:nvSpPr>
+        <p:spPr>
+          <a:xfrm>
+            <a:off x="22256350" y="21403171"/>
+            <a:ext cx="1358510" cy="246221"/>
+          </a:xfrm>
+          <a:prstGeom prst="rect">
+            <a:avLst/>
+          </a:prstGeom>
+          <a:solidFill>
+            <a:schemeClr val="accent1">
+              <a:lumMod val="60000"/>
+              <a:lumOff val="40000"/>
+            </a:schemeClr>
+          </a:solidFill>
+          <a:ln>
+            <a:noFill/>
+          </a:ln>
+        </p:spPr>
+        <p:style>
+          <a:lnRef idx="0">
+            <a:scrgbClr r="0" g="0" b="0"/>
+          </a:lnRef>
+          <a:fillRef idx="0">
+            <a:scrgbClr r="0" g="0" b="0"/>
+          </a:fillRef>
+          <a:effectRef idx="0">
+            <a:scrgbClr r="0" g="0" b="0"/>
+          </a:effectRef>
+          <a:fontRef idx="minor">
+            <a:schemeClr val="lt1"/>
+          </a:fontRef>
+        </p:style>
+        <p:txBody>
+          <a:bodyPr wrap="square" lIns="91440" tIns="45720" rIns="91440" bIns="45720" rtlCol="0" anchor="t">
+            <a:spAutoFit/>
+          </a:bodyPr>
+          <a:lstStyle/>
+          <a:p>
+            <a:pPr algn="ctr"/>
+            <a:r>
+              <a:rPr lang="pt-BR" sz="1000" b="1" dirty="0">
+                <a:solidFill>
+                  <a:schemeClr val="accent1">
+                    <a:lumMod val="50000"/>
+                  </a:schemeClr>
+                </a:solidFill>
+                <a:latin typeface="Segoe UI"/>
+                <a:ea typeface="Segoe UI Black"/>
+                <a:cs typeface="Segoe UI"/>
+              </a:rPr>
+              <a:t>Produto</a:t>
+            </a:r>
+            <a:endParaRPr lang="pt-BR" sz="1000" b="1" dirty="0">
+              <a:solidFill>
+                <a:schemeClr val="accent1">
+                  <a:lumMod val="50000"/>
+                </a:schemeClr>
+              </a:solidFill>
+              <a:latin typeface="Segoe UI" panose="020B0502040204020203" pitchFamily="34" charset="0"/>
+              <a:ea typeface="Segoe UI Black" panose="020B0A02040204020203" pitchFamily="34" charset="0"/>
+              <a:cs typeface="Segoe UI" panose="020B0502040204020203" pitchFamily="34" charset="0"/>
+            </a:endParaRPr>
+          </a:p>
+        </p:txBody>
+      </p:sp>
+      <p:sp>
+        <p:nvSpPr>
+          <p:cNvPr id="52" name="Retângulo: Cantos Arredondados 51">
+            <a:extLst>
+              <a:ext uri="{FF2B5EF4-FFF2-40B4-BE49-F238E27FC236}">
+                <a16:creationId xmlns:a16="http://schemas.microsoft.com/office/drawing/2014/main" id="{01D1949E-2FA0-CA2B-BEC3-FBC4DD8B495E}"/>
+              </a:ext>
+            </a:extLst>
+          </p:cNvPr>
+          <p:cNvSpPr/>
+          <p:nvPr/>
+        </p:nvSpPr>
+        <p:spPr>
+          <a:xfrm>
+            <a:off x="22021203" y="21070103"/>
+            <a:ext cx="1840993" cy="1529087"/>
+          </a:xfrm>
+          <a:prstGeom prst="roundRect">
+            <a:avLst>
+              <a:gd name="adj" fmla="val 4410"/>
+            </a:avLst>
+          </a:prstGeom>
+          <a:noFill/>
+          <a:ln w="19050">
+            <a:solidFill>
+              <a:schemeClr val="accent1"/>
+            </a:solidFill>
+            <a:prstDash val="solid"/>
+          </a:ln>
+        </p:spPr>
+        <p:style>
+          <a:lnRef idx="0">
+            <a:scrgbClr r="0" g="0" b="0"/>
+          </a:lnRef>
+          <a:fillRef idx="0">
+            <a:scrgbClr r="0" g="0" b="0"/>
+          </a:fillRef>
+          <a:effectRef idx="0">
+            <a:scrgbClr r="0" g="0" b="0"/>
+          </a:effectRef>
+          <a:fontRef idx="minor">
+            <a:schemeClr val="lt1"/>
+          </a:fontRef>
+        </p:style>
+        <p:txBody>
+          <a:bodyPr rtlCol="0" anchor="ctr"/>
+          <a:lstStyle/>
+          <a:p>
+            <a:pPr algn="ctr"/>
+            <a:endParaRPr lang="pt-BR" dirty="0">
+              <a:solidFill>
+                <a:schemeClr val="accent1">
+                  <a:lumMod val="50000"/>
+                </a:schemeClr>
+              </a:solidFill>
+            </a:endParaRPr>
+          </a:p>
+        </p:txBody>
+      </p:sp>
+      <p:sp>
+        <p:nvSpPr>
+          <p:cNvPr id="59" name="CaixaDeTexto 58">
+            <a:extLst>
+              <a:ext uri="{FF2B5EF4-FFF2-40B4-BE49-F238E27FC236}">
+                <a16:creationId xmlns:a16="http://schemas.microsoft.com/office/drawing/2014/main" id="{AC683187-37CB-C456-CFAF-7721F20CB5C4}"/>
+              </a:ext>
+            </a:extLst>
+          </p:cNvPr>
+          <p:cNvSpPr txBox="1"/>
+          <p:nvPr/>
+        </p:nvSpPr>
+        <p:spPr>
+          <a:xfrm>
+            <a:off x="22267697" y="21781172"/>
+            <a:ext cx="1358510" cy="246221"/>
+          </a:xfrm>
+          <a:prstGeom prst="rect">
+            <a:avLst/>
+          </a:prstGeom>
+          <a:solidFill>
+            <a:schemeClr val="accent1">
+              <a:lumMod val="60000"/>
+              <a:lumOff val="40000"/>
+            </a:schemeClr>
+          </a:solidFill>
+          <a:ln>
+            <a:noFill/>
+          </a:ln>
+        </p:spPr>
+        <p:style>
+          <a:lnRef idx="0">
+            <a:scrgbClr r="0" g="0" b="0"/>
+          </a:lnRef>
+          <a:fillRef idx="0">
+            <a:scrgbClr r="0" g="0" b="0"/>
+          </a:fillRef>
+          <a:effectRef idx="0">
+            <a:scrgbClr r="0" g="0" b="0"/>
+          </a:effectRef>
+          <a:fontRef idx="minor">
+            <a:schemeClr val="lt1"/>
+          </a:fontRef>
+        </p:style>
+        <p:txBody>
+          <a:bodyPr wrap="square" lIns="91440" tIns="45720" rIns="91440" bIns="45720" rtlCol="0" anchor="t">
+            <a:spAutoFit/>
+          </a:bodyPr>
+          <a:lstStyle/>
+          <a:p>
+            <a:pPr algn="ctr"/>
+            <a:r>
+              <a:rPr lang="pt-BR" sz="1000" b="1" dirty="0">
+                <a:solidFill>
+                  <a:schemeClr val="accent1">
+                    <a:lumMod val="50000"/>
+                  </a:schemeClr>
+                </a:solidFill>
+                <a:latin typeface="Segoe UI"/>
+                <a:ea typeface="Segoe UI Black"/>
+                <a:cs typeface="Segoe UI"/>
+              </a:rPr>
+              <a:t>Subcategoria</a:t>
+            </a:r>
+            <a:endParaRPr lang="pt-BR" sz="1000" b="1" dirty="0">
+              <a:solidFill>
+                <a:schemeClr val="accent1">
+                  <a:lumMod val="50000"/>
+                </a:schemeClr>
+              </a:solidFill>
+              <a:latin typeface="Segoe UI" panose="020B0502040204020203" pitchFamily="34" charset="0"/>
+              <a:ea typeface="Segoe UI Black" panose="020B0A02040204020203" pitchFamily="34" charset="0"/>
+              <a:cs typeface="Segoe UI" panose="020B0502040204020203" pitchFamily="34" charset="0"/>
+            </a:endParaRPr>
+          </a:p>
+        </p:txBody>
+      </p:sp>
+      <p:sp>
+        <p:nvSpPr>
+          <p:cNvPr id="1028" name="CaixaDeTexto 1027">
+            <a:extLst>
+              <a:ext uri="{FF2B5EF4-FFF2-40B4-BE49-F238E27FC236}">
+                <a16:creationId xmlns:a16="http://schemas.microsoft.com/office/drawing/2014/main" id="{26281F77-6764-CCBF-F524-FB53B7168389}"/>
+              </a:ext>
+            </a:extLst>
+          </p:cNvPr>
+          <p:cNvSpPr txBox="1"/>
+          <p:nvPr/>
+        </p:nvSpPr>
+        <p:spPr>
+          <a:xfrm>
+            <a:off x="22256350" y="22148146"/>
+            <a:ext cx="1358510" cy="246221"/>
+          </a:xfrm>
+          <a:prstGeom prst="rect">
+            <a:avLst/>
+          </a:prstGeom>
+          <a:solidFill>
+            <a:schemeClr val="accent1">
+              <a:lumMod val="60000"/>
+              <a:lumOff val="40000"/>
+            </a:schemeClr>
+          </a:solidFill>
+          <a:ln>
+            <a:noFill/>
+          </a:ln>
+        </p:spPr>
+        <p:style>
+          <a:lnRef idx="0">
+            <a:scrgbClr r="0" g="0" b="0"/>
+          </a:lnRef>
+          <a:fillRef idx="0">
+            <a:scrgbClr r="0" g="0" b="0"/>
+          </a:fillRef>
+          <a:effectRef idx="0">
+            <a:scrgbClr r="0" g="0" b="0"/>
+          </a:effectRef>
+          <a:fontRef idx="minor">
+            <a:schemeClr val="lt1"/>
+          </a:fontRef>
+        </p:style>
+        <p:txBody>
+          <a:bodyPr wrap="square" lIns="91440" tIns="45720" rIns="91440" bIns="45720" rtlCol="0" anchor="t">
+            <a:spAutoFit/>
+          </a:bodyPr>
+          <a:lstStyle/>
+          <a:p>
+            <a:pPr algn="ctr"/>
+            <a:r>
+              <a:rPr lang="pt-BR" sz="1000" b="1" dirty="0">
+                <a:solidFill>
+                  <a:schemeClr val="accent1">
+                    <a:lumMod val="50000"/>
+                  </a:schemeClr>
+                </a:solidFill>
+                <a:latin typeface="Segoe UI"/>
+                <a:ea typeface="Segoe UI Black"/>
+                <a:cs typeface="Segoe UI"/>
+              </a:rPr>
+              <a:t>Categoria</a:t>
+            </a:r>
+            <a:endParaRPr lang="pt-BR" sz="1000" b="1" dirty="0">
+              <a:solidFill>
+                <a:schemeClr val="accent1">
+                  <a:lumMod val="50000"/>
+                </a:schemeClr>
+              </a:solidFill>
+              <a:latin typeface="Segoe UI" panose="020B0502040204020203" pitchFamily="34" charset="0"/>
+              <a:ea typeface="Segoe UI Black" panose="020B0A02040204020203" pitchFamily="34" charset="0"/>
+              <a:cs typeface="Segoe UI" panose="020B0502040204020203" pitchFamily="34" charset="0"/>
+            </a:endParaRPr>
+          </a:p>
+        </p:txBody>
+      </p:sp>
+      <p:cxnSp>
+        <p:nvCxnSpPr>
+          <p:cNvPr id="1041" name="Conector de Seta Reta 1040">
+            <a:extLst>
+              <a:ext uri="{FF2B5EF4-FFF2-40B4-BE49-F238E27FC236}">
+                <a16:creationId xmlns:a16="http://schemas.microsoft.com/office/drawing/2014/main" id="{28760621-EF10-B6B1-321C-7956D6180B64}"/>
+              </a:ext>
+            </a:extLst>
+          </p:cNvPr>
+          <p:cNvCxnSpPr>
+            <a:cxnSpLocks/>
+            <a:stCxn id="52" idx="3"/>
+            <a:endCxn id="1031" idx="1"/>
+          </p:cNvCxnSpPr>
+          <p:nvPr/>
+        </p:nvCxnSpPr>
+        <p:spPr>
+          <a:xfrm flipV="1">
+            <a:off x="23862196" y="21735101"/>
+            <a:ext cx="569655" cy="99546"/>
+          </a:xfrm>
+          <a:prstGeom prst="straightConnector1">
+            <a:avLst/>
+          </a:prstGeom>
+          <a:ln>
+            <a:tailEnd type="triangle"/>
+          </a:ln>
+        </p:spPr>
+        <p:style>
+          <a:lnRef idx="1">
+            <a:schemeClr val="accent1"/>
+          </a:lnRef>
+          <a:fillRef idx="0">
+            <a:schemeClr val="accent1"/>
+          </a:fillRef>
+          <a:effectRef idx="0">
+            <a:schemeClr val="accent1"/>
+          </a:effectRef>
+          <a:fontRef idx="minor">
+            <a:schemeClr val="tx1"/>
+          </a:fontRef>
+        </p:style>
+      </p:cxnSp>
+      <p:sp>
+        <p:nvSpPr>
+          <p:cNvPr id="1048" name="CaixaDeTexto 1047">
+            <a:extLst>
+              <a:ext uri="{FF2B5EF4-FFF2-40B4-BE49-F238E27FC236}">
+                <a16:creationId xmlns:a16="http://schemas.microsoft.com/office/drawing/2014/main" id="{18D024C5-E31C-97F7-85A7-B02FBE71011D}"/>
+              </a:ext>
+            </a:extLst>
+          </p:cNvPr>
+          <p:cNvSpPr txBox="1"/>
+          <p:nvPr/>
+        </p:nvSpPr>
+        <p:spPr>
+          <a:xfrm>
+            <a:off x="26820653" y="21403171"/>
+            <a:ext cx="1358510" cy="246221"/>
+          </a:xfrm>
+          <a:prstGeom prst="rect">
+            <a:avLst/>
+          </a:prstGeom>
+          <a:solidFill>
+            <a:schemeClr val="accent1">
+              <a:lumMod val="60000"/>
+              <a:lumOff val="40000"/>
+            </a:schemeClr>
+          </a:solidFill>
+          <a:ln>
+            <a:noFill/>
+          </a:ln>
+        </p:spPr>
+        <p:style>
+          <a:lnRef idx="0">
+            <a:scrgbClr r="0" g="0" b="0"/>
+          </a:lnRef>
+          <a:fillRef idx="0">
+            <a:scrgbClr r="0" g="0" b="0"/>
+          </a:fillRef>
+          <a:effectRef idx="0">
+            <a:scrgbClr r="0" g="0" b="0"/>
+          </a:effectRef>
+          <a:fontRef idx="minor">
+            <a:schemeClr val="lt1"/>
+          </a:fontRef>
+        </p:style>
+        <p:txBody>
+          <a:bodyPr wrap="square" lIns="91440" tIns="45720" rIns="91440" bIns="45720" rtlCol="0" anchor="t">
+            <a:spAutoFit/>
+          </a:bodyPr>
+          <a:lstStyle/>
+          <a:p>
+            <a:pPr algn="ctr"/>
+            <a:r>
+              <a:rPr lang="pt-BR" sz="1000" b="1" dirty="0">
+                <a:solidFill>
+                  <a:schemeClr val="accent1">
+                    <a:lumMod val="50000"/>
+                  </a:schemeClr>
+                </a:solidFill>
+                <a:latin typeface="Segoe UI"/>
+                <a:ea typeface="Segoe UI Black"/>
+                <a:cs typeface="Segoe UI"/>
+              </a:rPr>
+              <a:t>Nome</a:t>
+            </a:r>
+            <a:endParaRPr lang="pt-BR" sz="1000" b="1" dirty="0">
+              <a:solidFill>
+                <a:schemeClr val="accent1">
+                  <a:lumMod val="50000"/>
+                </a:schemeClr>
+              </a:solidFill>
+              <a:latin typeface="Segoe UI" panose="020B0502040204020203" pitchFamily="34" charset="0"/>
+              <a:ea typeface="Segoe UI Black" panose="020B0A02040204020203" pitchFamily="34" charset="0"/>
+              <a:cs typeface="Segoe UI" panose="020B0502040204020203" pitchFamily="34" charset="0"/>
+            </a:endParaRPr>
+          </a:p>
+        </p:txBody>
+      </p:sp>
+      <p:sp>
+        <p:nvSpPr>
+          <p:cNvPr id="1049" name="Retângulo: Cantos Arredondados 1048">
+            <a:extLst>
+              <a:ext uri="{FF2B5EF4-FFF2-40B4-BE49-F238E27FC236}">
+                <a16:creationId xmlns:a16="http://schemas.microsoft.com/office/drawing/2014/main" id="{71B8B950-FC1B-856D-548D-FE34B3BC5C8A}"/>
+              </a:ext>
+            </a:extLst>
+          </p:cNvPr>
+          <p:cNvSpPr/>
+          <p:nvPr/>
+        </p:nvSpPr>
+        <p:spPr>
+          <a:xfrm>
+            <a:off x="26585506" y="21070103"/>
+            <a:ext cx="1840993" cy="1529087"/>
+          </a:xfrm>
+          <a:prstGeom prst="roundRect">
+            <a:avLst>
+              <a:gd name="adj" fmla="val 4410"/>
+            </a:avLst>
+          </a:prstGeom>
+          <a:noFill/>
+          <a:ln w="19050">
+            <a:solidFill>
+              <a:schemeClr val="accent1"/>
+            </a:solidFill>
+            <a:prstDash val="solid"/>
+          </a:ln>
+        </p:spPr>
+        <p:style>
+          <a:lnRef idx="0">
+            <a:scrgbClr r="0" g="0" b="0"/>
+          </a:lnRef>
+          <a:fillRef idx="0">
+            <a:scrgbClr r="0" g="0" b="0"/>
+          </a:fillRef>
+          <a:effectRef idx="0">
+            <a:scrgbClr r="0" g="0" b="0"/>
+          </a:effectRef>
+          <a:fontRef idx="minor">
+            <a:schemeClr val="lt1"/>
+          </a:fontRef>
+        </p:style>
+        <p:txBody>
+          <a:bodyPr rtlCol="0" anchor="ctr"/>
+          <a:lstStyle/>
+          <a:p>
+            <a:pPr algn="ctr"/>
+            <a:endParaRPr lang="pt-BR" dirty="0">
+              <a:solidFill>
+                <a:schemeClr val="accent1">
+                  <a:lumMod val="50000"/>
+                </a:schemeClr>
+              </a:solidFill>
+            </a:endParaRPr>
+          </a:p>
+        </p:txBody>
+      </p:sp>
+      <p:sp>
+        <p:nvSpPr>
+          <p:cNvPr id="1050" name="CaixaDeTexto 1049">
+            <a:extLst>
+              <a:ext uri="{FF2B5EF4-FFF2-40B4-BE49-F238E27FC236}">
+                <a16:creationId xmlns:a16="http://schemas.microsoft.com/office/drawing/2014/main" id="{634952D4-DC2F-7960-40E4-D5F09678EAAB}"/>
+              </a:ext>
+            </a:extLst>
+          </p:cNvPr>
+          <p:cNvSpPr txBox="1"/>
+          <p:nvPr/>
+        </p:nvSpPr>
+        <p:spPr>
+          <a:xfrm>
+            <a:off x="26832000" y="21781172"/>
+            <a:ext cx="1358510" cy="246221"/>
+          </a:xfrm>
+          <a:prstGeom prst="rect">
+            <a:avLst/>
+          </a:prstGeom>
+          <a:solidFill>
+            <a:schemeClr val="accent1">
+              <a:lumMod val="60000"/>
+              <a:lumOff val="40000"/>
+            </a:schemeClr>
+          </a:solidFill>
+          <a:ln>
+            <a:noFill/>
+          </a:ln>
+        </p:spPr>
+        <p:style>
+          <a:lnRef idx="0">
+            <a:scrgbClr r="0" g="0" b="0"/>
+          </a:lnRef>
+          <a:fillRef idx="0">
+            <a:scrgbClr r="0" g="0" b="0"/>
+          </a:fillRef>
+          <a:effectRef idx="0">
+            <a:scrgbClr r="0" g="0" b="0"/>
+          </a:effectRef>
+          <a:fontRef idx="minor">
+            <a:schemeClr val="lt1"/>
+          </a:fontRef>
+        </p:style>
+        <p:txBody>
+          <a:bodyPr wrap="square" lIns="91440" tIns="45720" rIns="91440" bIns="45720" rtlCol="0" anchor="t">
+            <a:spAutoFit/>
+          </a:bodyPr>
+          <a:lstStyle/>
+          <a:p>
+            <a:pPr algn="ctr"/>
+            <a:r>
+              <a:rPr lang="pt-BR" sz="1000" b="1" dirty="0">
+                <a:solidFill>
+                  <a:schemeClr val="accent1">
+                    <a:lumMod val="50000"/>
+                  </a:schemeClr>
+                </a:solidFill>
+                <a:latin typeface="Segoe UI"/>
+                <a:ea typeface="Segoe UI Black"/>
+                <a:cs typeface="Segoe UI"/>
+              </a:rPr>
+              <a:t>Localização</a:t>
+            </a:r>
+            <a:endParaRPr lang="pt-BR" sz="1000" b="1" dirty="0">
+              <a:solidFill>
+                <a:schemeClr val="accent1">
+                  <a:lumMod val="50000"/>
+                </a:schemeClr>
+              </a:solidFill>
+              <a:latin typeface="Segoe UI" panose="020B0502040204020203" pitchFamily="34" charset="0"/>
+              <a:ea typeface="Segoe UI Black" panose="020B0A02040204020203" pitchFamily="34" charset="0"/>
+              <a:cs typeface="Segoe UI" panose="020B0502040204020203" pitchFamily="34" charset="0"/>
+            </a:endParaRPr>
+          </a:p>
+        </p:txBody>
+      </p:sp>
+      <p:sp>
+        <p:nvSpPr>
+          <p:cNvPr id="1051" name="CaixaDeTexto 1050">
+            <a:extLst>
+              <a:ext uri="{FF2B5EF4-FFF2-40B4-BE49-F238E27FC236}">
+                <a16:creationId xmlns:a16="http://schemas.microsoft.com/office/drawing/2014/main" id="{1C0A2287-B960-000C-D26B-E7C16BCC8C94}"/>
+              </a:ext>
+            </a:extLst>
+          </p:cNvPr>
+          <p:cNvSpPr txBox="1"/>
+          <p:nvPr/>
+        </p:nvSpPr>
+        <p:spPr>
+          <a:xfrm>
+            <a:off x="26820653" y="22148146"/>
+            <a:ext cx="1358510" cy="246221"/>
+          </a:xfrm>
+          <a:prstGeom prst="rect">
+            <a:avLst/>
+          </a:prstGeom>
+          <a:solidFill>
+            <a:schemeClr val="accent1">
+              <a:lumMod val="60000"/>
+              <a:lumOff val="40000"/>
+            </a:schemeClr>
+          </a:solidFill>
+          <a:ln>
+            <a:noFill/>
+          </a:ln>
+        </p:spPr>
+        <p:style>
+          <a:lnRef idx="0">
+            <a:scrgbClr r="0" g="0" b="0"/>
+          </a:lnRef>
+          <a:fillRef idx="0">
+            <a:scrgbClr r="0" g="0" b="0"/>
+          </a:fillRef>
+          <a:effectRef idx="0">
+            <a:scrgbClr r="0" g="0" b="0"/>
+          </a:effectRef>
+          <a:fontRef idx="minor">
+            <a:schemeClr val="lt1"/>
+          </a:fontRef>
+        </p:style>
+        <p:txBody>
+          <a:bodyPr wrap="square" lIns="91440" tIns="45720" rIns="91440" bIns="45720" rtlCol="0" anchor="t">
+            <a:spAutoFit/>
+          </a:bodyPr>
+          <a:lstStyle/>
+          <a:p>
+            <a:pPr algn="ctr"/>
+            <a:r>
+              <a:rPr lang="pt-BR" sz="1000" b="1" dirty="0">
+                <a:solidFill>
+                  <a:schemeClr val="accent1">
+                    <a:lumMod val="50000"/>
+                  </a:schemeClr>
+                </a:solidFill>
+                <a:latin typeface="Segoe UI"/>
+                <a:ea typeface="Segoe UI Black"/>
+                <a:cs typeface="Segoe UI"/>
+              </a:rPr>
+              <a:t>Porte</a:t>
+            </a:r>
+            <a:endParaRPr lang="pt-BR" sz="1000" b="1" dirty="0">
+              <a:solidFill>
+                <a:schemeClr val="accent1">
+                  <a:lumMod val="50000"/>
+                </a:schemeClr>
+              </a:solidFill>
+              <a:latin typeface="Segoe UI" panose="020B0502040204020203" pitchFamily="34" charset="0"/>
+              <a:ea typeface="Segoe UI Black" panose="020B0A02040204020203" pitchFamily="34" charset="0"/>
+              <a:cs typeface="Segoe UI" panose="020B0502040204020203" pitchFamily="34" charset="0"/>
+            </a:endParaRPr>
+          </a:p>
+        </p:txBody>
+      </p:sp>
+      <p:sp>
+        <p:nvSpPr>
+          <p:cNvPr id="1052" name="CaixaDeTexto 1051">
+            <a:extLst>
+              <a:ext uri="{FF2B5EF4-FFF2-40B4-BE49-F238E27FC236}">
+                <a16:creationId xmlns:a16="http://schemas.microsoft.com/office/drawing/2014/main" id="{4D19CCD1-E142-7B9F-0CC4-B6AC998464A2}"/>
+              </a:ext>
+            </a:extLst>
+          </p:cNvPr>
+          <p:cNvSpPr txBox="1"/>
+          <p:nvPr/>
+        </p:nvSpPr>
+        <p:spPr>
+          <a:xfrm>
+            <a:off x="27123488" y="20598558"/>
+            <a:ext cx="775533" cy="477054"/>
+          </a:xfrm>
+          <a:prstGeom prst="rect">
+            <a:avLst/>
+          </a:prstGeom>
+          <a:noFill/>
+        </p:spPr>
+        <p:txBody>
+          <a:bodyPr wrap="none" rtlCol="0">
+            <a:spAutoFit/>
+          </a:bodyPr>
+          <a:lstStyle/>
+          <a:p>
+            <a:r>
+              <a:rPr lang="pt-BR" sz="1100" b="1" i="1" dirty="0">
+                <a:solidFill>
+                  <a:schemeClr val="tx2">
+                    <a:lumMod val="50000"/>
+                  </a:schemeClr>
+                </a:solidFill>
+              </a:rPr>
+              <a:t>Dimensão</a:t>
+            </a:r>
+          </a:p>
+          <a:p>
+            <a:r>
+              <a:rPr lang="pt-BR" sz="1400" b="1" dirty="0">
+                <a:solidFill>
+                  <a:schemeClr val="tx2">
+                    <a:lumMod val="50000"/>
+                  </a:schemeClr>
+                </a:solidFill>
+              </a:rPr>
+              <a:t>Clientes</a:t>
+            </a:r>
+            <a:endParaRPr lang="pt-BR" b="1" dirty="0">
+              <a:solidFill>
+                <a:schemeClr val="tx2">
+                  <a:lumMod val="50000"/>
+                </a:schemeClr>
+              </a:solidFill>
+            </a:endParaRPr>
+          </a:p>
+        </p:txBody>
+      </p:sp>
+      <p:cxnSp>
+        <p:nvCxnSpPr>
+          <p:cNvPr id="1053" name="Conector de Seta Reta 1052">
+            <a:extLst>
+              <a:ext uri="{FF2B5EF4-FFF2-40B4-BE49-F238E27FC236}">
+                <a16:creationId xmlns:a16="http://schemas.microsoft.com/office/drawing/2014/main" id="{1D02CC36-5362-79DA-57E3-12A1A64747BA}"/>
+              </a:ext>
+            </a:extLst>
+          </p:cNvPr>
+          <p:cNvCxnSpPr>
+            <a:cxnSpLocks/>
+            <a:stCxn id="1049" idx="1"/>
+            <a:endCxn id="1031" idx="3"/>
+          </p:cNvCxnSpPr>
+          <p:nvPr/>
+        </p:nvCxnSpPr>
+        <p:spPr>
+          <a:xfrm flipH="1" flipV="1">
+            <a:off x="26015851" y="21735101"/>
+            <a:ext cx="569655" cy="99546"/>
+          </a:xfrm>
+          <a:prstGeom prst="straightConnector1">
+            <a:avLst/>
+          </a:prstGeom>
+          <a:ln>
+            <a:tailEnd type="triangle"/>
+          </a:ln>
+        </p:spPr>
+        <p:style>
+          <a:lnRef idx="1">
+            <a:schemeClr val="accent1"/>
+          </a:lnRef>
+          <a:fillRef idx="0">
+            <a:schemeClr val="accent1"/>
+          </a:fillRef>
+          <a:effectRef idx="0">
+            <a:schemeClr val="accent1"/>
+          </a:effectRef>
+          <a:fontRef idx="minor">
+            <a:schemeClr val="tx1"/>
+          </a:fontRef>
+        </p:style>
+      </p:cxnSp>
+      <p:sp>
+        <p:nvSpPr>
+          <p:cNvPr id="1057" name="CaixaDeTexto 1056">
+            <a:extLst>
+              <a:ext uri="{FF2B5EF4-FFF2-40B4-BE49-F238E27FC236}">
+                <a16:creationId xmlns:a16="http://schemas.microsoft.com/office/drawing/2014/main" id="{9809B51C-0650-1F5D-5990-93377FF8BEAF}"/>
+              </a:ext>
+            </a:extLst>
+          </p:cNvPr>
+          <p:cNvSpPr txBox="1"/>
+          <p:nvPr/>
+        </p:nvSpPr>
+        <p:spPr>
+          <a:xfrm>
+            <a:off x="24346384" y="20760379"/>
+            <a:ext cx="1584000" cy="477054"/>
+          </a:xfrm>
+          <a:prstGeom prst="rect">
+            <a:avLst/>
+          </a:prstGeom>
+          <a:noFill/>
+        </p:spPr>
+        <p:txBody>
+          <a:bodyPr wrap="square" rtlCol="0">
+            <a:spAutoFit/>
+          </a:bodyPr>
+          <a:lstStyle/>
+          <a:p>
+            <a:pPr algn="ctr"/>
+            <a:r>
+              <a:rPr lang="pt-BR" sz="1100" b="1" i="1" dirty="0">
+                <a:solidFill>
+                  <a:schemeClr val="tx2">
+                    <a:lumMod val="50000"/>
+                  </a:schemeClr>
+                </a:solidFill>
+              </a:rPr>
+              <a:t>FATOS</a:t>
+            </a:r>
+          </a:p>
+          <a:p>
+            <a:pPr algn="ctr"/>
+            <a:r>
+              <a:rPr lang="pt-BR" sz="1400" b="1" i="1" dirty="0">
+                <a:solidFill>
+                  <a:schemeClr val="tx2">
+                    <a:lumMod val="50000"/>
+                  </a:schemeClr>
+                </a:solidFill>
+              </a:rPr>
+              <a:t>Atendimentos</a:t>
+            </a:r>
+          </a:p>
+        </p:txBody>
+      </p:sp>
+      <p:sp>
+        <p:nvSpPr>
+          <p:cNvPr id="1058" name="CaixaDeTexto 1057">
+            <a:extLst>
+              <a:ext uri="{FF2B5EF4-FFF2-40B4-BE49-F238E27FC236}">
+                <a16:creationId xmlns:a16="http://schemas.microsoft.com/office/drawing/2014/main" id="{7365AF39-D36E-CDE1-8664-DE07E5C42214}"/>
+              </a:ext>
+            </a:extLst>
+          </p:cNvPr>
+          <p:cNvSpPr txBox="1"/>
+          <p:nvPr/>
+        </p:nvSpPr>
+        <p:spPr>
+          <a:xfrm>
+            <a:off x="24574536" y="21424105"/>
+            <a:ext cx="1358510" cy="246221"/>
+          </a:xfrm>
+          <a:prstGeom prst="rect">
+            <a:avLst/>
+          </a:prstGeom>
+          <a:solidFill>
+            <a:schemeClr val="bg1"/>
+          </a:solidFill>
+          <a:ln>
+            <a:noFill/>
+          </a:ln>
+        </p:spPr>
+        <p:style>
+          <a:lnRef idx="0">
+            <a:scrgbClr r="0" g="0" b="0"/>
+          </a:lnRef>
+          <a:fillRef idx="0">
+            <a:scrgbClr r="0" g="0" b="0"/>
+          </a:fillRef>
+          <a:effectRef idx="0">
+            <a:scrgbClr r="0" g="0" b="0"/>
+          </a:effectRef>
+          <a:fontRef idx="minor">
+            <a:schemeClr val="lt1"/>
+          </a:fontRef>
+        </p:style>
+        <p:txBody>
+          <a:bodyPr wrap="square" lIns="91440" tIns="45720" rIns="91440" bIns="45720" rtlCol="0" anchor="t">
+            <a:spAutoFit/>
+          </a:bodyPr>
+          <a:lstStyle/>
+          <a:p>
+            <a:pPr algn="ctr"/>
+            <a:r>
+              <a:rPr lang="pt-BR" sz="1000" b="1" dirty="0">
+                <a:solidFill>
+                  <a:schemeClr val="accent1">
+                    <a:lumMod val="50000"/>
+                  </a:schemeClr>
+                </a:solidFill>
+                <a:latin typeface="Segoe UI"/>
+                <a:ea typeface="Segoe UI Black"/>
+                <a:cs typeface="Segoe UI"/>
+              </a:rPr>
+              <a:t>Quantidade</a:t>
+            </a:r>
+            <a:endParaRPr lang="pt-BR" sz="1000" b="1" dirty="0">
+              <a:solidFill>
+                <a:schemeClr val="accent1">
+                  <a:lumMod val="50000"/>
+                </a:schemeClr>
+              </a:solidFill>
+              <a:latin typeface="Segoe UI" panose="020B0502040204020203" pitchFamily="34" charset="0"/>
+              <a:ea typeface="Segoe UI Black" panose="020B0A02040204020203" pitchFamily="34" charset="0"/>
+              <a:cs typeface="Segoe UI" panose="020B0502040204020203" pitchFamily="34" charset="0"/>
+            </a:endParaRPr>
+          </a:p>
+        </p:txBody>
+      </p:sp>
+      <p:sp>
+        <p:nvSpPr>
+          <p:cNvPr id="1060" name="CaixaDeTexto 1059">
+            <a:extLst>
+              <a:ext uri="{FF2B5EF4-FFF2-40B4-BE49-F238E27FC236}">
+                <a16:creationId xmlns:a16="http://schemas.microsoft.com/office/drawing/2014/main" id="{8D0FF3CD-53F1-91E0-21CE-897CBFCFB2D4}"/>
+              </a:ext>
+            </a:extLst>
+          </p:cNvPr>
+          <p:cNvSpPr txBox="1"/>
+          <p:nvPr/>
+        </p:nvSpPr>
+        <p:spPr>
+          <a:xfrm>
+            <a:off x="24578246" y="21781172"/>
+            <a:ext cx="1358510" cy="246221"/>
+          </a:xfrm>
+          <a:prstGeom prst="rect">
+            <a:avLst/>
+          </a:prstGeom>
+          <a:solidFill>
+            <a:schemeClr val="bg1"/>
+          </a:solidFill>
+          <a:ln>
+            <a:noFill/>
+          </a:ln>
+        </p:spPr>
+        <p:style>
+          <a:lnRef idx="0">
+            <a:scrgbClr r="0" g="0" b="0"/>
+          </a:lnRef>
+          <a:fillRef idx="0">
+            <a:scrgbClr r="0" g="0" b="0"/>
+          </a:fillRef>
+          <a:effectRef idx="0">
+            <a:scrgbClr r="0" g="0" b="0"/>
+          </a:effectRef>
+          <a:fontRef idx="minor">
+            <a:schemeClr val="lt1"/>
+          </a:fontRef>
+        </p:style>
+        <p:txBody>
+          <a:bodyPr wrap="square" lIns="91440" tIns="45720" rIns="91440" bIns="45720" rtlCol="0" anchor="t">
+            <a:spAutoFit/>
+          </a:bodyPr>
+          <a:lstStyle/>
+          <a:p>
+            <a:pPr algn="ctr"/>
+            <a:r>
+              <a:rPr lang="pt-BR" sz="1000" b="1" dirty="0">
+                <a:solidFill>
+                  <a:schemeClr val="accent1">
+                    <a:lumMod val="50000"/>
+                  </a:schemeClr>
+                </a:solidFill>
+                <a:latin typeface="Segoe UI"/>
+                <a:ea typeface="Segoe UI Black"/>
+                <a:cs typeface="Segoe UI"/>
+              </a:rPr>
+              <a:t>Valor</a:t>
+            </a:r>
+            <a:endParaRPr lang="pt-BR" sz="1000" b="1" dirty="0">
+              <a:solidFill>
+                <a:schemeClr val="accent1">
+                  <a:lumMod val="50000"/>
+                </a:schemeClr>
+              </a:solidFill>
+              <a:latin typeface="Segoe UI" panose="020B0502040204020203" pitchFamily="34" charset="0"/>
+              <a:ea typeface="Segoe UI Black" panose="020B0A02040204020203" pitchFamily="34" charset="0"/>
+              <a:cs typeface="Segoe UI" panose="020B0502040204020203" pitchFamily="34" charset="0"/>
+            </a:endParaRPr>
+          </a:p>
+        </p:txBody>
+      </p:sp>
+      <p:pic>
+        <p:nvPicPr>
+          <p:cNvPr id="1068" name="Imagem 1067">
+            <a:extLst>
+              <a:ext uri="{FF2B5EF4-FFF2-40B4-BE49-F238E27FC236}">
+                <a16:creationId xmlns:a16="http://schemas.microsoft.com/office/drawing/2014/main" id="{8418712E-57EA-E879-A201-CAECE3A5FEDA}"/>
+              </a:ext>
+            </a:extLst>
+          </p:cNvPr>
+          <p:cNvPicPr>
+            <a:picLocks noChangeAspect="1"/>
+          </p:cNvPicPr>
+          <p:nvPr/>
+        </p:nvPicPr>
+        <p:blipFill rotWithShape="1">
+          <a:blip r:embed="rId12"/>
+          <a:srcRect r="44140"/>
+          <a:stretch/>
+        </p:blipFill>
+        <p:spPr>
+          <a:xfrm>
+            <a:off x="21205733" y="13601126"/>
+            <a:ext cx="7407367" cy="5287113"/>
+          </a:xfrm>
+          <a:prstGeom prst="rect">
+            <a:avLst/>
+          </a:prstGeom>
+        </p:spPr>
+      </p:pic>
+      <p:sp>
+        <p:nvSpPr>
+          <p:cNvPr id="1030" name="CaixaDeTexto 1029">
+            <a:extLst>
+              <a:ext uri="{FF2B5EF4-FFF2-40B4-BE49-F238E27FC236}">
+                <a16:creationId xmlns:a16="http://schemas.microsoft.com/office/drawing/2014/main" id="{FDAECF98-A6EA-55D4-9B2A-DB0903846A09}"/>
+              </a:ext>
+            </a:extLst>
+          </p:cNvPr>
+          <p:cNvSpPr txBox="1"/>
+          <p:nvPr/>
+        </p:nvSpPr>
+        <p:spPr>
+          <a:xfrm>
+            <a:off x="21205733" y="14171328"/>
+            <a:ext cx="1946283" cy="1015663"/>
+          </a:xfrm>
+          <a:prstGeom prst="rect">
+            <a:avLst/>
+          </a:prstGeom>
+          <a:solidFill>
+            <a:schemeClr val="bg1"/>
+          </a:solidFill>
+        </p:spPr>
+        <p:txBody>
+          <a:bodyPr wrap="square" rtlCol="0">
+            <a:spAutoFit/>
+          </a:bodyPr>
+          <a:lstStyle/>
+          <a:p>
+            <a:pPr algn="ctr"/>
+            <a:r>
+              <a:rPr lang="pt-BR" sz="1400" dirty="0">
+                <a:solidFill>
+                  <a:schemeClr val="tx2">
+                    <a:lumMod val="50000"/>
+                  </a:schemeClr>
+                </a:solidFill>
+              </a:rPr>
+              <a:t>HashUsuario</a:t>
+            </a:r>
+          </a:p>
+          <a:p>
+            <a:pPr algn="ctr"/>
+            <a:r>
+              <a:rPr lang="pt-BR" sz="1400" dirty="0">
+                <a:solidFill>
+                  <a:schemeClr val="tx2">
+                    <a:lumMod val="50000"/>
+                  </a:schemeClr>
+                </a:solidFill>
+              </a:rPr>
+              <a:t>DataAtualização</a:t>
+            </a:r>
+          </a:p>
+          <a:p>
+            <a:pPr algn="ctr"/>
+            <a:r>
+              <a:rPr lang="pt-BR" sz="1400" dirty="0">
+                <a:solidFill>
+                  <a:schemeClr val="tx2">
+                    <a:lumMod val="50000"/>
+                  </a:schemeClr>
+                </a:solidFill>
+              </a:rPr>
+              <a:t>Atributos (mssql)</a:t>
+            </a:r>
+          </a:p>
+          <a:p>
+            <a:pPr algn="ctr"/>
+            <a:endParaRPr lang="pt-BR" dirty="0">
+              <a:solidFill>
+                <a:schemeClr val="tx2">
+                  <a:lumMod val="50000"/>
+                </a:schemeClr>
+              </a:solidFill>
+            </a:endParaRPr>
+          </a:p>
+        </p:txBody>
+      </p:sp>
+      <p:sp>
+        <p:nvSpPr>
+          <p:cNvPr id="1069" name="CaixaDeTexto 1068">
+            <a:extLst>
+              <a:ext uri="{FF2B5EF4-FFF2-40B4-BE49-F238E27FC236}">
+                <a16:creationId xmlns:a16="http://schemas.microsoft.com/office/drawing/2014/main" id="{64E6FBD3-741D-A5E7-F175-7D61BE48FD43}"/>
+              </a:ext>
+            </a:extLst>
+          </p:cNvPr>
+          <p:cNvSpPr txBox="1"/>
+          <p:nvPr/>
+        </p:nvSpPr>
+        <p:spPr>
+          <a:xfrm>
+            <a:off x="21220418" y="15454674"/>
+            <a:ext cx="1946283" cy="1015663"/>
+          </a:xfrm>
+          <a:prstGeom prst="rect">
+            <a:avLst/>
+          </a:prstGeom>
+          <a:solidFill>
+            <a:schemeClr val="bg1"/>
+          </a:solidFill>
+        </p:spPr>
+        <p:txBody>
+          <a:bodyPr wrap="square" rtlCol="0">
+            <a:spAutoFit/>
+          </a:bodyPr>
+          <a:lstStyle/>
+          <a:p>
+            <a:pPr algn="ctr"/>
+            <a:r>
+              <a:rPr lang="pt-BR" sz="1400" dirty="0">
+                <a:solidFill>
+                  <a:schemeClr val="tx2">
+                    <a:lumMod val="50000"/>
+                  </a:schemeClr>
+                </a:solidFill>
+              </a:rPr>
+              <a:t>HashUsuario</a:t>
+            </a:r>
+          </a:p>
+          <a:p>
+            <a:pPr algn="ctr"/>
+            <a:r>
+              <a:rPr lang="pt-BR" sz="1400" dirty="0">
+                <a:solidFill>
+                  <a:schemeClr val="tx2">
+                    <a:lumMod val="50000"/>
+                  </a:schemeClr>
+                </a:solidFill>
+              </a:rPr>
+              <a:t>DataAtualização</a:t>
+            </a:r>
+          </a:p>
+          <a:p>
+            <a:pPr algn="ctr"/>
+            <a:r>
+              <a:rPr lang="pt-BR" sz="1400" dirty="0">
+                <a:solidFill>
+                  <a:schemeClr val="tx2">
+                    <a:lumMod val="50000"/>
+                  </a:schemeClr>
+                </a:solidFill>
+              </a:rPr>
+              <a:t>Atributos (mongo)</a:t>
+            </a:r>
+          </a:p>
+          <a:p>
+            <a:pPr algn="ctr"/>
+            <a:endParaRPr lang="pt-BR" b="1" dirty="0">
+              <a:solidFill>
+                <a:schemeClr val="tx2">
+                  <a:lumMod val="50000"/>
+                </a:schemeClr>
+              </a:solidFill>
+            </a:endParaRPr>
+          </a:p>
+        </p:txBody>
+      </p:sp>
+      <p:sp>
+        <p:nvSpPr>
+          <p:cNvPr id="1070" name="CaixaDeTexto 1069">
+            <a:extLst>
+              <a:ext uri="{FF2B5EF4-FFF2-40B4-BE49-F238E27FC236}">
+                <a16:creationId xmlns:a16="http://schemas.microsoft.com/office/drawing/2014/main" id="{62DA8F43-9FE5-964F-7E1A-1E466F764F52}"/>
+              </a:ext>
+            </a:extLst>
+          </p:cNvPr>
+          <p:cNvSpPr txBox="1"/>
+          <p:nvPr/>
+        </p:nvSpPr>
+        <p:spPr>
+          <a:xfrm>
+            <a:off x="25327536" y="15640421"/>
+            <a:ext cx="1946283" cy="1015663"/>
+          </a:xfrm>
+          <a:prstGeom prst="rect">
+            <a:avLst/>
+          </a:prstGeom>
+          <a:solidFill>
+            <a:schemeClr val="bg1"/>
+          </a:solidFill>
+        </p:spPr>
+        <p:txBody>
+          <a:bodyPr wrap="square" rtlCol="0">
+            <a:spAutoFit/>
+          </a:bodyPr>
+          <a:lstStyle/>
+          <a:p>
+            <a:pPr algn="ctr"/>
+            <a:r>
+              <a:rPr lang="pt-BR" sz="1400" dirty="0">
+                <a:solidFill>
+                  <a:schemeClr val="tx2">
+                    <a:lumMod val="50000"/>
+                  </a:schemeClr>
+                </a:solidFill>
+              </a:rPr>
+              <a:t>HashUsuario</a:t>
+            </a:r>
+          </a:p>
+          <a:p>
+            <a:pPr algn="ctr"/>
+            <a:r>
+              <a:rPr lang="pt-BR" sz="1400" dirty="0">
+                <a:solidFill>
+                  <a:schemeClr val="tx2">
+                    <a:lumMod val="50000"/>
+                  </a:schemeClr>
+                </a:solidFill>
+              </a:rPr>
+              <a:t>CPF</a:t>
+            </a:r>
+          </a:p>
+          <a:p>
+            <a:pPr algn="ctr"/>
+            <a:r>
+              <a:rPr lang="pt-BR" sz="1400" dirty="0">
+                <a:solidFill>
+                  <a:schemeClr val="tx2">
+                    <a:lumMod val="50000"/>
+                  </a:schemeClr>
+                </a:solidFill>
+              </a:rPr>
+              <a:t>Fonte</a:t>
+            </a:r>
+          </a:p>
+          <a:p>
+            <a:pPr algn="ctr"/>
+            <a:endParaRPr lang="pt-BR" b="1" dirty="0">
+              <a:solidFill>
+                <a:schemeClr val="tx2">
+                  <a:lumMod val="50000"/>
+                </a:schemeClr>
+              </a:solidFill>
+            </a:endParaRPr>
+          </a:p>
+        </p:txBody>
+      </p:sp>
+      <p:sp>
+        <p:nvSpPr>
+          <p:cNvPr id="1072" name="CaixaDeTexto 1071">
+            <a:extLst>
+              <a:ext uri="{FF2B5EF4-FFF2-40B4-BE49-F238E27FC236}">
+                <a16:creationId xmlns:a16="http://schemas.microsoft.com/office/drawing/2014/main" id="{A0B88E19-B110-8B58-CF64-6E718E3C2434}"/>
+              </a:ext>
+            </a:extLst>
+          </p:cNvPr>
+          <p:cNvSpPr txBox="1"/>
+          <p:nvPr/>
+        </p:nvSpPr>
+        <p:spPr>
+          <a:xfrm>
+            <a:off x="24145360" y="18254847"/>
+            <a:ext cx="2232540" cy="1015663"/>
+          </a:xfrm>
+          <a:prstGeom prst="rect">
+            <a:avLst/>
+          </a:prstGeom>
+          <a:solidFill>
+            <a:schemeClr val="bg1"/>
+          </a:solidFill>
+        </p:spPr>
+        <p:txBody>
+          <a:bodyPr wrap="square" rtlCol="0">
+            <a:spAutoFit/>
+          </a:bodyPr>
+          <a:lstStyle/>
+          <a:p>
+            <a:pPr algn="ctr"/>
+            <a:r>
+              <a:rPr lang="pt-BR" sz="1400" dirty="0">
+                <a:solidFill>
+                  <a:schemeClr val="tx2">
+                    <a:lumMod val="50000"/>
+                  </a:schemeClr>
+                </a:solidFill>
+              </a:rPr>
+              <a:t>HashRides</a:t>
+            </a:r>
+          </a:p>
+          <a:p>
+            <a:pPr algn="ctr"/>
+            <a:r>
+              <a:rPr lang="pt-BR" sz="1400" dirty="0">
+                <a:solidFill>
+                  <a:schemeClr val="tx2">
+                    <a:lumMod val="50000"/>
+                  </a:schemeClr>
+                </a:solidFill>
+              </a:rPr>
+              <a:t>DataAtualização</a:t>
+            </a:r>
+          </a:p>
+          <a:p>
+            <a:pPr algn="ctr"/>
+            <a:r>
+              <a:rPr lang="pt-BR" sz="1400" dirty="0">
+                <a:solidFill>
+                  <a:schemeClr val="tx2">
+                    <a:lumMod val="50000"/>
+                  </a:schemeClr>
+                </a:solidFill>
+              </a:rPr>
+              <a:t>Atributos (mongo)</a:t>
+            </a:r>
+          </a:p>
+          <a:p>
+            <a:pPr algn="ctr"/>
+            <a:endParaRPr lang="pt-BR" b="1" dirty="0">
+              <a:solidFill>
+                <a:schemeClr val="tx2">
+                  <a:lumMod val="50000"/>
+                </a:schemeClr>
+              </a:solidFill>
+            </a:endParaRPr>
+          </a:p>
+        </p:txBody>
+      </p:sp>
+      <p:sp>
+        <p:nvSpPr>
+          <p:cNvPr id="1073" name="CaixaDeTexto 1072">
+            <a:extLst>
+              <a:ext uri="{FF2B5EF4-FFF2-40B4-BE49-F238E27FC236}">
+                <a16:creationId xmlns:a16="http://schemas.microsoft.com/office/drawing/2014/main" id="{ED32E8B4-7338-F8BA-5D5D-DE839C15042B}"/>
+              </a:ext>
+            </a:extLst>
+          </p:cNvPr>
+          <p:cNvSpPr txBox="1"/>
+          <p:nvPr/>
+        </p:nvSpPr>
+        <p:spPr>
+          <a:xfrm>
+            <a:off x="27073332" y="17710183"/>
+            <a:ext cx="2232540" cy="738664"/>
+          </a:xfrm>
+          <a:prstGeom prst="rect">
+            <a:avLst/>
+          </a:prstGeom>
+          <a:solidFill>
+            <a:schemeClr val="bg1"/>
+          </a:solidFill>
+        </p:spPr>
+        <p:txBody>
+          <a:bodyPr wrap="square" rtlCol="0">
+            <a:spAutoFit/>
+          </a:bodyPr>
+          <a:lstStyle/>
+          <a:p>
+            <a:pPr algn="ctr"/>
+            <a:r>
+              <a:rPr lang="pt-BR" sz="1400" dirty="0">
+                <a:solidFill>
+                  <a:schemeClr val="tx2">
+                    <a:lumMod val="50000"/>
+                  </a:schemeClr>
+                </a:solidFill>
+              </a:rPr>
+              <a:t>HashUser</a:t>
+            </a:r>
+          </a:p>
+          <a:p>
+            <a:pPr algn="ctr"/>
+            <a:r>
+              <a:rPr lang="pt-BR" sz="1400" dirty="0">
+                <a:solidFill>
+                  <a:schemeClr val="tx2">
+                    <a:lumMod val="50000"/>
+                  </a:schemeClr>
+                </a:solidFill>
+              </a:rPr>
+              <a:t>HashRides</a:t>
+            </a:r>
+          </a:p>
+          <a:p>
+            <a:pPr algn="ctr"/>
+            <a:r>
+              <a:rPr lang="pt-BR" sz="1400" dirty="0">
+                <a:solidFill>
+                  <a:schemeClr val="tx2">
+                    <a:lumMod val="50000"/>
+                  </a:schemeClr>
+                </a:solidFill>
+              </a:rPr>
+              <a:t>DataAtualização</a:t>
+            </a:r>
           </a:p>
         </p:txBody>
       </p:sp>

--- a/anexo/diagramas.pptx
+++ b/anexo/diagramas.pptx
@@ -1060,7 +1060,7 @@
           <a:p>
             <a:fld id="{E3F29CD9-4246-4F4F-BB3B-942F42C480CC}" type="datetimeFigureOut">
               <a:rPr lang="pt-BR" smtClean="0"/>
-              <a:t>26/03/2024</a:t>
+              <a:t>04/04/2024</a:t>
             </a:fld>
             <a:endParaRPr lang="pt-BR"/>
           </a:p>
@@ -2143,7 +2143,7 @@
           <a:p>
             <a:fld id="{C8B65674-A10E-4998-BFDD-52648E7BF404}" type="datetimeFigureOut">
               <a:rPr lang="pt-BR" smtClean="0"/>
-              <a:t>26/03/2024</a:t>
+              <a:t>04/04/2024</a:t>
             </a:fld>
             <a:endParaRPr lang="pt-BR"/>
           </a:p>
@@ -2313,7 +2313,7 @@
           <a:p>
             <a:fld id="{C8B65674-A10E-4998-BFDD-52648E7BF404}" type="datetimeFigureOut">
               <a:rPr lang="pt-BR" smtClean="0"/>
-              <a:t>26/03/2024</a:t>
+              <a:t>04/04/2024</a:t>
             </a:fld>
             <a:endParaRPr lang="pt-BR"/>
           </a:p>
@@ -2493,7 +2493,7 @@
           <a:p>
             <a:fld id="{C8B65674-A10E-4998-BFDD-52648E7BF404}" type="datetimeFigureOut">
               <a:rPr lang="pt-BR" smtClean="0"/>
-              <a:t>26/03/2024</a:t>
+              <a:t>04/04/2024</a:t>
             </a:fld>
             <a:endParaRPr lang="pt-BR"/>
           </a:p>
@@ -2663,7 +2663,7 @@
           <a:p>
             <a:fld id="{C8B65674-A10E-4998-BFDD-52648E7BF404}" type="datetimeFigureOut">
               <a:rPr lang="pt-BR" smtClean="0"/>
-              <a:t>26/03/2024</a:t>
+              <a:t>04/04/2024</a:t>
             </a:fld>
             <a:endParaRPr lang="pt-BR"/>
           </a:p>
@@ -2907,7 +2907,7 @@
           <a:p>
             <a:fld id="{C8B65674-A10E-4998-BFDD-52648E7BF404}" type="datetimeFigureOut">
               <a:rPr lang="pt-BR" smtClean="0"/>
-              <a:t>26/03/2024</a:t>
+              <a:t>04/04/2024</a:t>
             </a:fld>
             <a:endParaRPr lang="pt-BR"/>
           </a:p>
@@ -3139,7 +3139,7 @@
           <a:p>
             <a:fld id="{C8B65674-A10E-4998-BFDD-52648E7BF404}" type="datetimeFigureOut">
               <a:rPr lang="pt-BR" smtClean="0"/>
-              <a:t>26/03/2024</a:t>
+              <a:t>04/04/2024</a:t>
             </a:fld>
             <a:endParaRPr lang="pt-BR"/>
           </a:p>
@@ -3506,7 +3506,7 @@
           <a:p>
             <a:fld id="{C8B65674-A10E-4998-BFDD-52648E7BF404}" type="datetimeFigureOut">
               <a:rPr lang="pt-BR" smtClean="0"/>
-              <a:t>26/03/2024</a:t>
+              <a:t>04/04/2024</a:t>
             </a:fld>
             <a:endParaRPr lang="pt-BR"/>
           </a:p>
@@ -3624,7 +3624,7 @@
           <a:p>
             <a:fld id="{C8B65674-A10E-4998-BFDD-52648E7BF404}" type="datetimeFigureOut">
               <a:rPr lang="pt-BR" smtClean="0"/>
-              <a:t>26/03/2024</a:t>
+              <a:t>04/04/2024</a:t>
             </a:fld>
             <a:endParaRPr lang="pt-BR"/>
           </a:p>
@@ -3719,7 +3719,7 @@
           <a:p>
             <a:fld id="{C8B65674-A10E-4998-BFDD-52648E7BF404}" type="datetimeFigureOut">
               <a:rPr lang="pt-BR" smtClean="0"/>
-              <a:t>26/03/2024</a:t>
+              <a:t>04/04/2024</a:t>
             </a:fld>
             <a:endParaRPr lang="pt-BR"/>
           </a:p>
@@ -3996,7 +3996,7 @@
           <a:p>
             <a:fld id="{C8B65674-A10E-4998-BFDD-52648E7BF404}" type="datetimeFigureOut">
               <a:rPr lang="pt-BR" smtClean="0"/>
-              <a:t>26/03/2024</a:t>
+              <a:t>04/04/2024</a:t>
             </a:fld>
             <a:endParaRPr lang="pt-BR"/>
           </a:p>
@@ -4253,7 +4253,7 @@
           <a:p>
             <a:fld id="{C8B65674-A10E-4998-BFDD-52648E7BF404}" type="datetimeFigureOut">
               <a:rPr lang="pt-BR" smtClean="0"/>
-              <a:t>26/03/2024</a:t>
+              <a:t>04/04/2024</a:t>
             </a:fld>
             <a:endParaRPr lang="pt-BR"/>
           </a:p>
@@ -4466,7 +4466,7 @@
           <a:p>
             <a:fld id="{C8B65674-A10E-4998-BFDD-52648E7BF404}" type="datetimeFigureOut">
               <a:rPr lang="pt-BR" smtClean="0"/>
-              <a:t>26/03/2024</a:t>
+              <a:t>04/04/2024</a:t>
             </a:fld>
             <a:endParaRPr lang="pt-BR"/>
           </a:p>
@@ -47865,6 +47865,944 @@
           </a:fillRef>
           <a:effectRef idx="0">
             <a:scrgbClr r="0" g="0" b="0"/>
+          </a:effectRef>
+          <a:fontRef idx="minor">
+            <a:schemeClr val="tx1"/>
+          </a:fontRef>
+        </p:style>
+      </p:cxnSp>
+      <p:sp>
+        <p:nvSpPr>
+          <p:cNvPr id="124" name="Retângulo: Cantos Arredondados 123">
+            <a:extLst>
+              <a:ext uri="{FF2B5EF4-FFF2-40B4-BE49-F238E27FC236}">
+                <a16:creationId xmlns:a16="http://schemas.microsoft.com/office/drawing/2014/main" id="{89F077CE-8DB0-3F00-D76C-704D9A1BDD34}"/>
+              </a:ext>
+            </a:extLst>
+          </p:cNvPr>
+          <p:cNvSpPr/>
+          <p:nvPr/>
+        </p:nvSpPr>
+        <p:spPr>
+          <a:xfrm>
+            <a:off x="20696410" y="9597713"/>
+            <a:ext cx="1622229" cy="2740002"/>
+          </a:xfrm>
+          <a:prstGeom prst="roundRect">
+            <a:avLst>
+              <a:gd name="adj" fmla="val 4410"/>
+            </a:avLst>
+          </a:prstGeom>
+          <a:noFill/>
+          <a:ln w="28575">
+            <a:solidFill>
+              <a:schemeClr val="accent1">
+                <a:lumMod val="40000"/>
+                <a:lumOff val="60000"/>
+              </a:schemeClr>
+            </a:solidFill>
+            <a:prstDash val="sysDash"/>
+          </a:ln>
+        </p:spPr>
+        <p:style>
+          <a:lnRef idx="0">
+            <a:scrgbClr r="0" g="0" b="0"/>
+          </a:lnRef>
+          <a:fillRef idx="0">
+            <a:scrgbClr r="0" g="0" b="0"/>
+          </a:fillRef>
+          <a:effectRef idx="0">
+            <a:scrgbClr r="0" g="0" b="0"/>
+          </a:effectRef>
+          <a:fontRef idx="minor">
+            <a:schemeClr val="lt1"/>
+          </a:fontRef>
+        </p:style>
+        <p:txBody>
+          <a:bodyPr rtlCol="0" anchor="ctr"/>
+          <a:lstStyle/>
+          <a:p>
+            <a:pPr algn="ctr"/>
+            <a:endParaRPr lang="pt-BR" sz="2250"/>
+          </a:p>
+        </p:txBody>
+      </p:sp>
+      <p:sp>
+        <p:nvSpPr>
+          <p:cNvPr id="150" name="Retângulo 149">
+            <a:extLst>
+              <a:ext uri="{FF2B5EF4-FFF2-40B4-BE49-F238E27FC236}">
+                <a16:creationId xmlns:a16="http://schemas.microsoft.com/office/drawing/2014/main" id="{348B7BE7-5534-82C4-DE1F-7857B40261E2}"/>
+              </a:ext>
+            </a:extLst>
+          </p:cNvPr>
+          <p:cNvSpPr/>
+          <p:nvPr/>
+        </p:nvSpPr>
+        <p:spPr>
+          <a:xfrm>
+            <a:off x="20393613" y="9555865"/>
+            <a:ext cx="2263785" cy="494815"/>
+          </a:xfrm>
+          <a:prstGeom prst="rect">
+            <a:avLst/>
+          </a:prstGeom>
+          <a:noFill/>
+          <a:ln>
+            <a:noFill/>
+          </a:ln>
+        </p:spPr>
+        <p:style>
+          <a:lnRef idx="1">
+            <a:schemeClr val="accent2"/>
+          </a:lnRef>
+          <a:fillRef idx="2">
+            <a:schemeClr val="accent2"/>
+          </a:fillRef>
+          <a:effectRef idx="1">
+            <a:schemeClr val="accent2"/>
+          </a:effectRef>
+          <a:fontRef idx="minor">
+            <a:schemeClr val="dk1"/>
+          </a:fontRef>
+        </p:style>
+        <p:txBody>
+          <a:bodyPr rtlCol="0" anchor="ctr"/>
+          <a:lstStyle/>
+          <a:p>
+            <a:pPr algn="ctr"/>
+            <a:r>
+              <a:rPr lang="pt-BR" sz="1375" b="1" dirty="0">
+                <a:solidFill>
+                  <a:srgbClr val="3477B2"/>
+                </a:solidFill>
+                <a:cs typeface="Calibri"/>
+              </a:rPr>
+              <a:t>FONTES DE DADOS</a:t>
+            </a:r>
+          </a:p>
+        </p:txBody>
+      </p:sp>
+      <p:pic>
+        <p:nvPicPr>
+          <p:cNvPr id="154" name="Imagem 153">
+            <a:extLst>
+              <a:ext uri="{FF2B5EF4-FFF2-40B4-BE49-F238E27FC236}">
+                <a16:creationId xmlns:a16="http://schemas.microsoft.com/office/drawing/2014/main" id="{0B837F3A-4767-DFBE-3092-C0F56402FF4D}"/>
+              </a:ext>
+            </a:extLst>
+          </p:cNvPr>
+          <p:cNvPicPr>
+            <a:picLocks noChangeAspect="1"/>
+          </p:cNvPicPr>
+          <p:nvPr/>
+        </p:nvPicPr>
+        <p:blipFill rotWithShape="1">
+          <a:blip r:embed="rId11"/>
+          <a:srcRect l="55283" r="-452" b="47679"/>
+          <a:stretch/>
+        </p:blipFill>
+        <p:spPr>
+          <a:xfrm>
+            <a:off x="21154529" y="10147183"/>
+            <a:ext cx="652002" cy="494815"/>
+          </a:xfrm>
+          <a:prstGeom prst="rect">
+            <a:avLst/>
+          </a:prstGeom>
+        </p:spPr>
+      </p:pic>
+      <p:sp>
+        <p:nvSpPr>
+          <p:cNvPr id="155" name="Retângulo: Cantos Arredondados 154">
+            <a:extLst>
+              <a:ext uri="{FF2B5EF4-FFF2-40B4-BE49-F238E27FC236}">
+                <a16:creationId xmlns:a16="http://schemas.microsoft.com/office/drawing/2014/main" id="{6F373DEC-2D18-EEEA-067D-D2137F5876E7}"/>
+              </a:ext>
+            </a:extLst>
+          </p:cNvPr>
+          <p:cNvSpPr/>
+          <p:nvPr/>
+        </p:nvSpPr>
+        <p:spPr>
+          <a:xfrm>
+            <a:off x="22843311" y="10405587"/>
+            <a:ext cx="2102441" cy="1177191"/>
+          </a:xfrm>
+          <a:prstGeom prst="roundRect">
+            <a:avLst>
+              <a:gd name="adj" fmla="val 4410"/>
+            </a:avLst>
+          </a:prstGeom>
+          <a:noFill/>
+          <a:ln w="28575">
+            <a:solidFill>
+              <a:schemeClr val="accent1">
+                <a:lumMod val="40000"/>
+                <a:lumOff val="60000"/>
+              </a:schemeClr>
+            </a:solidFill>
+            <a:prstDash val="sysDash"/>
+          </a:ln>
+        </p:spPr>
+        <p:style>
+          <a:lnRef idx="0">
+            <a:scrgbClr r="0" g="0" b="0"/>
+          </a:lnRef>
+          <a:fillRef idx="0">
+            <a:scrgbClr r="0" g="0" b="0"/>
+          </a:fillRef>
+          <a:effectRef idx="0">
+            <a:scrgbClr r="0" g="0" b="0"/>
+          </a:effectRef>
+          <a:fontRef idx="minor">
+            <a:schemeClr val="lt1"/>
+          </a:fontRef>
+        </p:style>
+        <p:txBody>
+          <a:bodyPr rtlCol="0" anchor="ctr"/>
+          <a:lstStyle/>
+          <a:p>
+            <a:pPr algn="ctr"/>
+            <a:endParaRPr lang="pt-BR" sz="2250"/>
+          </a:p>
+        </p:txBody>
+      </p:sp>
+      <p:pic>
+        <p:nvPicPr>
+          <p:cNvPr id="156" name="Imagem 155">
+            <a:extLst>
+              <a:ext uri="{FF2B5EF4-FFF2-40B4-BE49-F238E27FC236}">
+                <a16:creationId xmlns:a16="http://schemas.microsoft.com/office/drawing/2014/main" id="{82A14065-47DE-46D3-0900-11B9B53AF6F9}"/>
+              </a:ext>
+            </a:extLst>
+          </p:cNvPr>
+          <p:cNvPicPr>
+            <a:picLocks noChangeAspect="1"/>
+          </p:cNvPicPr>
+          <p:nvPr/>
+        </p:nvPicPr>
+        <p:blipFill rotWithShape="1">
+          <a:blip r:embed="rId11"/>
+          <a:srcRect l="55283" r="-741" b="45245"/>
+          <a:stretch/>
+        </p:blipFill>
+        <p:spPr>
+          <a:xfrm rot="156592">
+            <a:off x="25768470" y="9722322"/>
+            <a:ext cx="656181" cy="517835"/>
+          </a:xfrm>
+          <a:prstGeom prst="rect">
+            <a:avLst/>
+          </a:prstGeom>
+        </p:spPr>
+      </p:pic>
+      <p:pic>
+        <p:nvPicPr>
+          <p:cNvPr id="157" name="Imagem 156">
+            <a:extLst>
+              <a:ext uri="{FF2B5EF4-FFF2-40B4-BE49-F238E27FC236}">
+                <a16:creationId xmlns:a16="http://schemas.microsoft.com/office/drawing/2014/main" id="{B302AB69-13F8-2C04-2D1B-D981E8E39BC1}"/>
+              </a:ext>
+            </a:extLst>
+          </p:cNvPr>
+          <p:cNvPicPr>
+            <a:picLocks noChangeAspect="1"/>
+          </p:cNvPicPr>
+          <p:nvPr/>
+        </p:nvPicPr>
+        <p:blipFill rotWithShape="1">
+          <a:blip r:embed="rId11"/>
+          <a:srcRect l="55283" r="-741" b="45245"/>
+          <a:stretch/>
+        </p:blipFill>
+        <p:spPr>
+          <a:xfrm rot="156592">
+            <a:off x="25875056" y="10601677"/>
+            <a:ext cx="656181" cy="517835"/>
+          </a:xfrm>
+          <a:prstGeom prst="rect">
+            <a:avLst/>
+          </a:prstGeom>
+        </p:spPr>
+      </p:pic>
+      <p:pic>
+        <p:nvPicPr>
+          <p:cNvPr id="158" name="Imagem 157">
+            <a:extLst>
+              <a:ext uri="{FF2B5EF4-FFF2-40B4-BE49-F238E27FC236}">
+                <a16:creationId xmlns:a16="http://schemas.microsoft.com/office/drawing/2014/main" id="{65A64B5E-D1F6-9A12-F353-E4530CAD10C1}"/>
+              </a:ext>
+            </a:extLst>
+          </p:cNvPr>
+          <p:cNvPicPr>
+            <a:picLocks noChangeAspect="1"/>
+          </p:cNvPicPr>
+          <p:nvPr/>
+        </p:nvPicPr>
+        <p:blipFill rotWithShape="1">
+          <a:blip r:embed="rId11"/>
+          <a:srcRect l="55283" r="-741" b="45245"/>
+          <a:stretch/>
+        </p:blipFill>
+        <p:spPr>
+          <a:xfrm rot="156592">
+            <a:off x="25848743" y="11320518"/>
+            <a:ext cx="656181" cy="517835"/>
+          </a:xfrm>
+          <a:prstGeom prst="rect">
+            <a:avLst/>
+          </a:prstGeom>
+        </p:spPr>
+      </p:pic>
+      <p:pic>
+        <p:nvPicPr>
+          <p:cNvPr id="159" name="Imagem 158">
+            <a:extLst>
+              <a:ext uri="{FF2B5EF4-FFF2-40B4-BE49-F238E27FC236}">
+                <a16:creationId xmlns:a16="http://schemas.microsoft.com/office/drawing/2014/main" id="{A72E8D74-7C7F-BFCB-81E3-EB0EB4CEF600}"/>
+              </a:ext>
+            </a:extLst>
+          </p:cNvPr>
+          <p:cNvPicPr>
+            <a:picLocks noChangeAspect="1"/>
+          </p:cNvPicPr>
+          <p:nvPr/>
+        </p:nvPicPr>
+        <p:blipFill rotWithShape="1">
+          <a:blip r:embed="rId11"/>
+          <a:srcRect l="55283" r="-741" b="45245"/>
+          <a:stretch/>
+        </p:blipFill>
+        <p:spPr>
+          <a:xfrm>
+            <a:off x="23474466" y="10695149"/>
+            <a:ext cx="837326" cy="660788"/>
+          </a:xfrm>
+          <a:prstGeom prst="rect">
+            <a:avLst/>
+          </a:prstGeom>
+        </p:spPr>
+      </p:pic>
+      <p:sp>
+        <p:nvSpPr>
+          <p:cNvPr id="161" name="CaixaDeTexto 160">
+            <a:extLst>
+              <a:ext uri="{FF2B5EF4-FFF2-40B4-BE49-F238E27FC236}">
+                <a16:creationId xmlns:a16="http://schemas.microsoft.com/office/drawing/2014/main" id="{1BEF21C4-4F28-4CE2-9F86-D9BD12C7BCDF}"/>
+              </a:ext>
+            </a:extLst>
+          </p:cNvPr>
+          <p:cNvSpPr txBox="1"/>
+          <p:nvPr/>
+        </p:nvSpPr>
+        <p:spPr>
+          <a:xfrm>
+            <a:off x="23053184" y="10219433"/>
+            <a:ext cx="1679890" cy="307779"/>
+          </a:xfrm>
+          <a:prstGeom prst="rect">
+            <a:avLst/>
+          </a:prstGeom>
+          <a:solidFill>
+            <a:schemeClr val="accent1">
+              <a:lumMod val="40000"/>
+              <a:lumOff val="60000"/>
+            </a:schemeClr>
+          </a:solidFill>
+          <a:ln>
+            <a:noFill/>
+          </a:ln>
+        </p:spPr>
+        <p:style>
+          <a:lnRef idx="0">
+            <a:scrgbClr r="0" g="0" b="0"/>
+          </a:lnRef>
+          <a:fillRef idx="0">
+            <a:scrgbClr r="0" g="0" b="0"/>
+          </a:fillRef>
+          <a:effectRef idx="0">
+            <a:scrgbClr r="0" g="0" b="0"/>
+          </a:effectRef>
+          <a:fontRef idx="minor">
+            <a:schemeClr val="lt1"/>
+          </a:fontRef>
+        </p:style>
+        <p:txBody>
+          <a:bodyPr wrap="none" lIns="114303" tIns="57151" rIns="114303" bIns="57151" rtlCol="0" anchor="t">
+            <a:spAutoFit/>
+          </a:bodyPr>
+          <a:lstStyle>
+            <a:defPPr>
+              <a:defRPr lang="en-US"/>
+            </a:defPPr>
+            <a:lvl1pPr algn="ctr">
+              <a:defRPr sz="1250" b="1">
+                <a:solidFill>
+                  <a:schemeClr val="accent1">
+                    <a:lumMod val="75000"/>
+                  </a:schemeClr>
+                </a:solidFill>
+                <a:latin typeface="Segoe UI"/>
+                <a:ea typeface="Segoe UI Black"/>
+                <a:cs typeface="Segoe UI"/>
+              </a:defRPr>
+            </a:lvl1pPr>
+          </a:lstStyle>
+          <a:p>
+            <a:r>
+              <a:rPr lang="pt-BR" dirty="0"/>
+              <a:t>DATA WAREHOUSE</a:t>
+            </a:r>
+          </a:p>
+        </p:txBody>
+      </p:sp>
+      <p:sp>
+        <p:nvSpPr>
+          <p:cNvPr id="163" name="Retângulo 162">
+            <a:extLst>
+              <a:ext uri="{FF2B5EF4-FFF2-40B4-BE49-F238E27FC236}">
+                <a16:creationId xmlns:a16="http://schemas.microsoft.com/office/drawing/2014/main" id="{8CD4D13B-6D10-6E6C-C320-E2038E1E6E58}"/>
+              </a:ext>
+            </a:extLst>
+          </p:cNvPr>
+          <p:cNvSpPr/>
+          <p:nvPr/>
+        </p:nvSpPr>
+        <p:spPr>
+          <a:xfrm>
+            <a:off x="25126748" y="10050680"/>
+            <a:ext cx="2263785" cy="494815"/>
+          </a:xfrm>
+          <a:prstGeom prst="rect">
+            <a:avLst/>
+          </a:prstGeom>
+          <a:noFill/>
+          <a:ln>
+            <a:noFill/>
+          </a:ln>
+        </p:spPr>
+        <p:style>
+          <a:lnRef idx="1">
+            <a:schemeClr val="accent2"/>
+          </a:lnRef>
+          <a:fillRef idx="2">
+            <a:schemeClr val="accent2"/>
+          </a:fillRef>
+          <a:effectRef idx="1">
+            <a:schemeClr val="accent2"/>
+          </a:effectRef>
+          <a:fontRef idx="minor">
+            <a:schemeClr val="dk1"/>
+          </a:fontRef>
+        </p:style>
+        <p:txBody>
+          <a:bodyPr rtlCol="0" anchor="ctr"/>
+          <a:lstStyle/>
+          <a:p>
+            <a:pPr algn="ctr"/>
+            <a:r>
+              <a:rPr lang="pt-BR" sz="1375" b="1" dirty="0">
+                <a:solidFill>
+                  <a:srgbClr val="3477B2"/>
+                </a:solidFill>
+                <a:cs typeface="Calibri"/>
+              </a:rPr>
+              <a:t>Financeiro</a:t>
+            </a:r>
+          </a:p>
+        </p:txBody>
+      </p:sp>
+      <p:sp>
+        <p:nvSpPr>
+          <p:cNvPr id="164" name="Retângulo 163">
+            <a:extLst>
+              <a:ext uri="{FF2B5EF4-FFF2-40B4-BE49-F238E27FC236}">
+                <a16:creationId xmlns:a16="http://schemas.microsoft.com/office/drawing/2014/main" id="{C9FCE4ED-6D85-A71A-AC6A-701EA294AC59}"/>
+              </a:ext>
+            </a:extLst>
+          </p:cNvPr>
+          <p:cNvSpPr/>
+          <p:nvPr/>
+        </p:nvSpPr>
+        <p:spPr>
+          <a:xfrm>
+            <a:off x="25138280" y="10888820"/>
+            <a:ext cx="2263785" cy="494815"/>
+          </a:xfrm>
+          <a:prstGeom prst="rect">
+            <a:avLst/>
+          </a:prstGeom>
+          <a:noFill/>
+          <a:ln>
+            <a:noFill/>
+          </a:ln>
+        </p:spPr>
+        <p:style>
+          <a:lnRef idx="1">
+            <a:schemeClr val="accent2"/>
+          </a:lnRef>
+          <a:fillRef idx="2">
+            <a:schemeClr val="accent2"/>
+          </a:fillRef>
+          <a:effectRef idx="1">
+            <a:schemeClr val="accent2"/>
+          </a:effectRef>
+          <a:fontRef idx="minor">
+            <a:schemeClr val="dk1"/>
+          </a:fontRef>
+        </p:style>
+        <p:txBody>
+          <a:bodyPr rtlCol="0" anchor="ctr"/>
+          <a:lstStyle/>
+          <a:p>
+            <a:pPr algn="ctr"/>
+            <a:r>
+              <a:rPr lang="pt-BR" sz="1375" b="1" dirty="0">
+                <a:solidFill>
+                  <a:srgbClr val="3477B2"/>
+                </a:solidFill>
+                <a:cs typeface="Calibri"/>
+              </a:rPr>
+              <a:t>Marketing</a:t>
+            </a:r>
+          </a:p>
+        </p:txBody>
+      </p:sp>
+      <p:sp>
+        <p:nvSpPr>
+          <p:cNvPr id="165" name="Retângulo 164">
+            <a:extLst>
+              <a:ext uri="{FF2B5EF4-FFF2-40B4-BE49-F238E27FC236}">
+                <a16:creationId xmlns:a16="http://schemas.microsoft.com/office/drawing/2014/main" id="{46ABD3AB-B3BB-3AEB-C2E5-68BAC7860E9F}"/>
+              </a:ext>
+            </a:extLst>
+          </p:cNvPr>
+          <p:cNvSpPr/>
+          <p:nvPr/>
+        </p:nvSpPr>
+        <p:spPr>
+          <a:xfrm>
+            <a:off x="25110345" y="11703645"/>
+            <a:ext cx="2263785" cy="494815"/>
+          </a:xfrm>
+          <a:prstGeom prst="rect">
+            <a:avLst/>
+          </a:prstGeom>
+          <a:noFill/>
+          <a:ln>
+            <a:noFill/>
+          </a:ln>
+        </p:spPr>
+        <p:style>
+          <a:lnRef idx="1">
+            <a:schemeClr val="accent2"/>
+          </a:lnRef>
+          <a:fillRef idx="2">
+            <a:schemeClr val="accent2"/>
+          </a:fillRef>
+          <a:effectRef idx="1">
+            <a:schemeClr val="accent2"/>
+          </a:effectRef>
+          <a:fontRef idx="minor">
+            <a:schemeClr val="dk1"/>
+          </a:fontRef>
+        </p:style>
+        <p:txBody>
+          <a:bodyPr rtlCol="0" anchor="ctr"/>
+          <a:lstStyle/>
+          <a:p>
+            <a:pPr algn="ctr"/>
+            <a:r>
+              <a:rPr lang="pt-BR" sz="1375" b="1" dirty="0">
+                <a:solidFill>
+                  <a:srgbClr val="3477B2"/>
+                </a:solidFill>
+                <a:cs typeface="Calibri"/>
+              </a:rPr>
+              <a:t>Vendas </a:t>
+            </a:r>
+          </a:p>
+          <a:p>
+            <a:pPr algn="ctr"/>
+            <a:r>
+              <a:rPr lang="pt-BR" sz="1375" b="1" dirty="0">
+                <a:solidFill>
+                  <a:srgbClr val="3477B2"/>
+                </a:solidFill>
+                <a:cs typeface="Calibri"/>
+              </a:rPr>
+              <a:t>...</a:t>
+            </a:r>
+          </a:p>
+        </p:txBody>
+      </p:sp>
+      <p:sp>
+        <p:nvSpPr>
+          <p:cNvPr id="166" name="Retângulo: Cantos Arredondados 165">
+            <a:extLst>
+              <a:ext uri="{FF2B5EF4-FFF2-40B4-BE49-F238E27FC236}">
+                <a16:creationId xmlns:a16="http://schemas.microsoft.com/office/drawing/2014/main" id="{2BC0A799-8B68-EF76-3FCB-8707A93D157F}"/>
+              </a:ext>
+            </a:extLst>
+          </p:cNvPr>
+          <p:cNvSpPr/>
+          <p:nvPr/>
+        </p:nvSpPr>
+        <p:spPr>
+          <a:xfrm>
+            <a:off x="25561084" y="9555865"/>
+            <a:ext cx="1391946" cy="2781850"/>
+          </a:xfrm>
+          <a:prstGeom prst="roundRect">
+            <a:avLst>
+              <a:gd name="adj" fmla="val 4410"/>
+            </a:avLst>
+          </a:prstGeom>
+          <a:noFill/>
+          <a:ln w="28575">
+            <a:solidFill>
+              <a:schemeClr val="accent1">
+                <a:lumMod val="40000"/>
+                <a:lumOff val="60000"/>
+              </a:schemeClr>
+            </a:solidFill>
+            <a:prstDash val="sysDash"/>
+          </a:ln>
+        </p:spPr>
+        <p:style>
+          <a:lnRef idx="0">
+            <a:scrgbClr r="0" g="0" b="0"/>
+          </a:lnRef>
+          <a:fillRef idx="0">
+            <a:scrgbClr r="0" g="0" b="0"/>
+          </a:fillRef>
+          <a:effectRef idx="0">
+            <a:scrgbClr r="0" g="0" b="0"/>
+          </a:effectRef>
+          <a:fontRef idx="minor">
+            <a:schemeClr val="lt1"/>
+          </a:fontRef>
+        </p:style>
+        <p:txBody>
+          <a:bodyPr rtlCol="0" anchor="ctr"/>
+          <a:lstStyle/>
+          <a:p>
+            <a:pPr algn="ctr"/>
+            <a:endParaRPr lang="pt-BR" sz="2250"/>
+          </a:p>
+        </p:txBody>
+      </p:sp>
+      <p:cxnSp>
+        <p:nvCxnSpPr>
+          <p:cNvPr id="169" name="Conector: Angulado 168">
+            <a:extLst>
+              <a:ext uri="{FF2B5EF4-FFF2-40B4-BE49-F238E27FC236}">
+                <a16:creationId xmlns:a16="http://schemas.microsoft.com/office/drawing/2014/main" id="{2E7B1526-E34E-F3CE-BFAF-691322C9F9E1}"/>
+              </a:ext>
+            </a:extLst>
+          </p:cNvPr>
+          <p:cNvCxnSpPr>
+            <a:stCxn id="154" idx="3"/>
+            <a:endCxn id="155" idx="1"/>
+          </p:cNvCxnSpPr>
+          <p:nvPr/>
+        </p:nvCxnSpPr>
+        <p:spPr>
+          <a:xfrm>
+            <a:off x="21806531" y="10394591"/>
+            <a:ext cx="1036780" cy="599592"/>
+          </a:xfrm>
+          <a:prstGeom prst="bentConnector3">
+            <a:avLst/>
+          </a:prstGeom>
+          <a:ln>
+            <a:tailEnd type="triangle"/>
+          </a:ln>
+        </p:spPr>
+        <p:style>
+          <a:lnRef idx="1">
+            <a:schemeClr val="accent1"/>
+          </a:lnRef>
+          <a:fillRef idx="0">
+            <a:schemeClr val="accent1"/>
+          </a:fillRef>
+          <a:effectRef idx="0">
+            <a:schemeClr val="accent1"/>
+          </a:effectRef>
+          <a:fontRef idx="minor">
+            <a:schemeClr val="tx1"/>
+          </a:fontRef>
+        </p:style>
+      </p:cxnSp>
+      <p:pic>
+        <p:nvPicPr>
+          <p:cNvPr id="170" name="Imagem 169">
+            <a:extLst>
+              <a:ext uri="{FF2B5EF4-FFF2-40B4-BE49-F238E27FC236}">
+                <a16:creationId xmlns:a16="http://schemas.microsoft.com/office/drawing/2014/main" id="{55EB0C7D-7F1D-421B-ECF8-016AE720B509}"/>
+              </a:ext>
+            </a:extLst>
+          </p:cNvPr>
+          <p:cNvPicPr>
+            <a:picLocks noChangeAspect="1"/>
+          </p:cNvPicPr>
+          <p:nvPr/>
+        </p:nvPicPr>
+        <p:blipFill rotWithShape="1">
+          <a:blip r:embed="rId11"/>
+          <a:srcRect l="55283" r="-452" b="47679"/>
+          <a:stretch/>
+        </p:blipFill>
+        <p:spPr>
+          <a:xfrm>
+            <a:off x="21176063" y="10721634"/>
+            <a:ext cx="652002" cy="494815"/>
+          </a:xfrm>
+          <a:prstGeom prst="rect">
+            <a:avLst/>
+          </a:prstGeom>
+        </p:spPr>
+      </p:pic>
+      <p:pic>
+        <p:nvPicPr>
+          <p:cNvPr id="171" name="Imagem 170">
+            <a:extLst>
+              <a:ext uri="{FF2B5EF4-FFF2-40B4-BE49-F238E27FC236}">
+                <a16:creationId xmlns:a16="http://schemas.microsoft.com/office/drawing/2014/main" id="{B30EBE9A-BFBC-D953-4E0C-91ED5FA6138D}"/>
+              </a:ext>
+            </a:extLst>
+          </p:cNvPr>
+          <p:cNvPicPr>
+            <a:picLocks noChangeAspect="1"/>
+          </p:cNvPicPr>
+          <p:nvPr/>
+        </p:nvPicPr>
+        <p:blipFill rotWithShape="1">
+          <a:blip r:embed="rId11"/>
+          <a:srcRect l="55283" r="-452" b="47679"/>
+          <a:stretch/>
+        </p:blipFill>
+        <p:spPr>
+          <a:xfrm>
+            <a:off x="21166378" y="11366870"/>
+            <a:ext cx="652002" cy="494815"/>
+          </a:xfrm>
+          <a:prstGeom prst="rect">
+            <a:avLst/>
+          </a:prstGeom>
+        </p:spPr>
+      </p:pic>
+      <p:cxnSp>
+        <p:nvCxnSpPr>
+          <p:cNvPr id="178" name="Conector: Angulado 177">
+            <a:extLst>
+              <a:ext uri="{FF2B5EF4-FFF2-40B4-BE49-F238E27FC236}">
+                <a16:creationId xmlns:a16="http://schemas.microsoft.com/office/drawing/2014/main" id="{45FEF242-8212-9FD4-2649-8593513D14D8}"/>
+              </a:ext>
+            </a:extLst>
+          </p:cNvPr>
+          <p:cNvCxnSpPr>
+            <a:stCxn id="170" idx="3"/>
+            <a:endCxn id="155" idx="1"/>
+          </p:cNvCxnSpPr>
+          <p:nvPr/>
+        </p:nvCxnSpPr>
+        <p:spPr>
+          <a:xfrm>
+            <a:off x="21828065" y="10969042"/>
+            <a:ext cx="1015246" cy="25141"/>
+          </a:xfrm>
+          <a:prstGeom prst="bentConnector3">
+            <a:avLst/>
+          </a:prstGeom>
+          <a:ln>
+            <a:tailEnd type="triangle"/>
+          </a:ln>
+        </p:spPr>
+        <p:style>
+          <a:lnRef idx="1">
+            <a:schemeClr val="accent1"/>
+          </a:lnRef>
+          <a:fillRef idx="0">
+            <a:schemeClr val="accent1"/>
+          </a:fillRef>
+          <a:effectRef idx="0">
+            <a:schemeClr val="accent1"/>
+          </a:effectRef>
+          <a:fontRef idx="minor">
+            <a:schemeClr val="tx1"/>
+          </a:fontRef>
+        </p:style>
+      </p:cxnSp>
+      <p:cxnSp>
+        <p:nvCxnSpPr>
+          <p:cNvPr id="180" name="Conector: Angulado 179">
+            <a:extLst>
+              <a:ext uri="{FF2B5EF4-FFF2-40B4-BE49-F238E27FC236}">
+                <a16:creationId xmlns:a16="http://schemas.microsoft.com/office/drawing/2014/main" id="{34E667EE-A205-1C42-B46E-5F9E5F34ADCB}"/>
+              </a:ext>
+            </a:extLst>
+          </p:cNvPr>
+          <p:cNvCxnSpPr>
+            <a:stCxn id="171" idx="3"/>
+            <a:endCxn id="155" idx="1"/>
+          </p:cNvCxnSpPr>
+          <p:nvPr/>
+        </p:nvCxnSpPr>
+        <p:spPr>
+          <a:xfrm flipV="1">
+            <a:off x="21818380" y="10994183"/>
+            <a:ext cx="1024931" cy="620095"/>
+          </a:xfrm>
+          <a:prstGeom prst="bentConnector3">
+            <a:avLst/>
+          </a:prstGeom>
+          <a:ln>
+            <a:tailEnd type="triangle"/>
+          </a:ln>
+        </p:spPr>
+        <p:style>
+          <a:lnRef idx="1">
+            <a:schemeClr val="accent1"/>
+          </a:lnRef>
+          <a:fillRef idx="0">
+            <a:schemeClr val="accent1"/>
+          </a:fillRef>
+          <a:effectRef idx="0">
+            <a:schemeClr val="accent1"/>
+          </a:effectRef>
+          <a:fontRef idx="minor">
+            <a:schemeClr val="tx1"/>
+          </a:fontRef>
+        </p:style>
+      </p:cxnSp>
+      <p:cxnSp>
+        <p:nvCxnSpPr>
+          <p:cNvPr id="183" name="Conector: Angulado 182">
+            <a:extLst>
+              <a:ext uri="{FF2B5EF4-FFF2-40B4-BE49-F238E27FC236}">
+                <a16:creationId xmlns:a16="http://schemas.microsoft.com/office/drawing/2014/main" id="{9FD40967-C843-BB02-1506-9D04A69293D9}"/>
+              </a:ext>
+            </a:extLst>
+          </p:cNvPr>
+          <p:cNvCxnSpPr>
+            <a:stCxn id="159" idx="3"/>
+            <a:endCxn id="156" idx="1"/>
+          </p:cNvCxnSpPr>
+          <p:nvPr/>
+        </p:nvCxnSpPr>
+        <p:spPr>
+          <a:xfrm flipV="1">
+            <a:off x="24311792" y="9966300"/>
+            <a:ext cx="1457018" cy="1059243"/>
+          </a:xfrm>
+          <a:prstGeom prst="bentConnector3">
+            <a:avLst>
+              <a:gd name="adj1" fmla="val 66935"/>
+            </a:avLst>
+          </a:prstGeom>
+          <a:ln>
+            <a:tailEnd type="triangle"/>
+          </a:ln>
+        </p:spPr>
+        <p:style>
+          <a:lnRef idx="1">
+            <a:schemeClr val="accent1"/>
+          </a:lnRef>
+          <a:fillRef idx="0">
+            <a:schemeClr val="accent1"/>
+          </a:fillRef>
+          <a:effectRef idx="0">
+            <a:schemeClr val="accent1"/>
+          </a:effectRef>
+          <a:fontRef idx="minor">
+            <a:schemeClr val="tx1"/>
+          </a:fontRef>
+        </p:style>
+      </p:cxnSp>
+      <p:cxnSp>
+        <p:nvCxnSpPr>
+          <p:cNvPr id="185" name="Conector: Angulado 184">
+            <a:extLst>
+              <a:ext uri="{FF2B5EF4-FFF2-40B4-BE49-F238E27FC236}">
+                <a16:creationId xmlns:a16="http://schemas.microsoft.com/office/drawing/2014/main" id="{D8713F5D-9C28-C18D-9A0B-F13EDC153CA2}"/>
+              </a:ext>
+            </a:extLst>
+          </p:cNvPr>
+          <p:cNvCxnSpPr>
+            <a:cxnSpLocks/>
+            <a:stCxn id="159" idx="3"/>
+          </p:cNvCxnSpPr>
+          <p:nvPr/>
+        </p:nvCxnSpPr>
+        <p:spPr>
+          <a:xfrm flipV="1">
+            <a:off x="24311792" y="10895943"/>
+            <a:ext cx="1503285" cy="129600"/>
+          </a:xfrm>
+          <a:prstGeom prst="bentConnector3">
+            <a:avLst>
+              <a:gd name="adj1" fmla="val 64483"/>
+            </a:avLst>
+          </a:prstGeom>
+          <a:ln>
+            <a:tailEnd type="triangle"/>
+          </a:ln>
+        </p:spPr>
+        <p:style>
+          <a:lnRef idx="1">
+            <a:schemeClr val="accent1"/>
+          </a:lnRef>
+          <a:fillRef idx="0">
+            <a:schemeClr val="accent1"/>
+          </a:fillRef>
+          <a:effectRef idx="0">
+            <a:schemeClr val="accent1"/>
+          </a:effectRef>
+          <a:fontRef idx="minor">
+            <a:schemeClr val="tx1"/>
+          </a:fontRef>
+        </p:style>
+      </p:cxnSp>
+      <p:cxnSp>
+        <p:nvCxnSpPr>
+          <p:cNvPr id="187" name="Conector: Angulado 186">
+            <a:extLst>
+              <a:ext uri="{FF2B5EF4-FFF2-40B4-BE49-F238E27FC236}">
+                <a16:creationId xmlns:a16="http://schemas.microsoft.com/office/drawing/2014/main" id="{9241B165-6AD2-5884-3EA9-7EA37A063F2B}"/>
+              </a:ext>
+            </a:extLst>
+          </p:cNvPr>
+          <p:cNvCxnSpPr>
+            <a:stCxn id="159" idx="3"/>
+            <a:endCxn id="158" idx="1"/>
+          </p:cNvCxnSpPr>
+          <p:nvPr/>
+        </p:nvCxnSpPr>
+        <p:spPr>
+          <a:xfrm>
+            <a:off x="24311792" y="11025543"/>
+            <a:ext cx="1537291" cy="538953"/>
+          </a:xfrm>
+          <a:prstGeom prst="bentConnector3">
+            <a:avLst>
+              <a:gd name="adj1" fmla="val 64163"/>
+            </a:avLst>
+          </a:prstGeom>
+          <a:ln>
+            <a:tailEnd type="triangle"/>
+          </a:ln>
+        </p:spPr>
+        <p:style>
+          <a:lnRef idx="1">
+            <a:schemeClr val="accent1"/>
+          </a:lnRef>
+          <a:fillRef idx="0">
+            <a:schemeClr val="accent1"/>
+          </a:fillRef>
+          <a:effectRef idx="0">
+            <a:schemeClr val="accent1"/>
           </a:effectRef>
           <a:fontRef idx="minor">
             <a:schemeClr val="tx1"/>

--- a/anexo/diagramas.pptx
+++ b/anexo/diagramas.pptx
@@ -1060,7 +1060,7 @@
           <a:p>
             <a:fld id="{E3F29CD9-4246-4F4F-BB3B-942F42C480CC}" type="datetimeFigureOut">
               <a:rPr lang="pt-BR" smtClean="0"/>
-              <a:t>04/04/2024</a:t>
+              <a:t>17/04/2024</a:t>
             </a:fld>
             <a:endParaRPr lang="pt-BR"/>
           </a:p>
@@ -2143,7 +2143,7 @@
           <a:p>
             <a:fld id="{C8B65674-A10E-4998-BFDD-52648E7BF404}" type="datetimeFigureOut">
               <a:rPr lang="pt-BR" smtClean="0"/>
-              <a:t>04/04/2024</a:t>
+              <a:t>17/04/2024</a:t>
             </a:fld>
             <a:endParaRPr lang="pt-BR"/>
           </a:p>
@@ -2313,7 +2313,7 @@
           <a:p>
             <a:fld id="{C8B65674-A10E-4998-BFDD-52648E7BF404}" type="datetimeFigureOut">
               <a:rPr lang="pt-BR" smtClean="0"/>
-              <a:t>04/04/2024</a:t>
+              <a:t>17/04/2024</a:t>
             </a:fld>
             <a:endParaRPr lang="pt-BR"/>
           </a:p>
@@ -2493,7 +2493,7 @@
           <a:p>
             <a:fld id="{C8B65674-A10E-4998-BFDD-52648E7BF404}" type="datetimeFigureOut">
               <a:rPr lang="pt-BR" smtClean="0"/>
-              <a:t>04/04/2024</a:t>
+              <a:t>17/04/2024</a:t>
             </a:fld>
             <a:endParaRPr lang="pt-BR"/>
           </a:p>
@@ -2663,7 +2663,7 @@
           <a:p>
             <a:fld id="{C8B65674-A10E-4998-BFDD-52648E7BF404}" type="datetimeFigureOut">
               <a:rPr lang="pt-BR" smtClean="0"/>
-              <a:t>04/04/2024</a:t>
+              <a:t>17/04/2024</a:t>
             </a:fld>
             <a:endParaRPr lang="pt-BR"/>
           </a:p>
@@ -2907,7 +2907,7 @@
           <a:p>
             <a:fld id="{C8B65674-A10E-4998-BFDD-52648E7BF404}" type="datetimeFigureOut">
               <a:rPr lang="pt-BR" smtClean="0"/>
-              <a:t>04/04/2024</a:t>
+              <a:t>17/04/2024</a:t>
             </a:fld>
             <a:endParaRPr lang="pt-BR"/>
           </a:p>
@@ -3139,7 +3139,7 @@
           <a:p>
             <a:fld id="{C8B65674-A10E-4998-BFDD-52648E7BF404}" type="datetimeFigureOut">
               <a:rPr lang="pt-BR" smtClean="0"/>
-              <a:t>04/04/2024</a:t>
+              <a:t>17/04/2024</a:t>
             </a:fld>
             <a:endParaRPr lang="pt-BR"/>
           </a:p>
@@ -3506,7 +3506,7 @@
           <a:p>
             <a:fld id="{C8B65674-A10E-4998-BFDD-52648E7BF404}" type="datetimeFigureOut">
               <a:rPr lang="pt-BR" smtClean="0"/>
-              <a:t>04/04/2024</a:t>
+              <a:t>17/04/2024</a:t>
             </a:fld>
             <a:endParaRPr lang="pt-BR"/>
           </a:p>
@@ -3624,7 +3624,7 @@
           <a:p>
             <a:fld id="{C8B65674-A10E-4998-BFDD-52648E7BF404}" type="datetimeFigureOut">
               <a:rPr lang="pt-BR" smtClean="0"/>
-              <a:t>04/04/2024</a:t>
+              <a:t>17/04/2024</a:t>
             </a:fld>
             <a:endParaRPr lang="pt-BR"/>
           </a:p>
@@ -3719,7 +3719,7 @@
           <a:p>
             <a:fld id="{C8B65674-A10E-4998-BFDD-52648E7BF404}" type="datetimeFigureOut">
               <a:rPr lang="pt-BR" smtClean="0"/>
-              <a:t>04/04/2024</a:t>
+              <a:t>17/04/2024</a:t>
             </a:fld>
             <a:endParaRPr lang="pt-BR"/>
           </a:p>
@@ -3996,7 +3996,7 @@
           <a:p>
             <a:fld id="{C8B65674-A10E-4998-BFDD-52648E7BF404}" type="datetimeFigureOut">
               <a:rPr lang="pt-BR" smtClean="0"/>
-              <a:t>04/04/2024</a:t>
+              <a:t>17/04/2024</a:t>
             </a:fld>
             <a:endParaRPr lang="pt-BR"/>
           </a:p>
@@ -4253,7 +4253,7 @@
           <a:p>
             <a:fld id="{C8B65674-A10E-4998-BFDD-52648E7BF404}" type="datetimeFigureOut">
               <a:rPr lang="pt-BR" smtClean="0"/>
-              <a:t>04/04/2024</a:t>
+              <a:t>17/04/2024</a:t>
             </a:fld>
             <a:endParaRPr lang="pt-BR"/>
           </a:p>
@@ -4466,7 +4466,7 @@
           <a:p>
             <a:fld id="{C8B65674-A10E-4998-BFDD-52648E7BF404}" type="datetimeFigureOut">
               <a:rPr lang="pt-BR" smtClean="0"/>
-              <a:t>04/04/2024</a:t>
+              <a:t>17/04/2024</a:t>
             </a:fld>
             <a:endParaRPr lang="pt-BR"/>
           </a:p>
@@ -27707,8 +27707,8 @@
         </p:nvSpPr>
         <p:spPr>
           <a:xfrm>
-            <a:off x="19137532" y="17008390"/>
-            <a:ext cx="1067892" cy="284693"/>
+            <a:off x="18936513" y="16948255"/>
+            <a:ext cx="1274408" cy="253916"/>
           </a:xfrm>
           <a:prstGeom prst="rect">
             <a:avLst/>
@@ -27722,7 +27722,7 @@
           <a:lstStyle/>
           <a:p>
             <a:r>
-              <a:rPr lang="pt-BR" sz="1250" b="1" dirty="0">
+              <a:rPr lang="pt-BR" sz="1050" b="1" dirty="0">
                 <a:solidFill>
                   <a:schemeClr val="accent1">
                     <a:lumMod val="75000"/>
@@ -27732,8 +27732,18 @@
                 <a:ea typeface="Segoe UI Black" panose="020B0A02040204020203" pitchFamily="34" charset="0"/>
                 <a:cs typeface="Segoe UI" panose="020B0502040204020203" pitchFamily="34" charset="0"/>
               </a:rPr>
-              <a:t>Relacional</a:t>
-            </a:r>
+              <a:t>Relacional/NoSQL</a:t>
+            </a:r>
+            <a:endParaRPr lang="pt-BR" sz="1600" b="1" dirty="0">
+              <a:solidFill>
+                <a:schemeClr val="accent1">
+                  <a:lumMod val="75000"/>
+                </a:schemeClr>
+              </a:solidFill>
+              <a:latin typeface="Barlow" panose="00000500000000000000" pitchFamily="2" charset="0"/>
+              <a:ea typeface="Segoe UI Black" panose="020B0A02040204020203" pitchFamily="34" charset="0"/>
+              <a:cs typeface="Segoe UI" panose="020B0502040204020203" pitchFamily="34" charset="0"/>
+            </a:endParaRPr>
           </a:p>
         </p:txBody>
       </p:sp>
@@ -27751,7 +27761,7 @@
         </p:nvSpPr>
         <p:spPr>
           <a:xfrm>
-            <a:off x="18456170" y="19702561"/>
+            <a:off x="18803002" y="19685129"/>
             <a:ext cx="1245744" cy="1658120"/>
           </a:xfrm>
           <a:prstGeom prst="roundRect">
@@ -27815,8 +27825,8 @@
         </p:blipFill>
         <p:spPr>
           <a:xfrm>
-            <a:off x="18841399" y="20004671"/>
-            <a:ext cx="504906" cy="561652"/>
+            <a:off x="19352950" y="19693268"/>
+            <a:ext cx="428590" cy="476759"/>
           </a:xfrm>
           <a:prstGeom prst="rect">
             <a:avLst/>
@@ -27837,8 +27847,8 @@
         </p:nvSpPr>
         <p:spPr>
           <a:xfrm>
-            <a:off x="18375857" y="19434208"/>
-            <a:ext cx="1420460" cy="307779"/>
+            <a:off x="18991080" y="19313041"/>
+            <a:ext cx="1237524" cy="284695"/>
           </a:xfrm>
           <a:prstGeom prst="rect">
             <a:avLst/>
@@ -27852,7 +27862,7 @@
           <a:lstStyle/>
           <a:p>
             <a:r>
-              <a:rPr lang="pt-BR" sz="1250" b="1" dirty="0">
+              <a:rPr lang="pt-BR" sz="1100" b="1" dirty="0">
                 <a:solidFill>
                   <a:schemeClr val="accent1">
                     <a:lumMod val="75000"/>
@@ -27891,8 +27901,8 @@
         </p:nvSpPr>
         <p:spPr>
           <a:xfrm>
-            <a:off x="17976699" y="16821301"/>
-            <a:ext cx="2248183" cy="4637311"/>
+            <a:off x="18644306" y="16803869"/>
+            <a:ext cx="1927408" cy="4637311"/>
           </a:xfrm>
           <a:prstGeom prst="roundRect">
             <a:avLst>
@@ -27949,7 +27959,7 @@
         </p:nvSpPr>
         <p:spPr>
           <a:xfrm rot="5400000">
-            <a:off x="19379157" y="18971987"/>
+            <a:off x="19725989" y="18954555"/>
             <a:ext cx="1700792" cy="307779"/>
           </a:xfrm>
           <a:prstGeom prst="rect">
@@ -28012,10 +28022,10 @@
       </p:sp>
       <p:sp>
         <p:nvSpPr>
-          <p:cNvPr id="11" name="CaixaDeTexto 10">
-            <a:extLst>
-              <a:ext uri="{FF2B5EF4-FFF2-40B4-BE49-F238E27FC236}">
-                <a16:creationId xmlns:a16="http://schemas.microsoft.com/office/drawing/2014/main" id="{1AE31C52-8737-BA4C-F462-0CAA63465EEE}"/>
+          <p:cNvPr id="14" name="CaixaDeTexto 13">
+            <a:extLst>
+              <a:ext uri="{FF2B5EF4-FFF2-40B4-BE49-F238E27FC236}">
+                <a16:creationId xmlns:a16="http://schemas.microsoft.com/office/drawing/2014/main" id="{9CF31EA3-2070-5937-1AA5-E42BC423635F}"/>
               </a:ext>
             </a:extLst>
           </p:cNvPr>
@@ -28024,8 +28034,8 @@
         </p:nvSpPr>
         <p:spPr>
           <a:xfrm>
-            <a:off x="18564142" y="18354066"/>
-            <a:ext cx="1002301" cy="961804"/>
+            <a:off x="19057883" y="20218372"/>
+            <a:ext cx="1002301" cy="623250"/>
           </a:xfrm>
           <a:prstGeom prst="rect">
             <a:avLst/>
@@ -28040,134 +28050,7 @@
           <a:p>
             <a:pPr algn="ctr"/>
             <a:r>
-              <a:rPr lang="pt-BR" sz="1100" i="1" dirty="0">
-                <a:solidFill>
-                  <a:schemeClr val="accent1">
-                    <a:lumMod val="75000"/>
-                  </a:schemeClr>
-                </a:solidFill>
-                <a:latin typeface="Barlow" panose="00000500000000000000" pitchFamily="2" charset="0"/>
-                <a:ea typeface="Segoe UI Black"/>
-                <a:cs typeface="Segoe UI"/>
-              </a:rPr>
-              <a:t>SME</a:t>
-            </a:r>
-            <a:endParaRPr lang="pt-BR" i="1" dirty="0">
-              <a:solidFill>
-                <a:schemeClr val="accent1">
-                  <a:lumMod val="75000"/>
-                </a:schemeClr>
-              </a:solidFill>
-              <a:latin typeface="Barlow" panose="00000500000000000000" pitchFamily="2" charset="0"/>
-            </a:endParaRPr>
-          </a:p>
-          <a:p>
-            <a:pPr algn="ctr"/>
-            <a:r>
-              <a:rPr lang="pt-BR" sz="1100" i="1" noProof="1">
-                <a:solidFill>
-                  <a:schemeClr val="accent1">
-                    <a:lumMod val="75000"/>
-                  </a:schemeClr>
-                </a:solidFill>
-                <a:latin typeface="Barlow" panose="00000500000000000000" pitchFamily="2" charset="0"/>
-                <a:ea typeface="Segoe UI Black"/>
-                <a:cs typeface="Segoe UI"/>
-              </a:rPr>
-              <a:t>Bizagi</a:t>
-            </a:r>
-          </a:p>
-          <a:p>
-            <a:pPr algn="ctr"/>
-            <a:r>
-              <a:rPr lang="pt-BR" sz="1100" i="1" dirty="0">
-                <a:solidFill>
-                  <a:schemeClr val="accent1">
-                    <a:lumMod val="75000"/>
-                  </a:schemeClr>
-                </a:solidFill>
-                <a:latin typeface="Barlow" panose="00000500000000000000" pitchFamily="2" charset="0"/>
-                <a:ea typeface="Segoe UI Black"/>
-                <a:cs typeface="Segoe UI"/>
-              </a:rPr>
-              <a:t>SIAC</a:t>
-            </a:r>
-          </a:p>
-          <a:p>
-            <a:pPr algn="ctr"/>
-            <a:r>
-              <a:rPr lang="pt-BR" sz="1100" i="1" noProof="1">
-                <a:solidFill>
-                  <a:schemeClr val="accent1">
-                    <a:lumMod val="75000"/>
-                  </a:schemeClr>
-                </a:solidFill>
-                <a:latin typeface="Barlow" panose="00000500000000000000" pitchFamily="2" charset="0"/>
-                <a:ea typeface="Segoe UI Black"/>
-                <a:cs typeface="Segoe UI"/>
-              </a:rPr>
-              <a:t>DataHub</a:t>
-            </a:r>
-          </a:p>
-          <a:p>
-            <a:pPr algn="ctr"/>
-            <a:r>
-              <a:rPr lang="pt-BR" sz="1100" i="1" noProof="1">
-                <a:solidFill>
-                  <a:schemeClr val="accent1">
-                    <a:lumMod val="75000"/>
-                  </a:schemeClr>
-                </a:solidFill>
-                <a:latin typeface="Barlow" panose="00000500000000000000" pitchFamily="2" charset="0"/>
-                <a:ea typeface="Segoe UI Black"/>
-                <a:cs typeface="Segoe UI"/>
-              </a:rPr>
-              <a:t>Etc..</a:t>
-            </a:r>
-            <a:endParaRPr lang="pt-BR" sz="1100" i="1" noProof="1">
-              <a:solidFill>
-                <a:schemeClr val="accent1">
-                  <a:lumMod val="75000"/>
-                </a:schemeClr>
-              </a:solidFill>
-              <a:latin typeface="Barlow" panose="00000500000000000000" pitchFamily="2" charset="0"/>
-              <a:ea typeface="Segoe UI Black" panose="020B0A02040204020203" pitchFamily="34" charset="0"/>
-              <a:cs typeface="Segoe UI" panose="020B0502040204020203" pitchFamily="34" charset="0"/>
-            </a:endParaRPr>
-          </a:p>
-        </p:txBody>
-      </p:sp>
-      <p:sp>
-        <p:nvSpPr>
-          <p:cNvPr id="14" name="CaixaDeTexto 13">
-            <a:extLst>
-              <a:ext uri="{FF2B5EF4-FFF2-40B4-BE49-F238E27FC236}">
-                <a16:creationId xmlns:a16="http://schemas.microsoft.com/office/drawing/2014/main" id="{9CF31EA3-2070-5937-1AA5-E42BC423635F}"/>
-              </a:ext>
-            </a:extLst>
-          </p:cNvPr>
-          <p:cNvSpPr txBox="1"/>
-          <p:nvPr/>
-        </p:nvSpPr>
-        <p:spPr>
-          <a:xfrm>
-            <a:off x="18520539" y="20603090"/>
-            <a:ext cx="1002301" cy="692499"/>
-          </a:xfrm>
-          <a:prstGeom prst="rect">
-            <a:avLst/>
-          </a:prstGeom>
-          <a:noFill/>
-        </p:spPr>
-        <p:txBody>
-          <a:bodyPr wrap="square" lIns="114303" tIns="57151" rIns="114303" bIns="57151" rtlCol="0" anchor="t">
-            <a:spAutoFit/>
-          </a:bodyPr>
-          <a:lstStyle/>
-          <a:p>
-            <a:pPr algn="ctr"/>
-            <a:r>
-              <a:rPr lang="pt-BR" sz="1250" noProof="1">
+              <a:rPr lang="pt-BR" sz="1100" noProof="1">
                 <a:solidFill>
                   <a:schemeClr val="accent1">
                     <a:lumMod val="75000"/>
@@ -28179,7 +28062,7 @@
               </a:rPr>
               <a:t>Csv</a:t>
             </a:r>
-            <a:endParaRPr lang="pt-BR" sz="2250" noProof="1">
+            <a:endParaRPr lang="pt-BR" noProof="1">
               <a:solidFill>
                 <a:schemeClr val="accent1">
                   <a:lumMod val="75000"/>
@@ -28193,7 +28076,7 @@
           <a:p>
             <a:pPr algn="ctr"/>
             <a:r>
-              <a:rPr lang="pt-BR" sz="1250" noProof="1">
+              <a:rPr lang="pt-BR" sz="1100" noProof="1">
                 <a:solidFill>
                   <a:schemeClr val="accent1">
                     <a:lumMod val="75000"/>
@@ -28209,7 +28092,7 @@
           <a:p>
             <a:pPr algn="ctr"/>
             <a:r>
-              <a:rPr lang="pt-BR" sz="1250" noProof="1">
+              <a:rPr lang="pt-BR" sz="1100" noProof="1">
                 <a:solidFill>
                   <a:schemeClr val="accent1">
                     <a:lumMod val="75000"/>
@@ -28761,7 +28644,7 @@
         </p:nvSpPr>
         <p:spPr>
           <a:xfrm>
-            <a:off x="17998230" y="16085953"/>
+            <a:off x="18622732" y="16209240"/>
             <a:ext cx="2263785" cy="494815"/>
           </a:xfrm>
           <a:prstGeom prst="rect">
@@ -28831,8 +28714,8 @@
         </p:nvSpPr>
         <p:spPr>
           <a:xfrm>
-            <a:off x="23417508" y="16839919"/>
-            <a:ext cx="2498821" cy="494815"/>
+            <a:off x="23392683" y="16687409"/>
+            <a:ext cx="2498821" cy="720000"/>
           </a:xfrm>
           <a:prstGeom prst="rect">
             <a:avLst/>
@@ -28882,15 +28765,22 @@
           <a:p>
             <a:pPr algn="ctr"/>
             <a:r>
-              <a:rPr lang="pt-BR" sz="1313" i="1" dirty="0">
+              <a:rPr lang="pt-BR" sz="1200" i="1" dirty="0">
                 <a:solidFill>
                   <a:srgbClr val="3477B2"/>
                 </a:solidFill>
                 <a:latin typeface="Barlow" panose="00000500000000000000" pitchFamily="2" charset="0"/>
                 <a:cs typeface="Calibri"/>
               </a:rPr>
-              <a:t>padronização em delta lake</a:t>
-            </a:r>
+              <a:t>Padronização formato (delta )</a:t>
+            </a:r>
+            <a:endParaRPr lang="pt-BR" sz="1313" i="1" dirty="0">
+              <a:solidFill>
+                <a:srgbClr val="3477B2"/>
+              </a:solidFill>
+              <a:latin typeface="Barlow" panose="00000500000000000000" pitchFamily="2" charset="0"/>
+              <a:cs typeface="Calibri"/>
+            </a:endParaRPr>
           </a:p>
         </p:txBody>
       </p:sp>
@@ -28908,8 +28798,8 @@
         </p:nvSpPr>
         <p:spPr>
           <a:xfrm>
-            <a:off x="25116897" y="16846949"/>
-            <a:ext cx="2944155" cy="494815"/>
+            <a:off x="25205444" y="16694430"/>
+            <a:ext cx="2944155" cy="720000"/>
           </a:xfrm>
           <a:prstGeom prst="rect">
             <a:avLst/>
@@ -28946,21 +28836,28 @@
                 <a:latin typeface="Barlow" panose="00000500000000000000" pitchFamily="2" charset="0"/>
                 <a:cs typeface="Calibri"/>
               </a:rPr>
-              <a:t>MODELAGEM</a:t>
+              <a:t>TRANSFORMACÃO</a:t>
             </a:r>
           </a:p>
           <a:p>
             <a:pPr algn="ctr"/>
             <a:r>
-              <a:rPr lang="pt-BR" sz="1313" i="1" dirty="0">
+              <a:rPr lang="pt-BR" sz="1100" i="1" dirty="0">
                 <a:solidFill>
                   <a:srgbClr val="3477B2"/>
                 </a:solidFill>
                 <a:latin typeface="Barlow" panose="00000500000000000000" pitchFamily="2" charset="0"/>
                 <a:cs typeface="Calibri"/>
               </a:rPr>
-              <a:t>Tabelas Dim e Fact</a:t>
-            </a:r>
+              <a:t>Qualidade/Enriquecimento</a:t>
+            </a:r>
+            <a:endParaRPr lang="pt-BR" sz="1313" i="1" dirty="0">
+              <a:solidFill>
+                <a:srgbClr val="3477B2"/>
+              </a:solidFill>
+              <a:latin typeface="Barlow" panose="00000500000000000000" pitchFamily="2" charset="0"/>
+              <a:cs typeface="Calibri"/>
+            </a:endParaRPr>
           </a:p>
         </p:txBody>
       </p:sp>
@@ -28981,8 +28878,8 @@
         </p:nvCxnSpPr>
         <p:spPr>
           <a:xfrm flipH="1">
-            <a:off x="20205424" y="17097484"/>
-            <a:ext cx="1216328" cy="44201"/>
+            <a:off x="20180620" y="17097484"/>
+            <a:ext cx="1241132" cy="0"/>
           </a:xfrm>
           <a:prstGeom prst="straightConnector1">
             <a:avLst/>
@@ -29026,8 +28923,8 @@
         </p:nvSpPr>
         <p:spPr>
           <a:xfrm>
-            <a:off x="27505834" y="16844950"/>
-            <a:ext cx="2636714" cy="494815"/>
+            <a:off x="27481009" y="16692440"/>
+            <a:ext cx="2636714" cy="720000"/>
           </a:xfrm>
           <a:prstGeom prst="rect">
             <a:avLst/>
@@ -29070,62 +28967,18 @@
           <a:p>
             <a:pPr algn="ctr"/>
             <a:r>
-              <a:rPr lang="pt-BR" sz="1313" i="1" dirty="0">
+              <a:rPr lang="pt-BR" sz="1200" i="1" dirty="0">
                 <a:solidFill>
                   <a:srgbClr val="3477B2"/>
                 </a:solidFill>
                 <a:latin typeface="Barlow" panose="00000500000000000000" pitchFamily="2" charset="0"/>
                 <a:cs typeface="Calibri"/>
               </a:rPr>
-              <a:t>Análise de dados Machine Learming</a:t>
+              <a:t>Modelagem Dim, Fact, OBTs</a:t>
             </a:r>
             <a:endParaRPr lang="pt-BR" sz="2250" dirty="0">
               <a:latin typeface="Barlow" panose="00000500000000000000" pitchFamily="2" charset="0"/>
             </a:endParaRPr>
-          </a:p>
-        </p:txBody>
-      </p:sp>
-      <p:sp>
-        <p:nvSpPr>
-          <p:cNvPr id="76" name="CaixaDeTexto 75">
-            <a:extLst>
-              <a:ext uri="{FF2B5EF4-FFF2-40B4-BE49-F238E27FC236}">
-                <a16:creationId xmlns:a16="http://schemas.microsoft.com/office/drawing/2014/main" id="{09E2C944-4B59-947B-8BF8-FB2DF44C28D0}"/>
-              </a:ext>
-            </a:extLst>
-          </p:cNvPr>
-          <p:cNvSpPr txBox="1"/>
-          <p:nvPr/>
-        </p:nvSpPr>
-        <p:spPr>
-          <a:xfrm>
-            <a:off x="18300289" y="16993857"/>
-            <a:ext cx="1067892" cy="284693"/>
-          </a:xfrm>
-          <a:prstGeom prst="rect">
-            <a:avLst/>
-          </a:prstGeom>
-          <a:noFill/>
-        </p:spPr>
-        <p:txBody>
-          <a:bodyPr wrap="square" rtlCol="0">
-            <a:spAutoFit/>
-          </a:bodyPr>
-          <a:lstStyle/>
-          <a:p>
-            <a:r>
-              <a:rPr lang="pt-BR" sz="1250" b="1" dirty="0">
-                <a:solidFill>
-                  <a:schemeClr val="accent1">
-                    <a:lumMod val="75000"/>
-                  </a:schemeClr>
-                </a:solidFill>
-                <a:latin typeface="Barlow" panose="00000500000000000000" pitchFamily="2" charset="0"/>
-                <a:ea typeface="Segoe UI Black" panose="020B0A02040204020203" pitchFamily="34" charset="0"/>
-                <a:cs typeface="Segoe UI" panose="020B0502040204020203" pitchFamily="34" charset="0"/>
-              </a:rPr>
-              <a:t>NoSQL</a:t>
-            </a:r>
           </a:p>
         </p:txBody>
       </p:sp>
@@ -29151,8 +29004,8 @@
         </p:blipFill>
         <p:spPr>
           <a:xfrm>
-            <a:off x="19232573" y="17483016"/>
-            <a:ext cx="697384" cy="674519"/>
+            <a:off x="19248110" y="18312849"/>
+            <a:ext cx="563744" cy="545261"/>
           </a:xfrm>
           <a:prstGeom prst="rect">
             <a:avLst/>
@@ -29173,16 +29026,15 @@
           </p:cNvPicPr>
           <p:nvPr/>
         </p:nvPicPr>
-        <p:blipFill>
+        <p:blipFill rotWithShape="1">
           <a:blip r:embed="rId11"/>
-          <a:stretch>
-            <a:fillRect/>
-          </a:stretch>
+          <a:srcRect l="55324" t="-2076"/>
+          <a:stretch/>
         </p:blipFill>
         <p:spPr>
           <a:xfrm>
-            <a:off x="18364514" y="17327250"/>
-            <a:ext cx="1443480" cy="945729"/>
+            <a:off x="19207767" y="17335802"/>
+            <a:ext cx="576393" cy="862825"/>
           </a:xfrm>
           <a:prstGeom prst="rect">
             <a:avLst/>
@@ -29340,7 +29192,7 @@
         </p:nvSpPr>
         <p:spPr>
           <a:xfrm>
-            <a:off x="26433792" y="16524081"/>
+            <a:off x="26584902" y="16549665"/>
             <a:ext cx="249220" cy="249220"/>
           </a:xfrm>
           <a:prstGeom prst="ellipse">
@@ -29524,8 +29376,8 @@
             <a:r>
               <a:rPr lang="pt-BR" sz="800" b="1" i="1" noProof="1">
                 <a:solidFill>
-                  <a:schemeClr val="accent2">
-                    <a:lumMod val="75000"/>
+                  <a:schemeClr val="bg1">
+                    <a:lumMod val="50000"/>
                   </a:schemeClr>
                 </a:solidFill>
                 <a:latin typeface="Barlow" panose="00000500000000000000" pitchFamily="2" charset="0"/>
@@ -29539,8 +29391,8 @@
             <a:r>
               <a:rPr lang="pt-BR" sz="700" noProof="1">
                 <a:solidFill>
-                  <a:schemeClr val="accent2">
-                    <a:lumMod val="75000"/>
+                  <a:schemeClr val="bg1">
+                    <a:lumMod val="50000"/>
                   </a:schemeClr>
                 </a:solidFill>
                 <a:latin typeface="Barlow" panose="00000500000000000000" pitchFamily="2" charset="0"/>
@@ -29554,8 +29406,8 @@
             <a:r>
               <a:rPr lang="pt-BR" sz="700" noProof="1">
                 <a:solidFill>
-                  <a:schemeClr val="accent2">
-                    <a:lumMod val="75000"/>
+                  <a:schemeClr val="bg1">
+                    <a:lumMod val="50000"/>
                   </a:schemeClr>
                 </a:solidFill>
                 <a:latin typeface="Barlow" panose="00000500000000000000" pitchFamily="2" charset="0"/>
@@ -29567,8 +29419,8 @@
             <a:r>
               <a:rPr lang="pt-BR" sz="700" noProof="1">
                 <a:solidFill>
-                  <a:schemeClr val="accent2">
-                    <a:lumMod val="75000"/>
+                  <a:schemeClr val="bg1">
+                    <a:lumMod val="50000"/>
                   </a:schemeClr>
                 </a:solidFill>
                 <a:latin typeface="Barlow" panose="00000500000000000000" pitchFamily="2" charset="0"/>
@@ -29581,8 +29433,8 @@
           <a:p>
             <a:endParaRPr lang="pt-BR" sz="700" noProof="1">
               <a:solidFill>
-                <a:schemeClr val="accent2">
-                  <a:lumMod val="75000"/>
+                <a:schemeClr val="bg1">
+                  <a:lumMod val="50000"/>
                 </a:schemeClr>
               </a:solidFill>
               <a:latin typeface="Barlow" panose="00000500000000000000" pitchFamily="2" charset="0"/>
@@ -29594,8 +29446,8 @@
             <a:r>
               <a:rPr lang="pt-BR" sz="700" noProof="1">
                 <a:solidFill>
-                  <a:schemeClr val="accent2">
-                    <a:lumMod val="75000"/>
+                  <a:schemeClr val="bg1">
+                    <a:lumMod val="50000"/>
                   </a:schemeClr>
                 </a:solidFill>
                 <a:latin typeface="Barlow" panose="00000500000000000000" pitchFamily="2" charset="0"/>
@@ -29668,8 +29520,8 @@
             <a:r>
               <a:rPr lang="pt-BR" sz="700" b="1" noProof="1">
                 <a:solidFill>
-                  <a:schemeClr val="accent2">
-                    <a:lumMod val="75000"/>
+                  <a:schemeClr val="bg1">
+                    <a:lumMod val="50000"/>
                   </a:schemeClr>
                 </a:solidFill>
                 <a:latin typeface="Barlow" panose="00000500000000000000" pitchFamily="2" charset="0"/>
@@ -29683,8 +29535,8 @@
             <a:r>
               <a:rPr lang="pt-BR" sz="700" noProof="1">
                 <a:solidFill>
-                  <a:schemeClr val="accent2">
-                    <a:lumMod val="75000"/>
+                  <a:schemeClr val="bg1">
+                    <a:lumMod val="50000"/>
                   </a:schemeClr>
                 </a:solidFill>
                 <a:latin typeface="Barlow" panose="00000500000000000000" pitchFamily="2" charset="0"/>
@@ -29698,8 +29550,8 @@
             <a:r>
               <a:rPr lang="pt-BR" sz="700" noProof="1">
                 <a:solidFill>
-                  <a:schemeClr val="accent2">
-                    <a:lumMod val="75000"/>
+                  <a:schemeClr val="bg1">
+                    <a:lumMod val="50000"/>
                   </a:schemeClr>
                 </a:solidFill>
                 <a:latin typeface="Barlow" panose="00000500000000000000" pitchFamily="2" charset="0"/>
@@ -29711,8 +29563,8 @@
             <a:r>
               <a:rPr lang="pt-BR" sz="700" noProof="1">
                 <a:solidFill>
-                  <a:schemeClr val="accent2">
-                    <a:lumMod val="75000"/>
+                  <a:schemeClr val="bg1">
+                    <a:lumMod val="50000"/>
                   </a:schemeClr>
                 </a:solidFill>
                 <a:latin typeface="Barlow" panose="00000500000000000000" pitchFamily="2" charset="0"/>
@@ -29725,8 +29577,8 @@
           <a:p>
             <a:endParaRPr lang="pt-BR" sz="700" noProof="1">
               <a:solidFill>
-                <a:schemeClr val="accent2">
-                  <a:lumMod val="75000"/>
+                <a:schemeClr val="bg1">
+                  <a:lumMod val="50000"/>
                 </a:schemeClr>
               </a:solidFill>
               <a:latin typeface="Barlow" panose="00000500000000000000" pitchFamily="2" charset="0"/>
@@ -29738,20 +29590,20 @@
             <a:r>
               <a:rPr lang="pt-BR" sz="700" noProof="1">
                 <a:solidFill>
-                  <a:schemeClr val="accent2">
-                    <a:lumMod val="75000"/>
+                  <a:schemeClr val="bg1">
+                    <a:lumMod val="50000"/>
                   </a:schemeClr>
                 </a:solidFill>
                 <a:latin typeface="Barlow" panose="00000500000000000000" pitchFamily="2" charset="0"/>
                 <a:ea typeface="Segoe UI Black" panose="020B0A02040204020203" pitchFamily="34" charset="0"/>
                 <a:cs typeface="Segoe UI" panose="020B0502040204020203" pitchFamily="34" charset="0"/>
               </a:rPr>
-              <a:t>/SiacWev...</a:t>
+              <a:t>/SiacWeb...</a:t>
             </a:r>
             <a:endParaRPr lang="pt-BR" sz="800" noProof="1">
               <a:solidFill>
-                <a:schemeClr val="accent2">
-                  <a:lumMod val="75000"/>
+                <a:schemeClr val="bg1">
+                  <a:lumMod val="50000"/>
                 </a:schemeClr>
               </a:solidFill>
               <a:latin typeface="Barlow" panose="00000500000000000000" pitchFamily="2" charset="0"/>
@@ -29839,8 +29691,8 @@
             <a:r>
               <a:rPr lang="pt-BR" sz="700" b="1" noProof="1">
                 <a:solidFill>
-                  <a:schemeClr val="accent2">
-                    <a:lumMod val="75000"/>
+                  <a:schemeClr val="bg1">
+                    <a:lumMod val="50000"/>
                   </a:schemeClr>
                 </a:solidFill>
                 <a:latin typeface="Barlow" panose="00000500000000000000" pitchFamily="2" charset="0"/>
@@ -29854,8 +29706,8 @@
             <a:r>
               <a:rPr lang="pt-BR" sz="700" noProof="1">
                 <a:solidFill>
-                  <a:schemeClr val="accent2">
-                    <a:lumMod val="75000"/>
+                  <a:schemeClr val="bg1">
+                    <a:lumMod val="50000"/>
                   </a:schemeClr>
                 </a:solidFill>
                 <a:latin typeface="Barlow" panose="00000500000000000000" pitchFamily="2" charset="0"/>
@@ -29869,8 +29721,8 @@
             <a:r>
               <a:rPr lang="pt-BR" sz="700" noProof="1">
                 <a:solidFill>
-                  <a:schemeClr val="accent2">
-                    <a:lumMod val="75000"/>
+                  <a:schemeClr val="bg1">
+                    <a:lumMod val="50000"/>
                   </a:schemeClr>
                 </a:solidFill>
                 <a:latin typeface="Barlow" panose="00000500000000000000" pitchFamily="2" charset="0"/>
@@ -29884,8 +29736,8 @@
             <a:r>
               <a:rPr lang="pt-BR" sz="700" noProof="1">
                 <a:solidFill>
-                  <a:schemeClr val="accent2">
-                    <a:lumMod val="75000"/>
+                  <a:schemeClr val="bg1">
+                    <a:lumMod val="50000"/>
                   </a:schemeClr>
                 </a:solidFill>
                 <a:latin typeface="Barlow" panose="00000500000000000000" pitchFamily="2" charset="0"/>
@@ -30602,7 +30454,7 @@
         <p:spPr>
           <a:xfrm>
             <a:off x="30580426" y="16675051"/>
-            <a:ext cx="1944556" cy="2141732"/>
+            <a:ext cx="1944556" cy="2304318"/>
           </a:xfrm>
           <a:prstGeom prst="roundRect">
             <a:avLst>
@@ -30642,63 +30494,6 @@
             <a:endParaRPr lang="pt-BR" sz="2250">
               <a:latin typeface="Barlow" panose="00000500000000000000" pitchFamily="2" charset="0"/>
             </a:endParaRPr>
-          </a:p>
-        </p:txBody>
-      </p:sp>
-      <p:sp>
-        <p:nvSpPr>
-          <p:cNvPr id="144" name="Retângulo 143">
-            <a:extLst>
-              <a:ext uri="{FF2B5EF4-FFF2-40B4-BE49-F238E27FC236}">
-                <a16:creationId xmlns:a16="http://schemas.microsoft.com/office/drawing/2014/main" id="{B0C277B0-7B1B-BA1F-32E9-6016EE08A8C6}"/>
-              </a:ext>
-            </a:extLst>
-          </p:cNvPr>
-          <p:cNvSpPr/>
-          <p:nvPr/>
-        </p:nvSpPr>
-        <p:spPr>
-          <a:xfrm>
-            <a:off x="30792511" y="16851173"/>
-            <a:ext cx="1457249" cy="262806"/>
-          </a:xfrm>
-          <a:prstGeom prst="rect">
-            <a:avLst/>
-          </a:prstGeom>
-          <a:noFill/>
-          <a:ln>
-            <a:noFill/>
-          </a:ln>
-        </p:spPr>
-        <p:style>
-          <a:lnRef idx="1">
-            <a:schemeClr val="accent2"/>
-          </a:lnRef>
-          <a:fillRef idx="2">
-            <a:schemeClr val="accent2"/>
-          </a:fillRef>
-          <a:effectRef idx="1">
-            <a:schemeClr val="accent2"/>
-          </a:effectRef>
-          <a:fontRef idx="minor">
-            <a:schemeClr val="dk1"/>
-          </a:fontRef>
-        </p:style>
-        <p:txBody>
-          <a:bodyPr lIns="114303" tIns="57151" rIns="114303" bIns="57151" rtlCol="0" anchor="ctr"/>
-          <a:lstStyle/>
-          <a:p>
-            <a:pPr algn="ctr"/>
-            <a:r>
-              <a:rPr lang="pt-BR" sz="1375" b="1" dirty="0">
-                <a:solidFill>
-                  <a:srgbClr val="3477B2"/>
-                </a:solidFill>
-                <a:latin typeface="Barlow" panose="00000500000000000000" pitchFamily="2" charset="0"/>
-                <a:cs typeface="Calibri"/>
-              </a:rPr>
-              <a:t>CONSUMO</a:t>
-            </a:r>
           </a:p>
         </p:txBody>
       </p:sp>
@@ -30783,7 +30578,7 @@
         </p:blipFill>
         <p:spPr>
           <a:xfrm>
-            <a:off x="31837429" y="18046097"/>
+            <a:off x="31798943" y="18315110"/>
             <a:ext cx="351588" cy="369640"/>
           </a:xfrm>
           <a:prstGeom prst="rect">
@@ -30834,7 +30629,7 @@
         </p:nvSpPr>
         <p:spPr>
           <a:xfrm>
-            <a:off x="30515431" y="17798155"/>
+            <a:off x="30574645" y="18082511"/>
             <a:ext cx="1967085" cy="236962"/>
           </a:xfrm>
           <a:prstGeom prst="rect">
@@ -30865,7 +30660,7 @@
           <a:p>
             <a:pPr algn="ctr"/>
             <a:r>
-              <a:rPr lang="pt-BR" sz="1100" b="1" dirty="0">
+              <a:rPr lang="pt-BR" sz="1000" b="1" dirty="0">
                 <a:solidFill>
                   <a:srgbClr val="3477B2"/>
                 </a:solidFill>
@@ -31334,8 +31129,8 @@
             <a:r>
               <a:rPr lang="pt-BR" sz="900" i="1" noProof="1">
                 <a:solidFill>
-                  <a:schemeClr val="accent2">
-                    <a:lumMod val="75000"/>
+                  <a:schemeClr val="bg1">
+                    <a:lumMod val="50000"/>
                   </a:schemeClr>
                 </a:solidFill>
                 <a:latin typeface="Barlow" panose="00000500000000000000" pitchFamily="2" charset="0"/>
@@ -31346,8 +31141,8 @@
             </a:r>
             <a:endParaRPr lang="pt-BR" sz="900" i="1" noProof="1">
               <a:solidFill>
-                <a:schemeClr val="accent2">
-                  <a:lumMod val="75000"/>
+                <a:schemeClr val="bg1">
+                  <a:lumMod val="50000"/>
                 </a:schemeClr>
               </a:solidFill>
               <a:latin typeface="Barlow" panose="00000500000000000000" pitchFamily="2" charset="0"/>
@@ -31432,7 +31227,7 @@
         <p:spPr>
           <a:xfrm>
             <a:off x="23973143" y="22229362"/>
-            <a:ext cx="984250" cy="284695"/>
+            <a:ext cx="981044" cy="284695"/>
           </a:xfrm>
           <a:prstGeom prst="rect">
             <a:avLst/>
@@ -31478,7 +31273,7 @@
                 <a:ea typeface="Segoe UI Black"/>
                 <a:cs typeface="Segoe UI"/>
               </a:rPr>
-              <a:t>SEBRAE/RS</a:t>
+              <a:t>SEBRAE/UF</a:t>
             </a:r>
             <a:endParaRPr lang="pt-BR" sz="1100" b="1" dirty="0">
               <a:solidFill>
@@ -31632,8 +31427,8 @@
             <a:r>
               <a:rPr lang="pt-BR" sz="900" i="1" noProof="1">
                 <a:solidFill>
-                  <a:schemeClr val="accent2">
-                    <a:lumMod val="75000"/>
+                  <a:schemeClr val="bg1">
+                    <a:lumMod val="50000"/>
                   </a:schemeClr>
                 </a:solidFill>
                 <a:latin typeface="Barlow" panose="00000500000000000000" pitchFamily="2" charset="0"/>
@@ -31644,8 +31439,8 @@
             </a:r>
             <a:endParaRPr lang="pt-BR" sz="900" i="1" noProof="1">
               <a:solidFill>
-                <a:schemeClr val="accent2">
-                  <a:lumMod val="75000"/>
+                <a:schemeClr val="bg1">
+                  <a:lumMod val="50000"/>
                 </a:schemeClr>
               </a:solidFill>
               <a:latin typeface="Barlow" panose="00000500000000000000" pitchFamily="2" charset="0"/>
@@ -31730,7 +31525,7 @@
         <p:spPr>
           <a:xfrm>
             <a:off x="27684770" y="22196491"/>
-            <a:ext cx="1038752" cy="284695"/>
+            <a:ext cx="981044" cy="284695"/>
           </a:xfrm>
           <a:prstGeom prst="rect">
             <a:avLst/>
@@ -31776,7 +31571,7 @@
                 <a:ea typeface="Segoe UI Black"/>
                 <a:cs typeface="Segoe UI"/>
               </a:rPr>
-              <a:t>SEBRAE/MG</a:t>
+              <a:t>SEBRAE/UF</a:t>
             </a:r>
             <a:endParaRPr lang="pt-BR" sz="1100" b="1" dirty="0">
               <a:solidFill>
@@ -31930,8 +31725,8 @@
             <a:r>
               <a:rPr lang="pt-BR" sz="900" i="1" noProof="1">
                 <a:solidFill>
-                  <a:schemeClr val="accent2">
-                    <a:lumMod val="75000"/>
+                  <a:schemeClr val="bg1">
+                    <a:lumMod val="50000"/>
                   </a:schemeClr>
                 </a:solidFill>
                 <a:latin typeface="Barlow" panose="00000500000000000000" pitchFamily="2" charset="0"/>
@@ -31942,8 +31737,8 @@
             </a:r>
             <a:endParaRPr lang="pt-BR" sz="900" i="1" noProof="1">
               <a:solidFill>
-                <a:schemeClr val="accent2">
-                  <a:lumMod val="75000"/>
+                <a:schemeClr val="bg1">
+                  <a:lumMod val="50000"/>
                 </a:schemeClr>
               </a:solidFill>
               <a:latin typeface="Barlow" panose="00000500000000000000" pitchFamily="2" charset="0"/>
@@ -32074,7 +31869,7 @@
                 <a:ea typeface="Segoe UI Black"/>
                 <a:cs typeface="Segoe UI"/>
               </a:rPr>
-              <a:t>SEBRAE/PR</a:t>
+              <a:t>SEBRAE/UF</a:t>
             </a:r>
             <a:endParaRPr lang="pt-BR" sz="1100" b="1" dirty="0">
               <a:solidFill>
@@ -32228,8 +32023,8 @@
             <a:r>
               <a:rPr lang="pt-BR" sz="900" i="1" noProof="1">
                 <a:solidFill>
-                  <a:schemeClr val="accent2">
-                    <a:lumMod val="75000"/>
+                  <a:schemeClr val="bg1">
+                    <a:lumMod val="50000"/>
                   </a:schemeClr>
                 </a:solidFill>
                 <a:latin typeface="Barlow" panose="00000500000000000000" pitchFamily="2" charset="0"/>
@@ -32240,8 +32035,8 @@
             </a:r>
             <a:endParaRPr lang="pt-BR" sz="900" i="1" noProof="1">
               <a:solidFill>
-                <a:schemeClr val="accent2">
-                  <a:lumMod val="75000"/>
+                <a:schemeClr val="bg1">
+                  <a:lumMod val="50000"/>
                 </a:schemeClr>
               </a:solidFill>
               <a:latin typeface="Barlow" panose="00000500000000000000" pitchFamily="2" charset="0"/>
@@ -32389,7 +32184,7 @@
         <p:spPr>
           <a:xfrm>
             <a:off x="25010839" y="21410958"/>
-            <a:ext cx="2857837" cy="269307"/>
+            <a:ext cx="2857837" cy="253918"/>
           </a:xfrm>
           <a:prstGeom prst="rect">
             <a:avLst/>
@@ -32404,7 +32199,7 @@
           <a:p>
             <a:pPr algn="ctr"/>
             <a:r>
-              <a:rPr lang="pt-BR" sz="1000" noProof="1">
+              <a:rPr lang="pt-BR" sz="900" b="1" noProof="1">
                 <a:solidFill>
                   <a:schemeClr val="accent1">
                     <a:lumMod val="50000"/>
@@ -32414,7 +32209,7 @@
                 <a:ea typeface="Segoe UI Black"/>
                 <a:cs typeface="Segoe UI"/>
               </a:rPr>
-              <a:t>Data Sharing (endpoint)</a:t>
+              <a:t>DATA SHARING (endpoint)</a:t>
             </a:r>
           </a:p>
         </p:txBody>
@@ -32701,90 +32496,6 @@
           </a:fontRef>
         </p:style>
       </p:cxnSp>
-      <p:pic>
-        <p:nvPicPr>
-          <p:cNvPr id="1043" name="Imagem 15">
-            <a:extLst>
-              <a:ext uri="{FF2B5EF4-FFF2-40B4-BE49-F238E27FC236}">
-                <a16:creationId xmlns:a16="http://schemas.microsoft.com/office/drawing/2014/main" id="{4A34E88B-D3F6-FF27-49B4-F69121DFBFD0}"/>
-              </a:ext>
-            </a:extLst>
-          </p:cNvPr>
-          <p:cNvPicPr>
-            <a:picLocks noChangeAspect="1"/>
-          </p:cNvPicPr>
-          <p:nvPr/>
-        </p:nvPicPr>
-        <p:blipFill>
-          <a:blip r:embed="rId17"/>
-          <a:stretch>
-            <a:fillRect/>
-          </a:stretch>
-        </p:blipFill>
-        <p:spPr>
-          <a:xfrm>
-            <a:off x="21682351" y="16963896"/>
-            <a:ext cx="409572" cy="392417"/>
-          </a:xfrm>
-          <a:prstGeom prst="rect">
-            <a:avLst/>
-          </a:prstGeom>
-        </p:spPr>
-      </p:pic>
-      <p:sp>
-        <p:nvSpPr>
-          <p:cNvPr id="1044" name="CaixaDeTexto 1043">
-            <a:extLst>
-              <a:ext uri="{FF2B5EF4-FFF2-40B4-BE49-F238E27FC236}">
-                <a16:creationId xmlns:a16="http://schemas.microsoft.com/office/drawing/2014/main" id="{2A8AE250-4B9A-56FB-967B-FA6CA6D9F8F5}"/>
-              </a:ext>
-            </a:extLst>
-          </p:cNvPr>
-          <p:cNvSpPr txBox="1"/>
-          <p:nvPr/>
-        </p:nvSpPr>
-        <p:spPr>
-          <a:xfrm>
-            <a:off x="22149595" y="16999814"/>
-            <a:ext cx="2128007" cy="288543"/>
-          </a:xfrm>
-          <a:prstGeom prst="rect">
-            <a:avLst/>
-          </a:prstGeom>
-          <a:noFill/>
-        </p:spPr>
-        <p:txBody>
-          <a:bodyPr wrap="square" lIns="114303" tIns="57151" rIns="114303" bIns="57151" rtlCol="0" anchor="t">
-            <a:spAutoFit/>
-          </a:bodyPr>
-          <a:lstStyle/>
-          <a:p>
-            <a:r>
-              <a:rPr lang="pt-BR" sz="1125" b="1" noProof="1">
-                <a:solidFill>
-                  <a:schemeClr val="accent1">
-                    <a:lumMod val="75000"/>
-                  </a:schemeClr>
-                </a:solidFill>
-                <a:latin typeface="Barlow" panose="00000500000000000000" pitchFamily="2" charset="0"/>
-                <a:ea typeface="Segoe UI Black"/>
-                <a:cs typeface="Segoe UI"/>
-              </a:rPr>
-              <a:t>Datafactory</a:t>
-            </a:r>
-            <a:endParaRPr lang="pt-BR" sz="1125" b="1" noProof="1">
-              <a:solidFill>
-                <a:schemeClr val="accent1">
-                  <a:lumMod val="75000"/>
-                </a:schemeClr>
-              </a:solidFill>
-              <a:latin typeface="Barlow" panose="00000500000000000000" pitchFamily="2" charset="0"/>
-              <a:ea typeface="Segoe UI Black" panose="020B0A02040204020203" pitchFamily="34" charset="0"/>
-              <a:cs typeface="Segoe UI" panose="020B0502040204020203" pitchFamily="34" charset="0"/>
-            </a:endParaRPr>
-          </a:p>
-        </p:txBody>
-      </p:sp>
       <p:pic>
         <p:nvPicPr>
           <p:cNvPr id="1050" name="Imagem 638">
@@ -33013,8 +32724,8 @@
         </p:blipFill>
         <p:spPr>
           <a:xfrm>
-            <a:off x="31855031" y="19461458"/>
-            <a:ext cx="372819" cy="307877"/>
+            <a:off x="31889180" y="19479047"/>
+            <a:ext cx="327087" cy="270111"/>
           </a:xfrm>
           <a:prstGeom prst="rect">
             <a:avLst/>
@@ -33159,8 +32870,8 @@
         </p:nvCxnSpPr>
         <p:spPr>
           <a:xfrm>
-            <a:off x="32524982" y="17745917"/>
-            <a:ext cx="3582" cy="2851028"/>
+            <a:off x="32524982" y="17827210"/>
+            <a:ext cx="3582" cy="2769735"/>
           </a:xfrm>
           <a:prstGeom prst="bentConnector3">
             <a:avLst>
@@ -33244,7 +32955,7 @@
         </p:blipFill>
         <p:spPr>
           <a:xfrm>
-            <a:off x="30903535" y="18457914"/>
+            <a:off x="30900466" y="18658713"/>
             <a:ext cx="522237" cy="236934"/>
           </a:xfrm>
           <a:prstGeom prst="rect">
@@ -33367,82 +33078,6 @@
           </a:p>
         </p:txBody>
       </p:sp>
-      <p:sp>
-        <p:nvSpPr>
-          <p:cNvPr id="1070" name="Retângulo 1069">
-            <a:extLst>
-              <a:ext uri="{FF2B5EF4-FFF2-40B4-BE49-F238E27FC236}">
-                <a16:creationId xmlns:a16="http://schemas.microsoft.com/office/drawing/2014/main" id="{54F59C23-90FC-1D7E-3E0E-EAB922703B7D}"/>
-              </a:ext>
-            </a:extLst>
-          </p:cNvPr>
-          <p:cNvSpPr/>
-          <p:nvPr/>
-        </p:nvSpPr>
-        <p:spPr>
-          <a:xfrm>
-            <a:off x="31161585" y="15739993"/>
-            <a:ext cx="878798" cy="473607"/>
-          </a:xfrm>
-          <a:prstGeom prst="rect">
-            <a:avLst/>
-          </a:prstGeom>
-          <a:noFill/>
-          <a:ln>
-            <a:noFill/>
-          </a:ln>
-        </p:spPr>
-        <p:style>
-          <a:lnRef idx="1">
-            <a:schemeClr val="accent2"/>
-          </a:lnRef>
-          <a:fillRef idx="2">
-            <a:schemeClr val="accent2"/>
-          </a:fillRef>
-          <a:effectRef idx="1">
-            <a:schemeClr val="accent2"/>
-          </a:effectRef>
-          <a:fontRef idx="minor">
-            <a:schemeClr val="dk1"/>
-          </a:fontRef>
-        </p:style>
-        <p:txBody>
-          <a:bodyPr lIns="114303" tIns="57151" rIns="114303" bIns="57151" rtlCol="0" anchor="ctr"/>
-          <a:lstStyle/>
-          <a:p>
-            <a:pPr marL="171450" indent="-171450">
-              <a:buFont typeface="Arial" panose="020B0604020202020204" pitchFamily="34" charset="0"/>
-              <a:buChar char="•"/>
-            </a:pPr>
-            <a:r>
-              <a:rPr lang="pt-BR" sz="700" dirty="0">
-                <a:solidFill>
-                  <a:srgbClr val="3477B2"/>
-                </a:solidFill>
-                <a:latin typeface="Barlow" panose="00000500000000000000" pitchFamily="2" charset="0"/>
-                <a:cs typeface="Calibri"/>
-              </a:rPr>
-              <a:t>Notebooks</a:t>
-            </a:r>
-          </a:p>
-          <a:p>
-            <a:pPr marL="171450" indent="-171450">
-              <a:buFont typeface="Arial" panose="020B0604020202020204" pitchFamily="34" charset="0"/>
-              <a:buChar char="•"/>
-            </a:pPr>
-            <a:r>
-              <a:rPr lang="pt-BR" sz="700" dirty="0">
-                <a:solidFill>
-                  <a:srgbClr val="3477B2"/>
-                </a:solidFill>
-                <a:latin typeface="Barlow" panose="00000500000000000000" pitchFamily="2" charset="0"/>
-                <a:cs typeface="Calibri"/>
-              </a:rPr>
-              <a:t>Exploração</a:t>
-            </a:r>
-          </a:p>
-        </p:txBody>
-      </p:sp>
       <p:pic>
         <p:nvPicPr>
           <p:cNvPr id="1075" name="Imagem 1074">
@@ -33701,7 +33336,7 @@
         </p:blipFill>
         <p:spPr>
           <a:xfrm>
-            <a:off x="30653254" y="17164069"/>
+            <a:off x="30721616" y="17554173"/>
             <a:ext cx="444968" cy="140262"/>
           </a:xfrm>
           <a:prstGeom prst="rect">
@@ -33731,7 +33366,7 @@
         </p:blipFill>
         <p:spPr>
           <a:xfrm>
-            <a:off x="31236719" y="17161831"/>
+            <a:off x="31305081" y="17551935"/>
             <a:ext cx="624123" cy="165851"/>
           </a:xfrm>
           <a:prstGeom prst="rect">
@@ -33761,7 +33396,7 @@
         </p:blipFill>
         <p:spPr>
           <a:xfrm>
-            <a:off x="30644637" y="17385833"/>
+            <a:off x="30712999" y="17775937"/>
             <a:ext cx="417639" cy="154421"/>
           </a:xfrm>
           <a:prstGeom prst="rect">
@@ -33791,7 +33426,7 @@
         </p:blipFill>
         <p:spPr>
           <a:xfrm>
-            <a:off x="31283992" y="17384261"/>
+            <a:off x="31352354" y="17774365"/>
             <a:ext cx="490279" cy="178420"/>
           </a:xfrm>
           <a:prstGeom prst="rect">
@@ -33821,7 +33456,7 @@
         </p:blipFill>
         <p:spPr>
           <a:xfrm>
-            <a:off x="31902125" y="17424956"/>
+            <a:off x="31970487" y="17815060"/>
             <a:ext cx="541389" cy="120607"/>
           </a:xfrm>
           <a:prstGeom prst="rect">
@@ -33850,7 +33485,7 @@
         </p:blipFill>
         <p:spPr>
           <a:xfrm>
-            <a:off x="32020255" y="17136648"/>
+            <a:off x="32088617" y="17526752"/>
             <a:ext cx="278465" cy="234816"/>
           </a:xfrm>
           <a:prstGeom prst="rect">
@@ -33880,8 +33515,8 @@
         </p:blipFill>
         <p:spPr>
           <a:xfrm>
-            <a:off x="30826008" y="19468947"/>
-            <a:ext cx="698766" cy="270111"/>
+            <a:off x="30708555" y="19566297"/>
+            <a:ext cx="488879" cy="188978"/>
           </a:xfrm>
           <a:prstGeom prst="rect">
             <a:avLst/>
@@ -33906,12 +33541,12 @@
         </p:nvCxnSpPr>
         <p:spPr>
           <a:xfrm>
-            <a:off x="32524982" y="17745917"/>
-            <a:ext cx="33497" cy="1771392"/>
+            <a:off x="32524982" y="17827210"/>
+            <a:ext cx="33497" cy="1690099"/>
           </a:xfrm>
           <a:prstGeom prst="bentConnector3">
             <a:avLst>
-              <a:gd name="adj1" fmla="val 441225"/>
+              <a:gd name="adj1" fmla="val 697143"/>
             </a:avLst>
           </a:prstGeom>
           <a:ln w="19050">
@@ -33961,7 +33596,7 @@
         </p:blipFill>
         <p:spPr>
           <a:xfrm>
-            <a:off x="30848268" y="18111435"/>
+            <a:off x="30809782" y="18380448"/>
             <a:ext cx="577504" cy="182593"/>
           </a:xfrm>
           <a:prstGeom prst="rect">
@@ -34028,7 +33663,7 @@
         </p:blipFill>
         <p:spPr bwMode="auto">
           <a:xfrm>
-            <a:off x="31735103" y="18418248"/>
+            <a:off x="31732034" y="18619047"/>
             <a:ext cx="452913" cy="342539"/>
           </a:xfrm>
           <a:prstGeom prst="rect">
@@ -34068,7 +33703,7 @@
         </p:blipFill>
         <p:spPr>
           <a:xfrm>
-            <a:off x="24459657" y="18493559"/>
+            <a:off x="24446773" y="18469574"/>
             <a:ext cx="1143160" cy="438211"/>
           </a:xfrm>
           <a:prstGeom prst="rect">
@@ -34137,7 +33772,7 @@
         </p:nvSpPr>
         <p:spPr>
           <a:xfrm>
-            <a:off x="22889307" y="19145997"/>
+            <a:off x="24150457" y="19146035"/>
             <a:ext cx="1363143" cy="269307"/>
           </a:xfrm>
           <a:prstGeom prst="rect">
@@ -34163,17 +33798,17 @@
                 <a:ea typeface="Segoe UI Black"/>
                 <a:cs typeface="Segoe UI"/>
               </a:rPr>
-              <a:t>spark.write</a:t>
+              <a:t>spark.read/write</a:t>
             </a:r>
           </a:p>
         </p:txBody>
       </p:sp>
       <p:sp>
         <p:nvSpPr>
-          <p:cNvPr id="1121" name="CaixaDeTexto 1120">
-            <a:extLst>
-              <a:ext uri="{FF2B5EF4-FFF2-40B4-BE49-F238E27FC236}">
-                <a16:creationId xmlns:a16="http://schemas.microsoft.com/office/drawing/2014/main" id="{1D1C5E7B-F66C-7EA1-1819-A6DDF9D5EB01}"/>
+          <p:cNvPr id="1123" name="CaixaDeTexto 1122">
+            <a:extLst>
+              <a:ext uri="{FF2B5EF4-FFF2-40B4-BE49-F238E27FC236}">
+                <a16:creationId xmlns:a16="http://schemas.microsoft.com/office/drawing/2014/main" id="{F8B50B7E-F6B3-77F2-5296-D6E6BECEEDEF}"/>
               </a:ext>
             </a:extLst>
           </p:cNvPr>
@@ -34182,8 +33817,8 @@
         </p:nvSpPr>
         <p:spPr>
           <a:xfrm>
-            <a:off x="25489955" y="19145997"/>
-            <a:ext cx="1363143" cy="269307"/>
+            <a:off x="29457590" y="20339093"/>
+            <a:ext cx="1363143" cy="253918"/>
           </a:xfrm>
           <a:prstGeom prst="rect">
             <a:avLst/>
@@ -34198,96 +33833,6 @@
           <a:p>
             <a:pPr algn="ctr"/>
             <a:r>
-              <a:rPr lang="pt-BR" sz="1000" b="1" noProof="1">
-                <a:solidFill>
-                  <a:schemeClr val="accent1">
-                    <a:lumMod val="50000"/>
-                  </a:schemeClr>
-                </a:solidFill>
-                <a:latin typeface="Barlow" panose="00000500000000000000" pitchFamily="2" charset="0"/>
-                <a:ea typeface="Segoe UI Black"/>
-                <a:cs typeface="Segoe UI"/>
-              </a:rPr>
-              <a:t>spark.write</a:t>
-            </a:r>
-          </a:p>
-        </p:txBody>
-      </p:sp>
-      <p:sp>
-        <p:nvSpPr>
-          <p:cNvPr id="1122" name="CaixaDeTexto 1121">
-            <a:extLst>
-              <a:ext uri="{FF2B5EF4-FFF2-40B4-BE49-F238E27FC236}">
-                <a16:creationId xmlns:a16="http://schemas.microsoft.com/office/drawing/2014/main" id="{9921854B-A51F-B013-3563-1AC80DBBA660}"/>
-              </a:ext>
-            </a:extLst>
-          </p:cNvPr>
-          <p:cNvSpPr txBox="1"/>
-          <p:nvPr/>
-        </p:nvSpPr>
-        <p:spPr>
-          <a:xfrm>
-            <a:off x="27580243" y="19131573"/>
-            <a:ext cx="1363143" cy="269307"/>
-          </a:xfrm>
-          <a:prstGeom prst="rect">
-            <a:avLst/>
-          </a:prstGeom>
-          <a:noFill/>
-        </p:spPr>
-        <p:txBody>
-          <a:bodyPr wrap="square" lIns="114303" tIns="57151" rIns="114303" bIns="57151" rtlCol="0" anchor="t">
-            <a:spAutoFit/>
-          </a:bodyPr>
-          <a:lstStyle/>
-          <a:p>
-            <a:pPr algn="ctr"/>
-            <a:r>
-              <a:rPr lang="pt-BR" sz="1000" b="1" noProof="1">
-                <a:solidFill>
-                  <a:schemeClr val="accent1">
-                    <a:lumMod val="50000"/>
-                  </a:schemeClr>
-                </a:solidFill>
-                <a:latin typeface="Barlow" panose="00000500000000000000" pitchFamily="2" charset="0"/>
-                <a:ea typeface="Segoe UI Black"/>
-                <a:cs typeface="Segoe UI"/>
-              </a:rPr>
-              <a:t>spark.write</a:t>
-            </a:r>
-          </a:p>
-        </p:txBody>
-      </p:sp>
-      <p:sp>
-        <p:nvSpPr>
-          <p:cNvPr id="1123" name="CaixaDeTexto 1122">
-            <a:extLst>
-              <a:ext uri="{FF2B5EF4-FFF2-40B4-BE49-F238E27FC236}">
-                <a16:creationId xmlns:a16="http://schemas.microsoft.com/office/drawing/2014/main" id="{F8B50B7E-F6B3-77F2-5296-D6E6BECEEDEF}"/>
-              </a:ext>
-            </a:extLst>
-          </p:cNvPr>
-          <p:cNvSpPr txBox="1"/>
-          <p:nvPr/>
-        </p:nvSpPr>
-        <p:spPr>
-          <a:xfrm>
-            <a:off x="29457590" y="20339093"/>
-            <a:ext cx="1363143" cy="253918"/>
-          </a:xfrm>
-          <a:prstGeom prst="rect">
-            <a:avLst/>
-          </a:prstGeom>
-          <a:noFill/>
-        </p:spPr>
-        <p:txBody>
-          <a:bodyPr wrap="square" lIns="114303" tIns="57151" rIns="114303" bIns="57151" rtlCol="0" anchor="t">
-            <a:spAutoFit/>
-          </a:bodyPr>
-          <a:lstStyle/>
-          <a:p>
-            <a:pPr algn="ctr"/>
-            <a:r>
               <a:rPr lang="pt-BR" sz="900" b="1" noProof="1">
                 <a:solidFill>
                   <a:schemeClr val="accent1">
@@ -34315,14 +33860,13 @@
           <p:cNvCxnSpPr>
             <a:cxnSpLocks/>
             <a:stCxn id="15" idx="1"/>
-            <a:endCxn id="8" idx="3"/>
           </p:cNvCxnSpPr>
           <p:nvPr/>
         </p:nvCxnSpPr>
         <p:spPr>
-          <a:xfrm flipH="1" flipV="1">
-            <a:off x="19796317" y="19588098"/>
-            <a:ext cx="1534902" cy="822757"/>
+          <a:xfrm flipH="1">
+            <a:off x="20224203" y="20410855"/>
+            <a:ext cx="1107016" cy="13331"/>
           </a:xfrm>
           <a:prstGeom prst="straightConnector1">
             <a:avLst/>
@@ -34366,7 +33910,7 @@
         </p:nvSpPr>
         <p:spPr>
           <a:xfrm>
-            <a:off x="20048659" y="16860366"/>
+            <a:off x="20302302" y="17127572"/>
             <a:ext cx="1363143" cy="253918"/>
           </a:xfrm>
           <a:prstGeom prst="rect">
@@ -34411,7 +33955,7 @@
         </p:nvSpPr>
         <p:spPr>
           <a:xfrm>
-            <a:off x="20008257" y="20149322"/>
+            <a:off x="20265209" y="20391741"/>
             <a:ext cx="1363143" cy="253918"/>
           </a:xfrm>
           <a:prstGeom prst="rect">
@@ -34483,6 +34027,312 @@
                 <a:cs typeface="Segoe UI"/>
               </a:rPr>
               <a:t>QUERY</a:t>
+            </a:r>
+          </a:p>
+        </p:txBody>
+      </p:sp>
+      <p:sp>
+        <p:nvSpPr>
+          <p:cNvPr id="153" name="Retângulo 152">
+            <a:extLst>
+              <a:ext uri="{FF2B5EF4-FFF2-40B4-BE49-F238E27FC236}">
+                <a16:creationId xmlns:a16="http://schemas.microsoft.com/office/drawing/2014/main" id="{C240FA35-1729-AC18-83D2-B50B62607B8E}"/>
+              </a:ext>
+            </a:extLst>
+          </p:cNvPr>
+          <p:cNvSpPr/>
+          <p:nvPr/>
+        </p:nvSpPr>
+        <p:spPr>
+          <a:xfrm>
+            <a:off x="30416431" y="16826264"/>
+            <a:ext cx="2284985" cy="548377"/>
+          </a:xfrm>
+          <a:prstGeom prst="rect">
+            <a:avLst/>
+          </a:prstGeom>
+          <a:noFill/>
+          <a:ln>
+            <a:noFill/>
+          </a:ln>
+        </p:spPr>
+        <p:style>
+          <a:lnRef idx="1">
+            <a:schemeClr val="accent2"/>
+          </a:lnRef>
+          <a:fillRef idx="2">
+            <a:schemeClr val="accent2"/>
+          </a:fillRef>
+          <a:effectRef idx="1">
+            <a:schemeClr val="accent2"/>
+          </a:effectRef>
+          <a:fontRef idx="minor">
+            <a:schemeClr val="dk1"/>
+          </a:fontRef>
+        </p:style>
+        <p:txBody>
+          <a:bodyPr lIns="114303" tIns="57151" rIns="114303" bIns="57151" rtlCol="0" anchor="ctr"/>
+          <a:lstStyle/>
+          <a:p>
+            <a:pPr algn="ctr"/>
+            <a:r>
+              <a:rPr lang="pt-BR" sz="1375" b="1" dirty="0">
+                <a:solidFill>
+                  <a:srgbClr val="3477B2"/>
+                </a:solidFill>
+                <a:latin typeface="Barlow" panose="00000500000000000000" pitchFamily="2" charset="0"/>
+                <a:cs typeface="Calibri"/>
+              </a:rPr>
+              <a:t>CONSUMO</a:t>
+            </a:r>
+          </a:p>
+          <a:p>
+            <a:pPr algn="ctr"/>
+            <a:r>
+              <a:rPr lang="pt-BR" sz="1100" i="1" dirty="0">
+                <a:solidFill>
+                  <a:srgbClr val="3477B2"/>
+                </a:solidFill>
+                <a:latin typeface="Barlow" panose="00000500000000000000" pitchFamily="2" charset="0"/>
+                <a:cs typeface="Calibri"/>
+              </a:rPr>
+              <a:t>Análise de dados Machine Learming</a:t>
+            </a:r>
+            <a:endParaRPr lang="pt-BR" sz="2000" dirty="0">
+              <a:latin typeface="Barlow" panose="00000500000000000000" pitchFamily="2" charset="0"/>
+            </a:endParaRPr>
+          </a:p>
+        </p:txBody>
+      </p:sp>
+      <p:sp>
+        <p:nvSpPr>
+          <p:cNvPr id="1046" name="CaixaDeTexto 1045">
+            <a:extLst>
+              <a:ext uri="{FF2B5EF4-FFF2-40B4-BE49-F238E27FC236}">
+                <a16:creationId xmlns:a16="http://schemas.microsoft.com/office/drawing/2014/main" id="{315B91F9-C0A4-A97C-73E6-C80603CBBF99}"/>
+              </a:ext>
+            </a:extLst>
+          </p:cNvPr>
+          <p:cNvSpPr txBox="1"/>
+          <p:nvPr/>
+        </p:nvSpPr>
+        <p:spPr>
+          <a:xfrm>
+            <a:off x="32110663" y="19502142"/>
+            <a:ext cx="459918" cy="207751"/>
+          </a:xfrm>
+          <a:prstGeom prst="rect">
+            <a:avLst/>
+          </a:prstGeom>
+          <a:noFill/>
+        </p:spPr>
+        <p:txBody>
+          <a:bodyPr wrap="square" lIns="114303" tIns="57151" rIns="114303" bIns="57151" rtlCol="0" anchor="t">
+            <a:spAutoFit/>
+          </a:bodyPr>
+          <a:lstStyle/>
+          <a:p>
+            <a:pPr algn="ctr"/>
+            <a:r>
+              <a:rPr lang="pt-BR" sz="600" b="1" noProof="1">
+                <a:solidFill>
+                  <a:schemeClr val="accent1"/>
+                </a:solidFill>
+                <a:latin typeface="Barlow" panose="00000500000000000000" pitchFamily="2" charset="0"/>
+                <a:ea typeface="Segoe UI Black"/>
+                <a:cs typeface="Segoe UI"/>
+              </a:rPr>
+              <a:t>SSAS</a:t>
+            </a:r>
+            <a:endParaRPr lang="pt-BR" sz="900" b="1" noProof="1">
+              <a:solidFill>
+                <a:schemeClr val="accent1"/>
+              </a:solidFill>
+              <a:latin typeface="Barlow" panose="00000500000000000000" pitchFamily="2" charset="0"/>
+              <a:ea typeface="Segoe UI Black"/>
+              <a:cs typeface="Segoe UI"/>
+            </a:endParaRPr>
+          </a:p>
+        </p:txBody>
+      </p:sp>
+      <p:pic>
+        <p:nvPicPr>
+          <p:cNvPr id="1049" name="Picture 4" descr="Altinity — The Enterprise Guide to ClickHouse">
+            <a:extLst>
+              <a:ext uri="{FF2B5EF4-FFF2-40B4-BE49-F238E27FC236}">
+                <a16:creationId xmlns:a16="http://schemas.microsoft.com/office/drawing/2014/main" id="{AEBEB9D9-41B5-C490-2500-016E5BB8A71A}"/>
+              </a:ext>
+            </a:extLst>
+          </p:cNvPr>
+          <p:cNvPicPr>
+            <a:picLocks noChangeAspect="1" noChangeArrowheads="1"/>
+          </p:cNvPicPr>
+          <p:nvPr/>
+        </p:nvPicPr>
+        <p:blipFill>
+          <a:blip r:embed="rId38">
+            <a:extLst>
+              <a:ext uri="{28A0092B-C50C-407E-A947-70E740481C1C}">
+                <a14:useLocalDpi xmlns:a14="http://schemas.microsoft.com/office/drawing/2010/main" val="0"/>
+              </a:ext>
+            </a:extLst>
+          </a:blip>
+          <a:srcRect/>
+          <a:stretch>
+            <a:fillRect/>
+          </a:stretch>
+        </p:blipFill>
+        <p:spPr bwMode="auto">
+          <a:xfrm>
+            <a:off x="31394629" y="19503078"/>
+            <a:ext cx="373267" cy="236172"/>
+          </a:xfrm>
+          <a:prstGeom prst="rect">
+            <a:avLst/>
+          </a:prstGeom>
+          <a:noFill/>
+          <a:extLst>
+            <a:ext uri="{909E8E84-426E-40DD-AFC4-6F175D3DCCD1}">
+              <a14:hiddenFill xmlns:a14="http://schemas.microsoft.com/office/drawing/2010/main">
+                <a:solidFill>
+                  <a:srgbClr val="FFFFFF"/>
+                </a:solidFill>
+              </a14:hiddenFill>
+            </a:ext>
+          </a:extLst>
+        </p:spPr>
+      </p:pic>
+      <p:pic>
+        <p:nvPicPr>
+          <p:cNvPr id="1056" name="Picture 6" descr="Cloud Composer で Airflow 環境を立ち上げて、GCS から BigQuery へのデータロードを実行してみた ...">
+            <a:extLst>
+              <a:ext uri="{FF2B5EF4-FFF2-40B4-BE49-F238E27FC236}">
+                <a16:creationId xmlns:a16="http://schemas.microsoft.com/office/drawing/2014/main" id="{304E67E0-3785-B0AD-44B5-0A742E5012C9}"/>
+              </a:ext>
+            </a:extLst>
+          </p:cNvPr>
+          <p:cNvPicPr>
+            <a:picLocks noChangeAspect="1" noChangeArrowheads="1"/>
+          </p:cNvPicPr>
+          <p:nvPr/>
+        </p:nvPicPr>
+        <p:blipFill rotWithShape="1">
+          <a:blip r:embed="rId39">
+            <a:extLst>
+              <a:ext uri="{28A0092B-C50C-407E-A947-70E740481C1C}">
+                <a14:useLocalDpi xmlns:a14="http://schemas.microsoft.com/office/drawing/2010/main" val="0"/>
+              </a:ext>
+            </a:extLst>
+          </a:blip>
+          <a:srcRect l="10803" t="18344" r="7923" b="17507"/>
+          <a:stretch/>
+        </p:blipFill>
+        <p:spPr bwMode="auto">
+          <a:xfrm>
+            <a:off x="22636356" y="16985305"/>
+            <a:ext cx="797238" cy="330363"/>
+          </a:xfrm>
+          <a:prstGeom prst="rect">
+            <a:avLst/>
+          </a:prstGeom>
+          <a:noFill/>
+          <a:extLst>
+            <a:ext uri="{909E8E84-426E-40DD-AFC4-6F175D3DCCD1}">
+              <a14:hiddenFill xmlns:a14="http://schemas.microsoft.com/office/drawing/2010/main">
+                <a:solidFill>
+                  <a:srgbClr val="FFFFFF"/>
+                </a:solidFill>
+              </a14:hiddenFill>
+            </a:ext>
+          </a:extLst>
+        </p:spPr>
+      </p:pic>
+      <p:pic>
+        <p:nvPicPr>
+          <p:cNvPr id="1063" name="Picture 8" descr="Next Pathway - About">
+            <a:extLst>
+              <a:ext uri="{FF2B5EF4-FFF2-40B4-BE49-F238E27FC236}">
+                <a16:creationId xmlns:a16="http://schemas.microsoft.com/office/drawing/2014/main" id="{B7814010-2062-6D61-8B30-178C5CDC1595}"/>
+              </a:ext>
+            </a:extLst>
+          </p:cNvPr>
+          <p:cNvPicPr>
+            <a:picLocks noChangeAspect="1" noChangeArrowheads="1"/>
+          </p:cNvPicPr>
+          <p:nvPr/>
+        </p:nvPicPr>
+        <p:blipFill rotWithShape="1">
+          <a:blip r:embed="rId40">
+            <a:extLst>
+              <a:ext uri="{28A0092B-C50C-407E-A947-70E740481C1C}">
+                <a14:useLocalDpi xmlns:a14="http://schemas.microsoft.com/office/drawing/2010/main" val="0"/>
+              </a:ext>
+            </a:extLst>
+          </a:blip>
+          <a:srcRect l="14797" t="11725" r="14683" b="14910"/>
+          <a:stretch/>
+        </p:blipFill>
+        <p:spPr bwMode="auto">
+          <a:xfrm>
+            <a:off x="21538270" y="16974590"/>
+            <a:ext cx="1029543" cy="311725"/>
+          </a:xfrm>
+          <a:prstGeom prst="rect">
+            <a:avLst/>
+          </a:prstGeom>
+          <a:noFill/>
+          <a:extLst>
+            <a:ext uri="{909E8E84-426E-40DD-AFC4-6F175D3DCCD1}">
+              <a14:hiddenFill xmlns:a14="http://schemas.microsoft.com/office/drawing/2010/main">
+                <a:solidFill>
+                  <a:srgbClr val="FFFFFF"/>
+                </a:solidFill>
+              </a14:hiddenFill>
+            </a:ext>
+          </a:extLst>
+        </p:spPr>
+      </p:pic>
+      <p:sp>
+        <p:nvSpPr>
+          <p:cNvPr id="1084" name="CaixaDeTexto 1083">
+            <a:extLst>
+              <a:ext uri="{FF2B5EF4-FFF2-40B4-BE49-F238E27FC236}">
+                <a16:creationId xmlns:a16="http://schemas.microsoft.com/office/drawing/2014/main" id="{B510BD18-16C1-4634-9F8A-FF3FF6E3F2A5}"/>
+              </a:ext>
+            </a:extLst>
+          </p:cNvPr>
+          <p:cNvSpPr txBox="1"/>
+          <p:nvPr/>
+        </p:nvSpPr>
+        <p:spPr>
+          <a:xfrm>
+            <a:off x="32123812" y="18931479"/>
+            <a:ext cx="1363143" cy="253918"/>
+          </a:xfrm>
+          <a:prstGeom prst="rect">
+            <a:avLst/>
+          </a:prstGeom>
+          <a:noFill/>
+        </p:spPr>
+        <p:txBody>
+          <a:bodyPr wrap="square" lIns="114303" tIns="57151" rIns="114303" bIns="57151" rtlCol="0" anchor="t">
+            <a:spAutoFit/>
+          </a:bodyPr>
+          <a:lstStyle/>
+          <a:p>
+            <a:pPr algn="ctr"/>
+            <a:r>
+              <a:rPr lang="pt-BR" sz="900" b="1" noProof="1">
+                <a:solidFill>
+                  <a:schemeClr val="accent1">
+                    <a:lumMod val="50000"/>
+                  </a:schemeClr>
+                </a:solidFill>
+                <a:latin typeface="Barlow" panose="00000500000000000000" pitchFamily="2" charset="0"/>
+                <a:ea typeface="Segoe UI Black"/>
+                <a:cs typeface="Segoe UI"/>
+              </a:rPr>
+              <a:t>CONNECT</a:t>
             </a:r>
           </a:p>
         </p:txBody>
